--- a/docs/8700AI/game in AI.pptx
+++ b/docs/8700AI/game in AI.pptx
@@ -5,17 +5,19 @@
     <p:sldMasterId id="2147483648" r:id="rId1"/>
   </p:sldMasterIdLst>
   <p:notesMasterIdLst>
-    <p:notesMasterId r:id="rId10"/>
+    <p:notesMasterId r:id="rId12"/>
   </p:notesMasterIdLst>
   <p:sldIdLst>
     <p:sldId id="271" r:id="rId2"/>
-    <p:sldId id="273" r:id="rId3"/>
-    <p:sldId id="274" r:id="rId4"/>
-    <p:sldId id="270" r:id="rId5"/>
-    <p:sldId id="275" r:id="rId6"/>
-    <p:sldId id="276" r:id="rId7"/>
-    <p:sldId id="267" r:id="rId8"/>
-    <p:sldId id="268" r:id="rId9"/>
+    <p:sldId id="280" r:id="rId3"/>
+    <p:sldId id="285" r:id="rId4"/>
+    <p:sldId id="277" r:id="rId5"/>
+    <p:sldId id="281" r:id="rId6"/>
+    <p:sldId id="282" r:id="rId7"/>
+    <p:sldId id="279" r:id="rId8"/>
+    <p:sldId id="278" r:id="rId9"/>
+    <p:sldId id="283" r:id="rId10"/>
+    <p:sldId id="284" r:id="rId11"/>
   </p:sldIdLst>
   <p:sldSz cx="12192000" cy="6858000"/>
   <p:notesSz cx="7315200" cy="9601200"/>
@@ -120,34 +122,27 @@
         <p14:section name="Default Section" id="{DFBCB859-5829-4DAD-968C-855CAF8F7639}">
           <p14:sldIdLst/>
         </p14:section>
-        <p14:section name="Game-Playing Programs - Xinmeng Yuan" id="{B875D508-DDA8-4887-83A9-A39027F2146C}">
-          <p14:sldIdLst/>
-        </p14:section>
-        <p14:section name="Game Playing - Wen" id="{E5806BFB-FF23-457C-A436-6BFA3D529D15}">
+        <p14:section name="Other Games - Wen" id="{E5806BFB-FF23-457C-A436-6BFA3D529D15}">
           <p14:sldIdLst>
             <p14:sldId id="271"/>
-            <p14:sldId id="273"/>
-            <p14:sldId id="274"/>
-            <p14:sldId id="270"/>
-            <p14:sldId id="275"/>
-            <p14:sldId id="276"/>
-            <p14:sldId id="267"/>
-            <p14:sldId id="268"/>
+            <p14:sldId id="280"/>
+            <p14:sldId id="285"/>
+            <p14:sldId id="277"/>
+            <p14:sldId id="281"/>
+            <p14:sldId id="282"/>
+            <p14:sldId id="279"/>
+            <p14:sldId id="278"/>
+            <p14:sldId id="283"/>
+            <p14:sldId id="284"/>
           </p14:sldIdLst>
-        </p14:section>
-        <p14:section name="TD-GAMMON - Xinyu Ji" id="{988CC6AA-4E71-415F-80B3-8948860F0982}">
-          <p14:sldIdLst/>
-        </p14:section>
-        <p14:section name="Games - Ruiting Liu" id="{8CADDDEE-5FAA-461F-86B3-C94F4C2BEA12}">
-          <p14:sldIdLst/>
-        </p14:section>
-        <p14:section name="Computer Games - Mengyao Liao" id="{6C6559AC-BB9E-40F8-A21E-E011E3D6CDB0}">
-          <p14:sldIdLst/>
         </p14:section>
       </p14:sectionLst>
     </p:ext>
     <p:ext uri="{EFAFB233-063F-42B5-8137-9DF3F51BA10A}">
       <p15:sldGuideLst xmlns:p15="http://schemas.microsoft.com/office/powerpoint/2012/main"/>
+    </p:ext>
+    <p:ext uri="{2D200454-40CA-4A62-9FC3-DE9A4176ACB9}">
+      <p15:notesGuideLst xmlns:p15="http://schemas.microsoft.com/office/powerpoint/2012/main"/>
     </p:ext>
   </p:extLst>
 </p:presentation>
@@ -235,7 +230,7 @@
           <a:p>
             <a:fld id="{B2066369-AF0B-44AB-AE7B-8626CDC5EBE5}" type="datetimeFigureOut">
               <a:rPr lang="en-CA" smtClean="0"/>
-              <a:t>2020-10-02</a:t>
+              <a:t>2020-10-11</a:t>
             </a:fld>
             <a:endParaRPr lang="en-CA"/>
           </a:p>
@@ -547,10 +542,6 @@
           <a:bodyPr/>
           <a:lstStyle/>
           <a:p>
-            <a:r>
-              <a:rPr lang="en-US" dirty="0"/>
-              <a:t>John McCarthy (September 4, 1927 – October 24, 2011) was an American computer scientist and cognitive scientist. McCarthy was one of the founders of the discipline of artificial intelligence.[1]</a:t>
-            </a:r>
             <a:endParaRPr lang="en-CA" dirty="0"/>
           </a:p>
         </p:txBody>
@@ -582,6 +573,543 @@
     <p:extLst>
       <p:ext uri="{BB962C8B-B14F-4D97-AF65-F5344CB8AC3E}">
         <p14:creationId xmlns:p14="http://schemas.microsoft.com/office/powerpoint/2010/main" val="499350680"/>
+      </p:ext>
+    </p:extLst>
+  </p:cSld>
+  <p:clrMapOvr>
+    <a:masterClrMapping/>
+  </p:clrMapOvr>
+</p:notes>
+</file>
+
+<file path=ppt/notesSlides/notesSlide10.xml><?xml version="1.0" encoding="utf-8"?>
+<p:notes xmlns:a="http://schemas.openxmlformats.org/drawingml/2006/main" xmlns:r="http://schemas.openxmlformats.org/officeDocument/2006/relationships" xmlns:p="http://schemas.openxmlformats.org/presentationml/2006/main">
+  <p:cSld>
+    <p:spTree>
+      <p:nvGrpSpPr>
+        <p:cNvPr id="1" name=""/>
+        <p:cNvGrpSpPr/>
+        <p:nvPr/>
+      </p:nvGrpSpPr>
+      <p:grpSpPr>
+        <a:xfrm>
+          <a:off x="0" y="0"/>
+          <a:ext cx="0" cy="0"/>
+          <a:chOff x="0" y="0"/>
+          <a:chExt cx="0" cy="0"/>
+        </a:xfrm>
+      </p:grpSpPr>
+      <p:sp>
+        <p:nvSpPr>
+          <p:cNvPr id="2" name="Slide Image Placeholder 1"/>
+          <p:cNvSpPr>
+            <a:spLocks noGrp="1" noRot="1" noChangeAspect="1"/>
+          </p:cNvSpPr>
+          <p:nvPr>
+            <p:ph type="sldImg"/>
+          </p:nvPr>
+        </p:nvSpPr>
+        <p:spPr/>
+      </p:sp>
+      <p:sp>
+        <p:nvSpPr>
+          <p:cNvPr id="3" name="Notes Placeholder 2"/>
+          <p:cNvSpPr>
+            <a:spLocks noGrp="1"/>
+          </p:cNvSpPr>
+          <p:nvPr>
+            <p:ph type="body" idx="1"/>
+          </p:nvPr>
+        </p:nvSpPr>
+        <p:spPr/>
+        <p:txBody>
+          <a:bodyPr/>
+          <a:lstStyle/>
+          <a:p>
+            <a:pPr algn="l"/>
+            <a:r>
+              <a:rPr lang="en-US" sz="2800" b="0" i="0" dirty="0">
+                <a:solidFill>
+                  <a:srgbClr val="123693"/>
+                </a:solidFill>
+                <a:effectLst/>
+                <a:latin typeface="Deepmind Sans"/>
+              </a:rPr>
+              <a:t>Deep learning</a:t>
+            </a:r>
+          </a:p>
+          <a:p>
+            <a:pPr algn="l"/>
+            <a:r>
+              <a:rPr lang="en-US" sz="1200" b="0" i="0" u="none" strike="noStrike" baseline="0" dirty="0">
+                <a:latin typeface="Times-Roman"/>
+              </a:rPr>
+              <a:t>We have looked at a variety of games to understand what optimal play means and to understand</a:t>
+            </a:r>
+          </a:p>
+          <a:p>
+            <a:pPr algn="l"/>
+            <a:r>
+              <a:rPr lang="en-US" sz="1200" b="0" i="0" u="none" strike="noStrike" baseline="0" dirty="0">
+                <a:latin typeface="Times-Roman"/>
+              </a:rPr>
+              <a:t>how to play well in practice. The most important ideas are as follows:</a:t>
+            </a:r>
+          </a:p>
+          <a:p>
+            <a:pPr algn="l"/>
+            <a:r>
+              <a:rPr lang="en-US" sz="1200" b="0" i="0" u="none" strike="noStrike" baseline="0" dirty="0">
+                <a:latin typeface="CMSY10"/>
+              </a:rPr>
+              <a:t>• </a:t>
+            </a:r>
+            <a:r>
+              <a:rPr lang="en-US" sz="1200" b="0" i="0" u="none" strike="noStrike" baseline="0" dirty="0">
+                <a:latin typeface="Times-Roman"/>
+              </a:rPr>
+              <a:t>A game can be defined by the </a:t>
+            </a:r>
+            <a:r>
+              <a:rPr lang="en-US" sz="1200" b="1" i="0" u="none" strike="noStrike" baseline="0" dirty="0">
+                <a:latin typeface="Times-Bold"/>
+              </a:rPr>
+              <a:t>initial state </a:t>
+            </a:r>
+            <a:r>
+              <a:rPr lang="en-US" sz="1200" b="0" i="0" u="none" strike="noStrike" baseline="0" dirty="0">
+                <a:latin typeface="Times-Roman"/>
+              </a:rPr>
+              <a:t>(how the board is set up), the legal </a:t>
+            </a:r>
+            <a:r>
+              <a:rPr lang="en-US" sz="1200" b="1" i="0" u="none" strike="noStrike" baseline="0" dirty="0">
+                <a:latin typeface="Times-Bold"/>
+              </a:rPr>
+              <a:t>actions</a:t>
+            </a:r>
+          </a:p>
+          <a:p>
+            <a:pPr algn="l"/>
+            <a:r>
+              <a:rPr lang="en-US" sz="1200" b="0" i="0" u="none" strike="noStrike" baseline="0" dirty="0">
+                <a:latin typeface="Times-Roman"/>
+              </a:rPr>
+              <a:t>in each state, the </a:t>
+            </a:r>
+            <a:r>
+              <a:rPr lang="en-US" sz="1200" b="1" i="0" u="none" strike="noStrike" baseline="0" dirty="0">
+                <a:latin typeface="Times-Bold"/>
+              </a:rPr>
+              <a:t>result </a:t>
+            </a:r>
+            <a:r>
+              <a:rPr lang="en-US" sz="1200" b="0" i="0" u="none" strike="noStrike" baseline="0" dirty="0">
+                <a:latin typeface="Times-Roman"/>
+              </a:rPr>
+              <a:t>of each action, a </a:t>
+            </a:r>
+            <a:r>
+              <a:rPr lang="en-US" sz="1200" b="1" i="0" u="none" strike="noStrike" baseline="0" dirty="0">
+                <a:latin typeface="Times-Bold"/>
+              </a:rPr>
+              <a:t>terminal test </a:t>
+            </a:r>
+            <a:r>
+              <a:rPr lang="en-US" sz="1200" b="0" i="0" u="none" strike="noStrike" baseline="0" dirty="0">
+                <a:latin typeface="Times-Roman"/>
+              </a:rPr>
+              <a:t>(which says when the game is</a:t>
+            </a:r>
+          </a:p>
+          <a:p>
+            <a:pPr algn="l"/>
+            <a:r>
+              <a:rPr lang="en-US" sz="1200" b="0" i="0" u="none" strike="noStrike" baseline="0" dirty="0">
+                <a:latin typeface="Times-Roman"/>
+              </a:rPr>
+              <a:t>over), and a </a:t>
+            </a:r>
+            <a:r>
+              <a:rPr lang="en-US" sz="1200" b="1" i="0" u="none" strike="noStrike" baseline="0" dirty="0">
+                <a:latin typeface="Times-Bold"/>
+              </a:rPr>
+              <a:t>utility function </a:t>
+            </a:r>
+            <a:r>
+              <a:rPr lang="en-US" sz="1200" b="0" i="0" u="none" strike="noStrike" baseline="0" dirty="0">
+                <a:latin typeface="Times-Roman"/>
+              </a:rPr>
+              <a:t>that applies to terminal states.</a:t>
+            </a:r>
+          </a:p>
+          <a:p>
+            <a:pPr algn="l"/>
+            <a:r>
+              <a:rPr lang="en-US" sz="1200" b="0" i="0" u="none" strike="noStrike" baseline="0" dirty="0">
+                <a:latin typeface="CMSY10"/>
+              </a:rPr>
+              <a:t>• </a:t>
+            </a:r>
+            <a:r>
+              <a:rPr lang="en-US" sz="1200" b="0" i="0" u="none" strike="noStrike" baseline="0" dirty="0">
+                <a:latin typeface="Times-Roman"/>
+              </a:rPr>
+              <a:t>In two-player zero-sum games with </a:t>
+            </a:r>
+            <a:r>
+              <a:rPr lang="en-US" sz="1200" b="1" i="0" u="none" strike="noStrike" baseline="0" dirty="0">
+                <a:latin typeface="Times-Bold"/>
+              </a:rPr>
+              <a:t>perfect information</a:t>
+            </a:r>
+            <a:r>
+              <a:rPr lang="en-US" sz="1200" b="0" i="0" u="none" strike="noStrike" baseline="0" dirty="0">
+                <a:latin typeface="Times-Roman"/>
+              </a:rPr>
+              <a:t>, the </a:t>
+            </a:r>
+            <a:r>
+              <a:rPr lang="en-US" sz="1200" b="1" i="0" u="none" strike="noStrike" baseline="0" dirty="0">
+                <a:latin typeface="Times-Bold"/>
+              </a:rPr>
+              <a:t>minimax </a:t>
+            </a:r>
+            <a:r>
+              <a:rPr lang="en-US" sz="1200" b="0" i="0" u="none" strike="noStrike" baseline="0" dirty="0">
+                <a:latin typeface="Times-Roman"/>
+              </a:rPr>
+              <a:t>algorithm can</a:t>
+            </a:r>
+          </a:p>
+          <a:p>
+            <a:pPr algn="l"/>
+            <a:r>
+              <a:rPr lang="en-US" sz="1200" b="0" i="0" u="none" strike="noStrike" baseline="0" dirty="0">
+                <a:latin typeface="Times-Roman"/>
+              </a:rPr>
+              <a:t>select optimal moves by a depth-first enumeration of the game tree.</a:t>
+            </a:r>
+          </a:p>
+          <a:p>
+            <a:pPr algn="l"/>
+            <a:r>
+              <a:rPr lang="en-US" sz="1200" b="0" i="0" u="none" strike="noStrike" baseline="0" dirty="0">
+                <a:latin typeface="CMSY10"/>
+              </a:rPr>
+              <a:t>• </a:t>
+            </a:r>
+            <a:r>
+              <a:rPr lang="en-US" sz="1200" b="0" i="0" u="none" strike="noStrike" baseline="0" dirty="0">
+                <a:latin typeface="Times-Roman"/>
+              </a:rPr>
+              <a:t>The </a:t>
+            </a:r>
+            <a:r>
+              <a:rPr lang="en-US" sz="1200" b="1" i="0" u="none" strike="noStrike" baseline="0" dirty="0">
+                <a:latin typeface="Times-Bold"/>
+              </a:rPr>
+              <a:t>alpha–beta </a:t>
+            </a:r>
+            <a:r>
+              <a:rPr lang="en-US" sz="1200" b="0" i="0" u="none" strike="noStrike" baseline="0" dirty="0">
+                <a:latin typeface="Times-Roman"/>
+              </a:rPr>
+              <a:t>search algorithm computes the same optimal move as minimax, but</a:t>
+            </a:r>
+          </a:p>
+          <a:p>
+            <a:pPr algn="l"/>
+            <a:r>
+              <a:rPr lang="en-US" sz="1200" b="0" i="0" u="none" strike="noStrike" baseline="0" dirty="0">
+                <a:latin typeface="Times-Roman"/>
+              </a:rPr>
+              <a:t>achieves much greater efficiency by eliminating subtrees that are provably irrelevant.</a:t>
+            </a:r>
+          </a:p>
+          <a:p>
+            <a:pPr algn="l"/>
+            <a:r>
+              <a:rPr lang="en-US" sz="1200" b="0" i="0" u="none" strike="noStrike" baseline="0" dirty="0">
+                <a:latin typeface="CMSY10"/>
+              </a:rPr>
+              <a:t>• </a:t>
+            </a:r>
+            <a:r>
+              <a:rPr lang="en-US" sz="1200" b="0" i="0" u="none" strike="noStrike" baseline="0" dirty="0">
+                <a:latin typeface="Times-Roman"/>
+              </a:rPr>
+              <a:t>Usually, it is not feasible to consider the whole game tree (even with alpha–beta), so we</a:t>
+            </a:r>
+          </a:p>
+          <a:p>
+            <a:pPr algn="l"/>
+            <a:r>
+              <a:rPr lang="en-US" sz="1200" b="0" i="0" u="none" strike="noStrike" baseline="0" dirty="0">
+                <a:latin typeface="Times-Roman"/>
+              </a:rPr>
+              <a:t>need to cut the search off at some point and apply a heuristic </a:t>
+            </a:r>
+            <a:r>
+              <a:rPr lang="en-US" sz="1200" b="1" i="0" u="none" strike="noStrike" baseline="0" dirty="0">
+                <a:latin typeface="Times-Bold"/>
+              </a:rPr>
+              <a:t>evaluation function </a:t>
+            </a:r>
+            <a:r>
+              <a:rPr lang="en-US" sz="1200" b="0" i="0" u="none" strike="noStrike" baseline="0" dirty="0">
+                <a:latin typeface="Times-Roman"/>
+              </a:rPr>
+              <a:t>that</a:t>
+            </a:r>
+          </a:p>
+          <a:p>
+            <a:pPr algn="l"/>
+            <a:r>
+              <a:rPr lang="en-US" sz="1200" b="0" i="0" u="none" strike="noStrike" baseline="0" dirty="0">
+                <a:latin typeface="Times-Roman"/>
+              </a:rPr>
+              <a:t>estimates the utility of a state.</a:t>
+            </a:r>
+          </a:p>
+          <a:p>
+            <a:pPr algn="l"/>
+            <a:r>
+              <a:rPr lang="en-US" sz="1200" b="0" i="0" u="none" strike="noStrike" baseline="0" dirty="0">
+                <a:latin typeface="CMSY10"/>
+              </a:rPr>
+              <a:t>• </a:t>
+            </a:r>
+            <a:r>
+              <a:rPr lang="en-US" sz="1200" b="0" i="0" u="none" strike="noStrike" baseline="0" dirty="0">
+                <a:latin typeface="Times-Roman"/>
+              </a:rPr>
+              <a:t>Many game programs precompute tables of best moves in the opening and endgame so</a:t>
+            </a:r>
+          </a:p>
+          <a:p>
+            <a:pPr algn="l"/>
+            <a:r>
+              <a:rPr lang="en-US" sz="1200" b="0" i="0" u="none" strike="noStrike" baseline="0" dirty="0">
+                <a:latin typeface="Times-Roman"/>
+              </a:rPr>
+              <a:t>that they can look up a move rather than search.</a:t>
+            </a:r>
+          </a:p>
+          <a:p>
+            <a:pPr algn="l"/>
+            <a:r>
+              <a:rPr lang="en-US" sz="1200" b="0" i="0" u="none" strike="noStrike" baseline="0" dirty="0">
+                <a:latin typeface="CMSY10"/>
+              </a:rPr>
+              <a:t>• </a:t>
+            </a:r>
+            <a:r>
+              <a:rPr lang="en-US" sz="1200" b="0" i="0" u="none" strike="noStrike" baseline="0" dirty="0">
+                <a:latin typeface="Times-Roman"/>
+              </a:rPr>
+              <a:t>Games of chance can be handled by an extension to the minimax algorithm that evaluates</a:t>
+            </a:r>
+          </a:p>
+          <a:p>
+            <a:pPr algn="l"/>
+            <a:r>
+              <a:rPr lang="en-US" sz="1200" b="0" i="0" u="none" strike="noStrike" baseline="0" dirty="0">
+                <a:latin typeface="Times-Roman"/>
+              </a:rPr>
+              <a:t>a </a:t>
+            </a:r>
+            <a:r>
+              <a:rPr lang="en-US" sz="1200" b="1" i="0" u="none" strike="noStrike" baseline="0" dirty="0">
+                <a:latin typeface="Times-Bold"/>
+              </a:rPr>
+              <a:t>chance node </a:t>
+            </a:r>
+            <a:r>
+              <a:rPr lang="en-US" sz="1200" b="0" i="0" u="none" strike="noStrike" baseline="0" dirty="0">
+                <a:latin typeface="Times-Roman"/>
+              </a:rPr>
+              <a:t>by taking the average utility of all its children, weighted by the</a:t>
+            </a:r>
+          </a:p>
+          <a:p>
+            <a:pPr algn="l"/>
+            <a:r>
+              <a:rPr lang="en-US" sz="1200" b="0" i="0" u="none" strike="noStrike" baseline="0" dirty="0">
+                <a:latin typeface="Times-Roman"/>
+              </a:rPr>
+              <a:t>probability of each child.</a:t>
+            </a:r>
+          </a:p>
+          <a:p>
+            <a:pPr algn="l"/>
+            <a:r>
+              <a:rPr lang="en-US" sz="1200" b="0" i="0" u="none" strike="noStrike" baseline="0" dirty="0">
+                <a:latin typeface="CMSY10"/>
+              </a:rPr>
+              <a:t>• </a:t>
+            </a:r>
+            <a:r>
+              <a:rPr lang="en-US" sz="1200" b="0" i="0" u="none" strike="noStrike" baseline="0" dirty="0">
+                <a:latin typeface="Times-Roman"/>
+              </a:rPr>
+              <a:t>Optimal play in games of </a:t>
+            </a:r>
+            <a:r>
+              <a:rPr lang="en-US" sz="1200" b="1" i="0" u="none" strike="noStrike" baseline="0" dirty="0">
+                <a:latin typeface="Times-Bold"/>
+              </a:rPr>
+              <a:t>imperfect information</a:t>
+            </a:r>
+            <a:r>
+              <a:rPr lang="en-US" sz="1200" b="0" i="0" u="none" strike="noStrike" baseline="0" dirty="0">
+                <a:latin typeface="Times-Roman"/>
+              </a:rPr>
+              <a:t>, such as </a:t>
+            </a:r>
+            <a:r>
+              <a:rPr lang="en-US" sz="1200" b="0" i="0" u="none" strike="noStrike" baseline="0" dirty="0" err="1">
+                <a:latin typeface="Times-Roman"/>
+              </a:rPr>
+              <a:t>Kriegspiel</a:t>
+            </a:r>
+            <a:r>
+              <a:rPr lang="en-US" sz="1200" b="0" i="0" u="none" strike="noStrike" baseline="0" dirty="0">
+                <a:latin typeface="Times-Roman"/>
+              </a:rPr>
+              <a:t> and bridge, requires</a:t>
+            </a:r>
+          </a:p>
+          <a:p>
+            <a:pPr algn="l"/>
+            <a:r>
+              <a:rPr lang="en-US" sz="1200" b="0" i="0" u="none" strike="noStrike" baseline="0" dirty="0">
+                <a:latin typeface="Times-Roman"/>
+              </a:rPr>
+              <a:t>reasoning about the current and future </a:t>
+            </a:r>
+            <a:r>
+              <a:rPr lang="en-US" sz="1200" b="1" i="0" u="none" strike="noStrike" baseline="0" dirty="0">
+                <a:latin typeface="Times-Bold"/>
+              </a:rPr>
+              <a:t>belief states </a:t>
+            </a:r>
+            <a:r>
+              <a:rPr lang="en-US" sz="1200" b="0" i="0" u="none" strike="noStrike" baseline="0" dirty="0">
+                <a:latin typeface="Times-Roman"/>
+              </a:rPr>
+              <a:t>of each player. A simple</a:t>
+            </a:r>
+          </a:p>
+          <a:p>
+            <a:pPr algn="l"/>
+            <a:r>
+              <a:rPr lang="en-US" sz="1200" b="0" i="0" u="none" strike="noStrike" baseline="0" dirty="0">
+                <a:latin typeface="Times-Roman"/>
+              </a:rPr>
+              <a:t>approximation can be obtained by averaging the value of an action over each possible</a:t>
+            </a:r>
+          </a:p>
+          <a:p>
+            <a:pPr algn="l"/>
+            <a:r>
+              <a:rPr lang="en-US" sz="1200" b="0" i="0" u="none" strike="noStrike" baseline="0" dirty="0">
+                <a:latin typeface="Times-Roman"/>
+              </a:rPr>
+              <a:t>configuration of missing information.</a:t>
+            </a:r>
+          </a:p>
+          <a:p>
+            <a:pPr algn="l"/>
+            <a:r>
+              <a:rPr lang="en-US" sz="1200" b="0" i="0" u="none" strike="noStrike" baseline="0" dirty="0">
+                <a:latin typeface="CMSY10"/>
+              </a:rPr>
+              <a:t>• </a:t>
+            </a:r>
+            <a:r>
+              <a:rPr lang="en-US" sz="1200" b="0" i="0" u="none" strike="noStrike" baseline="0" dirty="0">
+                <a:latin typeface="Times-Roman"/>
+              </a:rPr>
+              <a:t>Programs have bested even champion human players at games such as chess, checkers,</a:t>
+            </a:r>
+          </a:p>
+          <a:p>
+            <a:pPr algn="l"/>
+            <a:r>
+              <a:rPr lang="en-US" sz="1200" b="0" i="0" u="none" strike="noStrike" baseline="0" dirty="0">
+                <a:latin typeface="Times-Roman"/>
+              </a:rPr>
+              <a:t>and Othello. Humans retain the edge in several games of imperfect information, such</a:t>
+            </a:r>
+          </a:p>
+          <a:p>
+            <a:pPr algn="l"/>
+            <a:r>
+              <a:rPr lang="en-US" sz="1200" b="0" i="0" u="none" strike="noStrike" baseline="0" dirty="0">
+                <a:latin typeface="Times-Roman"/>
+              </a:rPr>
+              <a:t>as poker, bridge, and </a:t>
+            </a:r>
+            <a:r>
+              <a:rPr lang="en-US" sz="1200" b="0" i="0" u="none" strike="noStrike" baseline="0" dirty="0" err="1">
+                <a:latin typeface="Times-Roman"/>
+              </a:rPr>
+              <a:t>Kriegspiel</a:t>
+            </a:r>
+            <a:r>
+              <a:rPr lang="en-US" sz="1200" b="0" i="0" u="none" strike="noStrike" baseline="0" dirty="0">
+                <a:latin typeface="Times-Roman"/>
+              </a:rPr>
+              <a:t>, and in games with very large branching factors and</a:t>
+            </a:r>
+          </a:p>
+          <a:p>
+            <a:pPr algn="l"/>
+            <a:r>
+              <a:rPr lang="en-US" sz="1200" b="0" i="0" u="none" strike="noStrike" baseline="0" dirty="0">
+                <a:latin typeface="Times-Roman"/>
+              </a:rPr>
+              <a:t>little good heuristic knowledge, such as Go.</a:t>
+            </a:r>
+            <a:endParaRPr lang="en-US" sz="1200" dirty="0"/>
+          </a:p>
+          <a:p>
+            <a:endParaRPr lang="en-US" dirty="0"/>
+          </a:p>
+          <a:p>
+            <a:pPr algn="l"/>
+            <a:endParaRPr lang="en-CA" dirty="0"/>
+          </a:p>
+        </p:txBody>
+      </p:sp>
+      <p:sp>
+        <p:nvSpPr>
+          <p:cNvPr id="4" name="Slide Number Placeholder 3"/>
+          <p:cNvSpPr>
+            <a:spLocks noGrp="1"/>
+          </p:cNvSpPr>
+          <p:nvPr>
+            <p:ph type="sldNum" sz="quarter" idx="10"/>
+          </p:nvPr>
+        </p:nvSpPr>
+        <p:spPr/>
+        <p:txBody>
+          <a:bodyPr/>
+          <a:lstStyle/>
+          <a:p>
+            <a:fld id="{E063622E-DBFC-47E3-8C6E-70E04B2C4C20}" type="slidenum">
+              <a:rPr lang="en-CA" smtClean="0"/>
+              <a:t>10</a:t>
+            </a:fld>
+            <a:endParaRPr lang="en-CA"/>
+          </a:p>
+        </p:txBody>
+      </p:sp>
+    </p:spTree>
+    <p:extLst>
+      <p:ext uri="{BB962C8B-B14F-4D97-AF65-F5344CB8AC3E}">
+        <p14:creationId xmlns:p14="http://schemas.microsoft.com/office/powerpoint/2010/main" val="2240179307"/>
       </p:ext>
     </p:extLst>
   </p:cSld>
@@ -635,7 +1163,7 @@
           <a:bodyPr/>
           <a:lstStyle/>
           <a:p>
-            <a:endParaRPr lang="en-CA"/>
+            <a:endParaRPr lang="en-CA" dirty="0"/>
           </a:p>
         </p:txBody>
       </p:sp>
@@ -665,7 +1193,7 @@
     </p:spTree>
     <p:extLst>
       <p:ext uri="{BB962C8B-B14F-4D97-AF65-F5344CB8AC3E}">
-        <p14:creationId xmlns:p14="http://schemas.microsoft.com/office/powerpoint/2010/main" val="1338906019"/>
+        <p14:creationId xmlns:p14="http://schemas.microsoft.com/office/powerpoint/2010/main" val="2657424362"/>
       </p:ext>
     </p:extLst>
   </p:cSld>
@@ -719,6 +1247,20 @@
           <a:bodyPr/>
           <a:lstStyle/>
           <a:p>
+            <a:r>
+              <a:rPr lang="en-US" dirty="0"/>
+              <a:t>Changed the way the best human players paly the game, its innovated strategy or tactics to play certain opening positions differently than convention among the best human players,, then human began to play the same </a:t>
+            </a:r>
+            <a:r>
+              <a:rPr lang="en-US" dirty="0" err="1"/>
+              <a:t>postions</a:t>
+            </a:r>
+            <a:r>
+              <a:rPr lang="en-US" dirty="0"/>
+              <a:t>.</a:t>
+            </a:r>
+          </a:p>
+          <a:p>
             <a:pPr marL="0" marR="0" lvl="0" indent="0" algn="l" defTabSz="914400" rtl="0" eaLnBrk="1" fontAlgn="auto" latinLnBrk="0" hangingPunct="1">
               <a:lnSpc>
                 <a:spcPct val="100000"/>
@@ -737,107 +1279,17 @@
               <a:defRPr/>
             </a:pPr>
             <a:r>
-              <a:rPr lang="en-US" b="0" i="0" dirty="0">
-                <a:effectLst/>
-                <a:latin typeface="arial" panose="020B0604020202020204" pitchFamily="34" charset="0"/>
-              </a:rPr>
-              <a:t>Georgy Adelson-</a:t>
-            </a:r>
-            <a:r>
-              <a:rPr lang="en-US" b="0" i="0" dirty="0" err="1">
-                <a:effectLst/>
-                <a:latin typeface="arial" panose="020B0604020202020204" pitchFamily="34" charset="0"/>
-              </a:rPr>
-              <a:t>Velsky</a:t>
-            </a:r>
-            <a:r>
-              <a:rPr lang="en-US" b="0" i="0" dirty="0">
-                <a:solidFill>
-                  <a:schemeClr val="tx1"/>
-                </a:solidFill>
-                <a:effectLst/>
-                <a:latin typeface="+mn-lt"/>
-              </a:rPr>
-              <a:t>: </a:t>
-            </a:r>
-            <a:r>
-              <a:rPr lang="en-US" b="0" i="0" dirty="0">
-                <a:solidFill>
-                  <a:srgbClr val="202122"/>
-                </a:solidFill>
-                <a:effectLst/>
+              <a:rPr lang="en-US" sz="1200" dirty="0">
                 <a:latin typeface="Arial" panose="020B0604020202020204" pitchFamily="34" charset="0"/>
               </a:rPr>
-              <a:t>Mathematician, he invented the </a:t>
-            </a:r>
-            <a:r>
-              <a:rPr lang="en-US" b="0" i="0" u="none" strike="noStrike" dirty="0">
-                <a:solidFill>
-                  <a:srgbClr val="0B0080"/>
-                </a:solidFill>
-                <a:effectLst/>
-                <a:latin typeface="Arial" panose="020B0604020202020204" pitchFamily="34" charset="0"/>
-                <a:hlinkClick r:id="rId3" tooltip="AVL tree"/>
-              </a:rPr>
-              <a:t>AVL tree</a:t>
-            </a:r>
-            <a:r>
-              <a:rPr lang="en-US" b="0" i="0" dirty="0">
-                <a:solidFill>
-                  <a:srgbClr val="202122"/>
-                </a:solidFill>
-                <a:effectLst/>
-                <a:latin typeface="Arial" panose="020B0604020202020204" pitchFamily="34" charset="0"/>
-              </a:rPr>
-              <a:t> in 1962, in 1963 he headed computer chess program.</a:t>
-            </a:r>
-          </a:p>
-          <a:p>
-            <a:pPr marL="0" marR="0" lvl="0" indent="0" algn="l" defTabSz="914400" rtl="0" eaLnBrk="1" fontAlgn="auto" latinLnBrk="0" hangingPunct="1">
-              <a:lnSpc>
-                <a:spcPct val="100000"/>
-              </a:lnSpc>
-              <a:spcBef>
-                <a:spcPts val="0"/>
-              </a:spcBef>
-              <a:spcAft>
-                <a:spcPts val="0"/>
-              </a:spcAft>
-              <a:buClrTx/>
-              <a:buSzTx/>
-              <a:buFontTx/>
-              <a:buNone/>
-              <a:tabLst/>
-              <a:defRPr/>
-            </a:pPr>
-            <a:r>
-              <a:rPr lang="en-US" dirty="0"/>
-              <a:t>Alexander </a:t>
-            </a:r>
-            <a:r>
-              <a:rPr lang="en-US" dirty="0" err="1"/>
-              <a:t>Kronrod</a:t>
-            </a:r>
-            <a:r>
-              <a:rPr lang="en-US" dirty="0"/>
-              <a:t>: Soviet mathematician and computer scientist, best known for the </a:t>
-            </a:r>
-            <a:r>
-              <a:rPr lang="en-US" b="1" dirty="0"/>
-              <a:t>Gauss-</a:t>
-            </a:r>
-            <a:r>
-              <a:rPr lang="en-US" b="1" dirty="0" err="1"/>
-              <a:t>Kronrod</a:t>
-            </a:r>
-            <a:r>
-              <a:rPr lang="en-US" b="1" dirty="0"/>
-              <a:t> quadrature formula </a:t>
-            </a:r>
-            <a:r>
-              <a:rPr lang="en-US" dirty="0"/>
-              <a:t>which he published in 1964</a:t>
-            </a:r>
+              <a:t>Backward propagation</a:t>
+            </a:r>
+            <a:endParaRPr lang="en-US" sz="1200" b="0" i="0" dirty="0">
+              <a:effectLst/>
+              <a:latin typeface="Arial" panose="020B0604020202020204" pitchFamily="34" charset="0"/>
+            </a:endParaRPr>
+          </a:p>
+          <a:p>
             <a:endParaRPr lang="en-CA" dirty="0"/>
           </a:p>
         </p:txBody>
@@ -868,7 +1320,7 @@
     </p:spTree>
     <p:extLst>
       <p:ext uri="{BB962C8B-B14F-4D97-AF65-F5344CB8AC3E}">
-        <p14:creationId xmlns:p14="http://schemas.microsoft.com/office/powerpoint/2010/main" val="1894901990"/>
+        <p14:creationId xmlns:p14="http://schemas.microsoft.com/office/powerpoint/2010/main" val="1312664379"/>
       </p:ext>
     </p:extLst>
   </p:cSld>
@@ -922,77 +1374,7 @@
           <a:bodyPr/>
           <a:lstStyle/>
           <a:p>
-            <a:r>
-              <a:rPr lang="en-US" b="0" i="0" dirty="0">
-                <a:solidFill>
-                  <a:srgbClr val="222222"/>
-                </a:solidFill>
-                <a:effectLst/>
-                <a:latin typeface="arial" panose="020B0604020202020204" pitchFamily="34" charset="0"/>
-              </a:rPr>
-              <a:t>The forerunner of </a:t>
-            </a:r>
-            <a:r>
-              <a:rPr lang="en-US" b="1" i="0" dirty="0" err="1">
-                <a:solidFill>
-                  <a:srgbClr val="222222"/>
-                </a:solidFill>
-                <a:effectLst/>
-                <a:latin typeface="arial" panose="020B0604020202020204" pitchFamily="34" charset="0"/>
-              </a:rPr>
-              <a:t>Kaissa</a:t>
-            </a:r>
-            <a:r>
-              <a:rPr lang="en-US" b="1" i="0" dirty="0">
-                <a:solidFill>
-                  <a:srgbClr val="222222"/>
-                </a:solidFill>
-                <a:effectLst/>
-                <a:latin typeface="arial" panose="020B0604020202020204" pitchFamily="34" charset="0"/>
-              </a:rPr>
-              <a:t>, </a:t>
-            </a:r>
-            <a:r>
-              <a:rPr lang="en-US" b="1" i="0" dirty="0" err="1">
-                <a:solidFill>
-                  <a:srgbClr val="222222"/>
-                </a:solidFill>
-                <a:effectLst/>
-                <a:latin typeface="arial" panose="020B0604020202020204" pitchFamily="34" charset="0"/>
-              </a:rPr>
-              <a:t>Kaissa</a:t>
-            </a:r>
-            <a:r>
-              <a:rPr lang="en-US" b="0" i="0" dirty="0">
-                <a:solidFill>
-                  <a:srgbClr val="222222"/>
-                </a:solidFill>
-                <a:effectLst/>
-                <a:latin typeface="arial" panose="020B0604020202020204" pitchFamily="34" charset="0"/>
-              </a:rPr>
-              <a:t> became the first world computer </a:t>
-            </a:r>
-            <a:r>
-              <a:rPr lang="en-US" b="1" i="0" dirty="0">
-                <a:solidFill>
-                  <a:srgbClr val="222222"/>
-                </a:solidFill>
-                <a:effectLst/>
-                <a:latin typeface="arial" panose="020B0604020202020204" pitchFamily="34" charset="0"/>
-              </a:rPr>
-              <a:t>chess</a:t>
-            </a:r>
-            <a:r>
-              <a:rPr lang="en-US" b="0" i="0" dirty="0">
-                <a:solidFill>
-                  <a:srgbClr val="222222"/>
-                </a:solidFill>
-                <a:effectLst/>
-                <a:latin typeface="arial" panose="020B0604020202020204" pitchFamily="34" charset="0"/>
-              </a:rPr>
-              <a:t> champion in 1974 in Stockholm</a:t>
-            </a:r>
-            <a:endParaRPr lang="en-US" dirty="0"/>
+            <a:endParaRPr lang="en-CA" dirty="0"/>
           </a:p>
         </p:txBody>
       </p:sp>
@@ -1003,7 +1385,7 @@
             <a:spLocks noGrp="1"/>
           </p:cNvSpPr>
           <p:nvPr>
-            <p:ph type="sldNum" sz="quarter" idx="5"/>
+            <p:ph type="sldNum" sz="quarter" idx="10"/>
           </p:nvPr>
         </p:nvSpPr>
         <p:spPr/>
@@ -1022,7 +1404,7 @@
     </p:spTree>
     <p:extLst>
       <p:ext uri="{BB962C8B-B14F-4D97-AF65-F5344CB8AC3E}">
-        <p14:creationId xmlns:p14="http://schemas.microsoft.com/office/powerpoint/2010/main" val="2813670129"/>
+        <p14:creationId xmlns:p14="http://schemas.microsoft.com/office/powerpoint/2010/main" val="285635180"/>
       </p:ext>
     </p:extLst>
   </p:cSld>
@@ -1076,40 +1458,6 @@
           <a:bodyPr/>
           <a:lstStyle/>
           <a:p>
-            <a:pPr algn="l"/>
-            <a:r>
-              <a:rPr lang="en-US" sz="1800" b="0" i="0" u="none" strike="noStrike" baseline="0" dirty="0">
-                <a:latin typeface="CMR10"/>
-              </a:rPr>
-              <a:t>the first program to play in tournaments against human chess players – 2 wins and 2 draws. achieving a rating of</a:t>
-            </a:r>
-          </a:p>
-          <a:p>
-            <a:pPr algn="l"/>
-            <a:r>
-              <a:rPr lang="en-US" sz="1800" b="0" i="0" u="none" strike="noStrike" baseline="0" dirty="0">
-                <a:latin typeface="CMR10"/>
-              </a:rPr>
-              <a:t>1450 on the U.S. Chess Federation rating scale, amateur human player.</a:t>
-            </a:r>
-          </a:p>
-          <a:p>
-            <a:pPr algn="l"/>
-            <a:r>
-              <a:rPr lang="en-US" sz="1800" b="0" i="0" u="none" strike="noStrike" baseline="0" dirty="0">
-                <a:latin typeface="CMR10"/>
-              </a:rPr>
-              <a:t>an expert programmer at the AI Lab at MIT &amp; an expert chess</a:t>
-            </a:r>
-          </a:p>
-          <a:p>
-            <a:pPr algn="l"/>
-            <a:r>
-              <a:rPr lang="en-US" sz="1800" b="0" i="0" u="none" strike="noStrike" baseline="0" dirty="0">
-                <a:latin typeface="CMR10"/>
-              </a:rPr>
-              <a:t>player himself</a:t>
-            </a:r>
             <a:endParaRPr lang="en-CA" dirty="0"/>
           </a:p>
         </p:txBody>
@@ -1140,7 +1488,7 @@
     </p:spTree>
     <p:extLst>
       <p:ext uri="{BB962C8B-B14F-4D97-AF65-F5344CB8AC3E}">
-        <p14:creationId xmlns:p14="http://schemas.microsoft.com/office/powerpoint/2010/main" val="2546053113"/>
+        <p14:creationId xmlns:p14="http://schemas.microsoft.com/office/powerpoint/2010/main" val="4223356106"/>
       </p:ext>
     </p:extLst>
   </p:cSld>
@@ -1196,50 +1544,53 @@
           <a:p>
             <a:pPr algn="l"/>
             <a:r>
-              <a:rPr lang="en-US" sz="1800" b="0" i="0" u="none" strike="noStrike" baseline="0" dirty="0">
-                <a:latin typeface="CMSS9"/>
+              <a:rPr lang="en-US" b="0" i="0" dirty="0">
+                <a:solidFill>
+                  <a:srgbClr val="333333"/>
+                </a:solidFill>
+                <a:effectLst/>
+                <a:latin typeface="Helvetica Neue"/>
               </a:rPr>
-              <a:t>CHESS 3.0 written by </a:t>
-            </a:r>
-            <a:r>
-              <a:rPr lang="en-US" sz="1800" b="0" i="0" u="none" strike="noStrike" baseline="0" dirty="0">
-                <a:latin typeface="CMR10"/>
+              <a:t>Michael "Gags" Gagliano, who has earned nearly $2 million in career earnings, also competed against Pluribus.</a:t>
+            </a:r>
+          </a:p>
+          <a:p>
+            <a:pPr algn="l"/>
+            <a:r>
+              <a:rPr lang="en-US" b="0" i="0" dirty="0">
+                <a:solidFill>
+                  <a:srgbClr val="333333"/>
+                </a:solidFill>
+                <a:effectLst/>
+                <a:latin typeface="Helvetica Neue"/>
               </a:rPr>
-              <a:t>three students at Northwestern University in Illinois, David</a:t>
-            </a:r>
-          </a:p>
-          <a:p>
-            <a:pPr algn="l"/>
-            <a:r>
-              <a:rPr lang="en-US" sz="1800" b="0" i="0" u="none" strike="noStrike" baseline="0" dirty="0">
-                <a:latin typeface="CMR10"/>
-              </a:rPr>
-              <a:t>Slate, Larry Atkin, and Keith </a:t>
-            </a:r>
-            <a:r>
-              <a:rPr lang="en-US" sz="1800" b="0" i="0" u="none" strike="noStrike" baseline="0" dirty="0" err="1">
-                <a:latin typeface="CMR10"/>
-              </a:rPr>
-              <a:t>Gorlen</a:t>
-            </a:r>
-            <a:endParaRPr lang="en-US" sz="1800" b="0" i="0" u="none" strike="noStrike" baseline="0" dirty="0">
-              <a:latin typeface="CMR10"/>
+              <a:t>"It was incredibly fascinating getting to play against the poker bot and seeing some of the strategies it chose. There were several plays that humans simply are not making at all, especially relating to its bet sizing</a:t>
+            </a:r>
+          </a:p>
+          <a:p>
+            <a:pPr marL="0" marR="0" lvl="0" indent="0" algn="l" defTabSz="914400" rtl="0" eaLnBrk="1" fontAlgn="auto" latinLnBrk="0" hangingPunct="1">
+              <a:lnSpc>
+                <a:spcPct val="100000"/>
+              </a:lnSpc>
+              <a:spcBef>
+                <a:spcPts val="0"/>
+              </a:spcBef>
+              <a:spcAft>
+                <a:spcPts val="0"/>
+              </a:spcAft>
+              <a:buClrTx/>
+              <a:buSzTx/>
+              <a:buFontTx/>
+              <a:buNone/>
+              <a:tabLst/>
+              <a:defRPr/>
+            </a:pPr>
+            <a:endParaRPr lang="en-US" sz="1200" b="0" i="0" dirty="0">
+              <a:effectLst/>
+              <a:latin typeface="Arial" panose="020B0604020202020204" pitchFamily="34" charset="0"/>
             </a:endParaRPr>
           </a:p>
           <a:p>
-            <a:pPr algn="l"/>
-            <a:r>
-              <a:rPr lang="en-US" sz="1800" b="0" i="0" u="none" strike="noStrike" baseline="0" dirty="0">
-                <a:latin typeface="CMSS9"/>
-              </a:rPr>
-              <a:t>CHESS 3.0 </a:t>
-            </a:r>
-            <a:r>
-              <a:rPr lang="en-US" sz="1800" b="0" i="0" u="none" strike="noStrike" baseline="0" dirty="0">
-                <a:latin typeface="CMR10"/>
-              </a:rPr>
-              <a:t>evaluated approximately 100 positions per second and played at the 1400 rating</a:t>
-            </a:r>
             <a:endParaRPr lang="en-CA" dirty="0"/>
           </a:p>
         </p:txBody>
@@ -1270,7 +1621,7 @@
     </p:spTree>
     <p:extLst>
       <p:ext uri="{BB962C8B-B14F-4D97-AF65-F5344CB8AC3E}">
-        <p14:creationId xmlns:p14="http://schemas.microsoft.com/office/powerpoint/2010/main" val="2032526399"/>
+        <p14:creationId xmlns:p14="http://schemas.microsoft.com/office/powerpoint/2010/main" val="3220940587"/>
       </p:ext>
     </p:extLst>
   </p:cSld>
@@ -1325,9 +1676,30 @@
           <a:lstStyle/>
           <a:p>
             <a:r>
-              <a:rPr lang="en-CA" dirty="0"/>
-              <a:t>1450 is Between B&amp;C</a:t>
-            </a:r>
+              <a:rPr lang="en-US" dirty="0"/>
+              <a:t>At any stage, it knows the cards in its own hand, in the dummy’s hand, and cards played so far.</a:t>
+            </a:r>
+          </a:p>
+          <a:p>
+            <a:r>
+              <a:rPr lang="en-US" sz="1200" b="0" i="0" dirty="0">
+                <a:effectLst/>
+                <a:latin typeface="Arial" panose="020B0604020202020204" pitchFamily="34" charset="0"/>
+              </a:rPr>
+              <a:t>Assign the remaining cards randomly to the opponents and play based on the assignment.</a:t>
+            </a:r>
+          </a:p>
+          <a:p>
+            <a:r>
+              <a:rPr lang="en-US" sz="1200" b="0" i="0" dirty="0">
+                <a:effectLst/>
+                <a:latin typeface="Arial" panose="020B0604020202020204" pitchFamily="34" charset="0"/>
+              </a:rPr>
+              <a:t>Goes through the process thousands of times before play a card.</a:t>
+            </a:r>
+          </a:p>
+          <a:p>
+            <a:endParaRPr lang="en-CA" dirty="0"/>
           </a:p>
         </p:txBody>
       </p:sp>
@@ -1357,7 +1729,7 @@
     </p:spTree>
     <p:extLst>
       <p:ext uri="{BB962C8B-B14F-4D97-AF65-F5344CB8AC3E}">
-        <p14:creationId xmlns:p14="http://schemas.microsoft.com/office/powerpoint/2010/main" val="751922089"/>
+        <p14:creationId xmlns:p14="http://schemas.microsoft.com/office/powerpoint/2010/main" val="2418478357"/>
       </p:ext>
     </p:extLst>
   </p:cSld>
@@ -1413,21 +1785,56 @@
           <a:p>
             <a:pPr algn="l"/>
             <a:r>
-              <a:rPr lang="en-US" sz="1800" b="0" i="0" u="none" strike="noStrike" baseline="0" dirty="0">
-                <a:latin typeface="CMR10"/>
+              <a:rPr lang="en-US" sz="2800" b="0" i="0" dirty="0">
+                <a:solidFill>
+                  <a:srgbClr val="123693"/>
+                </a:solidFill>
+                <a:effectLst/>
+                <a:latin typeface="Deepmind Sans"/>
               </a:rPr>
-              <a:t>the late 1960s through the mid-1970s, saw computer chess</a:t>
-            </a:r>
-          </a:p>
-          <a:p>
-            <a:pPr algn="l"/>
-            <a:r>
-              <a:rPr lang="en-US" sz="1800" b="0" i="0" u="none" strike="noStrike" baseline="0" dirty="0">
-                <a:latin typeface="CMR10"/>
+              <a:t>Go is known as the most challenging classical game for artificial intelligence because of its complexity. </a:t>
+            </a:r>
+            <a:r>
+              <a:rPr lang="en-US" sz="4000" b="0" i="0" dirty="0">
+                <a:solidFill>
+                  <a:srgbClr val="123693"/>
+                </a:solidFill>
+                <a:effectLst/>
+                <a:latin typeface="Deepmind Sans"/>
               </a:rPr>
-              <a:t>programs gradually improving from beginner-level play to middle-level play</a:t>
-            </a:r>
-            <a:endParaRPr lang="en-CA" dirty="0"/>
+              <a:t>a googol (</a:t>
+            </a:r>
+            <a:r>
+              <a:rPr lang="en-US" sz="4000" b="0" i="0" dirty="0">
+                <a:solidFill>
+                  <a:srgbClr val="212121"/>
+                </a:solidFill>
+                <a:effectLst/>
+                <a:latin typeface="arial" panose="020B0604020202020204" pitchFamily="34" charset="0"/>
+              </a:rPr>
+              <a:t>1.0 × 10</a:t>
+            </a:r>
+            <a:r>
+              <a:rPr lang="en-US" sz="4000" b="0" i="0" baseline="30000" dirty="0">
+                <a:solidFill>
+                  <a:srgbClr val="212121"/>
+                </a:solidFill>
+                <a:effectLst/>
+                <a:latin typeface="arial" panose="020B0604020202020204" pitchFamily="34" charset="0"/>
+              </a:rPr>
+              <a:t>100 )</a:t>
+            </a:r>
+            <a:r>
+              <a:rPr lang="en-US" sz="4000" b="0" i="0" dirty="0">
+                <a:solidFill>
+                  <a:srgbClr val="123693"/>
+                </a:solidFill>
+                <a:effectLst/>
+                <a:latin typeface="Deepmind Sans"/>
+              </a:rPr>
+              <a:t>times more complex than Chess</a:t>
+            </a:r>
+            <a:endParaRPr lang="en-US" sz="1800" dirty="0"/>
           </a:p>
         </p:txBody>
       </p:sp>
@@ -1457,7 +1864,193 @@
     </p:spTree>
     <p:extLst>
       <p:ext uri="{BB962C8B-B14F-4D97-AF65-F5344CB8AC3E}">
-        <p14:creationId xmlns:p14="http://schemas.microsoft.com/office/powerpoint/2010/main" val="115676922"/>
+        <p14:creationId xmlns:p14="http://schemas.microsoft.com/office/powerpoint/2010/main" val="2213363949"/>
+      </p:ext>
+    </p:extLst>
+  </p:cSld>
+  <p:clrMapOvr>
+    <a:masterClrMapping/>
+  </p:clrMapOvr>
+</p:notes>
+</file>
+
+<file path=ppt/notesSlides/notesSlide9.xml><?xml version="1.0" encoding="utf-8"?>
+<p:notes xmlns:a="http://schemas.openxmlformats.org/drawingml/2006/main" xmlns:r="http://schemas.openxmlformats.org/officeDocument/2006/relationships" xmlns:p="http://schemas.openxmlformats.org/presentationml/2006/main">
+  <p:cSld>
+    <p:spTree>
+      <p:nvGrpSpPr>
+        <p:cNvPr id="1" name=""/>
+        <p:cNvGrpSpPr/>
+        <p:nvPr/>
+      </p:nvGrpSpPr>
+      <p:grpSpPr>
+        <a:xfrm>
+          <a:off x="0" y="0"/>
+          <a:ext cx="0" cy="0"/>
+          <a:chOff x="0" y="0"/>
+          <a:chExt cx="0" cy="0"/>
+        </a:xfrm>
+      </p:grpSpPr>
+      <p:sp>
+        <p:nvSpPr>
+          <p:cNvPr id="2" name="Slide Image Placeholder 1"/>
+          <p:cNvSpPr>
+            <a:spLocks noGrp="1" noRot="1" noChangeAspect="1"/>
+          </p:cNvSpPr>
+          <p:nvPr>
+            <p:ph type="sldImg"/>
+          </p:nvPr>
+        </p:nvSpPr>
+        <p:spPr/>
+      </p:sp>
+      <p:sp>
+        <p:nvSpPr>
+          <p:cNvPr id="3" name="Notes Placeholder 2"/>
+          <p:cNvSpPr>
+            <a:spLocks noGrp="1"/>
+          </p:cNvSpPr>
+          <p:nvPr>
+            <p:ph type="body" idx="1"/>
+          </p:nvPr>
+        </p:nvSpPr>
+        <p:spPr/>
+        <p:txBody>
+          <a:bodyPr/>
+          <a:lstStyle/>
+          <a:p>
+            <a:pPr algn="l"/>
+            <a:r>
+              <a:rPr lang="en-US" sz="1800" dirty="0" err="1"/>
+              <a:t>MoGo</a:t>
+            </a:r>
+            <a:r>
+              <a:rPr lang="en-US" sz="1800" dirty="0"/>
+              <a:t> - </a:t>
+            </a:r>
+            <a:r>
+              <a:rPr lang="en-US" sz="1800" b="0" i="0" u="none" strike="noStrike" baseline="0" dirty="0">
+                <a:latin typeface="CMR10"/>
+              </a:rPr>
+              <a:t>developed by INRIA (</a:t>
+            </a:r>
+            <a:r>
+              <a:rPr lang="en-US" sz="2800" b="0" i="0" dirty="0">
+                <a:effectLst/>
+                <a:latin typeface="Google Sans"/>
+              </a:rPr>
+              <a:t>Institute for Research in Computer Science and Automation)</a:t>
+            </a:r>
+            <a:r>
+              <a:rPr lang="en-US" sz="1800" b="0" i="0" u="none" strike="noStrike" baseline="0" dirty="0">
+                <a:latin typeface="CMR10"/>
+              </a:rPr>
+              <a:t> France and</a:t>
+            </a:r>
+          </a:p>
+          <a:p>
+            <a:pPr algn="l"/>
+            <a:r>
+              <a:rPr lang="en-US" sz="1800" b="0" i="0" u="none" strike="noStrike" baseline="0" dirty="0">
+                <a:latin typeface="CMR10"/>
+              </a:rPr>
+              <a:t>Maastricht University in the Netherlands, beat a professional Go player in a</a:t>
+            </a:r>
+          </a:p>
+          <a:p>
+            <a:pPr algn="l"/>
+            <a:r>
+              <a:rPr lang="en-US" sz="1800" b="0" i="0" u="none" strike="noStrike" baseline="0" dirty="0">
+                <a:latin typeface="CMR10"/>
+              </a:rPr>
+              <a:t>game in which the computer, the Dutch supercomputer Huygens, was given a</a:t>
+            </a:r>
+          </a:p>
+          <a:p>
+            <a:pPr algn="l"/>
+            <a:r>
+              <a:rPr lang="en-US" sz="1800" b="0" i="0" u="none" strike="noStrike" baseline="0" dirty="0">
+                <a:latin typeface="CMR10"/>
+              </a:rPr>
+              <a:t>handicap of nine stones</a:t>
+            </a:r>
+          </a:p>
+          <a:p>
+            <a:pPr marL="285750" indent="-285750" algn="l">
+              <a:buFont typeface="Arial" panose="020B0604020202020204" pitchFamily="34" charset="0"/>
+              <a:buChar char="•"/>
+            </a:pPr>
+            <a:r>
+              <a:rPr lang="en-US" sz="1800" b="0" i="0" u="none" strike="noStrike" baseline="0" dirty="0">
+                <a:latin typeface="CMR10"/>
+              </a:rPr>
+              <a:t>Tree search </a:t>
+            </a:r>
+            <a:r>
+              <a:rPr lang="en-US" sz="1800" b="0" i="0" u="none" strike="noStrike" baseline="0" dirty="0" err="1">
+                <a:latin typeface="CMR10"/>
+              </a:rPr>
+              <a:t>algorithsm</a:t>
+            </a:r>
+            <a:endParaRPr lang="en-CA" sz="1800" b="0" i="0" u="none" strike="noStrike" baseline="0" dirty="0">
+              <a:latin typeface="CMR10"/>
+            </a:endParaRPr>
+          </a:p>
+          <a:p>
+            <a:pPr marL="285750" indent="-285750" algn="l">
+              <a:buFont typeface="Arial" panose="020B0604020202020204" pitchFamily="34" charset="0"/>
+              <a:buChar char="•"/>
+            </a:pPr>
+            <a:r>
+              <a:rPr lang="en-CA" sz="1800" b="0" i="0" u="none" strike="noStrike" baseline="0" dirty="0">
+                <a:latin typeface="CMR10"/>
+              </a:rPr>
+              <a:t>Patterns</a:t>
+            </a:r>
+          </a:p>
+          <a:p>
+            <a:pPr marL="285750" indent="-285750" algn="l">
+              <a:buFont typeface="Arial" panose="020B0604020202020204" pitchFamily="34" charset="0"/>
+              <a:buChar char="•"/>
+            </a:pPr>
+            <a:r>
+              <a:rPr lang="en-CA" sz="1800" b="0" i="0" u="none" strike="noStrike" baseline="0" dirty="0">
+                <a:latin typeface="CMR10"/>
+              </a:rPr>
+              <a:t>Knowledge</a:t>
+            </a:r>
+            <a:endParaRPr lang="en-US" sz="1800" b="0" i="0" u="none" strike="noStrike" baseline="0" dirty="0">
+              <a:latin typeface="CMR10"/>
+            </a:endParaRPr>
+          </a:p>
+        </p:txBody>
+      </p:sp>
+      <p:sp>
+        <p:nvSpPr>
+          <p:cNvPr id="4" name="Slide Number Placeholder 3"/>
+          <p:cNvSpPr>
+            <a:spLocks noGrp="1"/>
+          </p:cNvSpPr>
+          <p:nvPr>
+            <p:ph type="sldNum" sz="quarter" idx="10"/>
+          </p:nvPr>
+        </p:nvSpPr>
+        <p:spPr/>
+        <p:txBody>
+          <a:bodyPr/>
+          <a:lstStyle/>
+          <a:p>
+            <a:fld id="{E063622E-DBFC-47E3-8C6E-70E04B2C4C20}" type="slidenum">
+              <a:rPr lang="en-CA" smtClean="0"/>
+              <a:t>9</a:t>
+            </a:fld>
+            <a:endParaRPr lang="en-CA"/>
+          </a:p>
+        </p:txBody>
+      </p:sp>
+    </p:spTree>
+    <p:extLst>
+      <p:ext uri="{BB962C8B-B14F-4D97-AF65-F5344CB8AC3E}">
+        <p14:creationId xmlns:p14="http://schemas.microsoft.com/office/powerpoint/2010/main" val="1525626937"/>
       </p:ext>
     </p:extLst>
   </p:cSld>
@@ -1576,7 +2169,7 @@
           <a:p>
             <a:fld id="{E8102FDE-1A56-400C-A2BE-AAED19C33990}" type="datetime1">
               <a:rPr lang="en-CA" smtClean="0"/>
-              <a:t>2020-10-02</a:t>
+              <a:t>2020-10-11</a:t>
             </a:fld>
             <a:endParaRPr lang="en-CA"/>
           </a:p>
@@ -1746,7 +2339,7 @@
           <a:p>
             <a:fld id="{D8C8F480-92F9-4E27-8D3C-8B7657ABD25D}" type="datetime1">
               <a:rPr lang="en-CA" smtClean="0"/>
-              <a:t>2020-10-02</a:t>
+              <a:t>2020-10-11</a:t>
             </a:fld>
             <a:endParaRPr lang="en-CA"/>
           </a:p>
@@ -1926,7 +2519,7 @@
           <a:p>
             <a:fld id="{AC57BF53-E7B6-451A-BCF4-9865C8B201F8}" type="datetime1">
               <a:rPr lang="en-CA" smtClean="0"/>
-              <a:t>2020-10-02</a:t>
+              <a:t>2020-10-11</a:t>
             </a:fld>
             <a:endParaRPr lang="en-CA"/>
           </a:p>
@@ -2118,7 +2711,7 @@
           <a:p>
             <a:fld id="{AFC62F67-C995-4869-BD9A-A72BCA4A9B9F}" type="datetime1">
               <a:rPr lang="en-CA" smtClean="0"/>
-              <a:t>2020-10-02</a:t>
+              <a:t>2020-10-11</a:t>
             </a:fld>
             <a:endParaRPr lang="en-CA"/>
           </a:p>
@@ -2364,7 +2957,7 @@
           <a:p>
             <a:fld id="{0EBE6AD9-2733-4299-90D2-5CE2186A32E6}" type="datetime1">
               <a:rPr lang="en-CA" smtClean="0"/>
-              <a:t>2020-10-02</a:t>
+              <a:t>2020-10-11</a:t>
             </a:fld>
             <a:endParaRPr lang="en-CA"/>
           </a:p>
@@ -2596,7 +3189,7 @@
           <a:p>
             <a:fld id="{BAA12C72-6FF7-473F-8DE5-7B29173F1708}" type="datetime1">
               <a:rPr lang="en-CA" smtClean="0"/>
-              <a:t>2020-10-02</a:t>
+              <a:t>2020-10-11</a:t>
             </a:fld>
             <a:endParaRPr lang="en-CA"/>
           </a:p>
@@ -2963,7 +3556,7 @@
           <a:p>
             <a:fld id="{DFD212A4-135B-45E8-9B56-1303FA90FEDF}" type="datetime1">
               <a:rPr lang="en-CA" smtClean="0"/>
-              <a:t>2020-10-02</a:t>
+              <a:t>2020-10-11</a:t>
             </a:fld>
             <a:endParaRPr lang="en-CA"/>
           </a:p>
@@ -3081,7 +3674,7 @@
           <a:p>
             <a:fld id="{DF63069B-7AD0-4C20-8455-4B78DE0BA252}" type="datetime1">
               <a:rPr lang="en-CA" smtClean="0"/>
-              <a:t>2020-10-02</a:t>
+              <a:t>2020-10-11</a:t>
             </a:fld>
             <a:endParaRPr lang="en-CA"/>
           </a:p>
@@ -3176,7 +3769,7 @@
           <a:p>
             <a:fld id="{1DFF3F2A-1AE0-496A-82D0-5E79ED60883E}" type="datetime1">
               <a:rPr lang="en-CA" smtClean="0"/>
-              <a:t>2020-10-02</a:t>
+              <a:t>2020-10-11</a:t>
             </a:fld>
             <a:endParaRPr lang="en-CA"/>
           </a:p>
@@ -3453,7 +4046,7 @@
           <a:p>
             <a:fld id="{20EF2A88-B4F2-4ADE-9D7C-227F6A32335E}" type="datetime1">
               <a:rPr lang="en-CA" smtClean="0"/>
-              <a:t>2020-10-02</a:t>
+              <a:t>2020-10-11</a:t>
             </a:fld>
             <a:endParaRPr lang="en-CA"/>
           </a:p>
@@ -3706,7 +4299,7 @@
           <a:p>
             <a:fld id="{086A9AD2-B877-470B-BD4B-31FDB11D9E4E}" type="datetime1">
               <a:rPr lang="en-CA" smtClean="0"/>
-              <a:t>2020-10-02</a:t>
+              <a:t>2020-10-11</a:t>
             </a:fld>
             <a:endParaRPr lang="en-CA"/>
           </a:p>
@@ -3919,7 +4512,7 @@
           <a:p>
             <a:fld id="{2AA5C639-8A8B-454A-87A9-F556343F0036}" type="datetime1">
               <a:rPr lang="en-CA" smtClean="0"/>
-              <a:t>2020-10-02</a:t>
+              <a:t>2020-10-11</a:t>
             </a:fld>
             <a:endParaRPr lang="en-CA"/>
           </a:p>
@@ -4342,6 +4935,14 @@
 <file path=ppt/slides/slide1.xml><?xml version="1.0" encoding="utf-8"?>
 <p:sld xmlns:a="http://schemas.openxmlformats.org/drawingml/2006/main" xmlns:r="http://schemas.openxmlformats.org/officeDocument/2006/relationships" xmlns:p="http://schemas.openxmlformats.org/presentationml/2006/main">
   <p:cSld>
+    <p:bg>
+      <p:bgPr>
+        <a:solidFill>
+          <a:schemeClr val="bg1"/>
+        </a:solidFill>
+        <a:effectLst/>
+      </p:bgPr>
+    </p:bg>
     <p:spTree>
       <p:nvGrpSpPr>
         <p:cNvPr id="1" name=""/>
@@ -4356,189 +4957,72 @@
           <a:chExt cx="0" cy="0"/>
         </a:xfrm>
       </p:grpSpPr>
-      <p:sp>
-        <p:nvSpPr>
-          <p:cNvPr id="2" name="Title 1"/>
-          <p:cNvSpPr>
-            <a:spLocks noGrp="1"/>
-          </p:cNvSpPr>
-          <p:nvPr>
-            <p:ph type="title"/>
-          </p:nvPr>
-        </p:nvSpPr>
-        <p:spPr/>
-        <p:txBody>
-          <a:bodyPr/>
-          <a:lstStyle/>
-          <a:p>
-            <a:r>
-              <a:rPr lang="en-US" dirty="0"/>
-              <a:t>1959-1962</a:t>
-            </a:r>
-            <a:endParaRPr lang="en-CA" dirty="0"/>
-          </a:p>
-        </p:txBody>
-      </p:sp>
-      <p:sp>
-        <p:nvSpPr>
-          <p:cNvPr id="4" name="Content Placeholder 2"/>
-          <p:cNvSpPr>
-            <a:spLocks noGrp="1"/>
-          </p:cNvSpPr>
-          <p:nvPr>
-            <p:ph idx="1"/>
+      <p:sp useBgFill="1">
+        <p:nvSpPr>
+          <p:cNvPr id="24" name="Rectangle 23">
+            <a:extLst>
+              <a:ext uri="{FF2B5EF4-FFF2-40B4-BE49-F238E27FC236}">
+                <a16:creationId xmlns:a16="http://schemas.microsoft.com/office/drawing/2014/main" id="{8FC9BE17-9A7B-462D-AE50-3D8777387304}"/>
+              </a:ext>
+              <a:ext uri="{C183D7F6-B498-43B3-948B-1728B52AA6E4}">
+                <adec:decorative xmlns:adec="http://schemas.microsoft.com/office/drawing/2017/decorative" val="1"/>
+              </a:ext>
+            </a:extLst>
+          </p:cNvPr>
+          <p:cNvSpPr>
+            <a:spLocks noGrp="1" noRot="1" noChangeAspect="1" noMove="1" noResize="1" noEditPoints="1" noAdjustHandles="1" noChangeArrowheads="1" noChangeShapeType="1" noTextEdit="1"/>
+          </p:cNvSpPr>
+          <p:nvPr>
+            <p:extLst>
+              <p:ext uri="{386F3935-93C4-4BCD-93E2-E3B085C9AB24}">
+                <p16:designElem xmlns:p16="http://schemas.microsoft.com/office/powerpoint/2015/main" val="1"/>
+              </p:ext>
+            </p:extLst>
           </p:nvPr>
         </p:nvSpPr>
         <p:spPr>
           <a:xfrm>
-            <a:off x="550506" y="5475379"/>
-            <a:ext cx="10189029" cy="849221"/>
-          </a:xfrm>
-        </p:spPr>
-        <p:txBody>
-          <a:bodyPr>
-            <a:normAutofit fontScale="92500" lnSpcReduction="20000"/>
-          </a:bodyPr>
-          <a:lstStyle/>
-          <a:p>
-            <a:pPr marL="0" indent="0">
-              <a:buNone/>
-            </a:pPr>
-            <a:r>
-              <a:rPr lang="en-US" b="0" i="0" dirty="0">
-                <a:solidFill>
-                  <a:srgbClr val="202122"/>
-                </a:solidFill>
-                <a:effectLst/>
-                <a:latin typeface="Arial" panose="020B0604020202020204" pitchFamily="34" charset="0"/>
-              </a:rPr>
-              <a:t>comparable to an amateur with about 100 games experience</a:t>
-            </a:r>
-          </a:p>
-          <a:p>
-            <a:pPr marL="0" indent="0">
-              <a:buNone/>
-            </a:pPr>
-            <a:r>
-              <a:rPr lang="en-US" dirty="0">
-                <a:solidFill>
-                  <a:srgbClr val="202122"/>
-                </a:solidFill>
-                <a:latin typeface="Arial" panose="020B0604020202020204" pitchFamily="34" charset="0"/>
-              </a:rPr>
-              <a:t>Alpha-beta procedure to prune branches</a:t>
-            </a:r>
-            <a:endParaRPr lang="en-US" b="0" i="0" dirty="0">
-              <a:solidFill>
-                <a:srgbClr val="202122"/>
-              </a:solidFill>
-              <a:effectLst/>
-              <a:latin typeface="Arial" panose="020B0604020202020204" pitchFamily="34" charset="0"/>
-            </a:endParaRPr>
-          </a:p>
-          <a:p>
-            <a:pPr marL="0" indent="0" algn="ctr">
-              <a:buNone/>
-            </a:pPr>
-            <a:endParaRPr lang="en-US" sz="2800" dirty="0">
-              <a:solidFill>
-                <a:srgbClr val="C00000"/>
-              </a:solidFill>
-            </a:endParaRPr>
-          </a:p>
-        </p:txBody>
-      </p:sp>
-      <p:sp>
-        <p:nvSpPr>
-          <p:cNvPr id="5" name="TextBox 4"/>
-          <p:cNvSpPr txBox="1"/>
-          <p:nvPr/>
-        </p:nvSpPr>
-        <p:spPr>
-          <a:xfrm>
-            <a:off x="1560745" y="1000246"/>
-            <a:ext cx="2971800" cy="400110"/>
+            <a:off x="0" y="0"/>
+            <a:ext cx="12192000" cy="6858000"/>
           </a:xfrm>
           <a:prstGeom prst="rect">
             <a:avLst/>
           </a:prstGeom>
-          <a:noFill/>
+          <a:ln>
+            <a:noFill/>
+          </a:ln>
         </p:spPr>
-        <p:txBody>
-          <a:bodyPr wrap="square" rtlCol="0">
-            <a:spAutoFit/>
-          </a:bodyPr>
+        <p:style>
+          <a:lnRef idx="2">
+            <a:schemeClr val="accent1">
+              <a:shade val="50000"/>
+            </a:schemeClr>
+          </a:lnRef>
+          <a:fillRef idx="1">
+            <a:schemeClr val="accent1"/>
+          </a:fillRef>
+          <a:effectRef idx="0">
+            <a:schemeClr val="accent1"/>
+          </a:effectRef>
+          <a:fontRef idx="minor">
+            <a:schemeClr val="lt1"/>
+          </a:fontRef>
+        </p:style>
+        <p:txBody>
+          <a:bodyPr rtlCol="0" anchor="ctr"/>
           <a:lstStyle/>
           <a:p>
-            <a:endParaRPr lang="en-US" sz="2000" dirty="0"/>
-          </a:p>
-        </p:txBody>
-      </p:sp>
-      <p:sp>
-        <p:nvSpPr>
-          <p:cNvPr id="6" name="TextBox 5"/>
-          <p:cNvSpPr txBox="1"/>
-          <p:nvPr/>
-        </p:nvSpPr>
-        <p:spPr>
-          <a:xfrm>
-            <a:off x="6552327" y="871648"/>
-            <a:ext cx="3459420" cy="400110"/>
-          </a:xfrm>
-          <a:prstGeom prst="rect">
-            <a:avLst/>
-          </a:prstGeom>
-          <a:noFill/>
-        </p:spPr>
-        <p:txBody>
-          <a:bodyPr wrap="square" rtlCol="0">
-            <a:spAutoFit/>
-          </a:bodyPr>
-          <a:lstStyle/>
-          <a:p>
-            <a:r>
-              <a:rPr lang="en-US" sz="2000" dirty="0"/>
-              <a:t>Kotok-</a:t>
-            </a:r>
-            <a:r>
-              <a:rPr lang="en-US" sz="1800" b="0" i="0" u="none" strike="noStrike" baseline="0" dirty="0">
-                <a:latin typeface="CMR10"/>
-              </a:rPr>
-              <a:t>McCarthy chess program</a:t>
-            </a:r>
-            <a:endParaRPr lang="en-US" sz="2000" dirty="0"/>
-          </a:p>
-        </p:txBody>
-      </p:sp>
-      <p:sp>
-        <p:nvSpPr>
-          <p:cNvPr id="3" name="Slide Number Placeholder 2"/>
-          <p:cNvSpPr>
-            <a:spLocks noGrp="1"/>
-          </p:cNvSpPr>
-          <p:nvPr>
-            <p:ph type="sldNum" sz="quarter" idx="12"/>
-          </p:nvPr>
-        </p:nvSpPr>
-        <p:spPr/>
-        <p:txBody>
-          <a:bodyPr/>
-          <a:lstStyle/>
-          <a:p>
-            <a:fld id="{4292D9D0-E695-4D04-8152-0C0E77A81AC1}" type="slidenum">
-              <a:rPr lang="en-CA" smtClean="0"/>
-              <a:t>1</a:t>
-            </a:fld>
-            <a:endParaRPr lang="en-CA" dirty="0"/>
+            <a:pPr algn="ctr"/>
+            <a:endParaRPr lang="en-US"/>
           </a:p>
         </p:txBody>
       </p:sp>
       <p:pic>
         <p:nvPicPr>
-          <p:cNvPr id="1026" name="Picture 2">
+          <p:cNvPr id="7" name="Picture 2">
             <a:extLst>
               <a:ext uri="{FF2B5EF4-FFF2-40B4-BE49-F238E27FC236}">
-                <a16:creationId xmlns:a16="http://schemas.microsoft.com/office/drawing/2014/main" id="{443674C0-722E-4CE4-8CEB-CE5D683FEF20}"/>
+                <a16:creationId xmlns:a16="http://schemas.microsoft.com/office/drawing/2014/main" id="{158F2FD5-BA67-4887-9DD1-374A0C0074A8}"/>
               </a:ext>
             </a:extLst>
           </p:cNvPr>
@@ -4547,7 +5031,7 @@
           </p:cNvPicPr>
           <p:nvPr/>
         </p:nvPicPr>
-        <p:blipFill>
+        <p:blipFill rotWithShape="1">
           <a:blip r:embed="rId3">
             <a:extLst>
               <a:ext uri="{28A0092B-C50C-407E-A947-70E740481C1C}">
@@ -4555,15 +5039,13 @@
               </a:ext>
             </a:extLst>
           </a:blip>
-          <a:srcRect/>
-          <a:stretch>
-            <a:fillRect/>
-          </a:stretch>
+          <a:srcRect t="7696" r="25021" b="1393"/>
+          <a:stretch/>
         </p:blipFill>
         <p:spPr bwMode="auto">
           <a:xfrm>
-            <a:off x="1051217" y="1442658"/>
-            <a:ext cx="2095500" cy="2428875"/>
+            <a:off x="3523488" y="10"/>
+            <a:ext cx="8668512" cy="6857990"/>
           </a:xfrm>
           <a:prstGeom prst="rect">
             <a:avLst/>
@@ -4580,12 +5062,1079 @@
           </a:extLst>
         </p:spPr>
       </p:pic>
+      <p:sp>
+        <p:nvSpPr>
+          <p:cNvPr id="26" name="Rectangle 25">
+            <a:extLst>
+              <a:ext uri="{FF2B5EF4-FFF2-40B4-BE49-F238E27FC236}">
+                <a16:creationId xmlns:a16="http://schemas.microsoft.com/office/drawing/2014/main" id="{3EBE8569-6AEC-4B8C-8D53-2DE337CDBA65}"/>
+              </a:ext>
+              <a:ext uri="{C183D7F6-B498-43B3-948B-1728B52AA6E4}">
+                <adec:decorative xmlns:adec="http://schemas.microsoft.com/office/drawing/2017/decorative" val="1"/>
+              </a:ext>
+            </a:extLst>
+          </p:cNvPr>
+          <p:cNvSpPr>
+            <a:spLocks noGrp="1" noRot="1" noChangeAspect="1" noMove="1" noResize="1" noEditPoints="1" noAdjustHandles="1" noChangeArrowheads="1" noChangeShapeType="1" noTextEdit="1"/>
+          </p:cNvSpPr>
+          <p:nvPr>
+            <p:extLst>
+              <p:ext uri="{386F3935-93C4-4BCD-93E2-E3B085C9AB24}">
+                <p16:designElem xmlns:p16="http://schemas.microsoft.com/office/powerpoint/2015/main" val="1"/>
+              </p:ext>
+            </p:extLst>
+          </p:nvPr>
+        </p:nvSpPr>
+        <p:spPr>
+          <a:xfrm>
+            <a:off x="2" y="0"/>
+            <a:ext cx="9756601" cy="6858000"/>
+          </a:xfrm>
+          <a:prstGeom prst="rect">
+            <a:avLst/>
+          </a:prstGeom>
+          <a:gradFill>
+            <a:gsLst>
+              <a:gs pos="58000">
+                <a:schemeClr val="bg1"/>
+              </a:gs>
+              <a:gs pos="35000">
+                <a:schemeClr val="bg1">
+                  <a:alpha val="78000"/>
+                </a:schemeClr>
+              </a:gs>
+              <a:gs pos="19000">
+                <a:schemeClr val="bg1">
+                  <a:alpha val="38000"/>
+                </a:schemeClr>
+              </a:gs>
+              <a:gs pos="0">
+                <a:schemeClr val="bg1">
+                  <a:alpha val="0"/>
+                </a:schemeClr>
+              </a:gs>
+              <a:gs pos="100000">
+                <a:schemeClr val="bg1"/>
+              </a:gs>
+            </a:gsLst>
+            <a:lin ang="10800000" scaled="0"/>
+          </a:gradFill>
+          <a:ln>
+            <a:noFill/>
+          </a:ln>
+        </p:spPr>
+        <p:style>
+          <a:lnRef idx="2">
+            <a:schemeClr val="accent1">
+              <a:shade val="50000"/>
+            </a:schemeClr>
+          </a:lnRef>
+          <a:fillRef idx="1">
+            <a:schemeClr val="accent1"/>
+          </a:fillRef>
+          <a:effectRef idx="0">
+            <a:schemeClr val="accent1"/>
+          </a:effectRef>
+          <a:fontRef idx="minor">
+            <a:schemeClr val="lt1"/>
+          </a:fontRef>
+        </p:style>
+        <p:txBody>
+          <a:bodyPr rtlCol="0" anchor="ctr"/>
+          <a:lstStyle/>
+          <a:p>
+            <a:pPr algn="ctr"/>
+            <a:endParaRPr lang="en-US" dirty="0"/>
+          </a:p>
+        </p:txBody>
+      </p:sp>
+      <p:sp>
+        <p:nvSpPr>
+          <p:cNvPr id="2" name="Title 1"/>
+          <p:cNvSpPr>
+            <a:spLocks noGrp="1"/>
+          </p:cNvSpPr>
+          <p:nvPr>
+            <p:ph type="title"/>
+          </p:nvPr>
+        </p:nvSpPr>
+        <p:spPr>
+          <a:xfrm>
+            <a:off x="371094" y="1161288"/>
+            <a:ext cx="3438144" cy="1124712"/>
+          </a:xfrm>
+        </p:spPr>
+        <p:txBody>
+          <a:bodyPr anchor="b">
+            <a:normAutofit/>
+          </a:bodyPr>
+          <a:lstStyle/>
+          <a:p>
+            <a:r>
+              <a:rPr lang="en-US" sz="2800"/>
+              <a:t>Backgammon</a:t>
+            </a:r>
+            <a:endParaRPr lang="en-CA" sz="2800"/>
+          </a:p>
+        </p:txBody>
+      </p:sp>
+      <p:sp>
+        <p:nvSpPr>
+          <p:cNvPr id="28" name="Rectangle 27">
+            <a:extLst>
+              <a:ext uri="{FF2B5EF4-FFF2-40B4-BE49-F238E27FC236}">
+                <a16:creationId xmlns:a16="http://schemas.microsoft.com/office/drawing/2014/main" id="{55D4142C-5077-457F-A6AD-3FECFDB39685}"/>
+              </a:ext>
+              <a:ext uri="{C183D7F6-B498-43B3-948B-1728B52AA6E4}">
+                <adec:decorative xmlns:adec="http://schemas.microsoft.com/office/drawing/2017/decorative" val="1"/>
+              </a:ext>
+            </a:extLst>
+          </p:cNvPr>
+          <p:cNvSpPr>
+            <a:spLocks noGrp="1" noRot="1" noChangeAspect="1" noMove="1" noResize="1" noEditPoints="1" noAdjustHandles="1" noChangeArrowheads="1" noChangeShapeType="1" noTextEdit="1"/>
+          </p:cNvSpPr>
+          <p:nvPr>
+            <p:extLst>
+              <p:ext uri="{386F3935-93C4-4BCD-93E2-E3B085C9AB24}">
+                <p16:designElem xmlns:p16="http://schemas.microsoft.com/office/powerpoint/2015/main" val="1"/>
+              </p:ext>
+            </p:extLst>
+          </p:nvPr>
+        </p:nvSpPr>
+        <p:spPr>
+          <a:xfrm rot="5400000">
+            <a:off x="662559" y="605790"/>
+            <a:ext cx="73152" cy="548640"/>
+          </a:xfrm>
+          <a:prstGeom prst="rect">
+            <a:avLst/>
+          </a:prstGeom>
+          <a:solidFill>
+            <a:schemeClr val="accent2"/>
+          </a:solidFill>
+          <a:ln>
+            <a:noFill/>
+          </a:ln>
+        </p:spPr>
+        <p:style>
+          <a:lnRef idx="2">
+            <a:schemeClr val="accent1">
+              <a:shade val="50000"/>
+            </a:schemeClr>
+          </a:lnRef>
+          <a:fillRef idx="1">
+            <a:schemeClr val="accent1"/>
+          </a:fillRef>
+          <a:effectRef idx="0">
+            <a:schemeClr val="accent1"/>
+          </a:effectRef>
+          <a:fontRef idx="minor">
+            <a:schemeClr val="lt1"/>
+          </a:fontRef>
+        </p:style>
+        <p:txBody>
+          <a:bodyPr rtlCol="0" anchor="ctr"/>
+          <a:lstStyle/>
+          <a:p>
+            <a:pPr algn="ctr"/>
+            <a:endParaRPr lang="en-US">
+              <a:solidFill>
+                <a:prstClr val="white"/>
+              </a:solidFill>
+              <a:latin typeface="Calibri" panose="020F0502020204030204"/>
+            </a:endParaRPr>
+          </a:p>
+        </p:txBody>
+      </p:sp>
+      <p:sp>
+        <p:nvSpPr>
+          <p:cNvPr id="30" name="Rectangle 29">
+            <a:extLst>
+              <a:ext uri="{FF2B5EF4-FFF2-40B4-BE49-F238E27FC236}">
+                <a16:creationId xmlns:a16="http://schemas.microsoft.com/office/drawing/2014/main" id="{7A5F0580-5EE9-419F-96EE-B6529EF6E7D0}"/>
+              </a:ext>
+              <a:ext uri="{C183D7F6-B498-43B3-948B-1728B52AA6E4}">
+                <adec:decorative xmlns:adec="http://schemas.microsoft.com/office/drawing/2017/decorative" val="1"/>
+              </a:ext>
+            </a:extLst>
+          </p:cNvPr>
+          <p:cNvSpPr>
+            <a:spLocks noGrp="1" noRot="1" noChangeAspect="1" noMove="1" noResize="1" noEditPoints="1" noAdjustHandles="1" noChangeArrowheads="1" noChangeShapeType="1" noTextEdit="1"/>
+          </p:cNvSpPr>
+          <p:nvPr>
+            <p:extLst>
+              <p:ext uri="{386F3935-93C4-4BCD-93E2-E3B085C9AB24}">
+                <p16:designElem xmlns:p16="http://schemas.microsoft.com/office/powerpoint/2015/main" val="1"/>
+              </p:ext>
+            </p:extLst>
+          </p:nvPr>
+        </p:nvSpPr>
+        <p:spPr>
+          <a:xfrm>
+            <a:off x="428244" y="2443480"/>
+            <a:ext cx="3300984" cy="9144"/>
+          </a:xfrm>
+          <a:prstGeom prst="rect">
+            <a:avLst/>
+          </a:prstGeom>
+          <a:solidFill>
+            <a:srgbClr val="D5D5D5"/>
+          </a:solidFill>
+          <a:ln w="3175">
+            <a:solidFill>
+              <a:srgbClr val="D5D5D5"/>
+            </a:solidFill>
+          </a:ln>
+          <a:effectLst/>
+        </p:spPr>
+        <p:style>
+          <a:lnRef idx="2">
+            <a:schemeClr val="accent1">
+              <a:shade val="50000"/>
+            </a:schemeClr>
+          </a:lnRef>
+          <a:fillRef idx="1">
+            <a:schemeClr val="accent1"/>
+          </a:fillRef>
+          <a:effectRef idx="0">
+            <a:schemeClr val="accent1"/>
+          </a:effectRef>
+          <a:fontRef idx="minor">
+            <a:schemeClr val="lt1"/>
+          </a:fontRef>
+        </p:style>
+        <p:txBody>
+          <a:bodyPr rtlCol="0" anchor="ctr"/>
+          <a:lstStyle/>
+          <a:p>
+            <a:pPr marL="0" marR="0" lvl="0" indent="0" algn="ctr" defTabSz="914400" rtl="0" eaLnBrk="1" fontAlgn="auto" latinLnBrk="0" hangingPunct="1">
+              <a:lnSpc>
+                <a:spcPct val="100000"/>
+              </a:lnSpc>
+              <a:spcBef>
+                <a:spcPts val="0"/>
+              </a:spcBef>
+              <a:spcAft>
+                <a:spcPts val="0"/>
+              </a:spcAft>
+              <a:buClrTx/>
+              <a:buSzTx/>
+              <a:buFontTx/>
+              <a:buNone/>
+              <a:tabLst/>
+              <a:defRPr/>
+            </a:pPr>
+            <a:endParaRPr kumimoji="0" lang="en-US" sz="1800" b="0" i="0" u="none" strike="noStrike" kern="1200" cap="none" spc="0" normalizeH="0" baseline="0" noProof="0">
+              <a:ln>
+                <a:noFill/>
+              </a:ln>
+              <a:solidFill>
+                <a:prstClr val="white"/>
+              </a:solidFill>
+              <a:effectLst/>
+              <a:uLnTx/>
+              <a:uFillTx/>
+              <a:latin typeface="Calibri" panose="020F0502020204030204"/>
+              <a:ea typeface="+mn-ea"/>
+              <a:cs typeface="+mn-cs"/>
+            </a:endParaRPr>
+          </a:p>
+        </p:txBody>
+      </p:sp>
+      <p:sp>
+        <p:nvSpPr>
+          <p:cNvPr id="4" name="Content Placeholder 2"/>
+          <p:cNvSpPr>
+            <a:spLocks noGrp="1"/>
+          </p:cNvSpPr>
+          <p:nvPr>
+            <p:ph idx="1"/>
+          </p:nvPr>
+        </p:nvSpPr>
+        <p:spPr>
+          <a:xfrm>
+            <a:off x="371094" y="2718054"/>
+            <a:ext cx="3438906" cy="3207258"/>
+          </a:xfrm>
+        </p:spPr>
+        <p:txBody>
+          <a:bodyPr anchor="t">
+            <a:normAutofit/>
+          </a:bodyPr>
+          <a:lstStyle/>
+          <a:p>
+            <a:pPr marL="0" indent="0">
+              <a:buNone/>
+            </a:pPr>
+            <a:r>
+              <a:rPr lang="en-US" sz="1700" b="0" i="0" dirty="0">
+                <a:effectLst/>
+                <a:latin typeface="Arial" panose="020B0604020202020204" pitchFamily="34" charset="0"/>
+              </a:rPr>
+              <a:t>One of the oldest board games, traced back to 5,000 years.</a:t>
+            </a:r>
+          </a:p>
+          <a:p>
+            <a:pPr marL="0" indent="0">
+              <a:buNone/>
+            </a:pPr>
+            <a:r>
+              <a:rPr lang="en-US" sz="1700" b="0" i="0" dirty="0">
+                <a:effectLst/>
+                <a:latin typeface="Arial" panose="020B0604020202020204" pitchFamily="34" charset="0"/>
+              </a:rPr>
+              <a:t>Take turn to dice and move</a:t>
+            </a:r>
+          </a:p>
+          <a:p>
+            <a:pPr marL="0" indent="0">
+              <a:buNone/>
+            </a:pPr>
+            <a:endParaRPr lang="en-US" sz="1700" dirty="0"/>
+          </a:p>
+        </p:txBody>
+      </p:sp>
+      <p:sp>
+        <p:nvSpPr>
+          <p:cNvPr id="3" name="Slide Number Placeholder 2"/>
+          <p:cNvSpPr>
+            <a:spLocks noGrp="1"/>
+          </p:cNvSpPr>
+          <p:nvPr>
+            <p:ph type="sldNum" sz="quarter" idx="12"/>
+          </p:nvPr>
+        </p:nvSpPr>
+        <p:spPr>
+          <a:xfrm>
+            <a:off x="9077706" y="6356350"/>
+            <a:ext cx="2743200" cy="365125"/>
+          </a:xfrm>
+        </p:spPr>
+        <p:txBody>
+          <a:bodyPr>
+            <a:normAutofit/>
+          </a:bodyPr>
+          <a:lstStyle/>
+          <a:p>
+            <a:pPr>
+              <a:spcAft>
+                <a:spcPts val="600"/>
+              </a:spcAft>
+            </a:pPr>
+            <a:fld id="{4292D9D0-E695-4D04-8152-0C0E77A81AC1}" type="slidenum">
+              <a:rPr lang="en-CA">
+                <a:solidFill>
+                  <a:schemeClr val="bg1"/>
+                </a:solidFill>
+              </a:rPr>
+              <a:pPr>
+                <a:spcAft>
+                  <a:spcPts val="600"/>
+                </a:spcAft>
+              </a:pPr>
+              <a:t>1</a:t>
+            </a:fld>
+            <a:endParaRPr lang="en-CA">
+              <a:solidFill>
+                <a:schemeClr val="bg1"/>
+              </a:solidFill>
+            </a:endParaRPr>
+          </a:p>
+        </p:txBody>
+      </p:sp>
+    </p:spTree>
+    <p:extLst>
+      <p:ext uri="{BB962C8B-B14F-4D97-AF65-F5344CB8AC3E}">
+        <p14:creationId xmlns:p14="http://schemas.microsoft.com/office/powerpoint/2010/main" val="2402455382"/>
+      </p:ext>
+    </p:extLst>
+  </p:cSld>
+  <p:clrMapOvr>
+    <a:masterClrMapping/>
+  </p:clrMapOvr>
+</p:sld>
+</file>
+
+<file path=ppt/slides/slide10.xml><?xml version="1.0" encoding="utf-8"?>
+<p:sld xmlns:a="http://schemas.openxmlformats.org/drawingml/2006/main" xmlns:r="http://schemas.openxmlformats.org/officeDocument/2006/relationships" xmlns:p="http://schemas.openxmlformats.org/presentationml/2006/main">
+  <p:cSld>
+    <p:bg>
+      <p:bgPr>
+        <a:solidFill>
+          <a:schemeClr val="bg1"/>
+        </a:solidFill>
+        <a:effectLst/>
+      </p:bgPr>
+    </p:bg>
+    <p:spTree>
+      <p:nvGrpSpPr>
+        <p:cNvPr id="1" name=""/>
+        <p:cNvGrpSpPr/>
+        <p:nvPr/>
+      </p:nvGrpSpPr>
+      <p:grpSpPr>
+        <a:xfrm>
+          <a:off x="0" y="0"/>
+          <a:ext cx="0" cy="0"/>
+          <a:chOff x="0" y="0"/>
+          <a:chExt cx="0" cy="0"/>
+        </a:xfrm>
+      </p:grpSpPr>
+      <p:sp useBgFill="1">
+        <p:nvSpPr>
+          <p:cNvPr id="139" name="Rectangle 138">
+            <a:extLst>
+              <a:ext uri="{FF2B5EF4-FFF2-40B4-BE49-F238E27FC236}">
+                <a16:creationId xmlns:a16="http://schemas.microsoft.com/office/drawing/2014/main" id="{F4C0B10B-D2C4-4A54-AFAD-3D27DF88BB37}"/>
+              </a:ext>
+              <a:ext uri="{C183D7F6-B498-43B3-948B-1728B52AA6E4}">
+                <adec:decorative xmlns:adec="http://schemas.microsoft.com/office/drawing/2017/decorative" val="1"/>
+              </a:ext>
+            </a:extLst>
+          </p:cNvPr>
+          <p:cNvSpPr>
+            <a:spLocks noGrp="1" noRot="1" noChangeAspect="1" noMove="1" noResize="1" noEditPoints="1" noAdjustHandles="1" noChangeArrowheads="1" noChangeShapeType="1" noTextEdit="1"/>
+          </p:cNvSpPr>
+          <p:nvPr>
+            <p:extLst>
+              <p:ext uri="{386F3935-93C4-4BCD-93E2-E3B085C9AB24}">
+                <p16:designElem xmlns:p16="http://schemas.microsoft.com/office/powerpoint/2015/main" val="1"/>
+              </p:ext>
+            </p:extLst>
+          </p:nvPr>
+        </p:nvSpPr>
+        <p:spPr>
+          <a:xfrm>
+            <a:off x="0" y="0"/>
+            <a:ext cx="12188952" cy="6858000"/>
+          </a:xfrm>
+          <a:prstGeom prst="rect">
+            <a:avLst/>
+          </a:prstGeom>
+          <a:ln>
+            <a:noFill/>
+          </a:ln>
+        </p:spPr>
+        <p:style>
+          <a:lnRef idx="2">
+            <a:schemeClr val="accent1">
+              <a:shade val="50000"/>
+            </a:schemeClr>
+          </a:lnRef>
+          <a:fillRef idx="1">
+            <a:schemeClr val="accent1"/>
+          </a:fillRef>
+          <a:effectRef idx="0">
+            <a:schemeClr val="accent1"/>
+          </a:effectRef>
+          <a:fontRef idx="minor">
+            <a:schemeClr val="lt1"/>
+          </a:fontRef>
+        </p:style>
+        <p:txBody>
+          <a:bodyPr rtlCol="0" anchor="ctr"/>
+          <a:lstStyle/>
+          <a:p>
+            <a:pPr algn="ctr"/>
+            <a:endParaRPr lang="en-US"/>
+          </a:p>
+        </p:txBody>
+      </p:sp>
+      <p:grpSp>
+        <p:nvGrpSpPr>
+          <p:cNvPr id="141" name="Group 140">
+            <a:extLst>
+              <a:ext uri="{FF2B5EF4-FFF2-40B4-BE49-F238E27FC236}">
+                <a16:creationId xmlns:a16="http://schemas.microsoft.com/office/drawing/2014/main" id="{B6BADB90-C74B-40D6-86DC-503F65FCE8DC}"/>
+              </a:ext>
+              <a:ext uri="{C183D7F6-B498-43B3-948B-1728B52AA6E4}">
+                <adec:decorative xmlns:adec="http://schemas.microsoft.com/office/drawing/2017/decorative" val="1"/>
+              </a:ext>
+            </a:extLst>
+          </p:cNvPr>
+          <p:cNvGrpSpPr>
+            <a:grpSpLocks noGrp="1" noUngrp="1" noRot="1" noChangeAspect="1" noMove="1" noResize="1"/>
+          </p:cNvGrpSpPr>
+          <p:nvPr>
+            <p:extLst>
+              <p:ext uri="{386F3935-93C4-4BCD-93E2-E3B085C9AB24}">
+                <p16:designElem xmlns:p16="http://schemas.microsoft.com/office/powerpoint/2015/main" val="1"/>
+              </p:ext>
+            </p:extLst>
+          </p:nvPr>
+        </p:nvGrpSpPr>
+        <p:grpSpPr>
+          <a:xfrm>
+            <a:off x="409710" y="635715"/>
+            <a:ext cx="11142208" cy="2482136"/>
+            <a:chOff x="409710" y="635715"/>
+            <a:chExt cx="11142208" cy="2482136"/>
+          </a:xfrm>
+        </p:grpSpPr>
+        <p:sp>
+          <p:nvSpPr>
+            <p:cNvPr id="142" name="Freeform 44">
+              <a:extLst>
+                <a:ext uri="{FF2B5EF4-FFF2-40B4-BE49-F238E27FC236}">
+                  <a16:creationId xmlns:a16="http://schemas.microsoft.com/office/drawing/2014/main" id="{6559431D-1886-4AE0-9B87-9AD2ECAB8439}"/>
+                </a:ext>
+                <a:ext uri="{C183D7F6-B498-43B3-948B-1728B52AA6E4}">
+                  <adec:decorative xmlns:adec="http://schemas.microsoft.com/office/drawing/2017/decorative" val="1"/>
+                </a:ext>
+              </a:extLst>
+            </p:cNvPr>
+            <p:cNvSpPr>
+              <a:spLocks/>
+            </p:cNvSpPr>
+            <p:nvPr>
+              <p:extLst>
+                <p:ext uri="{386F3935-93C4-4BCD-93E2-E3B085C9AB24}">
+                  <p16:designElem xmlns:p16="http://schemas.microsoft.com/office/powerpoint/2015/main" val="1"/>
+                </p:ext>
+              </p:extLst>
+            </p:nvPr>
+          </p:nvSpPr>
+          <p:spPr bwMode="auto">
+            <a:xfrm>
+              <a:off x="11223203" y="635716"/>
+              <a:ext cx="328612" cy="1742360"/>
+            </a:xfrm>
+            <a:custGeom>
+              <a:avLst/>
+              <a:gdLst>
+                <a:gd name="T0" fmla="*/ 207 w 207"/>
+                <a:gd name="T1" fmla="*/ 987 h 1114"/>
+                <a:gd name="T2" fmla="*/ 0 w 207"/>
+                <a:gd name="T3" fmla="*/ 1114 h 1114"/>
+                <a:gd name="T4" fmla="*/ 0 w 207"/>
+                <a:gd name="T5" fmla="*/ 127 h 1114"/>
+                <a:gd name="T6" fmla="*/ 207 w 207"/>
+                <a:gd name="T7" fmla="*/ 0 h 1114"/>
+                <a:gd name="T8" fmla="*/ 207 w 207"/>
+                <a:gd name="T9" fmla="*/ 987 h 1114"/>
+              </a:gdLst>
+              <a:ahLst/>
+              <a:cxnLst>
+                <a:cxn ang="0">
+                  <a:pos x="T0" y="T1"/>
+                </a:cxn>
+                <a:cxn ang="0">
+                  <a:pos x="T2" y="T3"/>
+                </a:cxn>
+                <a:cxn ang="0">
+                  <a:pos x="T4" y="T5"/>
+                </a:cxn>
+                <a:cxn ang="0">
+                  <a:pos x="T6" y="T7"/>
+                </a:cxn>
+                <a:cxn ang="0">
+                  <a:pos x="T8" y="T9"/>
+                </a:cxn>
+              </a:cxnLst>
+              <a:rect l="0" t="0" r="r" b="b"/>
+              <a:pathLst>
+                <a:path w="207" h="1114">
+                  <a:moveTo>
+                    <a:pt x="207" y="987"/>
+                  </a:moveTo>
+                  <a:lnTo>
+                    <a:pt x="0" y="1114"/>
+                  </a:lnTo>
+                  <a:lnTo>
+                    <a:pt x="0" y="127"/>
+                  </a:lnTo>
+                  <a:lnTo>
+                    <a:pt x="207" y="0"/>
+                  </a:lnTo>
+                  <a:lnTo>
+                    <a:pt x="207" y="987"/>
+                  </a:lnTo>
+                  <a:close/>
+                </a:path>
+              </a:pathLst>
+            </a:custGeom>
+            <a:solidFill>
+              <a:schemeClr val="accent1">
+                <a:lumMod val="50000"/>
+              </a:schemeClr>
+            </a:solidFill>
+            <a:ln>
+              <a:noFill/>
+            </a:ln>
+          </p:spPr>
+          <p:txBody>
+            <a:bodyPr vert="horz" wrap="square" lIns="91440" tIns="45720" rIns="91440" bIns="45720" numCol="1" anchor="t" anchorCtr="0" compatLnSpc="1">
+              <a:prstTxWarp prst="textNoShape">
+                <a:avLst/>
+              </a:prstTxWarp>
+            </a:bodyPr>
+            <a:lstStyle/>
+            <a:p>
+              <a:endParaRPr lang="en-US"/>
+            </a:p>
+          </p:txBody>
+        </p:sp>
+        <p:sp>
+          <p:nvSpPr>
+            <p:cNvPr id="143" name="Freeform 45">
+              <a:extLst>
+                <a:ext uri="{FF2B5EF4-FFF2-40B4-BE49-F238E27FC236}">
+                  <a16:creationId xmlns:a16="http://schemas.microsoft.com/office/drawing/2014/main" id="{373850A5-B04A-4FCD-9E73-EE322167FB31}"/>
+                </a:ext>
+                <a:ext uri="{C183D7F6-B498-43B3-948B-1728B52AA6E4}">
+                  <adec:decorative xmlns:adec="http://schemas.microsoft.com/office/drawing/2017/decorative" val="1"/>
+                </a:ext>
+              </a:extLst>
+            </p:cNvPr>
+            <p:cNvSpPr>
+              <a:spLocks/>
+            </p:cNvSpPr>
+            <p:nvPr>
+              <p:extLst>
+                <p:ext uri="{386F3935-93C4-4BCD-93E2-E3B085C9AB24}">
+                  <p16:designElem xmlns:p16="http://schemas.microsoft.com/office/powerpoint/2015/main" val="1"/>
+                </p:ext>
+              </p:extLst>
+            </p:nvPr>
+          </p:nvSpPr>
+          <p:spPr bwMode="auto">
+            <a:xfrm>
+              <a:off x="409710" y="1022350"/>
+              <a:ext cx="709612" cy="2095501"/>
+            </a:xfrm>
+            <a:custGeom>
+              <a:avLst/>
+              <a:gdLst>
+                <a:gd name="T0" fmla="*/ 447 w 447"/>
+                <a:gd name="T1" fmla="*/ 1363 h 1363"/>
+                <a:gd name="T2" fmla="*/ 0 w 447"/>
+                <a:gd name="T3" fmla="*/ 987 h 1363"/>
+                <a:gd name="T4" fmla="*/ 0 w 447"/>
+                <a:gd name="T5" fmla="*/ 0 h 1363"/>
+                <a:gd name="T6" fmla="*/ 447 w 447"/>
+                <a:gd name="T7" fmla="*/ 376 h 1363"/>
+                <a:gd name="T8" fmla="*/ 447 w 447"/>
+                <a:gd name="T9" fmla="*/ 1363 h 1363"/>
+              </a:gdLst>
+              <a:ahLst/>
+              <a:cxnLst>
+                <a:cxn ang="0">
+                  <a:pos x="T0" y="T1"/>
+                </a:cxn>
+                <a:cxn ang="0">
+                  <a:pos x="T2" y="T3"/>
+                </a:cxn>
+                <a:cxn ang="0">
+                  <a:pos x="T4" y="T5"/>
+                </a:cxn>
+                <a:cxn ang="0">
+                  <a:pos x="T6" y="T7"/>
+                </a:cxn>
+                <a:cxn ang="0">
+                  <a:pos x="T8" y="T9"/>
+                </a:cxn>
+              </a:cxnLst>
+              <a:rect l="0" t="0" r="r" b="b"/>
+              <a:pathLst>
+                <a:path w="447" h="1363">
+                  <a:moveTo>
+                    <a:pt x="447" y="1363"/>
+                  </a:moveTo>
+                  <a:lnTo>
+                    <a:pt x="0" y="987"/>
+                  </a:lnTo>
+                  <a:lnTo>
+                    <a:pt x="0" y="0"/>
+                  </a:lnTo>
+                  <a:lnTo>
+                    <a:pt x="447" y="376"/>
+                  </a:lnTo>
+                  <a:lnTo>
+                    <a:pt x="447" y="1363"/>
+                  </a:lnTo>
+                  <a:close/>
+                </a:path>
+              </a:pathLst>
+            </a:custGeom>
+            <a:solidFill>
+              <a:schemeClr val="accent1">
+                <a:lumMod val="50000"/>
+              </a:schemeClr>
+            </a:solidFill>
+            <a:ln>
+              <a:noFill/>
+            </a:ln>
+          </p:spPr>
+          <p:txBody>
+            <a:bodyPr vert="horz" wrap="square" lIns="91440" tIns="45720" rIns="91440" bIns="45720" numCol="1" anchor="t" anchorCtr="0" compatLnSpc="1">
+              <a:prstTxWarp prst="textNoShape">
+                <a:avLst/>
+              </a:prstTxWarp>
+            </a:bodyPr>
+            <a:lstStyle/>
+            <a:p>
+              <a:endParaRPr lang="en-US"/>
+            </a:p>
+          </p:txBody>
+        </p:sp>
+        <p:sp>
+          <p:nvSpPr>
+            <p:cNvPr id="144" name="Freeform 46">
+              <a:extLst>
+                <a:ext uri="{FF2B5EF4-FFF2-40B4-BE49-F238E27FC236}">
+                  <a16:creationId xmlns:a16="http://schemas.microsoft.com/office/drawing/2014/main" id="{82C18C67-80FA-4738-AA53-0AF2419F98E0}"/>
+                </a:ext>
+                <a:ext uri="{C183D7F6-B498-43B3-948B-1728B52AA6E4}">
+                  <adec:decorative xmlns:adec="http://schemas.microsoft.com/office/drawing/2017/decorative" val="1"/>
+                </a:ext>
+              </a:extLst>
+            </p:cNvPr>
+            <p:cNvSpPr>
+              <a:spLocks/>
+            </p:cNvSpPr>
+            <p:nvPr>
+              <p:extLst>
+                <p:ext uri="{386F3935-93C4-4BCD-93E2-E3B085C9AB24}">
+                  <p16:designElem xmlns:p16="http://schemas.microsoft.com/office/powerpoint/2015/main" val="1"/>
+                </p:ext>
+              </p:extLst>
+            </p:nvPr>
+          </p:nvSpPr>
+          <p:spPr bwMode="auto">
+            <a:xfrm>
+              <a:off x="409710" y="837744"/>
+              <a:ext cx="403225" cy="1705431"/>
+            </a:xfrm>
+            <a:custGeom>
+              <a:avLst/>
+              <a:gdLst>
+                <a:gd name="T0" fmla="*/ 254 w 254"/>
+                <a:gd name="T1" fmla="*/ 987 h 1109"/>
+                <a:gd name="T2" fmla="*/ 0 w 254"/>
+                <a:gd name="T3" fmla="*/ 1109 h 1109"/>
+                <a:gd name="T4" fmla="*/ 0 w 254"/>
+                <a:gd name="T5" fmla="*/ 119 h 1109"/>
+                <a:gd name="T6" fmla="*/ 254 w 254"/>
+                <a:gd name="T7" fmla="*/ 0 h 1109"/>
+                <a:gd name="T8" fmla="*/ 254 w 254"/>
+                <a:gd name="T9" fmla="*/ 987 h 1109"/>
+              </a:gdLst>
+              <a:ahLst/>
+              <a:cxnLst>
+                <a:cxn ang="0">
+                  <a:pos x="T0" y="T1"/>
+                </a:cxn>
+                <a:cxn ang="0">
+                  <a:pos x="T2" y="T3"/>
+                </a:cxn>
+                <a:cxn ang="0">
+                  <a:pos x="T4" y="T5"/>
+                </a:cxn>
+                <a:cxn ang="0">
+                  <a:pos x="T6" y="T7"/>
+                </a:cxn>
+                <a:cxn ang="0">
+                  <a:pos x="T8" y="T9"/>
+                </a:cxn>
+              </a:cxnLst>
+              <a:rect l="0" t="0" r="r" b="b"/>
+              <a:pathLst>
+                <a:path w="254" h="1109">
+                  <a:moveTo>
+                    <a:pt x="254" y="987"/>
+                  </a:moveTo>
+                  <a:lnTo>
+                    <a:pt x="0" y="1109"/>
+                  </a:lnTo>
+                  <a:lnTo>
+                    <a:pt x="0" y="119"/>
+                  </a:lnTo>
+                  <a:lnTo>
+                    <a:pt x="254" y="0"/>
+                  </a:lnTo>
+                  <a:lnTo>
+                    <a:pt x="254" y="987"/>
+                  </a:lnTo>
+                  <a:close/>
+                </a:path>
+              </a:pathLst>
+            </a:custGeom>
+            <a:solidFill>
+              <a:schemeClr val="accent1">
+                <a:lumMod val="75000"/>
+              </a:schemeClr>
+            </a:solidFill>
+            <a:ln>
+              <a:noFill/>
+            </a:ln>
+          </p:spPr>
+          <p:txBody>
+            <a:bodyPr vert="horz" wrap="square" lIns="91440" tIns="45720" rIns="91440" bIns="45720" numCol="1" anchor="t" anchorCtr="0" compatLnSpc="1">
+              <a:prstTxWarp prst="textNoShape">
+                <a:avLst/>
+              </a:prstTxWarp>
+            </a:bodyPr>
+            <a:lstStyle/>
+            <a:p>
+              <a:endParaRPr lang="en-US"/>
+            </a:p>
+          </p:txBody>
+        </p:sp>
+        <p:sp>
+          <p:nvSpPr>
+            <p:cNvPr id="145" name="Freeform 47">
+              <a:extLst>
+                <a:ext uri="{FF2B5EF4-FFF2-40B4-BE49-F238E27FC236}">
+                  <a16:creationId xmlns:a16="http://schemas.microsoft.com/office/drawing/2014/main" id="{48543B1A-8BF5-4C63-8404-41B2EA70B33E}"/>
+                </a:ext>
+                <a:ext uri="{C183D7F6-B498-43B3-948B-1728B52AA6E4}">
+                  <adec:decorative xmlns:adec="http://schemas.microsoft.com/office/drawing/2017/decorative" val="1"/>
+                </a:ext>
+              </a:extLst>
+            </p:cNvPr>
+            <p:cNvSpPr>
+              <a:spLocks/>
+            </p:cNvSpPr>
+            <p:nvPr>
+              <p:extLst>
+                <p:ext uri="{386F3935-93C4-4BCD-93E2-E3B085C9AB24}">
+                  <p16:designElem xmlns:p16="http://schemas.microsoft.com/office/powerpoint/2015/main" val="1"/>
+                </p:ext>
+              </p:extLst>
+            </p:nvPr>
+          </p:nvSpPr>
+          <p:spPr bwMode="auto">
+            <a:xfrm>
+              <a:off x="644660" y="640894"/>
+              <a:ext cx="168275" cy="1713195"/>
+            </a:xfrm>
+            <a:custGeom>
+              <a:avLst/>
+              <a:gdLst>
+                <a:gd name="T0" fmla="*/ 106 w 106"/>
+                <a:gd name="T1" fmla="*/ 1114 h 1114"/>
+                <a:gd name="T2" fmla="*/ 0 w 106"/>
+                <a:gd name="T3" fmla="*/ 1005 h 1114"/>
+                <a:gd name="T4" fmla="*/ 0 w 106"/>
+                <a:gd name="T5" fmla="*/ 0 h 1114"/>
+                <a:gd name="T6" fmla="*/ 106 w 106"/>
+                <a:gd name="T7" fmla="*/ 110 h 1114"/>
+                <a:gd name="T8" fmla="*/ 106 w 106"/>
+                <a:gd name="T9" fmla="*/ 1114 h 1114"/>
+              </a:gdLst>
+              <a:ahLst/>
+              <a:cxnLst>
+                <a:cxn ang="0">
+                  <a:pos x="T0" y="T1"/>
+                </a:cxn>
+                <a:cxn ang="0">
+                  <a:pos x="T2" y="T3"/>
+                </a:cxn>
+                <a:cxn ang="0">
+                  <a:pos x="T4" y="T5"/>
+                </a:cxn>
+                <a:cxn ang="0">
+                  <a:pos x="T6" y="T7"/>
+                </a:cxn>
+                <a:cxn ang="0">
+                  <a:pos x="T8" y="T9"/>
+                </a:cxn>
+              </a:cxnLst>
+              <a:rect l="0" t="0" r="r" b="b"/>
+              <a:pathLst>
+                <a:path w="106" h="1114">
+                  <a:moveTo>
+                    <a:pt x="106" y="1114"/>
+                  </a:moveTo>
+                  <a:lnTo>
+                    <a:pt x="0" y="1005"/>
+                  </a:lnTo>
+                  <a:lnTo>
+                    <a:pt x="0" y="0"/>
+                  </a:lnTo>
+                  <a:lnTo>
+                    <a:pt x="106" y="110"/>
+                  </a:lnTo>
+                  <a:lnTo>
+                    <a:pt x="106" y="1114"/>
+                  </a:lnTo>
+                  <a:close/>
+                </a:path>
+              </a:pathLst>
+            </a:custGeom>
+            <a:solidFill>
+              <a:schemeClr val="accent1">
+                <a:lumMod val="50000"/>
+              </a:schemeClr>
+            </a:solidFill>
+            <a:ln>
+              <a:noFill/>
+            </a:ln>
+          </p:spPr>
+          <p:txBody>
+            <a:bodyPr vert="horz" wrap="square" lIns="91440" tIns="45720" rIns="91440" bIns="45720" numCol="1" anchor="t" anchorCtr="0" compatLnSpc="1">
+              <a:prstTxWarp prst="textNoShape">
+                <a:avLst/>
+              </a:prstTxWarp>
+            </a:bodyPr>
+            <a:lstStyle/>
+            <a:p>
+              <a:endParaRPr lang="en-US"/>
+            </a:p>
+          </p:txBody>
+        </p:sp>
+        <p:sp>
+          <p:nvSpPr>
+            <p:cNvPr id="146" name="Rectangle 145">
+              <a:extLst>
+                <a:ext uri="{FF2B5EF4-FFF2-40B4-BE49-F238E27FC236}">
+                  <a16:creationId xmlns:a16="http://schemas.microsoft.com/office/drawing/2014/main" id="{92DF5096-E051-498C-A3ED-CBA77A813AAC}"/>
+                </a:ext>
+                <a:ext uri="{C183D7F6-B498-43B3-948B-1728B52AA6E4}">
+                  <adec:decorative xmlns:adec="http://schemas.microsoft.com/office/drawing/2017/decorative" val="1"/>
+                </a:ext>
+              </a:extLst>
+            </p:cNvPr>
+            <p:cNvSpPr>
+              <a:spLocks noChangeArrowheads="1"/>
+            </p:cNvSpPr>
+            <p:nvPr>
+              <p:extLst>
+                <p:ext uri="{386F3935-93C4-4BCD-93E2-E3B085C9AB24}">
+                  <p16:designElem xmlns:p16="http://schemas.microsoft.com/office/powerpoint/2015/main" val="1"/>
+                </p:ext>
+              </p:extLst>
+            </p:nvPr>
+          </p:nvSpPr>
+          <p:spPr bwMode="auto">
+            <a:xfrm>
+              <a:off x="644055" y="635715"/>
+              <a:ext cx="10907863" cy="1541457"/>
+            </a:xfrm>
+            <a:prstGeom prst="rect">
+              <a:avLst/>
+            </a:prstGeom>
+            <a:solidFill>
+              <a:schemeClr val="accent1"/>
+            </a:solidFill>
+            <a:ln>
+              <a:noFill/>
+            </a:ln>
+          </p:spPr>
+          <p:txBody>
+            <a:bodyPr vert="horz" wrap="square" lIns="91440" tIns="45720" rIns="91440" bIns="45720" numCol="1" anchor="t" anchorCtr="0" compatLnSpc="1">
+              <a:prstTxWarp prst="textNoShape">
+                <a:avLst/>
+              </a:prstTxWarp>
+            </a:bodyPr>
+            <a:lstStyle/>
+            <a:p>
+              <a:endParaRPr lang="en-US"/>
+            </a:p>
+          </p:txBody>
+        </p:sp>
+      </p:grpSp>
+      <p:sp>
+        <p:nvSpPr>
+          <p:cNvPr id="2" name="Title 1"/>
+          <p:cNvSpPr>
+            <a:spLocks noGrp="1"/>
+          </p:cNvSpPr>
+          <p:nvPr>
+            <p:ph type="title"/>
+          </p:nvPr>
+        </p:nvSpPr>
+        <p:spPr>
+          <a:xfrm>
+            <a:off x="1047280" y="759805"/>
+            <a:ext cx="10306520" cy="1325563"/>
+          </a:xfrm>
+        </p:spPr>
+        <p:txBody>
+          <a:bodyPr>
+            <a:normAutofit/>
+          </a:bodyPr>
+          <a:lstStyle/>
+          <a:p>
+            <a:r>
+              <a:rPr lang="en-US" sz="4000" dirty="0">
+                <a:solidFill>
+                  <a:srgbClr val="FFFFFF"/>
+                </a:solidFill>
+              </a:rPr>
+              <a:t>AlphaGo</a:t>
+            </a:r>
+            <a:endParaRPr lang="en-CA" sz="4000" dirty="0">
+              <a:solidFill>
+                <a:srgbClr val="FFFFFF"/>
+              </a:solidFill>
+            </a:endParaRPr>
+          </a:p>
+        </p:txBody>
+      </p:sp>
+      <p:sp>
+        <p:nvSpPr>
+          <p:cNvPr id="4" name="Content Placeholder 2"/>
+          <p:cNvSpPr>
+            <a:spLocks noGrp="1"/>
+          </p:cNvSpPr>
+          <p:nvPr>
+            <p:ph idx="1"/>
+          </p:nvPr>
+        </p:nvSpPr>
+        <p:spPr>
+          <a:xfrm>
+            <a:off x="1424904" y="2494450"/>
+            <a:ext cx="4053545" cy="3563159"/>
+          </a:xfrm>
+        </p:spPr>
+        <p:txBody>
+          <a:bodyPr>
+            <a:normAutofit/>
+          </a:bodyPr>
+          <a:lstStyle/>
+          <a:p>
+            <a:pPr marL="0" indent="0">
+              <a:buNone/>
+            </a:pPr>
+            <a:r>
+              <a:rPr lang="en-US" sz="2400" dirty="0"/>
+              <a:t>VS legendary Lee Sedol 4-1 2016</a:t>
+            </a:r>
+          </a:p>
+          <a:p>
+            <a:pPr marL="0" indent="0">
+              <a:buNone/>
+            </a:pPr>
+            <a:r>
+              <a:rPr lang="en-US" sz="2400" dirty="0"/>
+              <a:t>VS world champion </a:t>
+            </a:r>
+            <a:r>
+              <a:rPr lang="en-US" sz="2400" dirty="0" err="1"/>
+              <a:t>Ke</a:t>
+            </a:r>
+            <a:r>
+              <a:rPr lang="en-US" sz="2400" dirty="0"/>
+              <a:t> </a:t>
+            </a:r>
+            <a:r>
+              <a:rPr lang="en-US" sz="2400" dirty="0" err="1"/>
+              <a:t>jie</a:t>
+            </a:r>
+            <a:r>
+              <a:rPr lang="en-US" sz="2400" dirty="0"/>
+              <a:t> 3:0  2017.</a:t>
+            </a:r>
+          </a:p>
+        </p:txBody>
+      </p:sp>
       <p:pic>
         <p:nvPicPr>
-          <p:cNvPr id="1028" name="Picture 4" descr="Shoulder high portrait of man in his sixties in a checked shirt with a blank white background">
+          <p:cNvPr id="3078" name="Picture 6">
             <a:extLst>
               <a:ext uri="{FF2B5EF4-FFF2-40B4-BE49-F238E27FC236}">
-                <a16:creationId xmlns:a16="http://schemas.microsoft.com/office/drawing/2014/main" id="{96721490-608F-4480-BFB8-33185F56BFB7}"/>
+                <a16:creationId xmlns:a16="http://schemas.microsoft.com/office/drawing/2014/main" id="{DE57B860-2F13-4B25-88DA-D9AB0CC7E0AA}"/>
               </a:ext>
             </a:extLst>
           </p:cNvPr>
@@ -4594,23 +6143,21 @@
           </p:cNvPicPr>
           <p:nvPr/>
         </p:nvPicPr>
-        <p:blipFill>
-          <a:blip r:embed="rId4">
+        <p:blipFill rotWithShape="1">
+          <a:blip r:embed="rId3">
             <a:extLst>
               <a:ext uri="{28A0092B-C50C-407E-A947-70E740481C1C}">
                 <a14:useLocalDpi xmlns:a14="http://schemas.microsoft.com/office/drawing/2010/main" val="0"/>
               </a:ext>
             </a:extLst>
           </a:blip>
-          <a:srcRect/>
-          <a:stretch>
-            <a:fillRect/>
-          </a:stretch>
+          <a:srcRect l="14154" r="10374" b="1"/>
+          <a:stretch/>
         </p:blipFill>
         <p:spPr bwMode="auto">
           <a:xfrm>
-            <a:off x="4918949" y="2937137"/>
-            <a:ext cx="1795344" cy="1328629"/>
+            <a:off x="5478449" y="2492376"/>
+            <a:ext cx="6073365" cy="3563372"/>
           </a:xfrm>
           <a:prstGeom prst="rect">
             <a:avLst/>
@@ -4627,171 +6174,50 @@
           </a:extLst>
         </p:spPr>
       </p:pic>
-      <p:pic>
-        <p:nvPicPr>
-          <p:cNvPr id="1030" name="Picture 6">
-            <a:extLst>
-              <a:ext uri="{FF2B5EF4-FFF2-40B4-BE49-F238E27FC236}">
-                <a16:creationId xmlns:a16="http://schemas.microsoft.com/office/drawing/2014/main" id="{87A2A4C6-4ABF-43FF-95FB-67FC01E56A32}"/>
-              </a:ext>
-            </a:extLst>
-          </p:cNvPr>
-          <p:cNvPicPr>
-            <a:picLocks noChangeAspect="1" noChangeArrowheads="1"/>
-          </p:cNvPicPr>
-          <p:nvPr/>
-        </p:nvPicPr>
-        <p:blipFill>
-          <a:blip r:embed="rId5">
-            <a:extLst>
-              <a:ext uri="{28A0092B-C50C-407E-A947-70E740481C1C}">
-                <a14:useLocalDpi xmlns:a14="http://schemas.microsoft.com/office/drawing/2010/main" val="0"/>
-              </a:ext>
-            </a:extLst>
-          </a:blip>
-          <a:srcRect/>
-          <a:stretch>
-            <a:fillRect/>
-          </a:stretch>
-        </p:blipFill>
-        <p:spPr bwMode="auto">
-          <a:xfrm>
-            <a:off x="7601057" y="2875604"/>
-            <a:ext cx="1444228" cy="1668267"/>
-          </a:xfrm>
-          <a:prstGeom prst="rect">
-            <a:avLst/>
-          </a:prstGeom>
-          <a:noFill/>
-          <a:extLst>
-            <a:ext uri="{909E8E84-426E-40DD-AFC4-6F175D3DCCD1}">
-              <a14:hiddenFill xmlns:a14="http://schemas.microsoft.com/office/drawing/2010/main">
-                <a:solidFill>
-                  <a:srgbClr val="FFFFFF"/>
-                </a:solidFill>
-              </a14:hiddenFill>
-            </a:ext>
-          </a:extLst>
-        </p:spPr>
-      </p:pic>
-      <p:sp>
-        <p:nvSpPr>
-          <p:cNvPr id="9" name="TextBox 8">
-            <a:extLst>
-              <a:ext uri="{FF2B5EF4-FFF2-40B4-BE49-F238E27FC236}">
-                <a16:creationId xmlns:a16="http://schemas.microsoft.com/office/drawing/2014/main" id="{E8A548B6-5AB4-437D-9ED0-E1784F89ED89}"/>
-              </a:ext>
-            </a:extLst>
-          </p:cNvPr>
-          <p:cNvSpPr txBox="1"/>
-          <p:nvPr/>
+      <p:sp>
+        <p:nvSpPr>
+          <p:cNvPr id="3" name="Slide Number Placeholder 2"/>
+          <p:cNvSpPr>
+            <a:spLocks noGrp="1"/>
+          </p:cNvSpPr>
+          <p:nvPr>
+            <p:ph type="sldNum" sz="quarter" idx="12"/>
+          </p:nvPr>
         </p:nvSpPr>
         <p:spPr>
           <a:xfrm>
-            <a:off x="4947920" y="4541321"/>
-            <a:ext cx="1818640" cy="369332"/>
+            <a:off x="10707624" y="6382512"/>
+            <a:ext cx="685800" cy="320040"/>
           </a:xfrm>
-          <a:prstGeom prst="rect">
-            <a:avLst/>
-          </a:prstGeom>
-          <a:noFill/>
         </p:spPr>
         <p:txBody>
-          <a:bodyPr wrap="square" rtlCol="0">
-            <a:spAutoFit/>
+          <a:bodyPr>
+            <a:normAutofit/>
           </a:bodyPr>
           <a:lstStyle/>
           <a:p>
-            <a:r>
-              <a:rPr lang="en-US" dirty="0"/>
-              <a:t>Alan Kotok</a:t>
-            </a:r>
-          </a:p>
-        </p:txBody>
-      </p:sp>
-      <p:sp>
-        <p:nvSpPr>
-          <p:cNvPr id="10" name="TextBox 9">
-            <a:extLst>
-              <a:ext uri="{FF2B5EF4-FFF2-40B4-BE49-F238E27FC236}">
-                <a16:creationId xmlns:a16="http://schemas.microsoft.com/office/drawing/2014/main" id="{7B0CB0BC-7D67-4D26-AAF5-1F1137CE0924}"/>
-              </a:ext>
-            </a:extLst>
-          </p:cNvPr>
-          <p:cNvSpPr txBox="1"/>
-          <p:nvPr/>
-        </p:nvSpPr>
-        <p:spPr>
-          <a:xfrm>
-            <a:off x="7352522" y="4541321"/>
-            <a:ext cx="1912775" cy="369332"/>
-          </a:xfrm>
-          <a:prstGeom prst="rect">
-            <a:avLst/>
-          </a:prstGeom>
-          <a:noFill/>
-        </p:spPr>
-        <p:txBody>
-          <a:bodyPr wrap="square" rtlCol="0">
-            <a:spAutoFit/>
-          </a:bodyPr>
-          <a:lstStyle/>
-          <a:p>
-            <a:r>
-              <a:rPr lang="en-US" dirty="0"/>
-              <a:t>Elwyn </a:t>
-            </a:r>
-            <a:r>
-              <a:rPr lang="en-US" dirty="0" err="1"/>
-              <a:t>Berlekamp</a:t>
-            </a:r>
-            <a:endParaRPr lang="en-US" dirty="0"/>
-          </a:p>
-        </p:txBody>
-      </p:sp>
-      <p:sp>
-        <p:nvSpPr>
-          <p:cNvPr id="11" name="TextBox 10">
-            <a:extLst>
-              <a:ext uri="{FF2B5EF4-FFF2-40B4-BE49-F238E27FC236}">
-                <a16:creationId xmlns:a16="http://schemas.microsoft.com/office/drawing/2014/main" id="{6DA7B24B-B2AD-4844-B4CF-727BA86ABE60}"/>
-              </a:ext>
-            </a:extLst>
-          </p:cNvPr>
-          <p:cNvSpPr txBox="1"/>
-          <p:nvPr/>
-        </p:nvSpPr>
-        <p:spPr>
-          <a:xfrm>
-            <a:off x="859972" y="4152122"/>
-            <a:ext cx="2286745" cy="646331"/>
-          </a:xfrm>
-          <a:prstGeom prst="rect">
-            <a:avLst/>
-          </a:prstGeom>
-          <a:noFill/>
-        </p:spPr>
-        <p:txBody>
-          <a:bodyPr wrap="square" rtlCol="0">
-            <a:spAutoFit/>
-          </a:bodyPr>
-          <a:lstStyle/>
-          <a:p>
-            <a:pPr algn="l"/>
-            <a:r>
-              <a:rPr lang="en-US" sz="1800" b="0" i="0" u="none" strike="noStrike" baseline="0" dirty="0">
-                <a:latin typeface="CMR10"/>
-              </a:rPr>
-              <a:t>John McCarthy – MIT/Stanford</a:t>
-            </a:r>
-            <a:endParaRPr lang="en-US" dirty="0"/>
+            <a:pPr>
+              <a:spcAft>
+                <a:spcPts val="600"/>
+              </a:spcAft>
+            </a:pPr>
+            <a:fld id="{4292D9D0-E695-4D04-8152-0C0E77A81AC1}" type="slidenum">
+              <a:rPr lang="en-CA" sz="1000"/>
+              <a:pPr>
+                <a:spcAft>
+                  <a:spcPts val="600"/>
+                </a:spcAft>
+              </a:pPr>
+              <a:t>10</a:t>
+            </a:fld>
+            <a:endParaRPr lang="en-CA" sz="1000"/>
           </a:p>
         </p:txBody>
       </p:sp>
     </p:spTree>
     <p:extLst>
       <p:ext uri="{BB962C8B-B14F-4D97-AF65-F5344CB8AC3E}">
-        <p14:creationId xmlns:p14="http://schemas.microsoft.com/office/powerpoint/2010/main" val="2402455382"/>
+        <p14:creationId xmlns:p14="http://schemas.microsoft.com/office/powerpoint/2010/main" val="4218669206"/>
       </p:ext>
     </p:extLst>
   </p:cSld>
@@ -4826,12 +6252,12 @@
           <a:chExt cx="0" cy="0"/>
         </a:xfrm>
       </p:grpSpPr>
-      <p:sp>
-        <p:nvSpPr>
-          <p:cNvPr id="41" name="Rectangle 40">
+      <p:sp useBgFill="1">
+        <p:nvSpPr>
+          <p:cNvPr id="75" name="Rectangle 74">
             <a:extLst>
               <a:ext uri="{FF2B5EF4-FFF2-40B4-BE49-F238E27FC236}">
-                <a16:creationId xmlns:a16="http://schemas.microsoft.com/office/drawing/2014/main" id="{42A4FC2C-047E-45A5-965D-8E1E3BF09BC6}"/>
+                <a16:creationId xmlns:a16="http://schemas.microsoft.com/office/drawing/2014/main" id="{F4C0B10B-D2C4-4A54-AFAD-3D27DF88BB37}"/>
               </a:ext>
               <a:ext uri="{C183D7F6-B498-43B3-948B-1728B52AA6E4}">
                 <adec:decorative xmlns:adec="http://schemas.microsoft.com/office/drawing/2017/decorative" val="1"/>
@@ -4849,15 +6275,14 @@
             </p:extLst>
           </p:nvPr>
         </p:nvSpPr>
-        <p:spPr bwMode="white">
+        <p:spPr>
           <a:xfrm>
-            <a:off x="1524" y="0"/>
+            <a:off x="0" y="0"/>
             <a:ext cx="12188952" cy="6858000"/>
           </a:xfrm>
           <a:prstGeom prst="rect">
             <a:avLst/>
           </a:prstGeom>
-          <a:noFill/>
           <a:ln>
             <a:noFill/>
           </a:ln>
@@ -4880,136 +6305,629 @@
         </p:style>
         <p:txBody>
           <a:bodyPr rtlCol="0" anchor="ctr"/>
-          <a:lstStyle>
-            <a:defPPr>
-              <a:defRPr lang="en-US"/>
-            </a:defPPr>
-            <a:lvl1pPr marL="0" algn="l" defTabSz="914400" rtl="0" eaLnBrk="1" latinLnBrk="0" hangingPunct="1">
-              <a:defRPr sz="1800" kern="1200">
-                <a:solidFill>
-                  <a:schemeClr val="lt1"/>
-                </a:solidFill>
-                <a:latin typeface="+mn-lt"/>
-                <a:ea typeface="+mn-ea"/>
-                <a:cs typeface="+mn-cs"/>
-              </a:defRPr>
-            </a:lvl1pPr>
-            <a:lvl2pPr marL="457200" algn="l" defTabSz="914400" rtl="0" eaLnBrk="1" latinLnBrk="0" hangingPunct="1">
-              <a:defRPr sz="1800" kern="1200">
-                <a:solidFill>
-                  <a:schemeClr val="lt1"/>
-                </a:solidFill>
-                <a:latin typeface="+mn-lt"/>
-                <a:ea typeface="+mn-ea"/>
-                <a:cs typeface="+mn-cs"/>
-              </a:defRPr>
-            </a:lvl2pPr>
-            <a:lvl3pPr marL="914400" algn="l" defTabSz="914400" rtl="0" eaLnBrk="1" latinLnBrk="0" hangingPunct="1">
-              <a:defRPr sz="1800" kern="1200">
-                <a:solidFill>
-                  <a:schemeClr val="lt1"/>
-                </a:solidFill>
-                <a:latin typeface="+mn-lt"/>
-                <a:ea typeface="+mn-ea"/>
-                <a:cs typeface="+mn-cs"/>
-              </a:defRPr>
-            </a:lvl3pPr>
-            <a:lvl4pPr marL="1371600" algn="l" defTabSz="914400" rtl="0" eaLnBrk="1" latinLnBrk="0" hangingPunct="1">
-              <a:defRPr sz="1800" kern="1200">
-                <a:solidFill>
-                  <a:schemeClr val="lt1"/>
-                </a:solidFill>
-                <a:latin typeface="+mn-lt"/>
-                <a:ea typeface="+mn-ea"/>
-                <a:cs typeface="+mn-cs"/>
-              </a:defRPr>
-            </a:lvl4pPr>
-            <a:lvl5pPr marL="1828800" algn="l" defTabSz="914400" rtl="0" eaLnBrk="1" latinLnBrk="0" hangingPunct="1">
-              <a:defRPr sz="1800" kern="1200">
-                <a:solidFill>
-                  <a:schemeClr val="lt1"/>
-                </a:solidFill>
-                <a:latin typeface="+mn-lt"/>
-                <a:ea typeface="+mn-ea"/>
-                <a:cs typeface="+mn-cs"/>
-              </a:defRPr>
-            </a:lvl5pPr>
-            <a:lvl6pPr marL="2286000" algn="l" defTabSz="914400" rtl="0" eaLnBrk="1" latinLnBrk="0" hangingPunct="1">
-              <a:defRPr sz="1800" kern="1200">
-                <a:solidFill>
-                  <a:schemeClr val="lt1"/>
-                </a:solidFill>
-                <a:latin typeface="+mn-lt"/>
-                <a:ea typeface="+mn-ea"/>
-                <a:cs typeface="+mn-cs"/>
-              </a:defRPr>
-            </a:lvl6pPr>
-            <a:lvl7pPr marL="2743200" algn="l" defTabSz="914400" rtl="0" eaLnBrk="1" latinLnBrk="0" hangingPunct="1">
-              <a:defRPr sz="1800" kern="1200">
-                <a:solidFill>
-                  <a:schemeClr val="lt1"/>
-                </a:solidFill>
-                <a:latin typeface="+mn-lt"/>
-                <a:ea typeface="+mn-ea"/>
-                <a:cs typeface="+mn-cs"/>
-              </a:defRPr>
-            </a:lvl7pPr>
-            <a:lvl8pPr marL="3200400" algn="l" defTabSz="914400" rtl="0" eaLnBrk="1" latinLnBrk="0" hangingPunct="1">
-              <a:defRPr sz="1800" kern="1200">
-                <a:solidFill>
-                  <a:schemeClr val="lt1"/>
-                </a:solidFill>
-                <a:latin typeface="+mn-lt"/>
-                <a:ea typeface="+mn-ea"/>
-                <a:cs typeface="+mn-cs"/>
-              </a:defRPr>
-            </a:lvl8pPr>
-            <a:lvl9pPr marL="3657600" algn="l" defTabSz="914400" rtl="0" eaLnBrk="1" latinLnBrk="0" hangingPunct="1">
-              <a:defRPr sz="1800" kern="1200">
-                <a:solidFill>
-                  <a:schemeClr val="lt1"/>
-                </a:solidFill>
-                <a:latin typeface="+mn-lt"/>
-                <a:ea typeface="+mn-ea"/>
-                <a:cs typeface="+mn-cs"/>
-              </a:defRPr>
-            </a:lvl9pPr>
-          </a:lstStyle>
+          <a:lstStyle/>
           <a:p>
             <a:pPr algn="ctr"/>
             <a:endParaRPr lang="en-US"/>
           </a:p>
         </p:txBody>
       </p:sp>
+      <p:grpSp>
+        <p:nvGrpSpPr>
+          <p:cNvPr id="77" name="Group 76">
+            <a:extLst>
+              <a:ext uri="{FF2B5EF4-FFF2-40B4-BE49-F238E27FC236}">
+                <a16:creationId xmlns:a16="http://schemas.microsoft.com/office/drawing/2014/main" id="{B6BADB90-C74B-40D6-86DC-503F65FCE8DC}"/>
+              </a:ext>
+              <a:ext uri="{C183D7F6-B498-43B3-948B-1728B52AA6E4}">
+                <adec:decorative xmlns:adec="http://schemas.microsoft.com/office/drawing/2017/decorative" val="1"/>
+              </a:ext>
+            </a:extLst>
+          </p:cNvPr>
+          <p:cNvGrpSpPr>
+            <a:grpSpLocks noGrp="1" noUngrp="1" noRot="1" noChangeAspect="1" noMove="1" noResize="1"/>
+          </p:cNvGrpSpPr>
+          <p:nvPr>
+            <p:extLst>
+              <p:ext uri="{386F3935-93C4-4BCD-93E2-E3B085C9AB24}">
+                <p16:designElem xmlns:p16="http://schemas.microsoft.com/office/powerpoint/2015/main" val="1"/>
+              </p:ext>
+            </p:extLst>
+          </p:nvPr>
+        </p:nvGrpSpPr>
+        <p:grpSpPr>
+          <a:xfrm>
+            <a:off x="409710" y="635715"/>
+            <a:ext cx="11142208" cy="2482136"/>
+            <a:chOff x="409710" y="635715"/>
+            <a:chExt cx="11142208" cy="2482136"/>
+          </a:xfrm>
+        </p:grpSpPr>
+        <p:sp>
+          <p:nvSpPr>
+            <p:cNvPr id="78" name="Freeform 44">
+              <a:extLst>
+                <a:ext uri="{FF2B5EF4-FFF2-40B4-BE49-F238E27FC236}">
+                  <a16:creationId xmlns:a16="http://schemas.microsoft.com/office/drawing/2014/main" id="{6559431D-1886-4AE0-9B87-9AD2ECAB8439}"/>
+                </a:ext>
+                <a:ext uri="{C183D7F6-B498-43B3-948B-1728B52AA6E4}">
+                  <adec:decorative xmlns:adec="http://schemas.microsoft.com/office/drawing/2017/decorative" val="1"/>
+                </a:ext>
+              </a:extLst>
+            </p:cNvPr>
+            <p:cNvSpPr>
+              <a:spLocks/>
+            </p:cNvSpPr>
+            <p:nvPr>
+              <p:extLst>
+                <p:ext uri="{386F3935-93C4-4BCD-93E2-E3B085C9AB24}">
+                  <p16:designElem xmlns:p16="http://schemas.microsoft.com/office/powerpoint/2015/main" val="1"/>
+                </p:ext>
+              </p:extLst>
+            </p:nvPr>
+          </p:nvSpPr>
+          <p:spPr bwMode="auto">
+            <a:xfrm>
+              <a:off x="11223203" y="635716"/>
+              <a:ext cx="328612" cy="1742360"/>
+            </a:xfrm>
+            <a:custGeom>
+              <a:avLst/>
+              <a:gdLst>
+                <a:gd name="T0" fmla="*/ 207 w 207"/>
+                <a:gd name="T1" fmla="*/ 987 h 1114"/>
+                <a:gd name="T2" fmla="*/ 0 w 207"/>
+                <a:gd name="T3" fmla="*/ 1114 h 1114"/>
+                <a:gd name="T4" fmla="*/ 0 w 207"/>
+                <a:gd name="T5" fmla="*/ 127 h 1114"/>
+                <a:gd name="T6" fmla="*/ 207 w 207"/>
+                <a:gd name="T7" fmla="*/ 0 h 1114"/>
+                <a:gd name="T8" fmla="*/ 207 w 207"/>
+                <a:gd name="T9" fmla="*/ 987 h 1114"/>
+              </a:gdLst>
+              <a:ahLst/>
+              <a:cxnLst>
+                <a:cxn ang="0">
+                  <a:pos x="T0" y="T1"/>
+                </a:cxn>
+                <a:cxn ang="0">
+                  <a:pos x="T2" y="T3"/>
+                </a:cxn>
+                <a:cxn ang="0">
+                  <a:pos x="T4" y="T5"/>
+                </a:cxn>
+                <a:cxn ang="0">
+                  <a:pos x="T6" y="T7"/>
+                </a:cxn>
+                <a:cxn ang="0">
+                  <a:pos x="T8" y="T9"/>
+                </a:cxn>
+              </a:cxnLst>
+              <a:rect l="0" t="0" r="r" b="b"/>
+              <a:pathLst>
+                <a:path w="207" h="1114">
+                  <a:moveTo>
+                    <a:pt x="207" y="987"/>
+                  </a:moveTo>
+                  <a:lnTo>
+                    <a:pt x="0" y="1114"/>
+                  </a:lnTo>
+                  <a:lnTo>
+                    <a:pt x="0" y="127"/>
+                  </a:lnTo>
+                  <a:lnTo>
+                    <a:pt x="207" y="0"/>
+                  </a:lnTo>
+                  <a:lnTo>
+                    <a:pt x="207" y="987"/>
+                  </a:lnTo>
+                  <a:close/>
+                </a:path>
+              </a:pathLst>
+            </a:custGeom>
+            <a:solidFill>
+              <a:schemeClr val="accent1">
+                <a:lumMod val="50000"/>
+              </a:schemeClr>
+            </a:solidFill>
+            <a:ln>
+              <a:noFill/>
+            </a:ln>
+          </p:spPr>
+          <p:txBody>
+            <a:bodyPr vert="horz" wrap="square" lIns="91440" tIns="45720" rIns="91440" bIns="45720" numCol="1" anchor="t" anchorCtr="0" compatLnSpc="1">
+              <a:prstTxWarp prst="textNoShape">
+                <a:avLst/>
+              </a:prstTxWarp>
+            </a:bodyPr>
+            <a:lstStyle/>
+            <a:p>
+              <a:endParaRPr lang="en-US"/>
+            </a:p>
+          </p:txBody>
+        </p:sp>
+        <p:sp>
+          <p:nvSpPr>
+            <p:cNvPr id="79" name="Freeform 45">
+              <a:extLst>
+                <a:ext uri="{FF2B5EF4-FFF2-40B4-BE49-F238E27FC236}">
+                  <a16:creationId xmlns:a16="http://schemas.microsoft.com/office/drawing/2014/main" id="{373850A5-B04A-4FCD-9E73-EE322167FB31}"/>
+                </a:ext>
+                <a:ext uri="{C183D7F6-B498-43B3-948B-1728B52AA6E4}">
+                  <adec:decorative xmlns:adec="http://schemas.microsoft.com/office/drawing/2017/decorative" val="1"/>
+                </a:ext>
+              </a:extLst>
+            </p:cNvPr>
+            <p:cNvSpPr>
+              <a:spLocks/>
+            </p:cNvSpPr>
+            <p:nvPr>
+              <p:extLst>
+                <p:ext uri="{386F3935-93C4-4BCD-93E2-E3B085C9AB24}">
+                  <p16:designElem xmlns:p16="http://schemas.microsoft.com/office/powerpoint/2015/main" val="1"/>
+                </p:ext>
+              </p:extLst>
+            </p:nvPr>
+          </p:nvSpPr>
+          <p:spPr bwMode="auto">
+            <a:xfrm>
+              <a:off x="409710" y="1022350"/>
+              <a:ext cx="709612" cy="2095501"/>
+            </a:xfrm>
+            <a:custGeom>
+              <a:avLst/>
+              <a:gdLst>
+                <a:gd name="T0" fmla="*/ 447 w 447"/>
+                <a:gd name="T1" fmla="*/ 1363 h 1363"/>
+                <a:gd name="T2" fmla="*/ 0 w 447"/>
+                <a:gd name="T3" fmla="*/ 987 h 1363"/>
+                <a:gd name="T4" fmla="*/ 0 w 447"/>
+                <a:gd name="T5" fmla="*/ 0 h 1363"/>
+                <a:gd name="T6" fmla="*/ 447 w 447"/>
+                <a:gd name="T7" fmla="*/ 376 h 1363"/>
+                <a:gd name="T8" fmla="*/ 447 w 447"/>
+                <a:gd name="T9" fmla="*/ 1363 h 1363"/>
+              </a:gdLst>
+              <a:ahLst/>
+              <a:cxnLst>
+                <a:cxn ang="0">
+                  <a:pos x="T0" y="T1"/>
+                </a:cxn>
+                <a:cxn ang="0">
+                  <a:pos x="T2" y="T3"/>
+                </a:cxn>
+                <a:cxn ang="0">
+                  <a:pos x="T4" y="T5"/>
+                </a:cxn>
+                <a:cxn ang="0">
+                  <a:pos x="T6" y="T7"/>
+                </a:cxn>
+                <a:cxn ang="0">
+                  <a:pos x="T8" y="T9"/>
+                </a:cxn>
+              </a:cxnLst>
+              <a:rect l="0" t="0" r="r" b="b"/>
+              <a:pathLst>
+                <a:path w="447" h="1363">
+                  <a:moveTo>
+                    <a:pt x="447" y="1363"/>
+                  </a:moveTo>
+                  <a:lnTo>
+                    <a:pt x="0" y="987"/>
+                  </a:lnTo>
+                  <a:lnTo>
+                    <a:pt x="0" y="0"/>
+                  </a:lnTo>
+                  <a:lnTo>
+                    <a:pt x="447" y="376"/>
+                  </a:lnTo>
+                  <a:lnTo>
+                    <a:pt x="447" y="1363"/>
+                  </a:lnTo>
+                  <a:close/>
+                </a:path>
+              </a:pathLst>
+            </a:custGeom>
+            <a:solidFill>
+              <a:schemeClr val="accent1">
+                <a:lumMod val="50000"/>
+              </a:schemeClr>
+            </a:solidFill>
+            <a:ln>
+              <a:noFill/>
+            </a:ln>
+          </p:spPr>
+          <p:txBody>
+            <a:bodyPr vert="horz" wrap="square" lIns="91440" tIns="45720" rIns="91440" bIns="45720" numCol="1" anchor="t" anchorCtr="0" compatLnSpc="1">
+              <a:prstTxWarp prst="textNoShape">
+                <a:avLst/>
+              </a:prstTxWarp>
+            </a:bodyPr>
+            <a:lstStyle/>
+            <a:p>
+              <a:endParaRPr lang="en-US"/>
+            </a:p>
+          </p:txBody>
+        </p:sp>
+        <p:sp>
+          <p:nvSpPr>
+            <p:cNvPr id="80" name="Freeform 46">
+              <a:extLst>
+                <a:ext uri="{FF2B5EF4-FFF2-40B4-BE49-F238E27FC236}">
+                  <a16:creationId xmlns:a16="http://schemas.microsoft.com/office/drawing/2014/main" id="{82C18C67-80FA-4738-AA53-0AF2419F98E0}"/>
+                </a:ext>
+                <a:ext uri="{C183D7F6-B498-43B3-948B-1728B52AA6E4}">
+                  <adec:decorative xmlns:adec="http://schemas.microsoft.com/office/drawing/2017/decorative" val="1"/>
+                </a:ext>
+              </a:extLst>
+            </p:cNvPr>
+            <p:cNvSpPr>
+              <a:spLocks/>
+            </p:cNvSpPr>
+            <p:nvPr>
+              <p:extLst>
+                <p:ext uri="{386F3935-93C4-4BCD-93E2-E3B085C9AB24}">
+                  <p16:designElem xmlns:p16="http://schemas.microsoft.com/office/powerpoint/2015/main" val="1"/>
+                </p:ext>
+              </p:extLst>
+            </p:nvPr>
+          </p:nvSpPr>
+          <p:spPr bwMode="auto">
+            <a:xfrm>
+              <a:off x="409710" y="837744"/>
+              <a:ext cx="403225" cy="1705431"/>
+            </a:xfrm>
+            <a:custGeom>
+              <a:avLst/>
+              <a:gdLst>
+                <a:gd name="T0" fmla="*/ 254 w 254"/>
+                <a:gd name="T1" fmla="*/ 987 h 1109"/>
+                <a:gd name="T2" fmla="*/ 0 w 254"/>
+                <a:gd name="T3" fmla="*/ 1109 h 1109"/>
+                <a:gd name="T4" fmla="*/ 0 w 254"/>
+                <a:gd name="T5" fmla="*/ 119 h 1109"/>
+                <a:gd name="T6" fmla="*/ 254 w 254"/>
+                <a:gd name="T7" fmla="*/ 0 h 1109"/>
+                <a:gd name="T8" fmla="*/ 254 w 254"/>
+                <a:gd name="T9" fmla="*/ 987 h 1109"/>
+              </a:gdLst>
+              <a:ahLst/>
+              <a:cxnLst>
+                <a:cxn ang="0">
+                  <a:pos x="T0" y="T1"/>
+                </a:cxn>
+                <a:cxn ang="0">
+                  <a:pos x="T2" y="T3"/>
+                </a:cxn>
+                <a:cxn ang="0">
+                  <a:pos x="T4" y="T5"/>
+                </a:cxn>
+                <a:cxn ang="0">
+                  <a:pos x="T6" y="T7"/>
+                </a:cxn>
+                <a:cxn ang="0">
+                  <a:pos x="T8" y="T9"/>
+                </a:cxn>
+              </a:cxnLst>
+              <a:rect l="0" t="0" r="r" b="b"/>
+              <a:pathLst>
+                <a:path w="254" h="1109">
+                  <a:moveTo>
+                    <a:pt x="254" y="987"/>
+                  </a:moveTo>
+                  <a:lnTo>
+                    <a:pt x="0" y="1109"/>
+                  </a:lnTo>
+                  <a:lnTo>
+                    <a:pt x="0" y="119"/>
+                  </a:lnTo>
+                  <a:lnTo>
+                    <a:pt x="254" y="0"/>
+                  </a:lnTo>
+                  <a:lnTo>
+                    <a:pt x="254" y="987"/>
+                  </a:lnTo>
+                  <a:close/>
+                </a:path>
+              </a:pathLst>
+            </a:custGeom>
+            <a:solidFill>
+              <a:schemeClr val="accent1">
+                <a:lumMod val="75000"/>
+              </a:schemeClr>
+            </a:solidFill>
+            <a:ln>
+              <a:noFill/>
+            </a:ln>
+          </p:spPr>
+          <p:txBody>
+            <a:bodyPr vert="horz" wrap="square" lIns="91440" tIns="45720" rIns="91440" bIns="45720" numCol="1" anchor="t" anchorCtr="0" compatLnSpc="1">
+              <a:prstTxWarp prst="textNoShape">
+                <a:avLst/>
+              </a:prstTxWarp>
+            </a:bodyPr>
+            <a:lstStyle/>
+            <a:p>
+              <a:endParaRPr lang="en-US"/>
+            </a:p>
+          </p:txBody>
+        </p:sp>
+        <p:sp>
+          <p:nvSpPr>
+            <p:cNvPr id="81" name="Freeform 47">
+              <a:extLst>
+                <a:ext uri="{FF2B5EF4-FFF2-40B4-BE49-F238E27FC236}">
+                  <a16:creationId xmlns:a16="http://schemas.microsoft.com/office/drawing/2014/main" id="{48543B1A-8BF5-4C63-8404-41B2EA70B33E}"/>
+                </a:ext>
+                <a:ext uri="{C183D7F6-B498-43B3-948B-1728B52AA6E4}">
+                  <adec:decorative xmlns:adec="http://schemas.microsoft.com/office/drawing/2017/decorative" val="1"/>
+                </a:ext>
+              </a:extLst>
+            </p:cNvPr>
+            <p:cNvSpPr>
+              <a:spLocks/>
+            </p:cNvSpPr>
+            <p:nvPr>
+              <p:extLst>
+                <p:ext uri="{386F3935-93C4-4BCD-93E2-E3B085C9AB24}">
+                  <p16:designElem xmlns:p16="http://schemas.microsoft.com/office/powerpoint/2015/main" val="1"/>
+                </p:ext>
+              </p:extLst>
+            </p:nvPr>
+          </p:nvSpPr>
+          <p:spPr bwMode="auto">
+            <a:xfrm>
+              <a:off x="644660" y="640894"/>
+              <a:ext cx="168275" cy="1713195"/>
+            </a:xfrm>
+            <a:custGeom>
+              <a:avLst/>
+              <a:gdLst>
+                <a:gd name="T0" fmla="*/ 106 w 106"/>
+                <a:gd name="T1" fmla="*/ 1114 h 1114"/>
+                <a:gd name="T2" fmla="*/ 0 w 106"/>
+                <a:gd name="T3" fmla="*/ 1005 h 1114"/>
+                <a:gd name="T4" fmla="*/ 0 w 106"/>
+                <a:gd name="T5" fmla="*/ 0 h 1114"/>
+                <a:gd name="T6" fmla="*/ 106 w 106"/>
+                <a:gd name="T7" fmla="*/ 110 h 1114"/>
+                <a:gd name="T8" fmla="*/ 106 w 106"/>
+                <a:gd name="T9" fmla="*/ 1114 h 1114"/>
+              </a:gdLst>
+              <a:ahLst/>
+              <a:cxnLst>
+                <a:cxn ang="0">
+                  <a:pos x="T0" y="T1"/>
+                </a:cxn>
+                <a:cxn ang="0">
+                  <a:pos x="T2" y="T3"/>
+                </a:cxn>
+                <a:cxn ang="0">
+                  <a:pos x="T4" y="T5"/>
+                </a:cxn>
+                <a:cxn ang="0">
+                  <a:pos x="T6" y="T7"/>
+                </a:cxn>
+                <a:cxn ang="0">
+                  <a:pos x="T8" y="T9"/>
+                </a:cxn>
+              </a:cxnLst>
+              <a:rect l="0" t="0" r="r" b="b"/>
+              <a:pathLst>
+                <a:path w="106" h="1114">
+                  <a:moveTo>
+                    <a:pt x="106" y="1114"/>
+                  </a:moveTo>
+                  <a:lnTo>
+                    <a:pt x="0" y="1005"/>
+                  </a:lnTo>
+                  <a:lnTo>
+                    <a:pt x="0" y="0"/>
+                  </a:lnTo>
+                  <a:lnTo>
+                    <a:pt x="106" y="110"/>
+                  </a:lnTo>
+                  <a:lnTo>
+                    <a:pt x="106" y="1114"/>
+                  </a:lnTo>
+                  <a:close/>
+                </a:path>
+              </a:pathLst>
+            </a:custGeom>
+            <a:solidFill>
+              <a:schemeClr val="accent1">
+                <a:lumMod val="50000"/>
+              </a:schemeClr>
+            </a:solidFill>
+            <a:ln>
+              <a:noFill/>
+            </a:ln>
+          </p:spPr>
+          <p:txBody>
+            <a:bodyPr vert="horz" wrap="square" lIns="91440" tIns="45720" rIns="91440" bIns="45720" numCol="1" anchor="t" anchorCtr="0" compatLnSpc="1">
+              <a:prstTxWarp prst="textNoShape">
+                <a:avLst/>
+              </a:prstTxWarp>
+            </a:bodyPr>
+            <a:lstStyle/>
+            <a:p>
+              <a:endParaRPr lang="en-US"/>
+            </a:p>
+          </p:txBody>
+        </p:sp>
+        <p:sp>
+          <p:nvSpPr>
+            <p:cNvPr id="82" name="Rectangle 81">
+              <a:extLst>
+                <a:ext uri="{FF2B5EF4-FFF2-40B4-BE49-F238E27FC236}">
+                  <a16:creationId xmlns:a16="http://schemas.microsoft.com/office/drawing/2014/main" id="{92DF5096-E051-498C-A3ED-CBA77A813AAC}"/>
+                </a:ext>
+                <a:ext uri="{C183D7F6-B498-43B3-948B-1728B52AA6E4}">
+                  <adec:decorative xmlns:adec="http://schemas.microsoft.com/office/drawing/2017/decorative" val="1"/>
+                </a:ext>
+              </a:extLst>
+            </p:cNvPr>
+            <p:cNvSpPr>
+              <a:spLocks noChangeArrowheads="1"/>
+            </p:cNvSpPr>
+            <p:nvPr>
+              <p:extLst>
+                <p:ext uri="{386F3935-93C4-4BCD-93E2-E3B085C9AB24}">
+                  <p16:designElem xmlns:p16="http://schemas.microsoft.com/office/powerpoint/2015/main" val="1"/>
+                </p:ext>
+              </p:extLst>
+            </p:nvPr>
+          </p:nvSpPr>
+          <p:spPr bwMode="auto">
+            <a:xfrm>
+              <a:off x="644055" y="635715"/>
+              <a:ext cx="10907863" cy="1541457"/>
+            </a:xfrm>
+            <a:prstGeom prst="rect">
+              <a:avLst/>
+            </a:prstGeom>
+            <a:solidFill>
+              <a:schemeClr val="accent1"/>
+            </a:solidFill>
+            <a:ln>
+              <a:noFill/>
+            </a:ln>
+          </p:spPr>
+          <p:txBody>
+            <a:bodyPr vert="horz" wrap="square" lIns="91440" tIns="45720" rIns="91440" bIns="45720" numCol="1" anchor="t" anchorCtr="0" compatLnSpc="1">
+              <a:prstTxWarp prst="textNoShape">
+                <a:avLst/>
+              </a:prstTxWarp>
+            </a:bodyPr>
+            <a:lstStyle/>
+            <a:p>
+              <a:endParaRPr lang="en-US"/>
+            </a:p>
+          </p:txBody>
+        </p:sp>
+      </p:grpSp>
+      <p:sp>
+        <p:nvSpPr>
+          <p:cNvPr id="2" name="Title 1"/>
+          <p:cNvSpPr>
+            <a:spLocks noGrp="1"/>
+          </p:cNvSpPr>
+          <p:nvPr>
+            <p:ph type="title"/>
+          </p:nvPr>
+        </p:nvSpPr>
+        <p:spPr>
+          <a:xfrm>
+            <a:off x="1047280" y="759805"/>
+            <a:ext cx="10306520" cy="1325563"/>
+          </a:xfrm>
+        </p:spPr>
+        <p:txBody>
+          <a:bodyPr>
+            <a:normAutofit/>
+          </a:bodyPr>
+          <a:lstStyle/>
+          <a:p>
+            <a:r>
+              <a:rPr lang="en-US" sz="4000" dirty="0">
+                <a:solidFill>
+                  <a:srgbClr val="FFFFFF"/>
+                </a:solidFill>
+              </a:rPr>
+              <a:t>Backgammon</a:t>
+            </a:r>
+            <a:endParaRPr lang="en-CA" sz="4000" dirty="0">
+              <a:solidFill>
+                <a:srgbClr val="FFFFFF"/>
+              </a:solidFill>
+            </a:endParaRPr>
+          </a:p>
+        </p:txBody>
+      </p:sp>
+      <p:sp>
+        <p:nvSpPr>
+          <p:cNvPr id="4" name="Content Placeholder 2"/>
+          <p:cNvSpPr>
+            <a:spLocks noGrp="1"/>
+          </p:cNvSpPr>
+          <p:nvPr>
+            <p:ph idx="1"/>
+          </p:nvPr>
+        </p:nvSpPr>
+        <p:spPr>
+          <a:xfrm>
+            <a:off x="1424904" y="2494450"/>
+            <a:ext cx="4053545" cy="3563159"/>
+          </a:xfrm>
+        </p:spPr>
+        <p:txBody>
+          <a:bodyPr>
+            <a:normAutofit/>
+          </a:bodyPr>
+          <a:lstStyle/>
+          <a:p>
+            <a:pPr marL="0" indent="0">
+              <a:buNone/>
+            </a:pPr>
+            <a:r>
+              <a:rPr lang="en-US" sz="2400" b="0" i="0" dirty="0">
+                <a:effectLst/>
+                <a:latin typeface="Arial" panose="020B0604020202020204" pitchFamily="34" charset="0"/>
+              </a:rPr>
+              <a:t>15 pieces</a:t>
+            </a:r>
+          </a:p>
+          <a:p>
+            <a:pPr marL="0" indent="0">
+              <a:buNone/>
+            </a:pPr>
+            <a:endParaRPr lang="en-US" sz="2400" dirty="0"/>
+          </a:p>
+        </p:txBody>
+      </p:sp>
       <p:pic>
         <p:nvPicPr>
-          <p:cNvPr id="10" name="Content Placeholder 9">
+          <p:cNvPr id="4102" name="Picture 6">
             <a:extLst>
               <a:ext uri="{FF2B5EF4-FFF2-40B4-BE49-F238E27FC236}">
-                <a16:creationId xmlns:a16="http://schemas.microsoft.com/office/drawing/2014/main" id="{58E2D820-B4C1-4D36-9AFF-DDF50A0E7B26}"/>
+                <a16:creationId xmlns:a16="http://schemas.microsoft.com/office/drawing/2014/main" id="{5D18A2E3-3E4E-4E3C-A46E-B30C401EFEA4}"/>
               </a:ext>
             </a:extLst>
           </p:cNvPr>
           <p:cNvPicPr>
-            <a:picLocks noGrp="1" noChangeAspect="1"/>
+            <a:picLocks noChangeAspect="1" noChangeArrowheads="1"/>
           </p:cNvPicPr>
-          <p:nvPr>
-            <p:ph idx="1"/>
-          </p:nvPr>
+          <p:nvPr/>
         </p:nvPicPr>
         <p:blipFill rotWithShape="1">
-          <a:blip r:embed="rId3"/>
-          <a:srcRect r="1760"/>
+          <a:blip r:embed="rId3">
+            <a:extLst>
+              <a:ext uri="{28A0092B-C50C-407E-A947-70E740481C1C}">
+                <a14:useLocalDpi xmlns:a14="http://schemas.microsoft.com/office/drawing/2010/main" val="0"/>
+              </a:ext>
+            </a:extLst>
+          </a:blip>
+          <a:srcRect t="4378" b="9091"/>
           <a:stretch/>
         </p:blipFill>
-        <p:spPr>
+        <p:spPr bwMode="auto">
           <a:xfrm>
-            <a:off x="20" y="10"/>
-            <a:ext cx="12191980" cy="6857990"/>
+            <a:off x="6098892" y="2492376"/>
+            <a:ext cx="4802404" cy="3563372"/>
           </a:xfrm>
           <a:prstGeom prst="rect">
             <a:avLst/>
           </a:prstGeom>
+          <a:noFill/>
+          <a:extLst>
+            <a:ext uri="{909E8E84-426E-40DD-AFC4-6F175D3DCCD1}">
+              <a14:hiddenFill xmlns:a14="http://schemas.microsoft.com/office/drawing/2010/main">
+                <a:solidFill>
+                  <a:srgbClr val="FFFFFF"/>
+                </a:solidFill>
+              </a14:hiddenFill>
+            </a:ext>
+          </a:extLst>
         </p:spPr>
       </p:pic>
       <p:sp>
@@ -5024,57 +6942,38 @@
         </p:nvSpPr>
         <p:spPr>
           <a:xfrm>
-            <a:off x="8610600" y="6356350"/>
-            <a:ext cx="2743200" cy="365125"/>
+            <a:off x="10707624" y="6382512"/>
+            <a:ext cx="685800" cy="320040"/>
           </a:xfrm>
-          <a:prstGeom prst="ellipse">
-            <a:avLst/>
-          </a:prstGeom>
         </p:spPr>
         <p:txBody>
-          <a:bodyPr vert="horz" lIns="91440" tIns="45720" rIns="91440" bIns="45720" rtlCol="0" anchor="ctr">
+          <a:bodyPr>
             <a:normAutofit/>
           </a:bodyPr>
           <a:lstStyle/>
           <a:p>
             <a:pPr>
-              <a:lnSpc>
-                <a:spcPct val="90000"/>
-              </a:lnSpc>
               <a:spcAft>
                 <a:spcPts val="600"/>
               </a:spcAft>
-              <a:defRPr/>
             </a:pPr>
             <a:fld id="{4292D9D0-E695-4D04-8152-0C0E77A81AC1}" type="slidenum">
-              <a:rPr lang="en-US">
-                <a:solidFill>
-                  <a:srgbClr val="FFFFFF"/>
-                </a:solidFill>
-              </a:rPr>
+              <a:rPr lang="en-CA" sz="1000"/>
               <a:pPr>
-                <a:lnSpc>
-                  <a:spcPct val="90000"/>
-                </a:lnSpc>
                 <a:spcAft>
                   <a:spcPts val="600"/>
                 </a:spcAft>
-                <a:defRPr/>
               </a:pPr>
               <a:t>2</a:t>
             </a:fld>
-            <a:endParaRPr lang="en-US">
-              <a:solidFill>
-                <a:srgbClr val="FFFFFF"/>
-              </a:solidFill>
-            </a:endParaRPr>
+            <a:endParaRPr lang="en-CA" sz="1000"/>
           </a:p>
         </p:txBody>
       </p:sp>
     </p:spTree>
     <p:extLst>
       <p:ext uri="{BB962C8B-B14F-4D97-AF65-F5344CB8AC3E}">
-        <p14:creationId xmlns:p14="http://schemas.microsoft.com/office/powerpoint/2010/main" val="2224719901"/>
+        <p14:creationId xmlns:p14="http://schemas.microsoft.com/office/powerpoint/2010/main" val="4045622468"/>
       </p:ext>
     </p:extLst>
   </p:cSld>
@@ -5109,12 +7008,12 @@
           <a:chExt cx="0" cy="0"/>
         </a:xfrm>
       </p:grpSpPr>
-      <p:sp>
-        <p:nvSpPr>
-          <p:cNvPr id="137" name="Rectangle 136">
+      <p:sp useBgFill="1">
+        <p:nvSpPr>
+          <p:cNvPr id="12" name="Rectangle 11">
             <a:extLst>
               <a:ext uri="{FF2B5EF4-FFF2-40B4-BE49-F238E27FC236}">
-                <a16:creationId xmlns:a16="http://schemas.microsoft.com/office/drawing/2014/main" id="{42A5316D-ED2F-4F89-B4B4-8D9240B1A348}"/>
+                <a16:creationId xmlns:a16="http://schemas.microsoft.com/office/drawing/2014/main" id="{F4C0B10B-D2C4-4A54-AFAD-3D27DF88BB37}"/>
               </a:ext>
               <a:ext uri="{C183D7F6-B498-43B3-948B-1728B52AA6E4}">
                 <adec:decorative xmlns:adec="http://schemas.microsoft.com/office/drawing/2017/decorative" val="1"/>
@@ -5135,14 +7034,11 @@
         <p:spPr>
           <a:xfrm>
             <a:off x="0" y="0"/>
-            <a:ext cx="2013557" cy="6858000"/>
+            <a:ext cx="12188952" cy="6858000"/>
           </a:xfrm>
           <a:prstGeom prst="rect">
             <a:avLst/>
           </a:prstGeom>
-          <a:solidFill>
-            <a:srgbClr val="7E665D"/>
-          </a:solidFill>
           <a:ln>
             <a:noFill/>
           </a:ln>
@@ -5167,40 +7063,505 @@
           <a:bodyPr rtlCol="0" anchor="ctr"/>
           <a:lstStyle/>
           <a:p>
-            <a:pPr marL="0" marR="0" lvl="0" indent="0" algn="ctr" defTabSz="914400" rtl="0" eaLnBrk="1" fontAlgn="auto" latinLnBrk="0" hangingPunct="1">
-              <a:lnSpc>
-                <a:spcPct val="100000"/>
-              </a:lnSpc>
-              <a:spcBef>
-                <a:spcPts val="0"/>
-              </a:spcBef>
-              <a:spcAft>
-                <a:spcPts val="0"/>
-              </a:spcAft>
-              <a:buClrTx/>
-              <a:buSzTx/>
-              <a:buFontTx/>
-              <a:buNone/>
-              <a:tabLst/>
-              <a:defRPr/>
-            </a:pPr>
-            <a:endParaRPr kumimoji="0" lang="en-US" sz="1800" b="0" i="0" u="none" strike="noStrike" kern="1200" cap="none" spc="0" normalizeH="0" baseline="0" noProof="0">
-              <a:ln>
-                <a:noFill/>
-              </a:ln>
-              <a:solidFill>
-                <a:prstClr val="white"/>
-              </a:solidFill>
-              <a:effectLst/>
-              <a:uLnTx/>
-              <a:uFillTx/>
-              <a:latin typeface="Calibri" panose="020F0502020204030204"/>
-              <a:ea typeface="+mn-ea"/>
-              <a:cs typeface="+mn-cs"/>
-            </a:endParaRPr>
-          </a:p>
-        </p:txBody>
-      </p:sp>
+            <a:pPr algn="ctr"/>
+            <a:endParaRPr lang="en-US"/>
+          </a:p>
+        </p:txBody>
+      </p:sp>
+      <p:grpSp>
+        <p:nvGrpSpPr>
+          <p:cNvPr id="14" name="Group 13">
+            <a:extLst>
+              <a:ext uri="{FF2B5EF4-FFF2-40B4-BE49-F238E27FC236}">
+                <a16:creationId xmlns:a16="http://schemas.microsoft.com/office/drawing/2014/main" id="{B6BADB90-C74B-40D6-86DC-503F65FCE8DC}"/>
+              </a:ext>
+              <a:ext uri="{C183D7F6-B498-43B3-948B-1728B52AA6E4}">
+                <adec:decorative xmlns:adec="http://schemas.microsoft.com/office/drawing/2017/decorative" val="1"/>
+              </a:ext>
+            </a:extLst>
+          </p:cNvPr>
+          <p:cNvGrpSpPr>
+            <a:grpSpLocks noGrp="1" noUngrp="1" noRot="1" noChangeAspect="1" noMove="1" noResize="1"/>
+          </p:cNvGrpSpPr>
+          <p:nvPr>
+            <p:extLst>
+              <p:ext uri="{386F3935-93C4-4BCD-93E2-E3B085C9AB24}">
+                <p16:designElem xmlns:p16="http://schemas.microsoft.com/office/powerpoint/2015/main" val="1"/>
+              </p:ext>
+            </p:extLst>
+          </p:nvPr>
+        </p:nvGrpSpPr>
+        <p:grpSpPr>
+          <a:xfrm>
+            <a:off x="409710" y="635715"/>
+            <a:ext cx="11142208" cy="2482136"/>
+            <a:chOff x="409710" y="635715"/>
+            <a:chExt cx="11142208" cy="2482136"/>
+          </a:xfrm>
+        </p:grpSpPr>
+        <p:sp>
+          <p:nvSpPr>
+            <p:cNvPr id="15" name="Freeform 44">
+              <a:extLst>
+                <a:ext uri="{FF2B5EF4-FFF2-40B4-BE49-F238E27FC236}">
+                  <a16:creationId xmlns:a16="http://schemas.microsoft.com/office/drawing/2014/main" id="{6559431D-1886-4AE0-9B87-9AD2ECAB8439}"/>
+                </a:ext>
+                <a:ext uri="{C183D7F6-B498-43B3-948B-1728B52AA6E4}">
+                  <adec:decorative xmlns:adec="http://schemas.microsoft.com/office/drawing/2017/decorative" val="1"/>
+                </a:ext>
+              </a:extLst>
+            </p:cNvPr>
+            <p:cNvSpPr>
+              <a:spLocks/>
+            </p:cNvSpPr>
+            <p:nvPr>
+              <p:extLst>
+                <p:ext uri="{386F3935-93C4-4BCD-93E2-E3B085C9AB24}">
+                  <p16:designElem xmlns:p16="http://schemas.microsoft.com/office/powerpoint/2015/main" val="1"/>
+                </p:ext>
+              </p:extLst>
+            </p:nvPr>
+          </p:nvSpPr>
+          <p:spPr bwMode="auto">
+            <a:xfrm>
+              <a:off x="11223203" y="635716"/>
+              <a:ext cx="328612" cy="1742360"/>
+            </a:xfrm>
+            <a:custGeom>
+              <a:avLst/>
+              <a:gdLst>
+                <a:gd name="T0" fmla="*/ 207 w 207"/>
+                <a:gd name="T1" fmla="*/ 987 h 1114"/>
+                <a:gd name="T2" fmla="*/ 0 w 207"/>
+                <a:gd name="T3" fmla="*/ 1114 h 1114"/>
+                <a:gd name="T4" fmla="*/ 0 w 207"/>
+                <a:gd name="T5" fmla="*/ 127 h 1114"/>
+                <a:gd name="T6" fmla="*/ 207 w 207"/>
+                <a:gd name="T7" fmla="*/ 0 h 1114"/>
+                <a:gd name="T8" fmla="*/ 207 w 207"/>
+                <a:gd name="T9" fmla="*/ 987 h 1114"/>
+              </a:gdLst>
+              <a:ahLst/>
+              <a:cxnLst>
+                <a:cxn ang="0">
+                  <a:pos x="T0" y="T1"/>
+                </a:cxn>
+                <a:cxn ang="0">
+                  <a:pos x="T2" y="T3"/>
+                </a:cxn>
+                <a:cxn ang="0">
+                  <a:pos x="T4" y="T5"/>
+                </a:cxn>
+                <a:cxn ang="0">
+                  <a:pos x="T6" y="T7"/>
+                </a:cxn>
+                <a:cxn ang="0">
+                  <a:pos x="T8" y="T9"/>
+                </a:cxn>
+              </a:cxnLst>
+              <a:rect l="0" t="0" r="r" b="b"/>
+              <a:pathLst>
+                <a:path w="207" h="1114">
+                  <a:moveTo>
+                    <a:pt x="207" y="987"/>
+                  </a:moveTo>
+                  <a:lnTo>
+                    <a:pt x="0" y="1114"/>
+                  </a:lnTo>
+                  <a:lnTo>
+                    <a:pt x="0" y="127"/>
+                  </a:lnTo>
+                  <a:lnTo>
+                    <a:pt x="207" y="0"/>
+                  </a:lnTo>
+                  <a:lnTo>
+                    <a:pt x="207" y="987"/>
+                  </a:lnTo>
+                  <a:close/>
+                </a:path>
+              </a:pathLst>
+            </a:custGeom>
+            <a:solidFill>
+              <a:schemeClr val="accent1">
+                <a:lumMod val="50000"/>
+              </a:schemeClr>
+            </a:solidFill>
+            <a:ln>
+              <a:noFill/>
+            </a:ln>
+          </p:spPr>
+          <p:txBody>
+            <a:bodyPr vert="horz" wrap="square" lIns="91440" tIns="45720" rIns="91440" bIns="45720" numCol="1" anchor="t" anchorCtr="0" compatLnSpc="1">
+              <a:prstTxWarp prst="textNoShape">
+                <a:avLst/>
+              </a:prstTxWarp>
+            </a:bodyPr>
+            <a:lstStyle/>
+            <a:p>
+              <a:endParaRPr lang="en-US"/>
+            </a:p>
+          </p:txBody>
+        </p:sp>
+        <p:sp>
+          <p:nvSpPr>
+            <p:cNvPr id="16" name="Freeform 45">
+              <a:extLst>
+                <a:ext uri="{FF2B5EF4-FFF2-40B4-BE49-F238E27FC236}">
+                  <a16:creationId xmlns:a16="http://schemas.microsoft.com/office/drawing/2014/main" id="{373850A5-B04A-4FCD-9E73-EE322167FB31}"/>
+                </a:ext>
+                <a:ext uri="{C183D7F6-B498-43B3-948B-1728B52AA6E4}">
+                  <adec:decorative xmlns:adec="http://schemas.microsoft.com/office/drawing/2017/decorative" val="1"/>
+                </a:ext>
+              </a:extLst>
+            </p:cNvPr>
+            <p:cNvSpPr>
+              <a:spLocks/>
+            </p:cNvSpPr>
+            <p:nvPr>
+              <p:extLst>
+                <p:ext uri="{386F3935-93C4-4BCD-93E2-E3B085C9AB24}">
+                  <p16:designElem xmlns:p16="http://schemas.microsoft.com/office/powerpoint/2015/main" val="1"/>
+                </p:ext>
+              </p:extLst>
+            </p:nvPr>
+          </p:nvSpPr>
+          <p:spPr bwMode="auto">
+            <a:xfrm>
+              <a:off x="409710" y="1022350"/>
+              <a:ext cx="709612" cy="2095501"/>
+            </a:xfrm>
+            <a:custGeom>
+              <a:avLst/>
+              <a:gdLst>
+                <a:gd name="T0" fmla="*/ 447 w 447"/>
+                <a:gd name="T1" fmla="*/ 1363 h 1363"/>
+                <a:gd name="T2" fmla="*/ 0 w 447"/>
+                <a:gd name="T3" fmla="*/ 987 h 1363"/>
+                <a:gd name="T4" fmla="*/ 0 w 447"/>
+                <a:gd name="T5" fmla="*/ 0 h 1363"/>
+                <a:gd name="T6" fmla="*/ 447 w 447"/>
+                <a:gd name="T7" fmla="*/ 376 h 1363"/>
+                <a:gd name="T8" fmla="*/ 447 w 447"/>
+                <a:gd name="T9" fmla="*/ 1363 h 1363"/>
+              </a:gdLst>
+              <a:ahLst/>
+              <a:cxnLst>
+                <a:cxn ang="0">
+                  <a:pos x="T0" y="T1"/>
+                </a:cxn>
+                <a:cxn ang="0">
+                  <a:pos x="T2" y="T3"/>
+                </a:cxn>
+                <a:cxn ang="0">
+                  <a:pos x="T4" y="T5"/>
+                </a:cxn>
+                <a:cxn ang="0">
+                  <a:pos x="T6" y="T7"/>
+                </a:cxn>
+                <a:cxn ang="0">
+                  <a:pos x="T8" y="T9"/>
+                </a:cxn>
+              </a:cxnLst>
+              <a:rect l="0" t="0" r="r" b="b"/>
+              <a:pathLst>
+                <a:path w="447" h="1363">
+                  <a:moveTo>
+                    <a:pt x="447" y="1363"/>
+                  </a:moveTo>
+                  <a:lnTo>
+                    <a:pt x="0" y="987"/>
+                  </a:lnTo>
+                  <a:lnTo>
+                    <a:pt x="0" y="0"/>
+                  </a:lnTo>
+                  <a:lnTo>
+                    <a:pt x="447" y="376"/>
+                  </a:lnTo>
+                  <a:lnTo>
+                    <a:pt x="447" y="1363"/>
+                  </a:lnTo>
+                  <a:close/>
+                </a:path>
+              </a:pathLst>
+            </a:custGeom>
+            <a:solidFill>
+              <a:schemeClr val="accent1">
+                <a:lumMod val="50000"/>
+              </a:schemeClr>
+            </a:solidFill>
+            <a:ln>
+              <a:noFill/>
+            </a:ln>
+          </p:spPr>
+          <p:txBody>
+            <a:bodyPr vert="horz" wrap="square" lIns="91440" tIns="45720" rIns="91440" bIns="45720" numCol="1" anchor="t" anchorCtr="0" compatLnSpc="1">
+              <a:prstTxWarp prst="textNoShape">
+                <a:avLst/>
+              </a:prstTxWarp>
+            </a:bodyPr>
+            <a:lstStyle/>
+            <a:p>
+              <a:endParaRPr lang="en-US"/>
+            </a:p>
+          </p:txBody>
+        </p:sp>
+        <p:sp>
+          <p:nvSpPr>
+            <p:cNvPr id="17" name="Freeform 46">
+              <a:extLst>
+                <a:ext uri="{FF2B5EF4-FFF2-40B4-BE49-F238E27FC236}">
+                  <a16:creationId xmlns:a16="http://schemas.microsoft.com/office/drawing/2014/main" id="{82C18C67-80FA-4738-AA53-0AF2419F98E0}"/>
+                </a:ext>
+                <a:ext uri="{C183D7F6-B498-43B3-948B-1728B52AA6E4}">
+                  <adec:decorative xmlns:adec="http://schemas.microsoft.com/office/drawing/2017/decorative" val="1"/>
+                </a:ext>
+              </a:extLst>
+            </p:cNvPr>
+            <p:cNvSpPr>
+              <a:spLocks/>
+            </p:cNvSpPr>
+            <p:nvPr>
+              <p:extLst>
+                <p:ext uri="{386F3935-93C4-4BCD-93E2-E3B085C9AB24}">
+                  <p16:designElem xmlns:p16="http://schemas.microsoft.com/office/powerpoint/2015/main" val="1"/>
+                </p:ext>
+              </p:extLst>
+            </p:nvPr>
+          </p:nvSpPr>
+          <p:spPr bwMode="auto">
+            <a:xfrm>
+              <a:off x="409710" y="837744"/>
+              <a:ext cx="403225" cy="1705431"/>
+            </a:xfrm>
+            <a:custGeom>
+              <a:avLst/>
+              <a:gdLst>
+                <a:gd name="T0" fmla="*/ 254 w 254"/>
+                <a:gd name="T1" fmla="*/ 987 h 1109"/>
+                <a:gd name="T2" fmla="*/ 0 w 254"/>
+                <a:gd name="T3" fmla="*/ 1109 h 1109"/>
+                <a:gd name="T4" fmla="*/ 0 w 254"/>
+                <a:gd name="T5" fmla="*/ 119 h 1109"/>
+                <a:gd name="T6" fmla="*/ 254 w 254"/>
+                <a:gd name="T7" fmla="*/ 0 h 1109"/>
+                <a:gd name="T8" fmla="*/ 254 w 254"/>
+                <a:gd name="T9" fmla="*/ 987 h 1109"/>
+              </a:gdLst>
+              <a:ahLst/>
+              <a:cxnLst>
+                <a:cxn ang="0">
+                  <a:pos x="T0" y="T1"/>
+                </a:cxn>
+                <a:cxn ang="0">
+                  <a:pos x="T2" y="T3"/>
+                </a:cxn>
+                <a:cxn ang="0">
+                  <a:pos x="T4" y="T5"/>
+                </a:cxn>
+                <a:cxn ang="0">
+                  <a:pos x="T6" y="T7"/>
+                </a:cxn>
+                <a:cxn ang="0">
+                  <a:pos x="T8" y="T9"/>
+                </a:cxn>
+              </a:cxnLst>
+              <a:rect l="0" t="0" r="r" b="b"/>
+              <a:pathLst>
+                <a:path w="254" h="1109">
+                  <a:moveTo>
+                    <a:pt x="254" y="987"/>
+                  </a:moveTo>
+                  <a:lnTo>
+                    <a:pt x="0" y="1109"/>
+                  </a:lnTo>
+                  <a:lnTo>
+                    <a:pt x="0" y="119"/>
+                  </a:lnTo>
+                  <a:lnTo>
+                    <a:pt x="254" y="0"/>
+                  </a:lnTo>
+                  <a:lnTo>
+                    <a:pt x="254" y="987"/>
+                  </a:lnTo>
+                  <a:close/>
+                </a:path>
+              </a:pathLst>
+            </a:custGeom>
+            <a:solidFill>
+              <a:schemeClr val="accent1">
+                <a:lumMod val="75000"/>
+              </a:schemeClr>
+            </a:solidFill>
+            <a:ln>
+              <a:noFill/>
+            </a:ln>
+          </p:spPr>
+          <p:txBody>
+            <a:bodyPr vert="horz" wrap="square" lIns="91440" tIns="45720" rIns="91440" bIns="45720" numCol="1" anchor="t" anchorCtr="0" compatLnSpc="1">
+              <a:prstTxWarp prst="textNoShape">
+                <a:avLst/>
+              </a:prstTxWarp>
+            </a:bodyPr>
+            <a:lstStyle/>
+            <a:p>
+              <a:endParaRPr lang="en-US"/>
+            </a:p>
+          </p:txBody>
+        </p:sp>
+        <p:sp>
+          <p:nvSpPr>
+            <p:cNvPr id="18" name="Freeform 47">
+              <a:extLst>
+                <a:ext uri="{FF2B5EF4-FFF2-40B4-BE49-F238E27FC236}">
+                  <a16:creationId xmlns:a16="http://schemas.microsoft.com/office/drawing/2014/main" id="{48543B1A-8BF5-4C63-8404-41B2EA70B33E}"/>
+                </a:ext>
+                <a:ext uri="{C183D7F6-B498-43B3-948B-1728B52AA6E4}">
+                  <adec:decorative xmlns:adec="http://schemas.microsoft.com/office/drawing/2017/decorative" val="1"/>
+                </a:ext>
+              </a:extLst>
+            </p:cNvPr>
+            <p:cNvSpPr>
+              <a:spLocks/>
+            </p:cNvSpPr>
+            <p:nvPr>
+              <p:extLst>
+                <p:ext uri="{386F3935-93C4-4BCD-93E2-E3B085C9AB24}">
+                  <p16:designElem xmlns:p16="http://schemas.microsoft.com/office/powerpoint/2015/main" val="1"/>
+                </p:ext>
+              </p:extLst>
+            </p:nvPr>
+          </p:nvSpPr>
+          <p:spPr bwMode="auto">
+            <a:xfrm>
+              <a:off x="644660" y="640894"/>
+              <a:ext cx="168275" cy="1713195"/>
+            </a:xfrm>
+            <a:custGeom>
+              <a:avLst/>
+              <a:gdLst>
+                <a:gd name="T0" fmla="*/ 106 w 106"/>
+                <a:gd name="T1" fmla="*/ 1114 h 1114"/>
+                <a:gd name="T2" fmla="*/ 0 w 106"/>
+                <a:gd name="T3" fmla="*/ 1005 h 1114"/>
+                <a:gd name="T4" fmla="*/ 0 w 106"/>
+                <a:gd name="T5" fmla="*/ 0 h 1114"/>
+                <a:gd name="T6" fmla="*/ 106 w 106"/>
+                <a:gd name="T7" fmla="*/ 110 h 1114"/>
+                <a:gd name="T8" fmla="*/ 106 w 106"/>
+                <a:gd name="T9" fmla="*/ 1114 h 1114"/>
+              </a:gdLst>
+              <a:ahLst/>
+              <a:cxnLst>
+                <a:cxn ang="0">
+                  <a:pos x="T0" y="T1"/>
+                </a:cxn>
+                <a:cxn ang="0">
+                  <a:pos x="T2" y="T3"/>
+                </a:cxn>
+                <a:cxn ang="0">
+                  <a:pos x="T4" y="T5"/>
+                </a:cxn>
+                <a:cxn ang="0">
+                  <a:pos x="T6" y="T7"/>
+                </a:cxn>
+                <a:cxn ang="0">
+                  <a:pos x="T8" y="T9"/>
+                </a:cxn>
+              </a:cxnLst>
+              <a:rect l="0" t="0" r="r" b="b"/>
+              <a:pathLst>
+                <a:path w="106" h="1114">
+                  <a:moveTo>
+                    <a:pt x="106" y="1114"/>
+                  </a:moveTo>
+                  <a:lnTo>
+                    <a:pt x="0" y="1005"/>
+                  </a:lnTo>
+                  <a:lnTo>
+                    <a:pt x="0" y="0"/>
+                  </a:lnTo>
+                  <a:lnTo>
+                    <a:pt x="106" y="110"/>
+                  </a:lnTo>
+                  <a:lnTo>
+                    <a:pt x="106" y="1114"/>
+                  </a:lnTo>
+                  <a:close/>
+                </a:path>
+              </a:pathLst>
+            </a:custGeom>
+            <a:solidFill>
+              <a:schemeClr val="accent1">
+                <a:lumMod val="50000"/>
+              </a:schemeClr>
+            </a:solidFill>
+            <a:ln>
+              <a:noFill/>
+            </a:ln>
+          </p:spPr>
+          <p:txBody>
+            <a:bodyPr vert="horz" wrap="square" lIns="91440" tIns="45720" rIns="91440" bIns="45720" numCol="1" anchor="t" anchorCtr="0" compatLnSpc="1">
+              <a:prstTxWarp prst="textNoShape">
+                <a:avLst/>
+              </a:prstTxWarp>
+            </a:bodyPr>
+            <a:lstStyle/>
+            <a:p>
+              <a:endParaRPr lang="en-US"/>
+            </a:p>
+          </p:txBody>
+        </p:sp>
+        <p:sp>
+          <p:nvSpPr>
+            <p:cNvPr id="19" name="Rectangle 18">
+              <a:extLst>
+                <a:ext uri="{FF2B5EF4-FFF2-40B4-BE49-F238E27FC236}">
+                  <a16:creationId xmlns:a16="http://schemas.microsoft.com/office/drawing/2014/main" id="{92DF5096-E051-498C-A3ED-CBA77A813AAC}"/>
+                </a:ext>
+                <a:ext uri="{C183D7F6-B498-43B3-948B-1728B52AA6E4}">
+                  <adec:decorative xmlns:adec="http://schemas.microsoft.com/office/drawing/2017/decorative" val="1"/>
+                </a:ext>
+              </a:extLst>
+            </p:cNvPr>
+            <p:cNvSpPr>
+              <a:spLocks noChangeArrowheads="1"/>
+            </p:cNvSpPr>
+            <p:nvPr>
+              <p:extLst>
+                <p:ext uri="{386F3935-93C4-4BCD-93E2-E3B085C9AB24}">
+                  <p16:designElem xmlns:p16="http://schemas.microsoft.com/office/powerpoint/2015/main" val="1"/>
+                </p:ext>
+              </p:extLst>
+            </p:nvPr>
+          </p:nvSpPr>
+          <p:spPr bwMode="auto">
+            <a:xfrm>
+              <a:off x="644055" y="635715"/>
+              <a:ext cx="10907863" cy="1541457"/>
+            </a:xfrm>
+            <a:prstGeom prst="rect">
+              <a:avLst/>
+            </a:prstGeom>
+            <a:solidFill>
+              <a:schemeClr val="accent1"/>
+            </a:solidFill>
+            <a:ln>
+              <a:noFill/>
+            </a:ln>
+          </p:spPr>
+          <p:txBody>
+            <a:bodyPr vert="horz" wrap="square" lIns="91440" tIns="45720" rIns="91440" bIns="45720" numCol="1" anchor="t" anchorCtr="0" compatLnSpc="1">
+              <a:prstTxWarp prst="textNoShape">
+                <a:avLst/>
+              </a:prstTxWarp>
+            </a:bodyPr>
+            <a:lstStyle/>
+            <a:p>
+              <a:endParaRPr lang="en-US"/>
+            </a:p>
+          </p:txBody>
+        </p:sp>
+      </p:grpSp>
       <p:sp>
         <p:nvSpPr>
           <p:cNvPr id="2" name="Title 1"/>
@@ -5213,20 +7574,9 @@
         </p:nvSpPr>
         <p:spPr>
           <a:xfrm>
-            <a:off x="694510" y="1487272"/>
-            <a:ext cx="2743200" cy="2743200"/>
+            <a:off x="1047280" y="759805"/>
+            <a:ext cx="10306520" cy="1325563"/>
           </a:xfrm>
-          <a:prstGeom prst="ellipse">
-            <a:avLst/>
-          </a:prstGeom>
-          <a:solidFill>
-            <a:srgbClr val="262626"/>
-          </a:solidFill>
-          <a:ln w="174625" cmpd="thinThick">
-            <a:solidFill>
-              <a:srgbClr val="262626"/>
-            </a:solidFill>
-          </a:ln>
         </p:spPr>
         <p:txBody>
           <a:bodyPr>
@@ -5234,21 +7584,31 @@
           </a:bodyPr>
           <a:lstStyle/>
           <a:p>
-            <a:pPr algn="ctr">
-              <a:spcAft>
-                <a:spcPts val="600"/>
-              </a:spcAft>
-            </a:pPr>
-            <a:r>
-              <a:rPr lang="en-US" sz="2600" b="0" i="0" u="none" strike="noStrike" baseline="0">
+            <a:r>
+              <a:rPr lang="en-US" sz="4000" dirty="0">
                 <a:solidFill>
                   <a:srgbClr val="FFFFFF"/>
                 </a:solidFill>
-                <a:latin typeface="CMR10"/>
               </a:rPr>
-              <a:t>Soviet chess program</a:t>
-            </a:r>
-            <a:endParaRPr lang="en-US" sz="2600">
+              <a:t>TD-Gammon 1992 by Gerald </a:t>
+            </a:r>
+            <a:r>
+              <a:rPr lang="en-US" sz="4000" dirty="0" err="1">
+                <a:solidFill>
+                  <a:srgbClr val="FFFFFF"/>
+                </a:solidFill>
+              </a:rPr>
+              <a:t>Tesauro</a:t>
+            </a:r>
+            <a:r>
+              <a:rPr lang="en-US" sz="4000" dirty="0">
+                <a:solidFill>
+                  <a:srgbClr val="FFFFFF"/>
+                </a:solidFill>
+              </a:rPr>
+              <a:t> at IBM</a:t>
+            </a:r>
+            <a:endParaRPr lang="en-CA" sz="4000" dirty="0">
               <a:solidFill>
                 <a:srgbClr val="FFFFFF"/>
               </a:solidFill>
@@ -5256,12 +7616,87 @@
           </a:p>
         </p:txBody>
       </p:sp>
+      <p:sp>
+        <p:nvSpPr>
+          <p:cNvPr id="4" name="Content Placeholder 2"/>
+          <p:cNvSpPr>
+            <a:spLocks noGrp="1"/>
+          </p:cNvSpPr>
+          <p:nvPr>
+            <p:ph idx="1"/>
+          </p:nvPr>
+        </p:nvSpPr>
+        <p:spPr>
+          <a:xfrm>
+            <a:off x="1424904" y="2494450"/>
+            <a:ext cx="4053545" cy="3563159"/>
+          </a:xfrm>
+        </p:spPr>
+        <p:txBody>
+          <a:bodyPr>
+            <a:normAutofit/>
+          </a:bodyPr>
+          <a:lstStyle/>
+          <a:p>
+            <a:pPr marL="0" indent="0">
+              <a:buNone/>
+            </a:pPr>
+            <a:r>
+              <a:rPr lang="en-US" sz="2400" b="0" i="0" dirty="0">
+                <a:effectLst/>
+                <a:latin typeface="Arial" panose="020B0604020202020204" pitchFamily="34" charset="0"/>
+              </a:rPr>
+              <a:t>Excellent in </a:t>
+            </a:r>
+            <a:r>
+              <a:rPr lang="en-US" sz="2400" b="0" i="0" dirty="0" err="1">
+                <a:effectLst/>
+                <a:latin typeface="Arial" panose="020B0604020202020204" pitchFamily="34" charset="0"/>
+              </a:rPr>
+              <a:t>BackGammon</a:t>
+            </a:r>
+            <a:endParaRPr lang="en-US" sz="2400" b="0" i="0" dirty="0">
+              <a:effectLst/>
+              <a:latin typeface="Arial" panose="020B0604020202020204" pitchFamily="34" charset="0"/>
+            </a:endParaRPr>
+          </a:p>
+          <a:p>
+            <a:pPr marL="0" indent="0">
+              <a:buNone/>
+            </a:pPr>
+            <a:r>
+              <a:rPr lang="en-US" sz="2400" dirty="0">
+                <a:latin typeface="Arial" panose="020B0604020202020204" pitchFamily="34" charset="0"/>
+              </a:rPr>
+              <a:t>Neural networking</a:t>
+            </a:r>
+          </a:p>
+          <a:p>
+            <a:pPr marL="0" indent="0">
+              <a:buNone/>
+            </a:pPr>
+            <a:r>
+              <a:rPr lang="en-US" sz="2400" b="0" i="0" dirty="0">
+                <a:effectLst/>
+                <a:latin typeface="Arial" panose="020B0604020202020204" pitchFamily="34" charset="0"/>
+              </a:rPr>
+              <a:t>Reinforcement learning</a:t>
+            </a:r>
+          </a:p>
+          <a:p>
+            <a:pPr marL="0" indent="0">
+              <a:buNone/>
+            </a:pPr>
+            <a:endParaRPr lang="en-US" sz="2400" dirty="0"/>
+          </a:p>
+        </p:txBody>
+      </p:sp>
       <p:pic>
         <p:nvPicPr>
-          <p:cNvPr id="2052" name="Picture 4" descr="A forgotten story of Soviet AI. What it was like to be a programmer 70… |  by Sergei Ivanov | Towards Data Science">
+          <p:cNvPr id="7" name="Picture 2">
             <a:extLst>
               <a:ext uri="{FF2B5EF4-FFF2-40B4-BE49-F238E27FC236}">
-                <a16:creationId xmlns:a16="http://schemas.microsoft.com/office/drawing/2014/main" id="{B11B81BC-FF19-47A7-A1EE-5FCFC1188562}"/>
+                <a16:creationId xmlns:a16="http://schemas.microsoft.com/office/drawing/2014/main" id="{158F2FD5-BA67-4887-9DD1-374A0C0074A8}"/>
               </a:ext>
             </a:extLst>
           </p:cNvPr>
@@ -5278,13 +7713,13 @@
               </a:ext>
             </a:extLst>
           </a:blip>
-          <a:srcRect t="14971" r="-1" b="27838"/>
+          <a:srcRect l="3539" r="8524" b="2"/>
           <a:stretch/>
         </p:blipFill>
         <p:spPr bwMode="auto">
           <a:xfrm>
-            <a:off x="8253760" y="1322612"/>
-            <a:ext cx="3458228" cy="2907860"/>
+            <a:off x="6098892" y="2492376"/>
+            <a:ext cx="4802404" cy="3563372"/>
           </a:xfrm>
           <a:prstGeom prst="rect">
             <a:avLst/>
@@ -5301,103 +7736,20 @@
           </a:extLst>
         </p:spPr>
       </p:pic>
-      <p:pic>
-        <p:nvPicPr>
-          <p:cNvPr id="2050" name="Picture 2" descr="A person wearing a suit and tie&#10;&#10;Description automatically generated">
-            <a:extLst>
-              <a:ext uri="{FF2B5EF4-FFF2-40B4-BE49-F238E27FC236}">
-                <a16:creationId xmlns:a16="http://schemas.microsoft.com/office/drawing/2014/main" id="{16AABBC5-329F-4E5E-BBD3-678C167A156D}"/>
-              </a:ext>
-            </a:extLst>
-          </p:cNvPr>
-          <p:cNvPicPr>
-            <a:picLocks noChangeAspect="1" noChangeArrowheads="1"/>
-          </p:cNvPicPr>
-          <p:nvPr/>
-        </p:nvPicPr>
-        <p:blipFill rotWithShape="1">
-          <a:blip r:embed="rId4">
-            <a:extLst>
-              <a:ext uri="{28A0092B-C50C-407E-A947-70E740481C1C}">
-                <a14:useLocalDpi xmlns:a14="http://schemas.microsoft.com/office/drawing/2010/main" val="0"/>
-              </a:ext>
-            </a:extLst>
-          </a:blip>
-          <a:srcRect l="16558" r="1" b="1"/>
-          <a:stretch/>
-        </p:blipFill>
-        <p:spPr bwMode="auto">
-          <a:xfrm>
-            <a:off x="4132220" y="1322612"/>
-            <a:ext cx="3456432" cy="2907860"/>
-          </a:xfrm>
-          <a:prstGeom prst="rect">
-            <a:avLst/>
-          </a:prstGeom>
-          <a:noFill/>
-          <a:extLst>
-            <a:ext uri="{909E8E84-426E-40DD-AFC4-6F175D3DCCD1}">
-              <a14:hiddenFill xmlns:a14="http://schemas.microsoft.com/office/drawing/2010/main">
-                <a:solidFill>
-                  <a:srgbClr val="FFFFFF"/>
-                </a:solidFill>
-              </a14:hiddenFill>
-            </a:ext>
-          </a:extLst>
-        </p:spPr>
-      </p:pic>
-      <p:sp>
-        <p:nvSpPr>
-          <p:cNvPr id="4" name="Content Placeholder 2"/>
+      <p:sp>
+        <p:nvSpPr>
+          <p:cNvPr id="3" name="Slide Number Placeholder 2"/>
           <p:cNvSpPr>
             <a:spLocks noGrp="1"/>
           </p:cNvSpPr>
           <p:nvPr>
-            <p:ph idx="1"/>
+            <p:ph type="sldNum" sz="quarter" idx="12"/>
           </p:nvPr>
         </p:nvSpPr>
         <p:spPr>
           <a:xfrm>
-            <a:off x="4038600" y="4884873"/>
-            <a:ext cx="7188199" cy="1292090"/>
-          </a:xfrm>
-        </p:spPr>
-        <p:txBody>
-          <a:bodyPr>
-            <a:normAutofit/>
-          </a:bodyPr>
-          <a:lstStyle/>
-          <a:p>
-            <a:pPr marL="0" indent="0">
-              <a:buNone/>
-            </a:pPr>
-            <a:endParaRPr lang="en-US" sz="1800" b="0" i="0">
-              <a:effectLst/>
-              <a:latin typeface="Arial" panose="020B0604020202020204" pitchFamily="34" charset="0"/>
-            </a:endParaRPr>
-          </a:p>
-          <a:p>
-            <a:pPr marL="0" indent="0">
-              <a:buNone/>
-            </a:pPr>
-            <a:endParaRPr lang="en-US" sz="1800"/>
-          </a:p>
-        </p:txBody>
-      </p:sp>
-      <p:sp>
-        <p:nvSpPr>
-          <p:cNvPr id="3" name="Slide Number Placeholder 2"/>
-          <p:cNvSpPr>
-            <a:spLocks noGrp="1"/>
-          </p:cNvSpPr>
-          <p:nvPr>
-            <p:ph type="sldNum" sz="quarter" idx="12"/>
-          </p:nvPr>
-        </p:nvSpPr>
-        <p:spPr>
-          <a:xfrm>
-            <a:off x="9884978" y="6356350"/>
-            <a:ext cx="1468821" cy="365125"/>
+            <a:off x="10707624" y="6382512"/>
+            <a:ext cx="685800" cy="320040"/>
           </a:xfrm>
         </p:spPr>
         <p:txBody>
@@ -5412,13 +7764,7 @@
               </a:spcAft>
             </a:pPr>
             <a:fld id="{4292D9D0-E695-4D04-8152-0C0E77A81AC1}" type="slidenum">
-              <a:rPr lang="en-CA">
-                <a:solidFill>
-                  <a:prstClr val="black">
-                    <a:tint val="75000"/>
-                  </a:prstClr>
-                </a:solidFill>
-              </a:rPr>
+              <a:rPr lang="en-CA" sz="1000"/>
               <a:pPr>
                 <a:spcAft>
                   <a:spcPts val="600"/>
@@ -5426,142 +7772,14 @@
               </a:pPr>
               <a:t>3</a:t>
             </a:fld>
-            <a:endParaRPr lang="en-CA">
-              <a:solidFill>
-                <a:prstClr val="black">
-                  <a:tint val="75000"/>
-                </a:prstClr>
-              </a:solidFill>
-            </a:endParaRPr>
-          </a:p>
-        </p:txBody>
-      </p:sp>
-      <p:sp>
-        <p:nvSpPr>
-          <p:cNvPr id="5" name="TextBox 4"/>
-          <p:cNvSpPr txBox="1"/>
-          <p:nvPr/>
-        </p:nvSpPr>
-        <p:spPr>
-          <a:xfrm>
-            <a:off x="1560745" y="1000246"/>
-            <a:ext cx="2971800" cy="400110"/>
-          </a:xfrm>
-          <a:prstGeom prst="rect">
-            <a:avLst/>
-          </a:prstGeom>
-          <a:noFill/>
-        </p:spPr>
-        <p:txBody>
-          <a:bodyPr wrap="square" rtlCol="0">
-            <a:spAutoFit/>
-          </a:bodyPr>
-          <a:lstStyle/>
-          <a:p>
-            <a:endParaRPr lang="en-US" sz="2000" dirty="0"/>
-          </a:p>
-        </p:txBody>
-      </p:sp>
-      <p:sp>
-        <p:nvSpPr>
-          <p:cNvPr id="9" name="TextBox 8">
-            <a:extLst>
-              <a:ext uri="{FF2B5EF4-FFF2-40B4-BE49-F238E27FC236}">
-                <a16:creationId xmlns:a16="http://schemas.microsoft.com/office/drawing/2014/main" id="{E8A548B6-5AB4-437D-9ED0-E1784F89ED89}"/>
-              </a:ext>
-            </a:extLst>
-          </p:cNvPr>
-          <p:cNvSpPr txBox="1"/>
-          <p:nvPr/>
-        </p:nvSpPr>
-        <p:spPr>
-          <a:xfrm>
-            <a:off x="9163081" y="4412735"/>
-            <a:ext cx="2031378" cy="369332"/>
-          </a:xfrm>
-          <a:prstGeom prst="rect">
-            <a:avLst/>
-          </a:prstGeom>
-          <a:noFill/>
-        </p:spPr>
-        <p:txBody>
-          <a:bodyPr wrap="square" rtlCol="0">
-            <a:spAutoFit/>
-          </a:bodyPr>
-          <a:lstStyle/>
-          <a:p>
-            <a:pPr>
-              <a:spcAft>
-                <a:spcPts val="600"/>
-              </a:spcAft>
-            </a:pPr>
-            <a:r>
-              <a:rPr lang="en-US" dirty="0"/>
-              <a:t>Alexander </a:t>
-            </a:r>
-            <a:r>
-              <a:rPr lang="en-US" dirty="0" err="1"/>
-              <a:t>Kronrod</a:t>
-            </a:r>
-            <a:endParaRPr lang="en-US" dirty="0"/>
-          </a:p>
-        </p:txBody>
-      </p:sp>
-      <p:sp>
-        <p:nvSpPr>
-          <p:cNvPr id="11" name="TextBox 10">
-            <a:extLst>
-              <a:ext uri="{FF2B5EF4-FFF2-40B4-BE49-F238E27FC236}">
-                <a16:creationId xmlns:a16="http://schemas.microsoft.com/office/drawing/2014/main" id="{6DA7B24B-B2AD-4844-B4CF-727BA86ABE60}"/>
-              </a:ext>
-            </a:extLst>
-          </p:cNvPr>
-          <p:cNvSpPr txBox="1"/>
-          <p:nvPr/>
-        </p:nvSpPr>
-        <p:spPr>
-          <a:xfrm>
-            <a:off x="4132220" y="4415138"/>
-            <a:ext cx="2611016" cy="369332"/>
-          </a:xfrm>
-          <a:prstGeom prst="rect">
-            <a:avLst/>
-          </a:prstGeom>
-          <a:noFill/>
-        </p:spPr>
-        <p:txBody>
-          <a:bodyPr wrap="square" rtlCol="0">
-            <a:spAutoFit/>
-          </a:bodyPr>
-          <a:lstStyle/>
-          <a:p>
-            <a:pPr algn="l">
-              <a:spcAft>
-                <a:spcPts val="600"/>
-              </a:spcAft>
-            </a:pPr>
-            <a:r>
-              <a:rPr lang="en-US" b="0" i="0" dirty="0">
-                <a:effectLst/>
-                <a:latin typeface="arial" panose="020B0604020202020204" pitchFamily="34" charset="0"/>
-              </a:rPr>
-              <a:t>Georgy Adelson-</a:t>
-            </a:r>
-            <a:r>
-              <a:rPr lang="en-US" b="0" i="0" dirty="0" err="1">
-                <a:effectLst/>
-                <a:latin typeface="arial" panose="020B0604020202020204" pitchFamily="34" charset="0"/>
-              </a:rPr>
-              <a:t>Velsky</a:t>
-            </a:r>
-            <a:endParaRPr lang="en-US" dirty="0"/>
+            <a:endParaRPr lang="en-CA" sz="1000"/>
           </a:p>
         </p:txBody>
       </p:sp>
     </p:spTree>
     <p:extLst>
       <p:ext uri="{BB962C8B-B14F-4D97-AF65-F5344CB8AC3E}">
-        <p14:creationId xmlns:p14="http://schemas.microsoft.com/office/powerpoint/2010/main" val="2697454626"/>
+        <p14:creationId xmlns:p14="http://schemas.microsoft.com/office/powerpoint/2010/main" val="2809566062"/>
       </p:ext>
     </p:extLst>
   </p:cSld>
@@ -5577,7 +7795,7 @@
     <p:bg>
       <p:bgPr>
         <a:solidFill>
-          <a:schemeClr val="tx1"/>
+          <a:schemeClr val="bg1"/>
         </a:solidFill>
         <a:effectLst/>
       </p:bgPr>
@@ -5596,12 +7814,12 @@
           <a:chExt cx="0" cy="0"/>
         </a:xfrm>
       </p:grpSpPr>
-      <p:sp>
-        <p:nvSpPr>
-          <p:cNvPr id="9" name="Rectangle 8">
+      <p:sp useBgFill="1">
+        <p:nvSpPr>
+          <p:cNvPr id="95" name="Rectangle 94">
             <a:extLst>
               <a:ext uri="{FF2B5EF4-FFF2-40B4-BE49-F238E27FC236}">
-                <a16:creationId xmlns:a16="http://schemas.microsoft.com/office/drawing/2014/main" id="{2A8AA5BC-4F7A-4226-8F99-6D824B226A97}"/>
+                <a16:creationId xmlns:a16="http://schemas.microsoft.com/office/drawing/2014/main" id="{53F29798-D584-4792-9B62-3F5F5C36D619}"/>
               </a:ext>
               <a:ext uri="{C183D7F6-B498-43B3-948B-1728B52AA6E4}">
                 <adec:decorative xmlns:adec="http://schemas.microsoft.com/office/drawing/2017/decorative" val="1"/>
@@ -5621,15 +7839,12 @@
         </p:nvSpPr>
         <p:spPr>
           <a:xfrm>
-            <a:off x="0" y="-3324"/>
-            <a:ext cx="12192000" cy="6861324"/>
+            <a:off x="0" y="0"/>
+            <a:ext cx="12188952" cy="6858000"/>
           </a:xfrm>
           <a:prstGeom prst="rect">
             <a:avLst/>
           </a:prstGeom>
-          <a:solidFill>
-            <a:schemeClr val="tx1"/>
-          </a:solidFill>
           <a:ln>
             <a:noFill/>
           </a:ln>
@@ -5661,309 +7876,113 @@
       </p:sp>
       <p:sp>
         <p:nvSpPr>
-          <p:cNvPr id="11" name="Rectangle 10">
+          <p:cNvPr id="2" name="Title 1"/>
+          <p:cNvSpPr>
+            <a:spLocks noGrp="1"/>
+          </p:cNvSpPr>
+          <p:nvPr>
+            <p:ph type="title"/>
+          </p:nvPr>
+        </p:nvSpPr>
+        <p:spPr>
+          <a:xfrm>
+            <a:off x="838200" y="562271"/>
+            <a:ext cx="10515600" cy="1128417"/>
+          </a:xfrm>
+        </p:spPr>
+        <p:txBody>
+          <a:bodyPr vert="horz" lIns="91440" tIns="45720" rIns="91440" bIns="45720" rtlCol="0" anchor="ctr">
+            <a:normAutofit/>
+          </a:bodyPr>
+          <a:lstStyle/>
+          <a:p>
+            <a:r>
+              <a:rPr lang="en-US" sz="5200" dirty="0"/>
+              <a:t>Texas Poker</a:t>
+            </a:r>
+          </a:p>
+        </p:txBody>
+      </p:sp>
+      <p:pic>
+        <p:nvPicPr>
+          <p:cNvPr id="6" name="Content Placeholder 5">
             <a:extLst>
               <a:ext uri="{FF2B5EF4-FFF2-40B4-BE49-F238E27FC236}">
-                <a16:creationId xmlns:a16="http://schemas.microsoft.com/office/drawing/2014/main" id="{3E5445C6-DD42-4979-86FF-03730E8C6DB0}"/>
-              </a:ext>
-              <a:ext uri="{C183D7F6-B498-43B3-948B-1728B52AA6E4}">
-                <adec:decorative xmlns:adec="http://schemas.microsoft.com/office/drawing/2017/decorative" val="1"/>
+                <a16:creationId xmlns:a16="http://schemas.microsoft.com/office/drawing/2014/main" id="{26D74681-3E39-4445-B8F0-D2062BDFF83C}"/>
               </a:ext>
             </a:extLst>
           </p:cNvPr>
-          <p:cNvSpPr>
-            <a:spLocks noGrp="1" noRot="1" noChangeAspect="1" noMove="1" noResize="1" noEditPoints="1" noAdjustHandles="1" noChangeArrowheads="1" noChangeShapeType="1" noTextEdit="1"/>
-          </p:cNvSpPr>
-          <p:nvPr>
-            <p:extLst>
-              <p:ext uri="{386F3935-93C4-4BCD-93E2-E3B085C9AB24}">
-                <p16:designElem xmlns:p16="http://schemas.microsoft.com/office/powerpoint/2015/main" val="1"/>
-              </p:ext>
-            </p:extLst>
-          </p:nvPr>
-        </p:nvSpPr>
-        <p:spPr bwMode="ltGray">
+          <p:cNvPicPr>
+            <a:picLocks noGrp="1" noChangeAspect="1"/>
+          </p:cNvPicPr>
+          <p:nvPr>
+            <p:ph idx="1"/>
+          </p:nvPr>
+        </p:nvPicPr>
+        <p:blipFill rotWithShape="1">
+          <a:blip r:embed="rId3"/>
+          <a:srcRect t="3337" r="-1" b="3622"/>
+          <a:stretch/>
+        </p:blipFill>
+        <p:spPr>
           <a:xfrm>
-            <a:off x="321734" y="321733"/>
-            <a:ext cx="11573488" cy="6214534"/>
+            <a:off x="838200" y="1845426"/>
+            <a:ext cx="10512547" cy="4450303"/>
           </a:xfrm>
           <a:prstGeom prst="rect">
             <a:avLst/>
           </a:prstGeom>
-          <a:solidFill>
-            <a:schemeClr val="bg1">
-              <a:lumMod val="75000"/>
-              <a:lumOff val="25000"/>
-            </a:schemeClr>
-          </a:solidFill>
-          <a:ln w="127000" cap="sq" cmpd="thinThick">
-            <a:solidFill>
-              <a:schemeClr val="bg1">
-                <a:lumMod val="75000"/>
-                <a:lumOff val="25000"/>
-              </a:schemeClr>
-            </a:solidFill>
-          </a:ln>
         </p:spPr>
-        <p:style>
-          <a:lnRef idx="2">
-            <a:schemeClr val="accent1">
-              <a:shade val="50000"/>
-            </a:schemeClr>
-          </a:lnRef>
-          <a:fillRef idx="1">
-            <a:schemeClr val="accent1"/>
-          </a:fillRef>
-          <a:effectRef idx="0">
-            <a:schemeClr val="accent1"/>
-          </a:effectRef>
-          <a:fontRef idx="minor">
-            <a:schemeClr val="lt1"/>
-          </a:fontRef>
-        </p:style>
-        <p:txBody>
-          <a:bodyPr rtlCol="0" anchor="ctr"/>
-          <a:lstStyle/>
-          <a:p>
-            <a:pPr algn="ctr"/>
-            <a:endParaRPr lang="en-US"/>
-          </a:p>
-        </p:txBody>
-      </p:sp>
-      <p:sp>
-        <p:nvSpPr>
-          <p:cNvPr id="2" name="Title 1">
-            <a:extLst>
-              <a:ext uri="{FF2B5EF4-FFF2-40B4-BE49-F238E27FC236}">
-                <a16:creationId xmlns:a16="http://schemas.microsoft.com/office/drawing/2014/main" id="{278CBDCF-2F08-4348-BD7A-F6226888503B}"/>
-              </a:ext>
-            </a:extLst>
-          </p:cNvPr>
+      </p:pic>
+      <p:sp>
+        <p:nvSpPr>
+          <p:cNvPr id="3" name="Slide Number Placeholder 2"/>
           <p:cNvSpPr>
             <a:spLocks noGrp="1"/>
           </p:cNvSpPr>
           <p:nvPr>
-            <p:ph type="ctrTitle"/>
+            <p:ph type="sldNum" sz="quarter" idx="12"/>
           </p:nvPr>
         </p:nvSpPr>
         <p:spPr>
           <a:xfrm>
-            <a:off x="1524000" y="1122362"/>
-            <a:ext cx="9144000" cy="2840037"/>
+            <a:off x="8610600" y="6356350"/>
+            <a:ext cx="2743200" cy="365125"/>
           </a:xfrm>
         </p:spPr>
         <p:txBody>
-          <a:bodyPr>
+          <a:bodyPr vert="horz" lIns="91440" tIns="45720" rIns="91440" bIns="45720" rtlCol="0" anchor="ctr">
             <a:normAutofit/>
           </a:bodyPr>
           <a:lstStyle/>
           <a:p>
-            <a:r>
-              <a:rPr lang="en-US" sz="5800" b="0" i="0" u="none" strike="noStrike" baseline="0">
-                <a:latin typeface="CMR10"/>
-              </a:rPr>
-              <a:t>Kotok-McCarthy VS Soviet program</a:t>
-            </a:r>
-            <a:endParaRPr lang="en-US" sz="5800"/>
-          </a:p>
-        </p:txBody>
-      </p:sp>
-      <p:sp>
-        <p:nvSpPr>
-          <p:cNvPr id="3" name="Subtitle 2">
-            <a:extLst>
-              <a:ext uri="{FF2B5EF4-FFF2-40B4-BE49-F238E27FC236}">
-                <a16:creationId xmlns:a16="http://schemas.microsoft.com/office/drawing/2014/main" id="{C648278D-F9D3-4573-B002-A55476AC9453}"/>
-              </a:ext>
-            </a:extLst>
-          </p:cNvPr>
-          <p:cNvSpPr>
-            <a:spLocks noGrp="1"/>
-          </p:cNvSpPr>
-          <p:nvPr>
-            <p:ph type="subTitle" idx="1"/>
-          </p:nvPr>
-        </p:nvSpPr>
-        <p:spPr>
-          <a:xfrm>
-            <a:off x="1524000" y="4256436"/>
-            <a:ext cx="9144000" cy="1600818"/>
-          </a:xfrm>
-        </p:spPr>
-        <p:txBody>
-          <a:bodyPr>
-            <a:normAutofit/>
-          </a:bodyPr>
-          <a:lstStyle/>
-          <a:p>
-            <a:r>
-              <a:rPr lang="en-US" b="0" i="0" u="none" strike="noStrike" baseline="0" dirty="0">
-                <a:solidFill>
-                  <a:schemeClr val="accent1">
-                    <a:lumMod val="60000"/>
-                    <a:lumOff val="40000"/>
-                  </a:schemeClr>
-                </a:solidFill>
-                <a:latin typeface="CMR10"/>
-              </a:rPr>
-              <a:t>November 22, 1967 – night months</a:t>
-            </a:r>
-            <a:endParaRPr lang="en-US" dirty="0">
-              <a:solidFill>
-                <a:schemeClr val="accent1">
-                  <a:lumMod val="60000"/>
-                  <a:lumOff val="40000"/>
-                </a:schemeClr>
-              </a:solidFill>
-            </a:endParaRPr>
-          </a:p>
-          <a:p>
-            <a:r>
-              <a:rPr lang="en-US" dirty="0">
-                <a:solidFill>
-                  <a:schemeClr val="accent1">
-                    <a:lumMod val="60000"/>
-                    <a:lumOff val="40000"/>
-                  </a:schemeClr>
-                </a:solidFill>
-              </a:rPr>
-              <a:t>2 draw</a:t>
-            </a:r>
-          </a:p>
-          <a:p>
-            <a:r>
-              <a:rPr lang="en-US" dirty="0">
-                <a:solidFill>
-                  <a:schemeClr val="accent1">
-                    <a:lumMod val="60000"/>
-                    <a:lumOff val="40000"/>
-                  </a:schemeClr>
-                </a:solidFill>
-              </a:rPr>
-              <a:t>2 loss</a:t>
-            </a:r>
-          </a:p>
-          <a:p>
-            <a:endParaRPr lang="en-US" dirty="0">
-              <a:solidFill>
-                <a:schemeClr val="accent1">
-                  <a:lumMod val="60000"/>
-                  <a:lumOff val="40000"/>
-                </a:schemeClr>
-              </a:solidFill>
-            </a:endParaRPr>
-          </a:p>
-        </p:txBody>
-      </p:sp>
-      <p:cxnSp>
-        <p:nvCxnSpPr>
-          <p:cNvPr id="13" name="Straight Connector 12">
-            <a:extLst>
-              <a:ext uri="{FF2B5EF4-FFF2-40B4-BE49-F238E27FC236}">
-                <a16:creationId xmlns:a16="http://schemas.microsoft.com/office/drawing/2014/main" id="{45000665-DFC7-417E-8FD7-516A0F15C975}"/>
-              </a:ext>
-              <a:ext uri="{C183D7F6-B498-43B3-948B-1728B52AA6E4}">
-                <adec:decorative xmlns:adec="http://schemas.microsoft.com/office/drawing/2017/decorative" val="1"/>
-              </a:ext>
-            </a:extLst>
-          </p:cNvPr>
-          <p:cNvCxnSpPr>
-            <a:cxnSpLocks noGrp="1" noRot="1" noChangeAspect="1" noMove="1" noResize="1" noEditPoints="1" noAdjustHandles="1" noChangeArrowheads="1" noChangeShapeType="1"/>
-          </p:cNvCxnSpPr>
-          <p:nvPr>
-            <p:extLst>
-              <p:ext uri="{386F3935-93C4-4BCD-93E2-E3B085C9AB24}">
-                <p16:designElem xmlns:p16="http://schemas.microsoft.com/office/powerpoint/2015/main" val="1"/>
-              </p:ext>
-            </p:extLst>
-          </p:nvPr>
-        </p:nvCxnSpPr>
-        <p:spPr>
-          <a:xfrm>
-            <a:off x="4724400" y="4109417"/>
-            <a:ext cx="2743200" cy="0"/>
-          </a:xfrm>
-          <a:prstGeom prst="line">
-            <a:avLst/>
-          </a:prstGeom>
-          <a:ln w="12700">
-            <a:solidFill>
-              <a:schemeClr val="tx1">
-                <a:lumMod val="85000"/>
-              </a:schemeClr>
-            </a:solidFill>
-          </a:ln>
-        </p:spPr>
-        <p:style>
-          <a:lnRef idx="1">
-            <a:schemeClr val="accent1"/>
-          </a:lnRef>
-          <a:fillRef idx="0">
-            <a:schemeClr val="accent1"/>
-          </a:fillRef>
-          <a:effectRef idx="0">
-            <a:schemeClr val="accent1"/>
-          </a:effectRef>
-          <a:fontRef idx="minor">
-            <a:schemeClr val="tx1"/>
-          </a:fontRef>
-        </p:style>
-      </p:cxnSp>
-      <p:sp>
-        <p:nvSpPr>
-          <p:cNvPr id="4" name="Slide Number Placeholder 3">
-            <a:extLst>
-              <a:ext uri="{FF2B5EF4-FFF2-40B4-BE49-F238E27FC236}">
-                <a16:creationId xmlns:a16="http://schemas.microsoft.com/office/drawing/2014/main" id="{DD17AB52-75A1-4EC3-9EE5-0D8267ECDF9F}"/>
-              </a:ext>
-            </a:extLst>
-          </p:cNvPr>
-          <p:cNvSpPr>
-            <a:spLocks noGrp="1"/>
-          </p:cNvSpPr>
-          <p:nvPr>
-            <p:ph type="sldNum" sz="quarter" idx="12"/>
-          </p:nvPr>
-        </p:nvSpPr>
-        <p:spPr>
-          <a:xfrm>
-            <a:off x="8610600" y="6159710"/>
-            <a:ext cx="2743200" cy="365125"/>
-          </a:xfrm>
-        </p:spPr>
-        <p:txBody>
-          <a:bodyPr>
-            <a:normAutofit/>
-          </a:bodyPr>
-          <a:lstStyle/>
-          <a:p>
-            <a:pPr>
+            <a:pPr defTabSz="457200">
               <a:spcAft>
                 <a:spcPts val="600"/>
               </a:spcAft>
             </a:pPr>
             <a:fld id="{4292D9D0-E695-4D04-8152-0C0E77A81AC1}" type="slidenum">
-              <a:rPr lang="en-CA" smtClean="0"/>
-              <a:pPr>
+              <a:rPr lang="en-US"/>
+              <a:pPr defTabSz="457200">
                 <a:spcAft>
                   <a:spcPts val="600"/>
                 </a:spcAft>
               </a:pPr>
               <a:t>4</a:t>
             </a:fld>
-            <a:endParaRPr lang="en-CA"/>
+            <a:endParaRPr lang="en-US"/>
           </a:p>
         </p:txBody>
       </p:sp>
     </p:spTree>
     <p:extLst>
       <p:ext uri="{BB962C8B-B14F-4D97-AF65-F5344CB8AC3E}">
-        <p14:creationId xmlns:p14="http://schemas.microsoft.com/office/powerpoint/2010/main" val="2389904491"/>
+        <p14:creationId xmlns:p14="http://schemas.microsoft.com/office/powerpoint/2010/main" val="1185083631"/>
       </p:ext>
     </p:extLst>
   </p:cSld>
   <p:clrMapOvr>
-    <a:overrideClrMapping bg1="dk1" tx1="lt1" bg2="dk2" tx2="lt2" accent1="accent1" accent2="accent2" accent3="accent3" accent4="accent4" accent5="accent5" accent6="accent6" hlink="hlink" folHlink="folHlink"/>
+    <a:masterClrMapping/>
   </p:clrMapOvr>
 </p:sld>
 </file>
@@ -5993,12 +8012,12 @@
           <a:chExt cx="0" cy="0"/>
         </a:xfrm>
       </p:grpSpPr>
-      <p:sp>
-        <p:nvSpPr>
-          <p:cNvPr id="137" name="Rectangle 136">
+      <p:sp useBgFill="1">
+        <p:nvSpPr>
+          <p:cNvPr id="83" name="Rectangle 82">
             <a:extLst>
               <a:ext uri="{FF2B5EF4-FFF2-40B4-BE49-F238E27FC236}">
-                <a16:creationId xmlns:a16="http://schemas.microsoft.com/office/drawing/2014/main" id="{42A5316D-ED2F-4F89-B4B4-8D9240B1A348}"/>
+                <a16:creationId xmlns:a16="http://schemas.microsoft.com/office/drawing/2014/main" id="{F4C0B10B-D2C4-4A54-AFAD-3D27DF88BB37}"/>
               </a:ext>
               <a:ext uri="{C183D7F6-B498-43B3-948B-1728B52AA6E4}">
                 <adec:decorative xmlns:adec="http://schemas.microsoft.com/office/drawing/2017/decorative" val="1"/>
@@ -6019,14 +8038,11 @@
         <p:spPr>
           <a:xfrm>
             <a:off x="0" y="0"/>
-            <a:ext cx="2013557" cy="6858000"/>
+            <a:ext cx="12188952" cy="6858000"/>
           </a:xfrm>
           <a:prstGeom prst="rect">
             <a:avLst/>
           </a:prstGeom>
-          <a:solidFill>
-            <a:srgbClr val="7E665D"/>
-          </a:solidFill>
           <a:ln>
             <a:noFill/>
           </a:ln>
@@ -6051,40 +8067,505 @@
           <a:bodyPr rtlCol="0" anchor="ctr"/>
           <a:lstStyle/>
           <a:p>
-            <a:pPr marL="0" marR="0" lvl="0" indent="0" algn="ctr" defTabSz="914400" rtl="0" eaLnBrk="1" fontAlgn="auto" latinLnBrk="0" hangingPunct="1">
-              <a:lnSpc>
-                <a:spcPct val="100000"/>
-              </a:lnSpc>
-              <a:spcBef>
-                <a:spcPts val="0"/>
-              </a:spcBef>
-              <a:spcAft>
-                <a:spcPts val="0"/>
-              </a:spcAft>
-              <a:buClrTx/>
-              <a:buSzTx/>
-              <a:buFontTx/>
-              <a:buNone/>
-              <a:tabLst/>
-              <a:defRPr/>
-            </a:pPr>
-            <a:endParaRPr kumimoji="0" lang="en-US" sz="1800" b="0" i="0" u="none" strike="noStrike" kern="1200" cap="none" spc="0" normalizeH="0" baseline="0" noProof="0">
-              <a:ln>
-                <a:noFill/>
-              </a:ln>
-              <a:solidFill>
-                <a:prstClr val="white"/>
-              </a:solidFill>
-              <a:effectLst/>
-              <a:uLnTx/>
-              <a:uFillTx/>
-              <a:latin typeface="Calibri" panose="020F0502020204030204"/>
-              <a:ea typeface="+mn-ea"/>
-              <a:cs typeface="+mn-cs"/>
-            </a:endParaRPr>
-          </a:p>
-        </p:txBody>
-      </p:sp>
+            <a:pPr algn="ctr"/>
+            <a:endParaRPr lang="en-US"/>
+          </a:p>
+        </p:txBody>
+      </p:sp>
+      <p:grpSp>
+        <p:nvGrpSpPr>
+          <p:cNvPr id="85" name="Group 84">
+            <a:extLst>
+              <a:ext uri="{FF2B5EF4-FFF2-40B4-BE49-F238E27FC236}">
+                <a16:creationId xmlns:a16="http://schemas.microsoft.com/office/drawing/2014/main" id="{B6BADB90-C74B-40D6-86DC-503F65FCE8DC}"/>
+              </a:ext>
+              <a:ext uri="{C183D7F6-B498-43B3-948B-1728B52AA6E4}">
+                <adec:decorative xmlns:adec="http://schemas.microsoft.com/office/drawing/2017/decorative" val="1"/>
+              </a:ext>
+            </a:extLst>
+          </p:cNvPr>
+          <p:cNvGrpSpPr>
+            <a:grpSpLocks noGrp="1" noUngrp="1" noRot="1" noChangeAspect="1" noMove="1" noResize="1"/>
+          </p:cNvGrpSpPr>
+          <p:nvPr>
+            <p:extLst>
+              <p:ext uri="{386F3935-93C4-4BCD-93E2-E3B085C9AB24}">
+                <p16:designElem xmlns:p16="http://schemas.microsoft.com/office/powerpoint/2015/main" val="1"/>
+              </p:ext>
+            </p:extLst>
+          </p:nvPr>
+        </p:nvGrpSpPr>
+        <p:grpSpPr>
+          <a:xfrm>
+            <a:off x="409710" y="635715"/>
+            <a:ext cx="11142208" cy="2482136"/>
+            <a:chOff x="409710" y="635715"/>
+            <a:chExt cx="11142208" cy="2482136"/>
+          </a:xfrm>
+        </p:grpSpPr>
+        <p:sp>
+          <p:nvSpPr>
+            <p:cNvPr id="86" name="Freeform 44">
+              <a:extLst>
+                <a:ext uri="{FF2B5EF4-FFF2-40B4-BE49-F238E27FC236}">
+                  <a16:creationId xmlns:a16="http://schemas.microsoft.com/office/drawing/2014/main" id="{6559431D-1886-4AE0-9B87-9AD2ECAB8439}"/>
+                </a:ext>
+                <a:ext uri="{C183D7F6-B498-43B3-948B-1728B52AA6E4}">
+                  <adec:decorative xmlns:adec="http://schemas.microsoft.com/office/drawing/2017/decorative" val="1"/>
+                </a:ext>
+              </a:extLst>
+            </p:cNvPr>
+            <p:cNvSpPr>
+              <a:spLocks/>
+            </p:cNvSpPr>
+            <p:nvPr>
+              <p:extLst>
+                <p:ext uri="{386F3935-93C4-4BCD-93E2-E3B085C9AB24}">
+                  <p16:designElem xmlns:p16="http://schemas.microsoft.com/office/powerpoint/2015/main" val="1"/>
+                </p:ext>
+              </p:extLst>
+            </p:nvPr>
+          </p:nvSpPr>
+          <p:spPr bwMode="auto">
+            <a:xfrm>
+              <a:off x="11223203" y="635716"/>
+              <a:ext cx="328612" cy="1742360"/>
+            </a:xfrm>
+            <a:custGeom>
+              <a:avLst/>
+              <a:gdLst>
+                <a:gd name="T0" fmla="*/ 207 w 207"/>
+                <a:gd name="T1" fmla="*/ 987 h 1114"/>
+                <a:gd name="T2" fmla="*/ 0 w 207"/>
+                <a:gd name="T3" fmla="*/ 1114 h 1114"/>
+                <a:gd name="T4" fmla="*/ 0 w 207"/>
+                <a:gd name="T5" fmla="*/ 127 h 1114"/>
+                <a:gd name="T6" fmla="*/ 207 w 207"/>
+                <a:gd name="T7" fmla="*/ 0 h 1114"/>
+                <a:gd name="T8" fmla="*/ 207 w 207"/>
+                <a:gd name="T9" fmla="*/ 987 h 1114"/>
+              </a:gdLst>
+              <a:ahLst/>
+              <a:cxnLst>
+                <a:cxn ang="0">
+                  <a:pos x="T0" y="T1"/>
+                </a:cxn>
+                <a:cxn ang="0">
+                  <a:pos x="T2" y="T3"/>
+                </a:cxn>
+                <a:cxn ang="0">
+                  <a:pos x="T4" y="T5"/>
+                </a:cxn>
+                <a:cxn ang="0">
+                  <a:pos x="T6" y="T7"/>
+                </a:cxn>
+                <a:cxn ang="0">
+                  <a:pos x="T8" y="T9"/>
+                </a:cxn>
+              </a:cxnLst>
+              <a:rect l="0" t="0" r="r" b="b"/>
+              <a:pathLst>
+                <a:path w="207" h="1114">
+                  <a:moveTo>
+                    <a:pt x="207" y="987"/>
+                  </a:moveTo>
+                  <a:lnTo>
+                    <a:pt x="0" y="1114"/>
+                  </a:lnTo>
+                  <a:lnTo>
+                    <a:pt x="0" y="127"/>
+                  </a:lnTo>
+                  <a:lnTo>
+                    <a:pt x="207" y="0"/>
+                  </a:lnTo>
+                  <a:lnTo>
+                    <a:pt x="207" y="987"/>
+                  </a:lnTo>
+                  <a:close/>
+                </a:path>
+              </a:pathLst>
+            </a:custGeom>
+            <a:solidFill>
+              <a:schemeClr val="accent1">
+                <a:lumMod val="50000"/>
+              </a:schemeClr>
+            </a:solidFill>
+            <a:ln>
+              <a:noFill/>
+            </a:ln>
+          </p:spPr>
+          <p:txBody>
+            <a:bodyPr vert="horz" wrap="square" lIns="91440" tIns="45720" rIns="91440" bIns="45720" numCol="1" anchor="t" anchorCtr="0" compatLnSpc="1">
+              <a:prstTxWarp prst="textNoShape">
+                <a:avLst/>
+              </a:prstTxWarp>
+            </a:bodyPr>
+            <a:lstStyle/>
+            <a:p>
+              <a:endParaRPr lang="en-US"/>
+            </a:p>
+          </p:txBody>
+        </p:sp>
+        <p:sp>
+          <p:nvSpPr>
+            <p:cNvPr id="87" name="Freeform 45">
+              <a:extLst>
+                <a:ext uri="{FF2B5EF4-FFF2-40B4-BE49-F238E27FC236}">
+                  <a16:creationId xmlns:a16="http://schemas.microsoft.com/office/drawing/2014/main" id="{373850A5-B04A-4FCD-9E73-EE322167FB31}"/>
+                </a:ext>
+                <a:ext uri="{C183D7F6-B498-43B3-948B-1728B52AA6E4}">
+                  <adec:decorative xmlns:adec="http://schemas.microsoft.com/office/drawing/2017/decorative" val="1"/>
+                </a:ext>
+              </a:extLst>
+            </p:cNvPr>
+            <p:cNvSpPr>
+              <a:spLocks/>
+            </p:cNvSpPr>
+            <p:nvPr>
+              <p:extLst>
+                <p:ext uri="{386F3935-93C4-4BCD-93E2-E3B085C9AB24}">
+                  <p16:designElem xmlns:p16="http://schemas.microsoft.com/office/powerpoint/2015/main" val="1"/>
+                </p:ext>
+              </p:extLst>
+            </p:nvPr>
+          </p:nvSpPr>
+          <p:spPr bwMode="auto">
+            <a:xfrm>
+              <a:off x="409710" y="1022350"/>
+              <a:ext cx="709612" cy="2095501"/>
+            </a:xfrm>
+            <a:custGeom>
+              <a:avLst/>
+              <a:gdLst>
+                <a:gd name="T0" fmla="*/ 447 w 447"/>
+                <a:gd name="T1" fmla="*/ 1363 h 1363"/>
+                <a:gd name="T2" fmla="*/ 0 w 447"/>
+                <a:gd name="T3" fmla="*/ 987 h 1363"/>
+                <a:gd name="T4" fmla="*/ 0 w 447"/>
+                <a:gd name="T5" fmla="*/ 0 h 1363"/>
+                <a:gd name="T6" fmla="*/ 447 w 447"/>
+                <a:gd name="T7" fmla="*/ 376 h 1363"/>
+                <a:gd name="T8" fmla="*/ 447 w 447"/>
+                <a:gd name="T9" fmla="*/ 1363 h 1363"/>
+              </a:gdLst>
+              <a:ahLst/>
+              <a:cxnLst>
+                <a:cxn ang="0">
+                  <a:pos x="T0" y="T1"/>
+                </a:cxn>
+                <a:cxn ang="0">
+                  <a:pos x="T2" y="T3"/>
+                </a:cxn>
+                <a:cxn ang="0">
+                  <a:pos x="T4" y="T5"/>
+                </a:cxn>
+                <a:cxn ang="0">
+                  <a:pos x="T6" y="T7"/>
+                </a:cxn>
+                <a:cxn ang="0">
+                  <a:pos x="T8" y="T9"/>
+                </a:cxn>
+              </a:cxnLst>
+              <a:rect l="0" t="0" r="r" b="b"/>
+              <a:pathLst>
+                <a:path w="447" h="1363">
+                  <a:moveTo>
+                    <a:pt x="447" y="1363"/>
+                  </a:moveTo>
+                  <a:lnTo>
+                    <a:pt x="0" y="987"/>
+                  </a:lnTo>
+                  <a:lnTo>
+                    <a:pt x="0" y="0"/>
+                  </a:lnTo>
+                  <a:lnTo>
+                    <a:pt x="447" y="376"/>
+                  </a:lnTo>
+                  <a:lnTo>
+                    <a:pt x="447" y="1363"/>
+                  </a:lnTo>
+                  <a:close/>
+                </a:path>
+              </a:pathLst>
+            </a:custGeom>
+            <a:solidFill>
+              <a:schemeClr val="accent1">
+                <a:lumMod val="50000"/>
+              </a:schemeClr>
+            </a:solidFill>
+            <a:ln>
+              <a:noFill/>
+            </a:ln>
+          </p:spPr>
+          <p:txBody>
+            <a:bodyPr vert="horz" wrap="square" lIns="91440" tIns="45720" rIns="91440" bIns="45720" numCol="1" anchor="t" anchorCtr="0" compatLnSpc="1">
+              <a:prstTxWarp prst="textNoShape">
+                <a:avLst/>
+              </a:prstTxWarp>
+            </a:bodyPr>
+            <a:lstStyle/>
+            <a:p>
+              <a:endParaRPr lang="en-US"/>
+            </a:p>
+          </p:txBody>
+        </p:sp>
+        <p:sp>
+          <p:nvSpPr>
+            <p:cNvPr id="88" name="Freeform 46">
+              <a:extLst>
+                <a:ext uri="{FF2B5EF4-FFF2-40B4-BE49-F238E27FC236}">
+                  <a16:creationId xmlns:a16="http://schemas.microsoft.com/office/drawing/2014/main" id="{82C18C67-80FA-4738-AA53-0AF2419F98E0}"/>
+                </a:ext>
+                <a:ext uri="{C183D7F6-B498-43B3-948B-1728B52AA6E4}">
+                  <adec:decorative xmlns:adec="http://schemas.microsoft.com/office/drawing/2017/decorative" val="1"/>
+                </a:ext>
+              </a:extLst>
+            </p:cNvPr>
+            <p:cNvSpPr>
+              <a:spLocks/>
+            </p:cNvSpPr>
+            <p:nvPr>
+              <p:extLst>
+                <p:ext uri="{386F3935-93C4-4BCD-93E2-E3B085C9AB24}">
+                  <p16:designElem xmlns:p16="http://schemas.microsoft.com/office/powerpoint/2015/main" val="1"/>
+                </p:ext>
+              </p:extLst>
+            </p:nvPr>
+          </p:nvSpPr>
+          <p:spPr bwMode="auto">
+            <a:xfrm>
+              <a:off x="409710" y="837744"/>
+              <a:ext cx="403225" cy="1705431"/>
+            </a:xfrm>
+            <a:custGeom>
+              <a:avLst/>
+              <a:gdLst>
+                <a:gd name="T0" fmla="*/ 254 w 254"/>
+                <a:gd name="T1" fmla="*/ 987 h 1109"/>
+                <a:gd name="T2" fmla="*/ 0 w 254"/>
+                <a:gd name="T3" fmla="*/ 1109 h 1109"/>
+                <a:gd name="T4" fmla="*/ 0 w 254"/>
+                <a:gd name="T5" fmla="*/ 119 h 1109"/>
+                <a:gd name="T6" fmla="*/ 254 w 254"/>
+                <a:gd name="T7" fmla="*/ 0 h 1109"/>
+                <a:gd name="T8" fmla="*/ 254 w 254"/>
+                <a:gd name="T9" fmla="*/ 987 h 1109"/>
+              </a:gdLst>
+              <a:ahLst/>
+              <a:cxnLst>
+                <a:cxn ang="0">
+                  <a:pos x="T0" y="T1"/>
+                </a:cxn>
+                <a:cxn ang="0">
+                  <a:pos x="T2" y="T3"/>
+                </a:cxn>
+                <a:cxn ang="0">
+                  <a:pos x="T4" y="T5"/>
+                </a:cxn>
+                <a:cxn ang="0">
+                  <a:pos x="T6" y="T7"/>
+                </a:cxn>
+                <a:cxn ang="0">
+                  <a:pos x="T8" y="T9"/>
+                </a:cxn>
+              </a:cxnLst>
+              <a:rect l="0" t="0" r="r" b="b"/>
+              <a:pathLst>
+                <a:path w="254" h="1109">
+                  <a:moveTo>
+                    <a:pt x="254" y="987"/>
+                  </a:moveTo>
+                  <a:lnTo>
+                    <a:pt x="0" y="1109"/>
+                  </a:lnTo>
+                  <a:lnTo>
+                    <a:pt x="0" y="119"/>
+                  </a:lnTo>
+                  <a:lnTo>
+                    <a:pt x="254" y="0"/>
+                  </a:lnTo>
+                  <a:lnTo>
+                    <a:pt x="254" y="987"/>
+                  </a:lnTo>
+                  <a:close/>
+                </a:path>
+              </a:pathLst>
+            </a:custGeom>
+            <a:solidFill>
+              <a:schemeClr val="accent1">
+                <a:lumMod val="75000"/>
+              </a:schemeClr>
+            </a:solidFill>
+            <a:ln>
+              <a:noFill/>
+            </a:ln>
+          </p:spPr>
+          <p:txBody>
+            <a:bodyPr vert="horz" wrap="square" lIns="91440" tIns="45720" rIns="91440" bIns="45720" numCol="1" anchor="t" anchorCtr="0" compatLnSpc="1">
+              <a:prstTxWarp prst="textNoShape">
+                <a:avLst/>
+              </a:prstTxWarp>
+            </a:bodyPr>
+            <a:lstStyle/>
+            <a:p>
+              <a:endParaRPr lang="en-US"/>
+            </a:p>
+          </p:txBody>
+        </p:sp>
+        <p:sp>
+          <p:nvSpPr>
+            <p:cNvPr id="89" name="Freeform 47">
+              <a:extLst>
+                <a:ext uri="{FF2B5EF4-FFF2-40B4-BE49-F238E27FC236}">
+                  <a16:creationId xmlns:a16="http://schemas.microsoft.com/office/drawing/2014/main" id="{48543B1A-8BF5-4C63-8404-41B2EA70B33E}"/>
+                </a:ext>
+                <a:ext uri="{C183D7F6-B498-43B3-948B-1728B52AA6E4}">
+                  <adec:decorative xmlns:adec="http://schemas.microsoft.com/office/drawing/2017/decorative" val="1"/>
+                </a:ext>
+              </a:extLst>
+            </p:cNvPr>
+            <p:cNvSpPr>
+              <a:spLocks/>
+            </p:cNvSpPr>
+            <p:nvPr>
+              <p:extLst>
+                <p:ext uri="{386F3935-93C4-4BCD-93E2-E3B085C9AB24}">
+                  <p16:designElem xmlns:p16="http://schemas.microsoft.com/office/powerpoint/2015/main" val="1"/>
+                </p:ext>
+              </p:extLst>
+            </p:nvPr>
+          </p:nvSpPr>
+          <p:spPr bwMode="auto">
+            <a:xfrm>
+              <a:off x="644660" y="640894"/>
+              <a:ext cx="168275" cy="1713195"/>
+            </a:xfrm>
+            <a:custGeom>
+              <a:avLst/>
+              <a:gdLst>
+                <a:gd name="T0" fmla="*/ 106 w 106"/>
+                <a:gd name="T1" fmla="*/ 1114 h 1114"/>
+                <a:gd name="T2" fmla="*/ 0 w 106"/>
+                <a:gd name="T3" fmla="*/ 1005 h 1114"/>
+                <a:gd name="T4" fmla="*/ 0 w 106"/>
+                <a:gd name="T5" fmla="*/ 0 h 1114"/>
+                <a:gd name="T6" fmla="*/ 106 w 106"/>
+                <a:gd name="T7" fmla="*/ 110 h 1114"/>
+                <a:gd name="T8" fmla="*/ 106 w 106"/>
+                <a:gd name="T9" fmla="*/ 1114 h 1114"/>
+              </a:gdLst>
+              <a:ahLst/>
+              <a:cxnLst>
+                <a:cxn ang="0">
+                  <a:pos x="T0" y="T1"/>
+                </a:cxn>
+                <a:cxn ang="0">
+                  <a:pos x="T2" y="T3"/>
+                </a:cxn>
+                <a:cxn ang="0">
+                  <a:pos x="T4" y="T5"/>
+                </a:cxn>
+                <a:cxn ang="0">
+                  <a:pos x="T6" y="T7"/>
+                </a:cxn>
+                <a:cxn ang="0">
+                  <a:pos x="T8" y="T9"/>
+                </a:cxn>
+              </a:cxnLst>
+              <a:rect l="0" t="0" r="r" b="b"/>
+              <a:pathLst>
+                <a:path w="106" h="1114">
+                  <a:moveTo>
+                    <a:pt x="106" y="1114"/>
+                  </a:moveTo>
+                  <a:lnTo>
+                    <a:pt x="0" y="1005"/>
+                  </a:lnTo>
+                  <a:lnTo>
+                    <a:pt x="0" y="0"/>
+                  </a:lnTo>
+                  <a:lnTo>
+                    <a:pt x="106" y="110"/>
+                  </a:lnTo>
+                  <a:lnTo>
+                    <a:pt x="106" y="1114"/>
+                  </a:lnTo>
+                  <a:close/>
+                </a:path>
+              </a:pathLst>
+            </a:custGeom>
+            <a:solidFill>
+              <a:schemeClr val="accent1">
+                <a:lumMod val="50000"/>
+              </a:schemeClr>
+            </a:solidFill>
+            <a:ln>
+              <a:noFill/>
+            </a:ln>
+          </p:spPr>
+          <p:txBody>
+            <a:bodyPr vert="horz" wrap="square" lIns="91440" tIns="45720" rIns="91440" bIns="45720" numCol="1" anchor="t" anchorCtr="0" compatLnSpc="1">
+              <a:prstTxWarp prst="textNoShape">
+                <a:avLst/>
+              </a:prstTxWarp>
+            </a:bodyPr>
+            <a:lstStyle/>
+            <a:p>
+              <a:endParaRPr lang="en-US"/>
+            </a:p>
+          </p:txBody>
+        </p:sp>
+        <p:sp>
+          <p:nvSpPr>
+            <p:cNvPr id="90" name="Rectangle 89">
+              <a:extLst>
+                <a:ext uri="{FF2B5EF4-FFF2-40B4-BE49-F238E27FC236}">
+                  <a16:creationId xmlns:a16="http://schemas.microsoft.com/office/drawing/2014/main" id="{92DF5096-E051-498C-A3ED-CBA77A813AAC}"/>
+                </a:ext>
+                <a:ext uri="{C183D7F6-B498-43B3-948B-1728B52AA6E4}">
+                  <adec:decorative xmlns:adec="http://schemas.microsoft.com/office/drawing/2017/decorative" val="1"/>
+                </a:ext>
+              </a:extLst>
+            </p:cNvPr>
+            <p:cNvSpPr>
+              <a:spLocks noChangeArrowheads="1"/>
+            </p:cNvSpPr>
+            <p:nvPr>
+              <p:extLst>
+                <p:ext uri="{386F3935-93C4-4BCD-93E2-E3B085C9AB24}">
+                  <p16:designElem xmlns:p16="http://schemas.microsoft.com/office/powerpoint/2015/main" val="1"/>
+                </p:ext>
+              </p:extLst>
+            </p:nvPr>
+          </p:nvSpPr>
+          <p:spPr bwMode="auto">
+            <a:xfrm>
+              <a:off x="644055" y="635715"/>
+              <a:ext cx="10907863" cy="1541457"/>
+            </a:xfrm>
+            <a:prstGeom prst="rect">
+              <a:avLst/>
+            </a:prstGeom>
+            <a:solidFill>
+              <a:schemeClr val="accent1"/>
+            </a:solidFill>
+            <a:ln>
+              <a:noFill/>
+            </a:ln>
+          </p:spPr>
+          <p:txBody>
+            <a:bodyPr vert="horz" wrap="square" lIns="91440" tIns="45720" rIns="91440" bIns="45720" numCol="1" anchor="t" anchorCtr="0" compatLnSpc="1">
+              <a:prstTxWarp prst="textNoShape">
+                <a:avLst/>
+              </a:prstTxWarp>
+            </a:bodyPr>
+            <a:lstStyle/>
+            <a:p>
+              <a:endParaRPr lang="en-US"/>
+            </a:p>
+          </p:txBody>
+        </p:sp>
+      </p:grpSp>
       <p:sp>
         <p:nvSpPr>
           <p:cNvPr id="2" name="Title 1"/>
@@ -6097,20 +8578,9 @@
         </p:nvSpPr>
         <p:spPr>
           <a:xfrm>
-            <a:off x="694510" y="1487272"/>
-            <a:ext cx="2743200" cy="2743200"/>
+            <a:off x="1047280" y="759805"/>
+            <a:ext cx="10306520" cy="1325563"/>
           </a:xfrm>
-          <a:prstGeom prst="ellipse">
-            <a:avLst/>
-          </a:prstGeom>
-          <a:solidFill>
-            <a:srgbClr val="262626"/>
-          </a:solidFill>
-          <a:ln w="174625" cmpd="thinThick">
-            <a:solidFill>
-              <a:srgbClr val="262626"/>
-            </a:solidFill>
-          </a:ln>
         </p:spPr>
         <p:txBody>
           <a:bodyPr>
@@ -6118,23 +8588,17 @@
           </a:bodyPr>
           <a:lstStyle/>
           <a:p>
-            <a:pPr algn="ctr">
-              <a:spcAft>
-                <a:spcPts val="600"/>
-              </a:spcAft>
-            </a:pPr>
-            <a:r>
-              <a:rPr lang="en-US" sz="1800" b="0" i="0" u="none" strike="noStrike" baseline="0" dirty="0">
+            <a:r>
+              <a:rPr lang="en-US" sz="4000" dirty="0">
                 <a:solidFill>
-                  <a:schemeClr val="bg1"/>
+                  <a:srgbClr val="FFFFFF"/>
                 </a:solidFill>
-                <a:latin typeface="CMSS9"/>
               </a:rPr>
-              <a:t>MAC HACK VI</a:t>
-            </a:r>
-            <a:endParaRPr lang="en-US" sz="2600" dirty="0">
+              <a:t>Texas Poker program plays Very Good</a:t>
+            </a:r>
+            <a:endParaRPr lang="en-CA" sz="4000" dirty="0">
               <a:solidFill>
-                <a:schemeClr val="bg1"/>
+                <a:srgbClr val="FFFFFF"/>
               </a:solidFill>
             </a:endParaRPr>
           </a:p>
@@ -6152,8 +8616,8 @@
         </p:nvSpPr>
         <p:spPr>
           <a:xfrm>
-            <a:off x="4038600" y="4884873"/>
-            <a:ext cx="7188199" cy="1292090"/>
+            <a:off x="1424904" y="2494450"/>
+            <a:ext cx="4053545" cy="3563159"/>
           </a:xfrm>
         </p:spPr>
         <p:txBody>
@@ -6165,7 +8629,32 @@
             <a:pPr marL="0" indent="0">
               <a:buNone/>
             </a:pPr>
-            <a:endParaRPr lang="en-US" sz="1800" b="0" i="0">
+            <a:r>
+              <a:rPr lang="en-US" sz="2400" b="0" i="0" dirty="0">
+                <a:effectLst/>
+                <a:latin typeface="Arial" panose="020B0604020202020204" pitchFamily="34" charset="0"/>
+              </a:rPr>
+              <a:t>Have a try at University of Alberta’s poker-playing programs</a:t>
+            </a:r>
+            <a:endParaRPr lang="en-US" sz="2400" b="0" i="0" dirty="0">
+              <a:effectLst/>
+              <a:latin typeface="Arial" panose="020B0604020202020204" pitchFamily="34" charset="0"/>
+              <a:hlinkClick r:id="rId3"/>
+            </a:endParaRPr>
+          </a:p>
+          <a:p>
+            <a:pPr marL="0" indent="0">
+              <a:buNone/>
+            </a:pPr>
+            <a:r>
+              <a:rPr lang="en-US" sz="2400" b="0" i="0" dirty="0">
+                <a:effectLst/>
+                <a:latin typeface="Arial" panose="020B0604020202020204" pitchFamily="34" charset="0"/>
+                <a:hlinkClick r:id="rId3"/>
+              </a:rPr>
+              <a:t>http://poker.cs.ualberta.ca</a:t>
+            </a:r>
+            <a:endParaRPr lang="en-US" sz="2400" b="0" i="0" dirty="0">
               <a:effectLst/>
               <a:latin typeface="Arial" panose="020B0604020202020204" pitchFamily="34" charset="0"/>
             </a:endParaRPr>
@@ -6174,24 +8663,62 @@
             <a:pPr marL="0" indent="0">
               <a:buNone/>
             </a:pPr>
-            <a:endParaRPr lang="en-US" sz="1800"/>
-          </a:p>
-        </p:txBody>
-      </p:sp>
-      <p:sp>
-        <p:nvSpPr>
-          <p:cNvPr id="3" name="Slide Number Placeholder 2"/>
-          <p:cNvSpPr>
-            <a:spLocks noGrp="1"/>
-          </p:cNvSpPr>
-          <p:nvPr>
-            <p:ph type="sldNum" sz="quarter" idx="12"/>
-          </p:nvPr>
-        </p:nvSpPr>
+            <a:endParaRPr lang="en-US" sz="2400" b="0" i="0" dirty="0">
+              <a:effectLst/>
+              <a:latin typeface="Arial" panose="020B0604020202020204" pitchFamily="34" charset="0"/>
+            </a:endParaRPr>
+          </a:p>
+          <a:p>
+            <a:pPr marL="0" indent="0">
+              <a:buNone/>
+            </a:pPr>
+            <a:endParaRPr lang="en-US" sz="2400" dirty="0"/>
+          </a:p>
+        </p:txBody>
+      </p:sp>
+      <p:pic>
+        <p:nvPicPr>
+          <p:cNvPr id="6" name="Picture 5">
+            <a:extLst>
+              <a:ext uri="{FF2B5EF4-FFF2-40B4-BE49-F238E27FC236}">
+                <a16:creationId xmlns:a16="http://schemas.microsoft.com/office/drawing/2014/main" id="{26D74681-3E39-4445-B8F0-D2062BDFF83C}"/>
+              </a:ext>
+            </a:extLst>
+          </p:cNvPr>
+          <p:cNvPicPr>
+            <a:picLocks noChangeAspect="1"/>
+          </p:cNvPicPr>
+          <p:nvPr/>
+        </p:nvPicPr>
+        <p:blipFill rotWithShape="1">
+          <a:blip r:embed="rId4"/>
+          <a:srcRect l="26654" r="12026"/>
+          <a:stretch/>
+        </p:blipFill>
         <p:spPr>
           <a:xfrm>
-            <a:off x="9884978" y="6356350"/>
-            <a:ext cx="1468821" cy="365125"/>
+            <a:off x="6098892" y="2492376"/>
+            <a:ext cx="4802404" cy="3563372"/>
+          </a:xfrm>
+          <a:prstGeom prst="rect">
+            <a:avLst/>
+          </a:prstGeom>
+        </p:spPr>
+      </p:pic>
+      <p:sp>
+        <p:nvSpPr>
+          <p:cNvPr id="3" name="Slide Number Placeholder 2"/>
+          <p:cNvSpPr>
+            <a:spLocks noGrp="1"/>
+          </p:cNvSpPr>
+          <p:nvPr>
+            <p:ph type="sldNum" sz="quarter" idx="12"/>
+          </p:nvPr>
+        </p:nvSpPr>
+        <p:spPr>
+          <a:xfrm>
+            <a:off x="10707624" y="6382512"/>
+            <a:ext cx="685800" cy="320040"/>
           </a:xfrm>
         </p:spPr>
         <p:txBody>
@@ -6206,13 +8733,7 @@
               </a:spcAft>
             </a:pPr>
             <a:fld id="{4292D9D0-E695-4D04-8152-0C0E77A81AC1}" type="slidenum">
-              <a:rPr lang="en-CA">
-                <a:solidFill>
-                  <a:prstClr val="black">
-                    <a:tint val="75000"/>
-                  </a:prstClr>
-                </a:solidFill>
-              </a:rPr>
+              <a:rPr lang="en-CA" sz="1000"/>
               <a:pPr>
                 <a:spcAft>
                   <a:spcPts val="600"/>
@@ -6220,236 +8741,14 @@
               </a:pPr>
               <a:t>5</a:t>
             </a:fld>
-            <a:endParaRPr lang="en-CA">
-              <a:solidFill>
-                <a:prstClr val="black">
-                  <a:tint val="75000"/>
-                </a:prstClr>
-              </a:solidFill>
-            </a:endParaRPr>
-          </a:p>
-        </p:txBody>
-      </p:sp>
-      <p:sp>
-        <p:nvSpPr>
-          <p:cNvPr id="5" name="TextBox 4"/>
-          <p:cNvSpPr txBox="1"/>
-          <p:nvPr/>
-        </p:nvSpPr>
-        <p:spPr>
-          <a:xfrm>
-            <a:off x="1560745" y="1000246"/>
-            <a:ext cx="2971800" cy="400110"/>
-          </a:xfrm>
-          <a:prstGeom prst="rect">
-            <a:avLst/>
-          </a:prstGeom>
-          <a:noFill/>
-        </p:spPr>
-        <p:txBody>
-          <a:bodyPr wrap="square" rtlCol="0">
-            <a:spAutoFit/>
-          </a:bodyPr>
-          <a:lstStyle/>
-          <a:p>
-            <a:endParaRPr lang="en-US" sz="2000" dirty="0"/>
-          </a:p>
-        </p:txBody>
-      </p:sp>
-      <p:sp>
-        <p:nvSpPr>
-          <p:cNvPr id="9" name="TextBox 8">
-            <a:extLst>
-              <a:ext uri="{FF2B5EF4-FFF2-40B4-BE49-F238E27FC236}">
-                <a16:creationId xmlns:a16="http://schemas.microsoft.com/office/drawing/2014/main" id="{E8A548B6-5AB4-437D-9ED0-E1784F89ED89}"/>
-              </a:ext>
-            </a:extLst>
-          </p:cNvPr>
-          <p:cNvSpPr txBox="1"/>
-          <p:nvPr/>
-        </p:nvSpPr>
-        <p:spPr>
-          <a:xfrm>
-            <a:off x="4167498" y="4045806"/>
-            <a:ext cx="2031378" cy="369332"/>
-          </a:xfrm>
-          <a:prstGeom prst="rect">
-            <a:avLst/>
-          </a:prstGeom>
-          <a:noFill/>
-        </p:spPr>
-        <p:txBody>
-          <a:bodyPr wrap="square" rtlCol="0">
-            <a:spAutoFit/>
-          </a:bodyPr>
-          <a:lstStyle/>
-          <a:p>
-            <a:pPr>
-              <a:spcAft>
-                <a:spcPts val="600"/>
-              </a:spcAft>
-            </a:pPr>
-            <a:r>
-              <a:rPr lang="en-US" dirty="0"/>
-              <a:t>Richard Greenblatt</a:t>
-            </a:r>
-          </a:p>
-        </p:txBody>
-      </p:sp>
-      <p:pic>
-        <p:nvPicPr>
-          <p:cNvPr id="3074" name="Picture 2">
-            <a:extLst>
-              <a:ext uri="{FF2B5EF4-FFF2-40B4-BE49-F238E27FC236}">
-                <a16:creationId xmlns:a16="http://schemas.microsoft.com/office/drawing/2014/main" id="{DCDACD2A-CFCB-4F23-89ED-5C9A67648290}"/>
-              </a:ext>
-            </a:extLst>
-          </p:cNvPr>
-          <p:cNvPicPr>
-            <a:picLocks noChangeAspect="1" noChangeArrowheads="1"/>
-          </p:cNvPicPr>
-          <p:nvPr/>
-        </p:nvPicPr>
-        <p:blipFill>
-          <a:blip r:embed="rId3">
-            <a:extLst>
-              <a:ext uri="{28A0092B-C50C-407E-A947-70E740481C1C}">
-                <a14:useLocalDpi xmlns:a14="http://schemas.microsoft.com/office/drawing/2010/main" val="0"/>
-              </a:ext>
-            </a:extLst>
-          </a:blip>
-          <a:srcRect/>
-          <a:stretch>
-            <a:fillRect/>
-          </a:stretch>
-        </p:blipFill>
-        <p:spPr bwMode="auto">
-          <a:xfrm>
-            <a:off x="4270375" y="1737418"/>
-            <a:ext cx="1825625" cy="2116667"/>
-          </a:xfrm>
-          <a:prstGeom prst="rect">
-            <a:avLst/>
-          </a:prstGeom>
-          <a:noFill/>
-          <a:extLst>
-            <a:ext uri="{909E8E84-426E-40DD-AFC4-6F175D3DCCD1}">
-              <a14:hiddenFill xmlns:a14="http://schemas.microsoft.com/office/drawing/2010/main">
-                <a:solidFill>
-                  <a:srgbClr val="FFFFFF"/>
-                </a:solidFill>
-              </a14:hiddenFill>
-            </a:ext>
-          </a:extLst>
-        </p:spPr>
-      </p:pic>
-      <p:sp>
-        <p:nvSpPr>
-          <p:cNvPr id="6" name="TextBox 5">
-            <a:extLst>
-              <a:ext uri="{FF2B5EF4-FFF2-40B4-BE49-F238E27FC236}">
-                <a16:creationId xmlns:a16="http://schemas.microsoft.com/office/drawing/2014/main" id="{3926575E-B118-4408-BDD1-5FAF04B01584}"/>
-              </a:ext>
-            </a:extLst>
-          </p:cNvPr>
-          <p:cNvSpPr txBox="1"/>
-          <p:nvPr/>
-        </p:nvSpPr>
-        <p:spPr>
-          <a:xfrm>
-            <a:off x="7404410" y="1000246"/>
-            <a:ext cx="4404731" cy="4247317"/>
-          </a:xfrm>
-          <a:prstGeom prst="rect">
-            <a:avLst/>
-          </a:prstGeom>
-          <a:noFill/>
-        </p:spPr>
-        <p:txBody>
-          <a:bodyPr wrap="square" rtlCol="0">
-            <a:spAutoFit/>
-          </a:bodyPr>
-          <a:lstStyle/>
-          <a:p>
-            <a:pPr marL="285750" indent="-285750">
-              <a:buFont typeface="Arial" panose="020B0604020202020204" pitchFamily="34" charset="0"/>
-              <a:buChar char="•"/>
-            </a:pPr>
-            <a:r>
-              <a:rPr lang="en-US" sz="1800" b="0" i="0" u="none" strike="noStrike" baseline="0" dirty="0">
-                <a:latin typeface="CMR10"/>
-              </a:rPr>
-              <a:t>Improved based on Kotok-McCarthy by Richard Greenblatt, an expert programmer at the AI Lab at MIT</a:t>
-            </a:r>
-          </a:p>
-          <a:p>
-            <a:pPr marL="285750" indent="-285750">
-              <a:buFont typeface="Arial" panose="020B0604020202020204" pitchFamily="34" charset="0"/>
-              <a:buChar char="•"/>
-            </a:pPr>
-            <a:r>
-              <a:rPr lang="en-US" sz="1800" b="0" i="0" u="none" strike="noStrike" baseline="0" dirty="0">
-                <a:latin typeface="CMR10"/>
-              </a:rPr>
-              <a:t>Author is an expert chess player himself, incorporated excellent heuristics for choosing and evaluating moves.</a:t>
-            </a:r>
-          </a:p>
-          <a:p>
-            <a:endParaRPr lang="en-US" sz="1800" b="0" i="0" u="none" strike="noStrike" baseline="0" dirty="0">
-              <a:latin typeface="CMR10"/>
-            </a:endParaRPr>
-          </a:p>
-          <a:p>
-            <a:pPr marL="285750" indent="-285750">
-              <a:buFont typeface="Arial" panose="020B0604020202020204" pitchFamily="34" charset="0"/>
-              <a:buChar char="•"/>
-            </a:pPr>
-            <a:r>
-              <a:rPr lang="en-US" sz="1800" b="0" i="0" u="none" strike="noStrike" baseline="0" dirty="0">
-                <a:latin typeface="CMR10"/>
-              </a:rPr>
-              <a:t>the first program to play in tournaments against human chess players. 2 wins &amp; 2 draws in 1967</a:t>
-            </a:r>
-          </a:p>
-          <a:p>
-            <a:pPr marL="285750" indent="-285750">
-              <a:buFont typeface="Arial" panose="020B0604020202020204" pitchFamily="34" charset="0"/>
-              <a:buChar char="•"/>
-            </a:pPr>
-            <a:r>
-              <a:rPr lang="en-US" dirty="0">
-                <a:latin typeface="CMR10"/>
-              </a:rPr>
-              <a:t>Amateur human player level, rating 1450 on the U.S Chess federation rating scale.</a:t>
-            </a:r>
-          </a:p>
-          <a:p>
-            <a:pPr marL="285750" indent="-285750">
-              <a:buFont typeface="Arial" panose="020B0604020202020204" pitchFamily="34" charset="0"/>
-              <a:buChar char="•"/>
-            </a:pPr>
-            <a:endParaRPr lang="en-US" dirty="0">
-              <a:latin typeface="CMR10"/>
-            </a:endParaRPr>
-          </a:p>
-          <a:p>
-            <a:endParaRPr lang="en-US" dirty="0">
-              <a:latin typeface="CMR10"/>
-            </a:endParaRPr>
-          </a:p>
-          <a:p>
-            <a:pPr marL="285750" indent="-285750">
-              <a:buFont typeface="Arial" panose="020B0604020202020204" pitchFamily="34" charset="0"/>
-              <a:buChar char="•"/>
-            </a:pPr>
-            <a:endParaRPr lang="en-US" dirty="0"/>
+            <a:endParaRPr lang="en-CA" sz="1000"/>
           </a:p>
         </p:txBody>
       </p:sp>
     </p:spTree>
     <p:extLst>
       <p:ext uri="{BB962C8B-B14F-4D97-AF65-F5344CB8AC3E}">
-        <p14:creationId xmlns:p14="http://schemas.microsoft.com/office/powerpoint/2010/main" val="554025116"/>
+        <p14:creationId xmlns:p14="http://schemas.microsoft.com/office/powerpoint/2010/main" val="3204419106"/>
       </p:ext>
     </p:extLst>
   </p:cSld>
@@ -6484,12 +8783,12 @@
           <a:chExt cx="0" cy="0"/>
         </a:xfrm>
       </p:grpSpPr>
-      <p:sp>
-        <p:nvSpPr>
-          <p:cNvPr id="137" name="Rectangle 136">
+      <p:sp useBgFill="1">
+        <p:nvSpPr>
+          <p:cNvPr id="83" name="Rectangle 82">
             <a:extLst>
               <a:ext uri="{FF2B5EF4-FFF2-40B4-BE49-F238E27FC236}">
-                <a16:creationId xmlns:a16="http://schemas.microsoft.com/office/drawing/2014/main" id="{42A5316D-ED2F-4F89-B4B4-8D9240B1A348}"/>
+                <a16:creationId xmlns:a16="http://schemas.microsoft.com/office/drawing/2014/main" id="{F4C0B10B-D2C4-4A54-AFAD-3D27DF88BB37}"/>
               </a:ext>
               <a:ext uri="{C183D7F6-B498-43B3-948B-1728B52AA6E4}">
                 <adec:decorative xmlns:adec="http://schemas.microsoft.com/office/drawing/2017/decorative" val="1"/>
@@ -6510,14 +8809,11 @@
         <p:spPr>
           <a:xfrm>
             <a:off x="0" y="0"/>
-            <a:ext cx="2013557" cy="6858000"/>
+            <a:ext cx="12188952" cy="6858000"/>
           </a:xfrm>
           <a:prstGeom prst="rect">
             <a:avLst/>
           </a:prstGeom>
-          <a:solidFill>
-            <a:srgbClr val="7E665D"/>
-          </a:solidFill>
           <a:ln>
             <a:noFill/>
           </a:ln>
@@ -6542,7 +8838,602 @@
           <a:bodyPr rtlCol="0" anchor="ctr"/>
           <a:lstStyle/>
           <a:p>
-            <a:pPr marL="0" marR="0" lvl="0" indent="0" algn="ctr" defTabSz="914400" rtl="0" eaLnBrk="1" fontAlgn="auto" latinLnBrk="0" hangingPunct="1">
+            <a:pPr algn="ctr"/>
+            <a:endParaRPr lang="en-US"/>
+          </a:p>
+        </p:txBody>
+      </p:sp>
+      <p:grpSp>
+        <p:nvGrpSpPr>
+          <p:cNvPr id="85" name="Group 84">
+            <a:extLst>
+              <a:ext uri="{FF2B5EF4-FFF2-40B4-BE49-F238E27FC236}">
+                <a16:creationId xmlns:a16="http://schemas.microsoft.com/office/drawing/2014/main" id="{B6BADB90-C74B-40D6-86DC-503F65FCE8DC}"/>
+              </a:ext>
+              <a:ext uri="{C183D7F6-B498-43B3-948B-1728B52AA6E4}">
+                <adec:decorative xmlns:adec="http://schemas.microsoft.com/office/drawing/2017/decorative" val="1"/>
+              </a:ext>
+            </a:extLst>
+          </p:cNvPr>
+          <p:cNvGrpSpPr>
+            <a:grpSpLocks noGrp="1" noUngrp="1" noRot="1" noChangeAspect="1" noMove="1" noResize="1"/>
+          </p:cNvGrpSpPr>
+          <p:nvPr>
+            <p:extLst>
+              <p:ext uri="{386F3935-93C4-4BCD-93E2-E3B085C9AB24}">
+                <p16:designElem xmlns:p16="http://schemas.microsoft.com/office/powerpoint/2015/main" val="1"/>
+              </p:ext>
+            </p:extLst>
+          </p:nvPr>
+        </p:nvGrpSpPr>
+        <p:grpSpPr>
+          <a:xfrm>
+            <a:off x="409710" y="635715"/>
+            <a:ext cx="11142208" cy="2482136"/>
+            <a:chOff x="409710" y="635715"/>
+            <a:chExt cx="11142208" cy="2482136"/>
+          </a:xfrm>
+        </p:grpSpPr>
+        <p:sp>
+          <p:nvSpPr>
+            <p:cNvPr id="86" name="Freeform 44">
+              <a:extLst>
+                <a:ext uri="{FF2B5EF4-FFF2-40B4-BE49-F238E27FC236}">
+                  <a16:creationId xmlns:a16="http://schemas.microsoft.com/office/drawing/2014/main" id="{6559431D-1886-4AE0-9B87-9AD2ECAB8439}"/>
+                </a:ext>
+                <a:ext uri="{C183D7F6-B498-43B3-948B-1728B52AA6E4}">
+                  <adec:decorative xmlns:adec="http://schemas.microsoft.com/office/drawing/2017/decorative" val="1"/>
+                </a:ext>
+              </a:extLst>
+            </p:cNvPr>
+            <p:cNvSpPr>
+              <a:spLocks/>
+            </p:cNvSpPr>
+            <p:nvPr>
+              <p:extLst>
+                <p:ext uri="{386F3935-93C4-4BCD-93E2-E3B085C9AB24}">
+                  <p16:designElem xmlns:p16="http://schemas.microsoft.com/office/powerpoint/2015/main" val="1"/>
+                </p:ext>
+              </p:extLst>
+            </p:nvPr>
+          </p:nvSpPr>
+          <p:spPr bwMode="auto">
+            <a:xfrm>
+              <a:off x="11223203" y="635716"/>
+              <a:ext cx="328612" cy="1742360"/>
+            </a:xfrm>
+            <a:custGeom>
+              <a:avLst/>
+              <a:gdLst>
+                <a:gd name="T0" fmla="*/ 207 w 207"/>
+                <a:gd name="T1" fmla="*/ 987 h 1114"/>
+                <a:gd name="T2" fmla="*/ 0 w 207"/>
+                <a:gd name="T3" fmla="*/ 1114 h 1114"/>
+                <a:gd name="T4" fmla="*/ 0 w 207"/>
+                <a:gd name="T5" fmla="*/ 127 h 1114"/>
+                <a:gd name="T6" fmla="*/ 207 w 207"/>
+                <a:gd name="T7" fmla="*/ 0 h 1114"/>
+                <a:gd name="T8" fmla="*/ 207 w 207"/>
+                <a:gd name="T9" fmla="*/ 987 h 1114"/>
+              </a:gdLst>
+              <a:ahLst/>
+              <a:cxnLst>
+                <a:cxn ang="0">
+                  <a:pos x="T0" y="T1"/>
+                </a:cxn>
+                <a:cxn ang="0">
+                  <a:pos x="T2" y="T3"/>
+                </a:cxn>
+                <a:cxn ang="0">
+                  <a:pos x="T4" y="T5"/>
+                </a:cxn>
+                <a:cxn ang="0">
+                  <a:pos x="T6" y="T7"/>
+                </a:cxn>
+                <a:cxn ang="0">
+                  <a:pos x="T8" y="T9"/>
+                </a:cxn>
+              </a:cxnLst>
+              <a:rect l="0" t="0" r="r" b="b"/>
+              <a:pathLst>
+                <a:path w="207" h="1114">
+                  <a:moveTo>
+                    <a:pt x="207" y="987"/>
+                  </a:moveTo>
+                  <a:lnTo>
+                    <a:pt x="0" y="1114"/>
+                  </a:lnTo>
+                  <a:lnTo>
+                    <a:pt x="0" y="127"/>
+                  </a:lnTo>
+                  <a:lnTo>
+                    <a:pt x="207" y="0"/>
+                  </a:lnTo>
+                  <a:lnTo>
+                    <a:pt x="207" y="987"/>
+                  </a:lnTo>
+                  <a:close/>
+                </a:path>
+              </a:pathLst>
+            </a:custGeom>
+            <a:solidFill>
+              <a:schemeClr val="accent1">
+                <a:lumMod val="50000"/>
+              </a:schemeClr>
+            </a:solidFill>
+            <a:ln>
+              <a:noFill/>
+            </a:ln>
+          </p:spPr>
+          <p:txBody>
+            <a:bodyPr vert="horz" wrap="square" lIns="91440" tIns="45720" rIns="91440" bIns="45720" numCol="1" anchor="t" anchorCtr="0" compatLnSpc="1">
+              <a:prstTxWarp prst="textNoShape">
+                <a:avLst/>
+              </a:prstTxWarp>
+            </a:bodyPr>
+            <a:lstStyle/>
+            <a:p>
+              <a:endParaRPr lang="en-US"/>
+            </a:p>
+          </p:txBody>
+        </p:sp>
+        <p:sp>
+          <p:nvSpPr>
+            <p:cNvPr id="87" name="Freeform 45">
+              <a:extLst>
+                <a:ext uri="{FF2B5EF4-FFF2-40B4-BE49-F238E27FC236}">
+                  <a16:creationId xmlns:a16="http://schemas.microsoft.com/office/drawing/2014/main" id="{373850A5-B04A-4FCD-9E73-EE322167FB31}"/>
+                </a:ext>
+                <a:ext uri="{C183D7F6-B498-43B3-948B-1728B52AA6E4}">
+                  <adec:decorative xmlns:adec="http://schemas.microsoft.com/office/drawing/2017/decorative" val="1"/>
+                </a:ext>
+              </a:extLst>
+            </p:cNvPr>
+            <p:cNvSpPr>
+              <a:spLocks/>
+            </p:cNvSpPr>
+            <p:nvPr>
+              <p:extLst>
+                <p:ext uri="{386F3935-93C4-4BCD-93E2-E3B085C9AB24}">
+                  <p16:designElem xmlns:p16="http://schemas.microsoft.com/office/powerpoint/2015/main" val="1"/>
+                </p:ext>
+              </p:extLst>
+            </p:nvPr>
+          </p:nvSpPr>
+          <p:spPr bwMode="auto">
+            <a:xfrm>
+              <a:off x="409710" y="1022350"/>
+              <a:ext cx="709612" cy="2095501"/>
+            </a:xfrm>
+            <a:custGeom>
+              <a:avLst/>
+              <a:gdLst>
+                <a:gd name="T0" fmla="*/ 447 w 447"/>
+                <a:gd name="T1" fmla="*/ 1363 h 1363"/>
+                <a:gd name="T2" fmla="*/ 0 w 447"/>
+                <a:gd name="T3" fmla="*/ 987 h 1363"/>
+                <a:gd name="T4" fmla="*/ 0 w 447"/>
+                <a:gd name="T5" fmla="*/ 0 h 1363"/>
+                <a:gd name="T6" fmla="*/ 447 w 447"/>
+                <a:gd name="T7" fmla="*/ 376 h 1363"/>
+                <a:gd name="T8" fmla="*/ 447 w 447"/>
+                <a:gd name="T9" fmla="*/ 1363 h 1363"/>
+              </a:gdLst>
+              <a:ahLst/>
+              <a:cxnLst>
+                <a:cxn ang="0">
+                  <a:pos x="T0" y="T1"/>
+                </a:cxn>
+                <a:cxn ang="0">
+                  <a:pos x="T2" y="T3"/>
+                </a:cxn>
+                <a:cxn ang="0">
+                  <a:pos x="T4" y="T5"/>
+                </a:cxn>
+                <a:cxn ang="0">
+                  <a:pos x="T6" y="T7"/>
+                </a:cxn>
+                <a:cxn ang="0">
+                  <a:pos x="T8" y="T9"/>
+                </a:cxn>
+              </a:cxnLst>
+              <a:rect l="0" t="0" r="r" b="b"/>
+              <a:pathLst>
+                <a:path w="447" h="1363">
+                  <a:moveTo>
+                    <a:pt x="447" y="1363"/>
+                  </a:moveTo>
+                  <a:lnTo>
+                    <a:pt x="0" y="987"/>
+                  </a:lnTo>
+                  <a:lnTo>
+                    <a:pt x="0" y="0"/>
+                  </a:lnTo>
+                  <a:lnTo>
+                    <a:pt x="447" y="376"/>
+                  </a:lnTo>
+                  <a:lnTo>
+                    <a:pt x="447" y="1363"/>
+                  </a:lnTo>
+                  <a:close/>
+                </a:path>
+              </a:pathLst>
+            </a:custGeom>
+            <a:solidFill>
+              <a:schemeClr val="accent1">
+                <a:lumMod val="50000"/>
+              </a:schemeClr>
+            </a:solidFill>
+            <a:ln>
+              <a:noFill/>
+            </a:ln>
+          </p:spPr>
+          <p:txBody>
+            <a:bodyPr vert="horz" wrap="square" lIns="91440" tIns="45720" rIns="91440" bIns="45720" numCol="1" anchor="t" anchorCtr="0" compatLnSpc="1">
+              <a:prstTxWarp prst="textNoShape">
+                <a:avLst/>
+              </a:prstTxWarp>
+            </a:bodyPr>
+            <a:lstStyle/>
+            <a:p>
+              <a:endParaRPr lang="en-US"/>
+            </a:p>
+          </p:txBody>
+        </p:sp>
+        <p:sp>
+          <p:nvSpPr>
+            <p:cNvPr id="88" name="Freeform 46">
+              <a:extLst>
+                <a:ext uri="{FF2B5EF4-FFF2-40B4-BE49-F238E27FC236}">
+                  <a16:creationId xmlns:a16="http://schemas.microsoft.com/office/drawing/2014/main" id="{82C18C67-80FA-4738-AA53-0AF2419F98E0}"/>
+                </a:ext>
+                <a:ext uri="{C183D7F6-B498-43B3-948B-1728B52AA6E4}">
+                  <adec:decorative xmlns:adec="http://schemas.microsoft.com/office/drawing/2017/decorative" val="1"/>
+                </a:ext>
+              </a:extLst>
+            </p:cNvPr>
+            <p:cNvSpPr>
+              <a:spLocks/>
+            </p:cNvSpPr>
+            <p:nvPr>
+              <p:extLst>
+                <p:ext uri="{386F3935-93C4-4BCD-93E2-E3B085C9AB24}">
+                  <p16:designElem xmlns:p16="http://schemas.microsoft.com/office/powerpoint/2015/main" val="1"/>
+                </p:ext>
+              </p:extLst>
+            </p:nvPr>
+          </p:nvSpPr>
+          <p:spPr bwMode="auto">
+            <a:xfrm>
+              <a:off x="409710" y="837744"/>
+              <a:ext cx="403225" cy="1705431"/>
+            </a:xfrm>
+            <a:custGeom>
+              <a:avLst/>
+              <a:gdLst>
+                <a:gd name="T0" fmla="*/ 254 w 254"/>
+                <a:gd name="T1" fmla="*/ 987 h 1109"/>
+                <a:gd name="T2" fmla="*/ 0 w 254"/>
+                <a:gd name="T3" fmla="*/ 1109 h 1109"/>
+                <a:gd name="T4" fmla="*/ 0 w 254"/>
+                <a:gd name="T5" fmla="*/ 119 h 1109"/>
+                <a:gd name="T6" fmla="*/ 254 w 254"/>
+                <a:gd name="T7" fmla="*/ 0 h 1109"/>
+                <a:gd name="T8" fmla="*/ 254 w 254"/>
+                <a:gd name="T9" fmla="*/ 987 h 1109"/>
+              </a:gdLst>
+              <a:ahLst/>
+              <a:cxnLst>
+                <a:cxn ang="0">
+                  <a:pos x="T0" y="T1"/>
+                </a:cxn>
+                <a:cxn ang="0">
+                  <a:pos x="T2" y="T3"/>
+                </a:cxn>
+                <a:cxn ang="0">
+                  <a:pos x="T4" y="T5"/>
+                </a:cxn>
+                <a:cxn ang="0">
+                  <a:pos x="T6" y="T7"/>
+                </a:cxn>
+                <a:cxn ang="0">
+                  <a:pos x="T8" y="T9"/>
+                </a:cxn>
+              </a:cxnLst>
+              <a:rect l="0" t="0" r="r" b="b"/>
+              <a:pathLst>
+                <a:path w="254" h="1109">
+                  <a:moveTo>
+                    <a:pt x="254" y="987"/>
+                  </a:moveTo>
+                  <a:lnTo>
+                    <a:pt x="0" y="1109"/>
+                  </a:lnTo>
+                  <a:lnTo>
+                    <a:pt x="0" y="119"/>
+                  </a:lnTo>
+                  <a:lnTo>
+                    <a:pt x="254" y="0"/>
+                  </a:lnTo>
+                  <a:lnTo>
+                    <a:pt x="254" y="987"/>
+                  </a:lnTo>
+                  <a:close/>
+                </a:path>
+              </a:pathLst>
+            </a:custGeom>
+            <a:solidFill>
+              <a:schemeClr val="accent1">
+                <a:lumMod val="75000"/>
+              </a:schemeClr>
+            </a:solidFill>
+            <a:ln>
+              <a:noFill/>
+            </a:ln>
+          </p:spPr>
+          <p:txBody>
+            <a:bodyPr vert="horz" wrap="square" lIns="91440" tIns="45720" rIns="91440" bIns="45720" numCol="1" anchor="t" anchorCtr="0" compatLnSpc="1">
+              <a:prstTxWarp prst="textNoShape">
+                <a:avLst/>
+              </a:prstTxWarp>
+            </a:bodyPr>
+            <a:lstStyle/>
+            <a:p>
+              <a:endParaRPr lang="en-US"/>
+            </a:p>
+          </p:txBody>
+        </p:sp>
+        <p:sp>
+          <p:nvSpPr>
+            <p:cNvPr id="89" name="Freeform 47">
+              <a:extLst>
+                <a:ext uri="{FF2B5EF4-FFF2-40B4-BE49-F238E27FC236}">
+                  <a16:creationId xmlns:a16="http://schemas.microsoft.com/office/drawing/2014/main" id="{48543B1A-8BF5-4C63-8404-41B2EA70B33E}"/>
+                </a:ext>
+                <a:ext uri="{C183D7F6-B498-43B3-948B-1728B52AA6E4}">
+                  <adec:decorative xmlns:adec="http://schemas.microsoft.com/office/drawing/2017/decorative" val="1"/>
+                </a:ext>
+              </a:extLst>
+            </p:cNvPr>
+            <p:cNvSpPr>
+              <a:spLocks/>
+            </p:cNvSpPr>
+            <p:nvPr>
+              <p:extLst>
+                <p:ext uri="{386F3935-93C4-4BCD-93E2-E3B085C9AB24}">
+                  <p16:designElem xmlns:p16="http://schemas.microsoft.com/office/powerpoint/2015/main" val="1"/>
+                </p:ext>
+              </p:extLst>
+            </p:nvPr>
+          </p:nvSpPr>
+          <p:spPr bwMode="auto">
+            <a:xfrm>
+              <a:off x="644660" y="640894"/>
+              <a:ext cx="168275" cy="1713195"/>
+            </a:xfrm>
+            <a:custGeom>
+              <a:avLst/>
+              <a:gdLst>
+                <a:gd name="T0" fmla="*/ 106 w 106"/>
+                <a:gd name="T1" fmla="*/ 1114 h 1114"/>
+                <a:gd name="T2" fmla="*/ 0 w 106"/>
+                <a:gd name="T3" fmla="*/ 1005 h 1114"/>
+                <a:gd name="T4" fmla="*/ 0 w 106"/>
+                <a:gd name="T5" fmla="*/ 0 h 1114"/>
+                <a:gd name="T6" fmla="*/ 106 w 106"/>
+                <a:gd name="T7" fmla="*/ 110 h 1114"/>
+                <a:gd name="T8" fmla="*/ 106 w 106"/>
+                <a:gd name="T9" fmla="*/ 1114 h 1114"/>
+              </a:gdLst>
+              <a:ahLst/>
+              <a:cxnLst>
+                <a:cxn ang="0">
+                  <a:pos x="T0" y="T1"/>
+                </a:cxn>
+                <a:cxn ang="0">
+                  <a:pos x="T2" y="T3"/>
+                </a:cxn>
+                <a:cxn ang="0">
+                  <a:pos x="T4" y="T5"/>
+                </a:cxn>
+                <a:cxn ang="0">
+                  <a:pos x="T6" y="T7"/>
+                </a:cxn>
+                <a:cxn ang="0">
+                  <a:pos x="T8" y="T9"/>
+                </a:cxn>
+              </a:cxnLst>
+              <a:rect l="0" t="0" r="r" b="b"/>
+              <a:pathLst>
+                <a:path w="106" h="1114">
+                  <a:moveTo>
+                    <a:pt x="106" y="1114"/>
+                  </a:moveTo>
+                  <a:lnTo>
+                    <a:pt x="0" y="1005"/>
+                  </a:lnTo>
+                  <a:lnTo>
+                    <a:pt x="0" y="0"/>
+                  </a:lnTo>
+                  <a:lnTo>
+                    <a:pt x="106" y="110"/>
+                  </a:lnTo>
+                  <a:lnTo>
+                    <a:pt x="106" y="1114"/>
+                  </a:lnTo>
+                  <a:close/>
+                </a:path>
+              </a:pathLst>
+            </a:custGeom>
+            <a:solidFill>
+              <a:schemeClr val="accent1">
+                <a:lumMod val="50000"/>
+              </a:schemeClr>
+            </a:solidFill>
+            <a:ln>
+              <a:noFill/>
+            </a:ln>
+          </p:spPr>
+          <p:txBody>
+            <a:bodyPr vert="horz" wrap="square" lIns="91440" tIns="45720" rIns="91440" bIns="45720" numCol="1" anchor="t" anchorCtr="0" compatLnSpc="1">
+              <a:prstTxWarp prst="textNoShape">
+                <a:avLst/>
+              </a:prstTxWarp>
+            </a:bodyPr>
+            <a:lstStyle/>
+            <a:p>
+              <a:endParaRPr lang="en-US"/>
+            </a:p>
+          </p:txBody>
+        </p:sp>
+        <p:sp>
+          <p:nvSpPr>
+            <p:cNvPr id="90" name="Rectangle 89">
+              <a:extLst>
+                <a:ext uri="{FF2B5EF4-FFF2-40B4-BE49-F238E27FC236}">
+                  <a16:creationId xmlns:a16="http://schemas.microsoft.com/office/drawing/2014/main" id="{92DF5096-E051-498C-A3ED-CBA77A813AAC}"/>
+                </a:ext>
+                <a:ext uri="{C183D7F6-B498-43B3-948B-1728B52AA6E4}">
+                  <adec:decorative xmlns:adec="http://schemas.microsoft.com/office/drawing/2017/decorative" val="1"/>
+                </a:ext>
+              </a:extLst>
+            </p:cNvPr>
+            <p:cNvSpPr>
+              <a:spLocks noChangeArrowheads="1"/>
+            </p:cNvSpPr>
+            <p:nvPr>
+              <p:extLst>
+                <p:ext uri="{386F3935-93C4-4BCD-93E2-E3B085C9AB24}">
+                  <p16:designElem xmlns:p16="http://schemas.microsoft.com/office/powerpoint/2015/main" val="1"/>
+                </p:ext>
+              </p:extLst>
+            </p:nvPr>
+          </p:nvSpPr>
+          <p:spPr bwMode="auto">
+            <a:xfrm>
+              <a:off x="644055" y="635715"/>
+              <a:ext cx="10907863" cy="1541457"/>
+            </a:xfrm>
+            <a:prstGeom prst="rect">
+              <a:avLst/>
+            </a:prstGeom>
+            <a:solidFill>
+              <a:schemeClr val="accent1"/>
+            </a:solidFill>
+            <a:ln>
+              <a:noFill/>
+            </a:ln>
+          </p:spPr>
+          <p:txBody>
+            <a:bodyPr vert="horz" wrap="square" lIns="91440" tIns="45720" rIns="91440" bIns="45720" numCol="1" anchor="t" anchorCtr="0" compatLnSpc="1">
+              <a:prstTxWarp prst="textNoShape">
+                <a:avLst/>
+              </a:prstTxWarp>
+            </a:bodyPr>
+            <a:lstStyle/>
+            <a:p>
+              <a:endParaRPr lang="en-US"/>
+            </a:p>
+          </p:txBody>
+        </p:sp>
+      </p:grpSp>
+      <p:sp>
+        <p:nvSpPr>
+          <p:cNvPr id="2" name="Title 1"/>
+          <p:cNvSpPr>
+            <a:spLocks noGrp="1"/>
+          </p:cNvSpPr>
+          <p:nvPr>
+            <p:ph type="title"/>
+          </p:nvPr>
+        </p:nvSpPr>
+        <p:spPr>
+          <a:xfrm>
+            <a:off x="1047280" y="759805"/>
+            <a:ext cx="10306520" cy="1325563"/>
+          </a:xfrm>
+        </p:spPr>
+        <p:txBody>
+          <a:bodyPr>
+            <a:normAutofit/>
+          </a:bodyPr>
+          <a:lstStyle/>
+          <a:p>
+            <a:r>
+              <a:rPr lang="en-US" sz="4000" dirty="0">
+                <a:solidFill>
+                  <a:srgbClr val="FFFFFF"/>
+                </a:solidFill>
+              </a:rPr>
+              <a:t>Pluribus</a:t>
+            </a:r>
+            <a:r>
+              <a:rPr lang="en-US" sz="1600" b="0" i="0" dirty="0">
+                <a:solidFill>
+                  <a:srgbClr val="333333"/>
+                </a:solidFill>
+                <a:effectLst/>
+                <a:latin typeface="Helvetica Neue"/>
+              </a:rPr>
+              <a:t> </a:t>
+            </a:r>
+            <a:r>
+              <a:rPr lang="en-US" sz="4000" dirty="0">
+                <a:solidFill>
+                  <a:srgbClr val="FFFFFF"/>
+                </a:solidFill>
+              </a:rPr>
+              <a:t>2019</a:t>
+            </a:r>
+            <a:r>
+              <a:rPr lang="en-US" sz="800" b="0" i="0" dirty="0">
+                <a:solidFill>
+                  <a:srgbClr val="333333"/>
+                </a:solidFill>
+                <a:effectLst/>
+                <a:latin typeface="Helvetica Neue"/>
+              </a:rPr>
+              <a:t> </a:t>
+            </a:r>
+            <a:r>
+              <a:rPr lang="en-US" sz="4000" dirty="0">
+                <a:solidFill>
+                  <a:srgbClr val="FFFFFF"/>
+                </a:solidFill>
+              </a:rPr>
+              <a:t>- beats leading professionals </a:t>
+            </a:r>
+            <a:endParaRPr lang="en-CA" sz="4000" dirty="0">
+              <a:solidFill>
+                <a:srgbClr val="FFFFFF"/>
+              </a:solidFill>
+            </a:endParaRPr>
+          </a:p>
+        </p:txBody>
+      </p:sp>
+      <p:sp>
+        <p:nvSpPr>
+          <p:cNvPr id="4" name="Content Placeholder 2"/>
+          <p:cNvSpPr>
+            <a:spLocks noGrp="1"/>
+          </p:cNvSpPr>
+          <p:nvPr>
+            <p:ph idx="1"/>
+          </p:nvPr>
+        </p:nvSpPr>
+        <p:spPr>
+          <a:xfrm>
+            <a:off x="1424904" y="2494450"/>
+            <a:ext cx="4053545" cy="3563159"/>
+          </a:xfrm>
+        </p:spPr>
+        <p:txBody>
+          <a:bodyPr>
+            <a:normAutofit/>
+          </a:bodyPr>
+          <a:lstStyle/>
+          <a:p>
+            <a:pPr marL="0" marR="0" lvl="0" indent="0" algn="l" defTabSz="914400" rtl="0" eaLnBrk="1" fontAlgn="auto" latinLnBrk="0" hangingPunct="1">
               <a:lnSpc>
                 <a:spcPct val="100000"/>
               </a:lnSpc>
@@ -6559,61 +9450,112 @@
               <a:tabLst/>
               <a:defRPr/>
             </a:pPr>
-            <a:endParaRPr kumimoji="0" lang="en-US" sz="1800" b="0" i="0" u="none" strike="noStrike" kern="1200" cap="none" spc="0" normalizeH="0" baseline="0" noProof="0">
-              <a:ln>
-                <a:noFill/>
-              </a:ln>
+            <a:r>
+              <a:rPr lang="en-US" sz="2400" b="0" i="0" dirty="0">
+                <a:solidFill>
+                  <a:srgbClr val="333333"/>
+                </a:solidFill>
+                <a:effectLst/>
+                <a:latin typeface="Helvetica Neue"/>
+              </a:rPr>
+              <a:t>Darren Elias, who holds the record for most World Poker Tour titles</a:t>
+            </a:r>
+          </a:p>
+          <a:p>
+            <a:pPr marL="0" marR="0" lvl="0" indent="0" algn="l" defTabSz="914400" rtl="0" eaLnBrk="1" fontAlgn="auto" latinLnBrk="0" hangingPunct="1">
+              <a:lnSpc>
+                <a:spcPct val="100000"/>
+              </a:lnSpc>
+              <a:spcBef>
+                <a:spcPts val="0"/>
+              </a:spcBef>
+              <a:spcAft>
+                <a:spcPts val="0"/>
+              </a:spcAft>
+              <a:buClrTx/>
+              <a:buSzTx/>
+              <a:buFontTx/>
+              <a:buNone/>
+              <a:tabLst/>
+              <a:defRPr/>
+            </a:pPr>
+            <a:r>
+              <a:rPr lang="en-US" sz="2400" b="0" i="0" dirty="0">
+                <a:solidFill>
+                  <a:srgbClr val="333333"/>
+                </a:solidFill>
+                <a:effectLst/>
+                <a:latin typeface="Helvetica Neue"/>
+              </a:rPr>
+              <a:t>Chris "Jesus" Ferguson, winner of six World Series of Poker events</a:t>
+            </a:r>
+          </a:p>
+          <a:p>
+            <a:pPr marL="0" marR="0" lvl="0" indent="0" algn="l" defTabSz="914400" rtl="0" eaLnBrk="1" fontAlgn="auto" latinLnBrk="0" hangingPunct="1">
+              <a:lnSpc>
+                <a:spcPct val="100000"/>
+              </a:lnSpc>
+              <a:spcBef>
+                <a:spcPts val="0"/>
+              </a:spcBef>
+              <a:spcAft>
+                <a:spcPts val="0"/>
+              </a:spcAft>
+              <a:buClrTx/>
+              <a:buSzTx/>
+              <a:buFontTx/>
+              <a:buNone/>
+              <a:tabLst/>
+              <a:defRPr/>
+            </a:pPr>
+            <a:r>
+              <a:rPr lang="en-US" sz="2400" dirty="0">
+                <a:solidFill>
+                  <a:srgbClr val="333333"/>
+                </a:solidFill>
+                <a:latin typeface="Helvetica Neue"/>
+              </a:rPr>
+              <a:t>5,000 hands</a:t>
+            </a:r>
+            <a:endParaRPr lang="en-US" sz="2400" b="0" i="0" dirty="0">
               <a:solidFill>
-                <a:prstClr val="white"/>
+                <a:srgbClr val="333333"/>
               </a:solidFill>
               <a:effectLst/>
-              <a:uLnTx/>
-              <a:uFillTx/>
-              <a:latin typeface="Calibri" panose="020F0502020204030204"/>
-              <a:ea typeface="+mn-ea"/>
-              <a:cs typeface="+mn-cs"/>
+              <a:latin typeface="Helvetica Neue"/>
             </a:endParaRPr>
           </a:p>
         </p:txBody>
       </p:sp>
-      <p:sp>
-        <p:nvSpPr>
-          <p:cNvPr id="4" name="Content Placeholder 2"/>
-          <p:cNvSpPr>
-            <a:spLocks noGrp="1"/>
-          </p:cNvSpPr>
-          <p:nvPr>
-            <p:ph idx="1"/>
-          </p:nvPr>
-        </p:nvSpPr>
+      <p:pic>
+        <p:nvPicPr>
+          <p:cNvPr id="6" name="Picture 5">
+            <a:extLst>
+              <a:ext uri="{FF2B5EF4-FFF2-40B4-BE49-F238E27FC236}">
+                <a16:creationId xmlns:a16="http://schemas.microsoft.com/office/drawing/2014/main" id="{26D74681-3E39-4445-B8F0-D2062BDFF83C}"/>
+              </a:ext>
+            </a:extLst>
+          </p:cNvPr>
+          <p:cNvPicPr>
+            <a:picLocks noChangeAspect="1"/>
+          </p:cNvPicPr>
+          <p:nvPr/>
+        </p:nvPicPr>
+        <p:blipFill rotWithShape="1">
+          <a:blip r:embed="rId3"/>
+          <a:srcRect l="26654" r="12026"/>
+          <a:stretch/>
+        </p:blipFill>
         <p:spPr>
           <a:xfrm>
-            <a:off x="4038600" y="4884873"/>
-            <a:ext cx="7188199" cy="1292090"/>
+            <a:off x="6098892" y="2492376"/>
+            <a:ext cx="4802404" cy="3563372"/>
           </a:xfrm>
+          <a:prstGeom prst="rect">
+            <a:avLst/>
+          </a:prstGeom>
         </p:spPr>
-        <p:txBody>
-          <a:bodyPr>
-            <a:normAutofit/>
-          </a:bodyPr>
-          <a:lstStyle/>
-          <a:p>
-            <a:pPr marL="0" indent="0">
-              <a:buNone/>
-            </a:pPr>
-            <a:endParaRPr lang="en-US" sz="1800" b="0" i="0">
-              <a:effectLst/>
-              <a:latin typeface="Arial" panose="020B0604020202020204" pitchFamily="34" charset="0"/>
-            </a:endParaRPr>
-          </a:p>
-          <a:p>
-            <a:pPr marL="0" indent="0">
-              <a:buNone/>
-            </a:pPr>
-            <a:endParaRPr lang="en-US" sz="1800"/>
-          </a:p>
-        </p:txBody>
-      </p:sp>
+      </p:pic>
       <p:sp>
         <p:nvSpPr>
           <p:cNvPr id="3" name="Slide Number Placeholder 2"/>
@@ -6626,8 +9568,8 @@
         </p:nvSpPr>
         <p:spPr>
           <a:xfrm>
-            <a:off x="9884978" y="6356350"/>
-            <a:ext cx="1468821" cy="365125"/>
+            <a:off x="10707624" y="6382512"/>
+            <a:ext cx="685800" cy="320040"/>
           </a:xfrm>
         </p:spPr>
         <p:txBody>
@@ -6642,13 +9584,7 @@
               </a:spcAft>
             </a:pPr>
             <a:fld id="{4292D9D0-E695-4D04-8152-0C0E77A81AC1}" type="slidenum">
-              <a:rPr lang="en-CA">
-                <a:solidFill>
-                  <a:prstClr val="black">
-                    <a:tint val="75000"/>
-                  </a:prstClr>
-                </a:solidFill>
-              </a:rPr>
+              <a:rPr lang="en-CA" sz="1000"/>
               <a:pPr>
                 <a:spcAft>
                   <a:spcPts val="600"/>
@@ -6656,152 +9592,14 @@
               </a:pPr>
               <a:t>6</a:t>
             </a:fld>
-            <a:endParaRPr lang="en-CA">
-              <a:solidFill>
-                <a:prstClr val="black">
-                  <a:tint val="75000"/>
-                </a:prstClr>
-              </a:solidFill>
-            </a:endParaRPr>
-          </a:p>
-        </p:txBody>
-      </p:sp>
-      <p:sp>
-        <p:nvSpPr>
-          <p:cNvPr id="5" name="TextBox 4"/>
-          <p:cNvSpPr txBox="1"/>
-          <p:nvPr/>
-        </p:nvSpPr>
-        <p:spPr>
-          <a:xfrm>
-            <a:off x="1560745" y="1000246"/>
-            <a:ext cx="2971800" cy="400110"/>
-          </a:xfrm>
-          <a:prstGeom prst="rect">
-            <a:avLst/>
-          </a:prstGeom>
-          <a:noFill/>
-        </p:spPr>
-        <p:txBody>
-          <a:bodyPr wrap="square" rtlCol="0">
-            <a:spAutoFit/>
-          </a:bodyPr>
-          <a:lstStyle/>
-          <a:p>
-            <a:endParaRPr lang="en-US" sz="2000" dirty="0"/>
-          </a:p>
-        </p:txBody>
-      </p:sp>
-      <p:sp>
-        <p:nvSpPr>
-          <p:cNvPr id="6" name="TextBox 5">
-            <a:extLst>
-              <a:ext uri="{FF2B5EF4-FFF2-40B4-BE49-F238E27FC236}">
-                <a16:creationId xmlns:a16="http://schemas.microsoft.com/office/drawing/2014/main" id="{3926575E-B118-4408-BDD1-5FAF04B01584}"/>
-              </a:ext>
-            </a:extLst>
-          </p:cNvPr>
-          <p:cNvSpPr txBox="1"/>
-          <p:nvPr/>
-        </p:nvSpPr>
-        <p:spPr>
-          <a:xfrm>
-            <a:off x="2531326" y="1072692"/>
-            <a:ext cx="8419171" cy="1477328"/>
-          </a:xfrm>
-          <a:prstGeom prst="rect">
-            <a:avLst/>
-          </a:prstGeom>
-          <a:noFill/>
-        </p:spPr>
-        <p:txBody>
-          <a:bodyPr wrap="square" rtlCol="0">
-            <a:spAutoFit/>
-          </a:bodyPr>
-          <a:lstStyle/>
-          <a:p>
-            <a:pPr marL="285750" indent="-285750" algn="l">
-              <a:buFont typeface="Arial" panose="020B0604020202020204" pitchFamily="34" charset="0"/>
-              <a:buChar char="•"/>
-            </a:pPr>
-            <a:r>
-              <a:rPr lang="en-US" sz="1800" b="0" i="0" u="none" strike="noStrike" baseline="0" dirty="0">
-                <a:latin typeface="CMR10"/>
-              </a:rPr>
-              <a:t>first Association for Computing Machinery's computer chess tournament (computers against computers) in New York in 1970 – Winner is CHESS 3.0</a:t>
-            </a:r>
-          </a:p>
-          <a:p>
-            <a:pPr marL="285750" indent="-285750" algn="l">
-              <a:buFont typeface="Arial" panose="020B0604020202020204" pitchFamily="34" charset="0"/>
-              <a:buChar char="•"/>
-            </a:pPr>
-            <a:r>
-              <a:rPr lang="en-US" sz="1800" b="0" i="0" u="none" strike="noStrike" baseline="0" dirty="0">
-                <a:latin typeface="CMSS9"/>
-              </a:rPr>
-              <a:t>CHESS 4.2 </a:t>
-            </a:r>
-            <a:r>
-              <a:rPr lang="en-US" sz="1800" b="0" i="0" u="none" strike="noStrike" baseline="0" dirty="0">
-                <a:latin typeface="CMR10"/>
-              </a:rPr>
-              <a:t>was beaten in an early round of the first World Computer Chess Championship tournament in 1974, winner and the world computer chess champion is </a:t>
-            </a:r>
-            <a:r>
-              <a:rPr lang="en-US" sz="1800" b="0" i="0" u="none" strike="noStrike" baseline="0" dirty="0" err="1">
-                <a:latin typeface="CMR10"/>
-              </a:rPr>
-              <a:t>Kaissa</a:t>
-            </a:r>
-            <a:r>
-              <a:rPr lang="en-US" sz="1800" b="0" i="0" u="none" strike="noStrike" baseline="0" dirty="0">
-                <a:latin typeface="CMR10"/>
-              </a:rPr>
-              <a:t>, </a:t>
-            </a:r>
-            <a:r>
-              <a:rPr lang="en-US" dirty="0">
-                <a:latin typeface="CMR10"/>
-              </a:rPr>
-              <a:t>whose forerunner is the Soviet program.</a:t>
-            </a:r>
-            <a:endParaRPr lang="en-US" dirty="0"/>
-          </a:p>
-        </p:txBody>
-      </p:sp>
-      <p:sp>
-        <p:nvSpPr>
-          <p:cNvPr id="8" name="Title 7">
-            <a:extLst>
-              <a:ext uri="{FF2B5EF4-FFF2-40B4-BE49-F238E27FC236}">
-                <a16:creationId xmlns:a16="http://schemas.microsoft.com/office/drawing/2014/main" id="{DD8DEE03-2E74-4F00-993E-47AE4FEDD629}"/>
-              </a:ext>
-            </a:extLst>
-          </p:cNvPr>
-          <p:cNvSpPr>
-            <a:spLocks noGrp="1"/>
-          </p:cNvSpPr>
-          <p:nvPr>
-            <p:ph type="title"/>
-          </p:nvPr>
-        </p:nvSpPr>
-        <p:spPr/>
-        <p:txBody>
-          <a:bodyPr/>
-          <a:lstStyle/>
-          <a:p>
-            <a:r>
-              <a:rPr lang="en-US" dirty="0"/>
-              <a:t>		Matches around 1970</a:t>
-            </a:r>
+            <a:endParaRPr lang="en-CA" sz="1000"/>
           </a:p>
         </p:txBody>
       </p:sp>
     </p:spTree>
     <p:extLst>
       <p:ext uri="{BB962C8B-B14F-4D97-AF65-F5344CB8AC3E}">
-        <p14:creationId xmlns:p14="http://schemas.microsoft.com/office/powerpoint/2010/main" val="2728083938"/>
+        <p14:creationId xmlns:p14="http://schemas.microsoft.com/office/powerpoint/2010/main" val="3817495974"/>
       </p:ext>
     </p:extLst>
   </p:cSld>
@@ -6814,6 +9612,14 @@
 <file path=ppt/slides/slide7.xml><?xml version="1.0" encoding="utf-8"?>
 <p:sld xmlns:a="http://schemas.openxmlformats.org/drawingml/2006/main" xmlns:r="http://schemas.openxmlformats.org/officeDocument/2006/relationships" xmlns:p="http://schemas.openxmlformats.org/presentationml/2006/main">
   <p:cSld>
+    <p:bg>
+      <p:bgPr>
+        <a:solidFill>
+          <a:schemeClr val="bg1"/>
+        </a:solidFill>
+        <a:effectLst/>
+      </p:bgPr>
+    </p:bg>
     <p:spTree>
       <p:nvGrpSpPr>
         <p:cNvPr id="1" name=""/>
@@ -6828,6 +9634,560 @@
           <a:chExt cx="0" cy="0"/>
         </a:xfrm>
       </p:grpSpPr>
+      <p:sp useBgFill="1">
+        <p:nvSpPr>
+          <p:cNvPr id="135" name="Rectangle 134">
+            <a:extLst>
+              <a:ext uri="{FF2B5EF4-FFF2-40B4-BE49-F238E27FC236}">
+                <a16:creationId xmlns:a16="http://schemas.microsoft.com/office/drawing/2014/main" id="{F4C0B10B-D2C4-4A54-AFAD-3D27DF88BB37}"/>
+              </a:ext>
+              <a:ext uri="{C183D7F6-B498-43B3-948B-1728B52AA6E4}">
+                <adec:decorative xmlns:adec="http://schemas.microsoft.com/office/drawing/2017/decorative" val="1"/>
+              </a:ext>
+            </a:extLst>
+          </p:cNvPr>
+          <p:cNvSpPr>
+            <a:spLocks noGrp="1" noRot="1" noChangeAspect="1" noMove="1" noResize="1" noEditPoints="1" noAdjustHandles="1" noChangeArrowheads="1" noChangeShapeType="1" noTextEdit="1"/>
+          </p:cNvSpPr>
+          <p:nvPr>
+            <p:extLst>
+              <p:ext uri="{386F3935-93C4-4BCD-93E2-E3B085C9AB24}">
+                <p16:designElem xmlns:p16="http://schemas.microsoft.com/office/powerpoint/2015/main" val="1"/>
+              </p:ext>
+            </p:extLst>
+          </p:nvPr>
+        </p:nvSpPr>
+        <p:spPr>
+          <a:xfrm>
+            <a:off x="0" y="0"/>
+            <a:ext cx="12188952" cy="6858000"/>
+          </a:xfrm>
+          <a:prstGeom prst="rect">
+            <a:avLst/>
+          </a:prstGeom>
+          <a:ln>
+            <a:noFill/>
+          </a:ln>
+        </p:spPr>
+        <p:style>
+          <a:lnRef idx="2">
+            <a:schemeClr val="accent1">
+              <a:shade val="50000"/>
+            </a:schemeClr>
+          </a:lnRef>
+          <a:fillRef idx="1">
+            <a:schemeClr val="accent1"/>
+          </a:fillRef>
+          <a:effectRef idx="0">
+            <a:schemeClr val="accent1"/>
+          </a:effectRef>
+          <a:fontRef idx="minor">
+            <a:schemeClr val="lt1"/>
+          </a:fontRef>
+        </p:style>
+        <p:txBody>
+          <a:bodyPr rtlCol="0" anchor="ctr"/>
+          <a:lstStyle/>
+          <a:p>
+            <a:pPr algn="ctr"/>
+            <a:endParaRPr lang="en-US"/>
+          </a:p>
+        </p:txBody>
+      </p:sp>
+      <p:grpSp>
+        <p:nvGrpSpPr>
+          <p:cNvPr id="137" name="Group 136">
+            <a:extLst>
+              <a:ext uri="{FF2B5EF4-FFF2-40B4-BE49-F238E27FC236}">
+                <a16:creationId xmlns:a16="http://schemas.microsoft.com/office/drawing/2014/main" id="{B6BADB90-C74B-40D6-86DC-503F65FCE8DC}"/>
+              </a:ext>
+              <a:ext uri="{C183D7F6-B498-43B3-948B-1728B52AA6E4}">
+                <adec:decorative xmlns:adec="http://schemas.microsoft.com/office/drawing/2017/decorative" val="1"/>
+              </a:ext>
+            </a:extLst>
+          </p:cNvPr>
+          <p:cNvGrpSpPr>
+            <a:grpSpLocks noGrp="1" noUngrp="1" noRot="1" noChangeAspect="1" noMove="1" noResize="1"/>
+          </p:cNvGrpSpPr>
+          <p:nvPr>
+            <p:extLst>
+              <p:ext uri="{386F3935-93C4-4BCD-93E2-E3B085C9AB24}">
+                <p16:designElem xmlns:p16="http://schemas.microsoft.com/office/powerpoint/2015/main" val="1"/>
+              </p:ext>
+            </p:extLst>
+          </p:nvPr>
+        </p:nvGrpSpPr>
+        <p:grpSpPr>
+          <a:xfrm>
+            <a:off x="409710" y="635715"/>
+            <a:ext cx="11142208" cy="2482136"/>
+            <a:chOff x="409710" y="635715"/>
+            <a:chExt cx="11142208" cy="2482136"/>
+          </a:xfrm>
+        </p:grpSpPr>
+        <p:sp>
+          <p:nvSpPr>
+            <p:cNvPr id="138" name="Freeform 44">
+              <a:extLst>
+                <a:ext uri="{FF2B5EF4-FFF2-40B4-BE49-F238E27FC236}">
+                  <a16:creationId xmlns:a16="http://schemas.microsoft.com/office/drawing/2014/main" id="{6559431D-1886-4AE0-9B87-9AD2ECAB8439}"/>
+                </a:ext>
+                <a:ext uri="{C183D7F6-B498-43B3-948B-1728B52AA6E4}">
+                  <adec:decorative xmlns:adec="http://schemas.microsoft.com/office/drawing/2017/decorative" val="1"/>
+                </a:ext>
+              </a:extLst>
+            </p:cNvPr>
+            <p:cNvSpPr>
+              <a:spLocks/>
+            </p:cNvSpPr>
+            <p:nvPr>
+              <p:extLst>
+                <p:ext uri="{386F3935-93C4-4BCD-93E2-E3B085C9AB24}">
+                  <p16:designElem xmlns:p16="http://schemas.microsoft.com/office/powerpoint/2015/main" val="1"/>
+                </p:ext>
+              </p:extLst>
+            </p:nvPr>
+          </p:nvSpPr>
+          <p:spPr bwMode="auto">
+            <a:xfrm>
+              <a:off x="11223203" y="635716"/>
+              <a:ext cx="328612" cy="1742360"/>
+            </a:xfrm>
+            <a:custGeom>
+              <a:avLst/>
+              <a:gdLst>
+                <a:gd name="T0" fmla="*/ 207 w 207"/>
+                <a:gd name="T1" fmla="*/ 987 h 1114"/>
+                <a:gd name="T2" fmla="*/ 0 w 207"/>
+                <a:gd name="T3" fmla="*/ 1114 h 1114"/>
+                <a:gd name="T4" fmla="*/ 0 w 207"/>
+                <a:gd name="T5" fmla="*/ 127 h 1114"/>
+                <a:gd name="T6" fmla="*/ 207 w 207"/>
+                <a:gd name="T7" fmla="*/ 0 h 1114"/>
+                <a:gd name="T8" fmla="*/ 207 w 207"/>
+                <a:gd name="T9" fmla="*/ 987 h 1114"/>
+              </a:gdLst>
+              <a:ahLst/>
+              <a:cxnLst>
+                <a:cxn ang="0">
+                  <a:pos x="T0" y="T1"/>
+                </a:cxn>
+                <a:cxn ang="0">
+                  <a:pos x="T2" y="T3"/>
+                </a:cxn>
+                <a:cxn ang="0">
+                  <a:pos x="T4" y="T5"/>
+                </a:cxn>
+                <a:cxn ang="0">
+                  <a:pos x="T6" y="T7"/>
+                </a:cxn>
+                <a:cxn ang="0">
+                  <a:pos x="T8" y="T9"/>
+                </a:cxn>
+              </a:cxnLst>
+              <a:rect l="0" t="0" r="r" b="b"/>
+              <a:pathLst>
+                <a:path w="207" h="1114">
+                  <a:moveTo>
+                    <a:pt x="207" y="987"/>
+                  </a:moveTo>
+                  <a:lnTo>
+                    <a:pt x="0" y="1114"/>
+                  </a:lnTo>
+                  <a:lnTo>
+                    <a:pt x="0" y="127"/>
+                  </a:lnTo>
+                  <a:lnTo>
+                    <a:pt x="207" y="0"/>
+                  </a:lnTo>
+                  <a:lnTo>
+                    <a:pt x="207" y="987"/>
+                  </a:lnTo>
+                  <a:close/>
+                </a:path>
+              </a:pathLst>
+            </a:custGeom>
+            <a:solidFill>
+              <a:schemeClr val="accent1">
+                <a:lumMod val="50000"/>
+              </a:schemeClr>
+            </a:solidFill>
+            <a:ln>
+              <a:noFill/>
+            </a:ln>
+          </p:spPr>
+          <p:txBody>
+            <a:bodyPr vert="horz" wrap="square" lIns="91440" tIns="45720" rIns="91440" bIns="45720" numCol="1" anchor="t" anchorCtr="0" compatLnSpc="1">
+              <a:prstTxWarp prst="textNoShape">
+                <a:avLst/>
+              </a:prstTxWarp>
+            </a:bodyPr>
+            <a:lstStyle/>
+            <a:p>
+              <a:endParaRPr lang="en-US"/>
+            </a:p>
+          </p:txBody>
+        </p:sp>
+        <p:sp>
+          <p:nvSpPr>
+            <p:cNvPr id="139" name="Freeform 45">
+              <a:extLst>
+                <a:ext uri="{FF2B5EF4-FFF2-40B4-BE49-F238E27FC236}">
+                  <a16:creationId xmlns:a16="http://schemas.microsoft.com/office/drawing/2014/main" id="{373850A5-B04A-4FCD-9E73-EE322167FB31}"/>
+                </a:ext>
+                <a:ext uri="{C183D7F6-B498-43B3-948B-1728B52AA6E4}">
+                  <adec:decorative xmlns:adec="http://schemas.microsoft.com/office/drawing/2017/decorative" val="1"/>
+                </a:ext>
+              </a:extLst>
+            </p:cNvPr>
+            <p:cNvSpPr>
+              <a:spLocks/>
+            </p:cNvSpPr>
+            <p:nvPr>
+              <p:extLst>
+                <p:ext uri="{386F3935-93C4-4BCD-93E2-E3B085C9AB24}">
+                  <p16:designElem xmlns:p16="http://schemas.microsoft.com/office/powerpoint/2015/main" val="1"/>
+                </p:ext>
+              </p:extLst>
+            </p:nvPr>
+          </p:nvSpPr>
+          <p:spPr bwMode="auto">
+            <a:xfrm>
+              <a:off x="409710" y="1022350"/>
+              <a:ext cx="709612" cy="2095501"/>
+            </a:xfrm>
+            <a:custGeom>
+              <a:avLst/>
+              <a:gdLst>
+                <a:gd name="T0" fmla="*/ 447 w 447"/>
+                <a:gd name="T1" fmla="*/ 1363 h 1363"/>
+                <a:gd name="T2" fmla="*/ 0 w 447"/>
+                <a:gd name="T3" fmla="*/ 987 h 1363"/>
+                <a:gd name="T4" fmla="*/ 0 w 447"/>
+                <a:gd name="T5" fmla="*/ 0 h 1363"/>
+                <a:gd name="T6" fmla="*/ 447 w 447"/>
+                <a:gd name="T7" fmla="*/ 376 h 1363"/>
+                <a:gd name="T8" fmla="*/ 447 w 447"/>
+                <a:gd name="T9" fmla="*/ 1363 h 1363"/>
+              </a:gdLst>
+              <a:ahLst/>
+              <a:cxnLst>
+                <a:cxn ang="0">
+                  <a:pos x="T0" y="T1"/>
+                </a:cxn>
+                <a:cxn ang="0">
+                  <a:pos x="T2" y="T3"/>
+                </a:cxn>
+                <a:cxn ang="0">
+                  <a:pos x="T4" y="T5"/>
+                </a:cxn>
+                <a:cxn ang="0">
+                  <a:pos x="T6" y="T7"/>
+                </a:cxn>
+                <a:cxn ang="0">
+                  <a:pos x="T8" y="T9"/>
+                </a:cxn>
+              </a:cxnLst>
+              <a:rect l="0" t="0" r="r" b="b"/>
+              <a:pathLst>
+                <a:path w="447" h="1363">
+                  <a:moveTo>
+                    <a:pt x="447" y="1363"/>
+                  </a:moveTo>
+                  <a:lnTo>
+                    <a:pt x="0" y="987"/>
+                  </a:lnTo>
+                  <a:lnTo>
+                    <a:pt x="0" y="0"/>
+                  </a:lnTo>
+                  <a:lnTo>
+                    <a:pt x="447" y="376"/>
+                  </a:lnTo>
+                  <a:lnTo>
+                    <a:pt x="447" y="1363"/>
+                  </a:lnTo>
+                  <a:close/>
+                </a:path>
+              </a:pathLst>
+            </a:custGeom>
+            <a:solidFill>
+              <a:schemeClr val="accent1">
+                <a:lumMod val="50000"/>
+              </a:schemeClr>
+            </a:solidFill>
+            <a:ln>
+              <a:noFill/>
+            </a:ln>
+          </p:spPr>
+          <p:txBody>
+            <a:bodyPr vert="horz" wrap="square" lIns="91440" tIns="45720" rIns="91440" bIns="45720" numCol="1" anchor="t" anchorCtr="0" compatLnSpc="1">
+              <a:prstTxWarp prst="textNoShape">
+                <a:avLst/>
+              </a:prstTxWarp>
+            </a:bodyPr>
+            <a:lstStyle/>
+            <a:p>
+              <a:endParaRPr lang="en-US"/>
+            </a:p>
+          </p:txBody>
+        </p:sp>
+        <p:sp>
+          <p:nvSpPr>
+            <p:cNvPr id="140" name="Freeform 46">
+              <a:extLst>
+                <a:ext uri="{FF2B5EF4-FFF2-40B4-BE49-F238E27FC236}">
+                  <a16:creationId xmlns:a16="http://schemas.microsoft.com/office/drawing/2014/main" id="{82C18C67-80FA-4738-AA53-0AF2419F98E0}"/>
+                </a:ext>
+                <a:ext uri="{C183D7F6-B498-43B3-948B-1728B52AA6E4}">
+                  <adec:decorative xmlns:adec="http://schemas.microsoft.com/office/drawing/2017/decorative" val="1"/>
+                </a:ext>
+              </a:extLst>
+            </p:cNvPr>
+            <p:cNvSpPr>
+              <a:spLocks/>
+            </p:cNvSpPr>
+            <p:nvPr>
+              <p:extLst>
+                <p:ext uri="{386F3935-93C4-4BCD-93E2-E3B085C9AB24}">
+                  <p16:designElem xmlns:p16="http://schemas.microsoft.com/office/powerpoint/2015/main" val="1"/>
+                </p:ext>
+              </p:extLst>
+            </p:nvPr>
+          </p:nvSpPr>
+          <p:spPr bwMode="auto">
+            <a:xfrm>
+              <a:off x="409710" y="837744"/>
+              <a:ext cx="403225" cy="1705431"/>
+            </a:xfrm>
+            <a:custGeom>
+              <a:avLst/>
+              <a:gdLst>
+                <a:gd name="T0" fmla="*/ 254 w 254"/>
+                <a:gd name="T1" fmla="*/ 987 h 1109"/>
+                <a:gd name="T2" fmla="*/ 0 w 254"/>
+                <a:gd name="T3" fmla="*/ 1109 h 1109"/>
+                <a:gd name="T4" fmla="*/ 0 w 254"/>
+                <a:gd name="T5" fmla="*/ 119 h 1109"/>
+                <a:gd name="T6" fmla="*/ 254 w 254"/>
+                <a:gd name="T7" fmla="*/ 0 h 1109"/>
+                <a:gd name="T8" fmla="*/ 254 w 254"/>
+                <a:gd name="T9" fmla="*/ 987 h 1109"/>
+              </a:gdLst>
+              <a:ahLst/>
+              <a:cxnLst>
+                <a:cxn ang="0">
+                  <a:pos x="T0" y="T1"/>
+                </a:cxn>
+                <a:cxn ang="0">
+                  <a:pos x="T2" y="T3"/>
+                </a:cxn>
+                <a:cxn ang="0">
+                  <a:pos x="T4" y="T5"/>
+                </a:cxn>
+                <a:cxn ang="0">
+                  <a:pos x="T6" y="T7"/>
+                </a:cxn>
+                <a:cxn ang="0">
+                  <a:pos x="T8" y="T9"/>
+                </a:cxn>
+              </a:cxnLst>
+              <a:rect l="0" t="0" r="r" b="b"/>
+              <a:pathLst>
+                <a:path w="254" h="1109">
+                  <a:moveTo>
+                    <a:pt x="254" y="987"/>
+                  </a:moveTo>
+                  <a:lnTo>
+                    <a:pt x="0" y="1109"/>
+                  </a:lnTo>
+                  <a:lnTo>
+                    <a:pt x="0" y="119"/>
+                  </a:lnTo>
+                  <a:lnTo>
+                    <a:pt x="254" y="0"/>
+                  </a:lnTo>
+                  <a:lnTo>
+                    <a:pt x="254" y="987"/>
+                  </a:lnTo>
+                  <a:close/>
+                </a:path>
+              </a:pathLst>
+            </a:custGeom>
+            <a:solidFill>
+              <a:schemeClr val="accent1">
+                <a:lumMod val="75000"/>
+              </a:schemeClr>
+            </a:solidFill>
+            <a:ln>
+              <a:noFill/>
+            </a:ln>
+          </p:spPr>
+          <p:txBody>
+            <a:bodyPr vert="horz" wrap="square" lIns="91440" tIns="45720" rIns="91440" bIns="45720" numCol="1" anchor="t" anchorCtr="0" compatLnSpc="1">
+              <a:prstTxWarp prst="textNoShape">
+                <a:avLst/>
+              </a:prstTxWarp>
+            </a:bodyPr>
+            <a:lstStyle/>
+            <a:p>
+              <a:endParaRPr lang="en-US"/>
+            </a:p>
+          </p:txBody>
+        </p:sp>
+        <p:sp>
+          <p:nvSpPr>
+            <p:cNvPr id="141" name="Freeform 47">
+              <a:extLst>
+                <a:ext uri="{FF2B5EF4-FFF2-40B4-BE49-F238E27FC236}">
+                  <a16:creationId xmlns:a16="http://schemas.microsoft.com/office/drawing/2014/main" id="{48543B1A-8BF5-4C63-8404-41B2EA70B33E}"/>
+                </a:ext>
+                <a:ext uri="{C183D7F6-B498-43B3-948B-1728B52AA6E4}">
+                  <adec:decorative xmlns:adec="http://schemas.microsoft.com/office/drawing/2017/decorative" val="1"/>
+                </a:ext>
+              </a:extLst>
+            </p:cNvPr>
+            <p:cNvSpPr>
+              <a:spLocks/>
+            </p:cNvSpPr>
+            <p:nvPr>
+              <p:extLst>
+                <p:ext uri="{386F3935-93C4-4BCD-93E2-E3B085C9AB24}">
+                  <p16:designElem xmlns:p16="http://schemas.microsoft.com/office/powerpoint/2015/main" val="1"/>
+                </p:ext>
+              </p:extLst>
+            </p:nvPr>
+          </p:nvSpPr>
+          <p:spPr bwMode="auto">
+            <a:xfrm>
+              <a:off x="644660" y="640894"/>
+              <a:ext cx="168275" cy="1713195"/>
+            </a:xfrm>
+            <a:custGeom>
+              <a:avLst/>
+              <a:gdLst>
+                <a:gd name="T0" fmla="*/ 106 w 106"/>
+                <a:gd name="T1" fmla="*/ 1114 h 1114"/>
+                <a:gd name="T2" fmla="*/ 0 w 106"/>
+                <a:gd name="T3" fmla="*/ 1005 h 1114"/>
+                <a:gd name="T4" fmla="*/ 0 w 106"/>
+                <a:gd name="T5" fmla="*/ 0 h 1114"/>
+                <a:gd name="T6" fmla="*/ 106 w 106"/>
+                <a:gd name="T7" fmla="*/ 110 h 1114"/>
+                <a:gd name="T8" fmla="*/ 106 w 106"/>
+                <a:gd name="T9" fmla="*/ 1114 h 1114"/>
+              </a:gdLst>
+              <a:ahLst/>
+              <a:cxnLst>
+                <a:cxn ang="0">
+                  <a:pos x="T0" y="T1"/>
+                </a:cxn>
+                <a:cxn ang="0">
+                  <a:pos x="T2" y="T3"/>
+                </a:cxn>
+                <a:cxn ang="0">
+                  <a:pos x="T4" y="T5"/>
+                </a:cxn>
+                <a:cxn ang="0">
+                  <a:pos x="T6" y="T7"/>
+                </a:cxn>
+                <a:cxn ang="0">
+                  <a:pos x="T8" y="T9"/>
+                </a:cxn>
+              </a:cxnLst>
+              <a:rect l="0" t="0" r="r" b="b"/>
+              <a:pathLst>
+                <a:path w="106" h="1114">
+                  <a:moveTo>
+                    <a:pt x="106" y="1114"/>
+                  </a:moveTo>
+                  <a:lnTo>
+                    <a:pt x="0" y="1005"/>
+                  </a:lnTo>
+                  <a:lnTo>
+                    <a:pt x="0" y="0"/>
+                  </a:lnTo>
+                  <a:lnTo>
+                    <a:pt x="106" y="110"/>
+                  </a:lnTo>
+                  <a:lnTo>
+                    <a:pt x="106" y="1114"/>
+                  </a:lnTo>
+                  <a:close/>
+                </a:path>
+              </a:pathLst>
+            </a:custGeom>
+            <a:solidFill>
+              <a:schemeClr val="accent1">
+                <a:lumMod val="50000"/>
+              </a:schemeClr>
+            </a:solidFill>
+            <a:ln>
+              <a:noFill/>
+            </a:ln>
+          </p:spPr>
+          <p:txBody>
+            <a:bodyPr vert="horz" wrap="square" lIns="91440" tIns="45720" rIns="91440" bIns="45720" numCol="1" anchor="t" anchorCtr="0" compatLnSpc="1">
+              <a:prstTxWarp prst="textNoShape">
+                <a:avLst/>
+              </a:prstTxWarp>
+            </a:bodyPr>
+            <a:lstStyle/>
+            <a:p>
+              <a:endParaRPr lang="en-US"/>
+            </a:p>
+          </p:txBody>
+        </p:sp>
+        <p:sp>
+          <p:nvSpPr>
+            <p:cNvPr id="142" name="Rectangle 141">
+              <a:extLst>
+                <a:ext uri="{FF2B5EF4-FFF2-40B4-BE49-F238E27FC236}">
+                  <a16:creationId xmlns:a16="http://schemas.microsoft.com/office/drawing/2014/main" id="{92DF5096-E051-498C-A3ED-CBA77A813AAC}"/>
+                </a:ext>
+                <a:ext uri="{C183D7F6-B498-43B3-948B-1728B52AA6E4}">
+                  <adec:decorative xmlns:adec="http://schemas.microsoft.com/office/drawing/2017/decorative" val="1"/>
+                </a:ext>
+              </a:extLst>
+            </p:cNvPr>
+            <p:cNvSpPr>
+              <a:spLocks noChangeArrowheads="1"/>
+            </p:cNvSpPr>
+            <p:nvPr>
+              <p:extLst>
+                <p:ext uri="{386F3935-93C4-4BCD-93E2-E3B085C9AB24}">
+                  <p16:designElem xmlns:p16="http://schemas.microsoft.com/office/powerpoint/2015/main" val="1"/>
+                </p:ext>
+              </p:extLst>
+            </p:nvPr>
+          </p:nvSpPr>
+          <p:spPr bwMode="auto">
+            <a:xfrm>
+              <a:off x="644055" y="635715"/>
+              <a:ext cx="10907863" cy="1541457"/>
+            </a:xfrm>
+            <a:prstGeom prst="rect">
+              <a:avLst/>
+            </a:prstGeom>
+            <a:solidFill>
+              <a:schemeClr val="accent1"/>
+            </a:solidFill>
+            <a:ln>
+              <a:noFill/>
+            </a:ln>
+          </p:spPr>
+          <p:txBody>
+            <a:bodyPr vert="horz" wrap="square" lIns="91440" tIns="45720" rIns="91440" bIns="45720" numCol="1" anchor="t" anchorCtr="0" compatLnSpc="1">
+              <a:prstTxWarp prst="textNoShape">
+                <a:avLst/>
+              </a:prstTxWarp>
+            </a:bodyPr>
+            <a:lstStyle/>
+            <a:p>
+              <a:endParaRPr lang="en-US"/>
+            </a:p>
+          </p:txBody>
+        </p:sp>
+      </p:grpSp>
       <p:sp>
         <p:nvSpPr>
           <p:cNvPr id="2" name="Title 1"/>
@@ -6838,142 +10198,198 @@
             <p:ph type="title"/>
           </p:nvPr>
         </p:nvSpPr>
-        <p:spPr/>
-        <p:txBody>
-          <a:bodyPr/>
-          <a:lstStyle/>
-          <a:p>
-            <a:r>
-              <a:rPr lang="en-US" dirty="0"/>
-              <a:t>Chapter 14  –  Game Playing</a:t>
-            </a:r>
-            <a:endParaRPr lang="en-CA" dirty="0"/>
-          </a:p>
-        </p:txBody>
-      </p:sp>
-      <p:sp>
-        <p:nvSpPr>
-          <p:cNvPr id="3" name="Content Placeholder 2"/>
-          <p:cNvSpPr>
-            <a:spLocks noGrp="1"/>
-          </p:cNvSpPr>
-          <p:nvPr>
-            <p:ph idx="1"/>
-          </p:nvPr>
-        </p:nvSpPr>
-        <p:spPr/>
+        <p:spPr>
+          <a:xfrm>
+            <a:off x="1047280" y="759805"/>
+            <a:ext cx="10306520" cy="1325563"/>
+          </a:xfrm>
+        </p:spPr>
         <p:txBody>
           <a:bodyPr>
             <a:normAutofit/>
           </a:bodyPr>
           <a:lstStyle/>
           <a:p>
-            <a:pPr marL="457200" indent="-457200">
-              <a:buFont typeface="+mj-lt"/>
-              <a:buAutoNum type="arabicPeriod"/>
+            <a:r>
+              <a:rPr lang="en-US" sz="4000" dirty="0">
+                <a:solidFill>
+                  <a:srgbClr val="FFFFFF"/>
+                </a:solidFill>
+              </a:rPr>
+              <a:t>Bridge - GIB 1955- by Matt Ginsberg</a:t>
+            </a:r>
+            <a:endParaRPr lang="en-CA" sz="4000" dirty="0">
+              <a:solidFill>
+                <a:srgbClr val="FFFFFF"/>
+              </a:solidFill>
+            </a:endParaRPr>
+          </a:p>
+        </p:txBody>
+      </p:sp>
+      <p:sp>
+        <p:nvSpPr>
+          <p:cNvPr id="4" name="Content Placeholder 2"/>
+          <p:cNvSpPr>
+            <a:spLocks noGrp="1"/>
+          </p:cNvSpPr>
+          <p:nvPr>
+            <p:ph idx="1"/>
+          </p:nvPr>
+        </p:nvSpPr>
+        <p:spPr>
+          <a:xfrm>
+            <a:off x="1119322" y="2494450"/>
+            <a:ext cx="4359127" cy="3563159"/>
+          </a:xfrm>
+        </p:spPr>
+        <p:txBody>
+          <a:bodyPr>
+            <a:normAutofit/>
+          </a:bodyPr>
+          <a:lstStyle/>
+          <a:p>
+            <a:pPr marL="0" indent="0">
+              <a:buNone/>
             </a:pPr>
             <a:r>
-              <a:rPr lang="en-US" sz="1900" dirty="0"/>
-              <a:t>Grand Masters</a:t>
-            </a:r>
-          </a:p>
-          <a:p>
-            <a:pPr marL="457200" indent="-457200">
-              <a:buFont typeface="+mj-lt"/>
-              <a:buAutoNum type="arabicPeriod"/>
+              <a:rPr lang="en-US" sz="2400" b="0" i="0" dirty="0">
+                <a:effectLst/>
+                <a:latin typeface="Arial" panose="020B0604020202020204" pitchFamily="34" charset="0"/>
+                <a:hlinkClick r:id="rId3"/>
+              </a:rPr>
+              <a:t>https://www.bridgebase.com</a:t>
+            </a:r>
+            <a:endParaRPr lang="en-US" sz="2400" b="0" i="0" dirty="0">
+              <a:effectLst/>
+              <a:latin typeface="Arial" panose="020B0604020202020204" pitchFamily="34" charset="0"/>
+            </a:endParaRPr>
+          </a:p>
+          <a:p>
+            <a:pPr marL="0" indent="0">
+              <a:buNone/>
             </a:pPr>
-            <a:r>
-              <a:rPr lang="en-US" sz="1900" dirty="0"/>
-              <a:t>International Masters</a:t>
-            </a:r>
-          </a:p>
-          <a:p>
-            <a:pPr marL="457200" indent="-457200">
-              <a:buFont typeface="+mj-lt"/>
-              <a:buAutoNum type="arabicPeriod"/>
+            <a:endParaRPr lang="en-US" sz="2400" dirty="0">
+              <a:latin typeface="Arial" panose="020B0604020202020204" pitchFamily="34" charset="0"/>
+            </a:endParaRPr>
+          </a:p>
+          <a:p>
+            <a:pPr marL="0" indent="0">
+              <a:buNone/>
             </a:pPr>
             <a:r>
-              <a:rPr lang="en-US" sz="1900" dirty="0"/>
-              <a:t>National Masters</a:t>
-            </a:r>
-          </a:p>
-          <a:p>
-            <a:pPr marL="457200" indent="-457200">
-              <a:buFont typeface="+mj-lt"/>
-              <a:buAutoNum type="arabicPeriod"/>
+              <a:rPr lang="en-US" sz="2400" b="0" i="0" dirty="0">
+                <a:effectLst/>
+                <a:latin typeface="Arial" panose="020B0604020202020204" pitchFamily="34" charset="0"/>
+              </a:rPr>
+              <a:t>“Quirky, occasionally they bid and play well, often makes strange decisions.” Alder 2008</a:t>
+            </a:r>
+          </a:p>
+          <a:p>
+            <a:pPr marL="0" indent="0">
+              <a:buNone/>
             </a:pPr>
-            <a:r>
-              <a:rPr lang="en-US" sz="1900" dirty="0"/>
-              <a:t>Experts</a:t>
-            </a:r>
-          </a:p>
-          <a:p>
-            <a:pPr marL="457200" indent="-457200">
-              <a:buFont typeface="+mj-lt"/>
-              <a:buAutoNum type="arabicPeriod"/>
+            <a:endParaRPr lang="en-US" sz="2400" b="0" i="0" dirty="0">
+              <a:effectLst/>
+              <a:latin typeface="Arial" panose="020B0604020202020204" pitchFamily="34" charset="0"/>
+            </a:endParaRPr>
+          </a:p>
+          <a:p>
+            <a:pPr marL="0" indent="0">
+              <a:buNone/>
             </a:pPr>
-            <a:r>
-              <a:rPr lang="en-US" sz="1900" dirty="0"/>
-              <a:t>Class A</a:t>
-            </a:r>
-          </a:p>
-          <a:p>
-            <a:pPr marL="457200" indent="-457200">
-              <a:buFont typeface="+mj-lt"/>
-              <a:buAutoNum type="arabicPeriod"/>
+            <a:endParaRPr lang="en-US" sz="2400" dirty="0"/>
+          </a:p>
+        </p:txBody>
+      </p:sp>
+      <p:pic>
+        <p:nvPicPr>
+          <p:cNvPr id="3074" name="Picture 2" descr="Playing Bridge for Alzheimer's Research - Alzheimer's South Africa">
+            <a:extLst>
+              <a:ext uri="{FF2B5EF4-FFF2-40B4-BE49-F238E27FC236}">
+                <a16:creationId xmlns:a16="http://schemas.microsoft.com/office/drawing/2014/main" id="{DC04B815-0FAD-4FE0-AC30-205B9EC3D8BE}"/>
+              </a:ext>
+            </a:extLst>
+          </p:cNvPr>
+          <p:cNvPicPr>
+            <a:picLocks noChangeAspect="1" noChangeArrowheads="1"/>
+          </p:cNvPicPr>
+          <p:nvPr/>
+        </p:nvPicPr>
+        <p:blipFill rotWithShape="1">
+          <a:blip r:embed="rId4">
+            <a:extLst>
+              <a:ext uri="{28A0092B-C50C-407E-A947-70E740481C1C}">
+                <a14:useLocalDpi xmlns:a14="http://schemas.microsoft.com/office/drawing/2010/main" val="0"/>
+              </a:ext>
+            </a:extLst>
+          </a:blip>
+          <a:srcRect l="24195" r="335" b="2"/>
+          <a:stretch/>
+        </p:blipFill>
+        <p:spPr bwMode="auto">
+          <a:xfrm>
+            <a:off x="6098892" y="2492376"/>
+            <a:ext cx="5587586" cy="3563372"/>
+          </a:xfrm>
+          <a:prstGeom prst="rect">
+            <a:avLst/>
+          </a:prstGeom>
+          <a:noFill/>
+          <a:extLst>
+            <a:ext uri="{909E8E84-426E-40DD-AFC4-6F175D3DCCD1}">
+              <a14:hiddenFill xmlns:a14="http://schemas.microsoft.com/office/drawing/2010/main">
+                <a:solidFill>
+                  <a:srgbClr val="FFFFFF"/>
+                </a:solidFill>
+              </a14:hiddenFill>
+            </a:ext>
+          </a:extLst>
+        </p:spPr>
+      </p:pic>
+      <p:sp>
+        <p:nvSpPr>
+          <p:cNvPr id="3" name="Slide Number Placeholder 2"/>
+          <p:cNvSpPr>
+            <a:spLocks noGrp="1"/>
+          </p:cNvSpPr>
+          <p:nvPr>
+            <p:ph type="sldNum" sz="quarter" idx="12"/>
+          </p:nvPr>
+        </p:nvSpPr>
+        <p:spPr>
+          <a:xfrm>
+            <a:off x="10707624" y="6382512"/>
+            <a:ext cx="685800" cy="320040"/>
+          </a:xfrm>
+        </p:spPr>
+        <p:txBody>
+          <a:bodyPr>
+            <a:normAutofit/>
+          </a:bodyPr>
+          <a:lstStyle/>
+          <a:p>
+            <a:pPr>
+              <a:spcAft>
+                <a:spcPts val="600"/>
+              </a:spcAft>
             </a:pPr>
-            <a:r>
-              <a:rPr lang="en-US" sz="1900" dirty="0">
-                <a:highlight>
-                  <a:srgbClr val="FFFF00"/>
-                </a:highlight>
-              </a:rPr>
-              <a:t>Class B</a:t>
-            </a:r>
-          </a:p>
-          <a:p>
-            <a:pPr marL="457200" indent="-457200">
-              <a:buFont typeface="+mj-lt"/>
-              <a:buAutoNum type="arabicPeriod"/>
-            </a:pPr>
-            <a:r>
-              <a:rPr lang="en-US" sz="1900" dirty="0">
-                <a:highlight>
-                  <a:srgbClr val="FFFF00"/>
-                </a:highlight>
-              </a:rPr>
-              <a:t>Class C</a:t>
-            </a:r>
-          </a:p>
-        </p:txBody>
-      </p:sp>
-      <p:sp>
-        <p:nvSpPr>
-          <p:cNvPr id="4" name="Slide Number Placeholder 3"/>
-          <p:cNvSpPr>
-            <a:spLocks noGrp="1"/>
-          </p:cNvSpPr>
-          <p:nvPr>
-            <p:ph type="sldNum" sz="quarter" idx="12"/>
-          </p:nvPr>
-        </p:nvSpPr>
-        <p:spPr/>
-        <p:txBody>
-          <a:bodyPr/>
-          <a:lstStyle/>
-          <a:p>
             <a:fld id="{4292D9D0-E695-4D04-8152-0C0E77A81AC1}" type="slidenum">
-              <a:rPr lang="en-CA" smtClean="0"/>
+              <a:rPr lang="en-CA" sz="1000"/>
+              <a:pPr>
+                <a:spcAft>
+                  <a:spcPts val="600"/>
+                </a:spcAft>
+              </a:pPr>
               <a:t>7</a:t>
             </a:fld>
-            <a:endParaRPr lang="en-CA" dirty="0"/>
+            <a:endParaRPr lang="en-CA" sz="1000"/>
           </a:p>
         </p:txBody>
       </p:sp>
     </p:spTree>
     <p:extLst>
       <p:ext uri="{BB962C8B-B14F-4D97-AF65-F5344CB8AC3E}">
-        <p14:creationId xmlns:p14="http://schemas.microsoft.com/office/powerpoint/2010/main" val="387366127"/>
+        <p14:creationId xmlns:p14="http://schemas.microsoft.com/office/powerpoint/2010/main" val="3052233018"/>
       </p:ext>
     </p:extLst>
   </p:cSld>
@@ -6986,6 +10402,14 @@
 <file path=ppt/slides/slide8.xml><?xml version="1.0" encoding="utf-8"?>
 <p:sld xmlns:a="http://schemas.openxmlformats.org/drawingml/2006/main" xmlns:r="http://schemas.openxmlformats.org/officeDocument/2006/relationships" xmlns:p="http://schemas.openxmlformats.org/presentationml/2006/main">
   <p:cSld>
+    <p:bg>
+      <p:bgPr>
+        <a:solidFill>
+          <a:schemeClr val="bg1"/>
+        </a:solidFill>
+        <a:effectLst/>
+      </p:bgPr>
+    </p:bg>
     <p:spTree>
       <p:nvGrpSpPr>
         <p:cNvPr id="1" name=""/>
@@ -7000,6 +10424,560 @@
           <a:chExt cx="0" cy="0"/>
         </a:xfrm>
       </p:grpSpPr>
+      <p:sp useBgFill="1">
+        <p:nvSpPr>
+          <p:cNvPr id="139" name="Rectangle 138">
+            <a:extLst>
+              <a:ext uri="{FF2B5EF4-FFF2-40B4-BE49-F238E27FC236}">
+                <a16:creationId xmlns:a16="http://schemas.microsoft.com/office/drawing/2014/main" id="{F4C0B10B-D2C4-4A54-AFAD-3D27DF88BB37}"/>
+              </a:ext>
+              <a:ext uri="{C183D7F6-B498-43B3-948B-1728B52AA6E4}">
+                <adec:decorative xmlns:adec="http://schemas.microsoft.com/office/drawing/2017/decorative" val="1"/>
+              </a:ext>
+            </a:extLst>
+          </p:cNvPr>
+          <p:cNvSpPr>
+            <a:spLocks noGrp="1" noRot="1" noChangeAspect="1" noMove="1" noResize="1" noEditPoints="1" noAdjustHandles="1" noChangeArrowheads="1" noChangeShapeType="1" noTextEdit="1"/>
+          </p:cNvSpPr>
+          <p:nvPr>
+            <p:extLst>
+              <p:ext uri="{386F3935-93C4-4BCD-93E2-E3B085C9AB24}">
+                <p16:designElem xmlns:p16="http://schemas.microsoft.com/office/powerpoint/2015/main" val="1"/>
+              </p:ext>
+            </p:extLst>
+          </p:nvPr>
+        </p:nvSpPr>
+        <p:spPr>
+          <a:xfrm>
+            <a:off x="0" y="0"/>
+            <a:ext cx="12188952" cy="6858000"/>
+          </a:xfrm>
+          <a:prstGeom prst="rect">
+            <a:avLst/>
+          </a:prstGeom>
+          <a:ln>
+            <a:noFill/>
+          </a:ln>
+        </p:spPr>
+        <p:style>
+          <a:lnRef idx="2">
+            <a:schemeClr val="accent1">
+              <a:shade val="50000"/>
+            </a:schemeClr>
+          </a:lnRef>
+          <a:fillRef idx="1">
+            <a:schemeClr val="accent1"/>
+          </a:fillRef>
+          <a:effectRef idx="0">
+            <a:schemeClr val="accent1"/>
+          </a:effectRef>
+          <a:fontRef idx="minor">
+            <a:schemeClr val="lt1"/>
+          </a:fontRef>
+        </p:style>
+        <p:txBody>
+          <a:bodyPr rtlCol="0" anchor="ctr"/>
+          <a:lstStyle/>
+          <a:p>
+            <a:pPr algn="ctr"/>
+            <a:endParaRPr lang="en-US"/>
+          </a:p>
+        </p:txBody>
+      </p:sp>
+      <p:grpSp>
+        <p:nvGrpSpPr>
+          <p:cNvPr id="141" name="Group 140">
+            <a:extLst>
+              <a:ext uri="{FF2B5EF4-FFF2-40B4-BE49-F238E27FC236}">
+                <a16:creationId xmlns:a16="http://schemas.microsoft.com/office/drawing/2014/main" id="{B6BADB90-C74B-40D6-86DC-503F65FCE8DC}"/>
+              </a:ext>
+              <a:ext uri="{C183D7F6-B498-43B3-948B-1728B52AA6E4}">
+                <adec:decorative xmlns:adec="http://schemas.microsoft.com/office/drawing/2017/decorative" val="1"/>
+              </a:ext>
+            </a:extLst>
+          </p:cNvPr>
+          <p:cNvGrpSpPr>
+            <a:grpSpLocks noGrp="1" noUngrp="1" noRot="1" noChangeAspect="1" noMove="1" noResize="1"/>
+          </p:cNvGrpSpPr>
+          <p:nvPr>
+            <p:extLst>
+              <p:ext uri="{386F3935-93C4-4BCD-93E2-E3B085C9AB24}">
+                <p16:designElem xmlns:p16="http://schemas.microsoft.com/office/powerpoint/2015/main" val="1"/>
+              </p:ext>
+            </p:extLst>
+          </p:nvPr>
+        </p:nvGrpSpPr>
+        <p:grpSpPr>
+          <a:xfrm>
+            <a:off x="409710" y="635715"/>
+            <a:ext cx="11142208" cy="2482136"/>
+            <a:chOff x="409710" y="635715"/>
+            <a:chExt cx="11142208" cy="2482136"/>
+          </a:xfrm>
+        </p:grpSpPr>
+        <p:sp>
+          <p:nvSpPr>
+            <p:cNvPr id="142" name="Freeform 44">
+              <a:extLst>
+                <a:ext uri="{FF2B5EF4-FFF2-40B4-BE49-F238E27FC236}">
+                  <a16:creationId xmlns:a16="http://schemas.microsoft.com/office/drawing/2014/main" id="{6559431D-1886-4AE0-9B87-9AD2ECAB8439}"/>
+                </a:ext>
+                <a:ext uri="{C183D7F6-B498-43B3-948B-1728B52AA6E4}">
+                  <adec:decorative xmlns:adec="http://schemas.microsoft.com/office/drawing/2017/decorative" val="1"/>
+                </a:ext>
+              </a:extLst>
+            </p:cNvPr>
+            <p:cNvSpPr>
+              <a:spLocks/>
+            </p:cNvSpPr>
+            <p:nvPr>
+              <p:extLst>
+                <p:ext uri="{386F3935-93C4-4BCD-93E2-E3B085C9AB24}">
+                  <p16:designElem xmlns:p16="http://schemas.microsoft.com/office/powerpoint/2015/main" val="1"/>
+                </p:ext>
+              </p:extLst>
+            </p:nvPr>
+          </p:nvSpPr>
+          <p:spPr bwMode="auto">
+            <a:xfrm>
+              <a:off x="11223203" y="635716"/>
+              <a:ext cx="328612" cy="1742360"/>
+            </a:xfrm>
+            <a:custGeom>
+              <a:avLst/>
+              <a:gdLst>
+                <a:gd name="T0" fmla="*/ 207 w 207"/>
+                <a:gd name="T1" fmla="*/ 987 h 1114"/>
+                <a:gd name="T2" fmla="*/ 0 w 207"/>
+                <a:gd name="T3" fmla="*/ 1114 h 1114"/>
+                <a:gd name="T4" fmla="*/ 0 w 207"/>
+                <a:gd name="T5" fmla="*/ 127 h 1114"/>
+                <a:gd name="T6" fmla="*/ 207 w 207"/>
+                <a:gd name="T7" fmla="*/ 0 h 1114"/>
+                <a:gd name="T8" fmla="*/ 207 w 207"/>
+                <a:gd name="T9" fmla="*/ 987 h 1114"/>
+              </a:gdLst>
+              <a:ahLst/>
+              <a:cxnLst>
+                <a:cxn ang="0">
+                  <a:pos x="T0" y="T1"/>
+                </a:cxn>
+                <a:cxn ang="0">
+                  <a:pos x="T2" y="T3"/>
+                </a:cxn>
+                <a:cxn ang="0">
+                  <a:pos x="T4" y="T5"/>
+                </a:cxn>
+                <a:cxn ang="0">
+                  <a:pos x="T6" y="T7"/>
+                </a:cxn>
+                <a:cxn ang="0">
+                  <a:pos x="T8" y="T9"/>
+                </a:cxn>
+              </a:cxnLst>
+              <a:rect l="0" t="0" r="r" b="b"/>
+              <a:pathLst>
+                <a:path w="207" h="1114">
+                  <a:moveTo>
+                    <a:pt x="207" y="987"/>
+                  </a:moveTo>
+                  <a:lnTo>
+                    <a:pt x="0" y="1114"/>
+                  </a:lnTo>
+                  <a:lnTo>
+                    <a:pt x="0" y="127"/>
+                  </a:lnTo>
+                  <a:lnTo>
+                    <a:pt x="207" y="0"/>
+                  </a:lnTo>
+                  <a:lnTo>
+                    <a:pt x="207" y="987"/>
+                  </a:lnTo>
+                  <a:close/>
+                </a:path>
+              </a:pathLst>
+            </a:custGeom>
+            <a:solidFill>
+              <a:schemeClr val="accent1">
+                <a:lumMod val="50000"/>
+              </a:schemeClr>
+            </a:solidFill>
+            <a:ln>
+              <a:noFill/>
+            </a:ln>
+          </p:spPr>
+          <p:txBody>
+            <a:bodyPr vert="horz" wrap="square" lIns="91440" tIns="45720" rIns="91440" bIns="45720" numCol="1" anchor="t" anchorCtr="0" compatLnSpc="1">
+              <a:prstTxWarp prst="textNoShape">
+                <a:avLst/>
+              </a:prstTxWarp>
+            </a:bodyPr>
+            <a:lstStyle/>
+            <a:p>
+              <a:endParaRPr lang="en-US"/>
+            </a:p>
+          </p:txBody>
+        </p:sp>
+        <p:sp>
+          <p:nvSpPr>
+            <p:cNvPr id="143" name="Freeform 45">
+              <a:extLst>
+                <a:ext uri="{FF2B5EF4-FFF2-40B4-BE49-F238E27FC236}">
+                  <a16:creationId xmlns:a16="http://schemas.microsoft.com/office/drawing/2014/main" id="{373850A5-B04A-4FCD-9E73-EE322167FB31}"/>
+                </a:ext>
+                <a:ext uri="{C183D7F6-B498-43B3-948B-1728B52AA6E4}">
+                  <adec:decorative xmlns:adec="http://schemas.microsoft.com/office/drawing/2017/decorative" val="1"/>
+                </a:ext>
+              </a:extLst>
+            </p:cNvPr>
+            <p:cNvSpPr>
+              <a:spLocks/>
+            </p:cNvSpPr>
+            <p:nvPr>
+              <p:extLst>
+                <p:ext uri="{386F3935-93C4-4BCD-93E2-E3B085C9AB24}">
+                  <p16:designElem xmlns:p16="http://schemas.microsoft.com/office/powerpoint/2015/main" val="1"/>
+                </p:ext>
+              </p:extLst>
+            </p:nvPr>
+          </p:nvSpPr>
+          <p:spPr bwMode="auto">
+            <a:xfrm>
+              <a:off x="409710" y="1022350"/>
+              <a:ext cx="709612" cy="2095501"/>
+            </a:xfrm>
+            <a:custGeom>
+              <a:avLst/>
+              <a:gdLst>
+                <a:gd name="T0" fmla="*/ 447 w 447"/>
+                <a:gd name="T1" fmla="*/ 1363 h 1363"/>
+                <a:gd name="T2" fmla="*/ 0 w 447"/>
+                <a:gd name="T3" fmla="*/ 987 h 1363"/>
+                <a:gd name="T4" fmla="*/ 0 w 447"/>
+                <a:gd name="T5" fmla="*/ 0 h 1363"/>
+                <a:gd name="T6" fmla="*/ 447 w 447"/>
+                <a:gd name="T7" fmla="*/ 376 h 1363"/>
+                <a:gd name="T8" fmla="*/ 447 w 447"/>
+                <a:gd name="T9" fmla="*/ 1363 h 1363"/>
+              </a:gdLst>
+              <a:ahLst/>
+              <a:cxnLst>
+                <a:cxn ang="0">
+                  <a:pos x="T0" y="T1"/>
+                </a:cxn>
+                <a:cxn ang="0">
+                  <a:pos x="T2" y="T3"/>
+                </a:cxn>
+                <a:cxn ang="0">
+                  <a:pos x="T4" y="T5"/>
+                </a:cxn>
+                <a:cxn ang="0">
+                  <a:pos x="T6" y="T7"/>
+                </a:cxn>
+                <a:cxn ang="0">
+                  <a:pos x="T8" y="T9"/>
+                </a:cxn>
+              </a:cxnLst>
+              <a:rect l="0" t="0" r="r" b="b"/>
+              <a:pathLst>
+                <a:path w="447" h="1363">
+                  <a:moveTo>
+                    <a:pt x="447" y="1363"/>
+                  </a:moveTo>
+                  <a:lnTo>
+                    <a:pt x="0" y="987"/>
+                  </a:lnTo>
+                  <a:lnTo>
+                    <a:pt x="0" y="0"/>
+                  </a:lnTo>
+                  <a:lnTo>
+                    <a:pt x="447" y="376"/>
+                  </a:lnTo>
+                  <a:lnTo>
+                    <a:pt x="447" y="1363"/>
+                  </a:lnTo>
+                  <a:close/>
+                </a:path>
+              </a:pathLst>
+            </a:custGeom>
+            <a:solidFill>
+              <a:schemeClr val="accent1">
+                <a:lumMod val="50000"/>
+              </a:schemeClr>
+            </a:solidFill>
+            <a:ln>
+              <a:noFill/>
+            </a:ln>
+          </p:spPr>
+          <p:txBody>
+            <a:bodyPr vert="horz" wrap="square" lIns="91440" tIns="45720" rIns="91440" bIns="45720" numCol="1" anchor="t" anchorCtr="0" compatLnSpc="1">
+              <a:prstTxWarp prst="textNoShape">
+                <a:avLst/>
+              </a:prstTxWarp>
+            </a:bodyPr>
+            <a:lstStyle/>
+            <a:p>
+              <a:endParaRPr lang="en-US"/>
+            </a:p>
+          </p:txBody>
+        </p:sp>
+        <p:sp>
+          <p:nvSpPr>
+            <p:cNvPr id="144" name="Freeform 46">
+              <a:extLst>
+                <a:ext uri="{FF2B5EF4-FFF2-40B4-BE49-F238E27FC236}">
+                  <a16:creationId xmlns:a16="http://schemas.microsoft.com/office/drawing/2014/main" id="{82C18C67-80FA-4738-AA53-0AF2419F98E0}"/>
+                </a:ext>
+                <a:ext uri="{C183D7F6-B498-43B3-948B-1728B52AA6E4}">
+                  <adec:decorative xmlns:adec="http://schemas.microsoft.com/office/drawing/2017/decorative" val="1"/>
+                </a:ext>
+              </a:extLst>
+            </p:cNvPr>
+            <p:cNvSpPr>
+              <a:spLocks/>
+            </p:cNvSpPr>
+            <p:nvPr>
+              <p:extLst>
+                <p:ext uri="{386F3935-93C4-4BCD-93E2-E3B085C9AB24}">
+                  <p16:designElem xmlns:p16="http://schemas.microsoft.com/office/powerpoint/2015/main" val="1"/>
+                </p:ext>
+              </p:extLst>
+            </p:nvPr>
+          </p:nvSpPr>
+          <p:spPr bwMode="auto">
+            <a:xfrm>
+              <a:off x="409710" y="837744"/>
+              <a:ext cx="403225" cy="1705431"/>
+            </a:xfrm>
+            <a:custGeom>
+              <a:avLst/>
+              <a:gdLst>
+                <a:gd name="T0" fmla="*/ 254 w 254"/>
+                <a:gd name="T1" fmla="*/ 987 h 1109"/>
+                <a:gd name="T2" fmla="*/ 0 w 254"/>
+                <a:gd name="T3" fmla="*/ 1109 h 1109"/>
+                <a:gd name="T4" fmla="*/ 0 w 254"/>
+                <a:gd name="T5" fmla="*/ 119 h 1109"/>
+                <a:gd name="T6" fmla="*/ 254 w 254"/>
+                <a:gd name="T7" fmla="*/ 0 h 1109"/>
+                <a:gd name="T8" fmla="*/ 254 w 254"/>
+                <a:gd name="T9" fmla="*/ 987 h 1109"/>
+              </a:gdLst>
+              <a:ahLst/>
+              <a:cxnLst>
+                <a:cxn ang="0">
+                  <a:pos x="T0" y="T1"/>
+                </a:cxn>
+                <a:cxn ang="0">
+                  <a:pos x="T2" y="T3"/>
+                </a:cxn>
+                <a:cxn ang="0">
+                  <a:pos x="T4" y="T5"/>
+                </a:cxn>
+                <a:cxn ang="0">
+                  <a:pos x="T6" y="T7"/>
+                </a:cxn>
+                <a:cxn ang="0">
+                  <a:pos x="T8" y="T9"/>
+                </a:cxn>
+              </a:cxnLst>
+              <a:rect l="0" t="0" r="r" b="b"/>
+              <a:pathLst>
+                <a:path w="254" h="1109">
+                  <a:moveTo>
+                    <a:pt x="254" y="987"/>
+                  </a:moveTo>
+                  <a:lnTo>
+                    <a:pt x="0" y="1109"/>
+                  </a:lnTo>
+                  <a:lnTo>
+                    <a:pt x="0" y="119"/>
+                  </a:lnTo>
+                  <a:lnTo>
+                    <a:pt x="254" y="0"/>
+                  </a:lnTo>
+                  <a:lnTo>
+                    <a:pt x="254" y="987"/>
+                  </a:lnTo>
+                  <a:close/>
+                </a:path>
+              </a:pathLst>
+            </a:custGeom>
+            <a:solidFill>
+              <a:schemeClr val="accent1">
+                <a:lumMod val="75000"/>
+              </a:schemeClr>
+            </a:solidFill>
+            <a:ln>
+              <a:noFill/>
+            </a:ln>
+          </p:spPr>
+          <p:txBody>
+            <a:bodyPr vert="horz" wrap="square" lIns="91440" tIns="45720" rIns="91440" bIns="45720" numCol="1" anchor="t" anchorCtr="0" compatLnSpc="1">
+              <a:prstTxWarp prst="textNoShape">
+                <a:avLst/>
+              </a:prstTxWarp>
+            </a:bodyPr>
+            <a:lstStyle/>
+            <a:p>
+              <a:endParaRPr lang="en-US"/>
+            </a:p>
+          </p:txBody>
+        </p:sp>
+        <p:sp>
+          <p:nvSpPr>
+            <p:cNvPr id="145" name="Freeform 47">
+              <a:extLst>
+                <a:ext uri="{FF2B5EF4-FFF2-40B4-BE49-F238E27FC236}">
+                  <a16:creationId xmlns:a16="http://schemas.microsoft.com/office/drawing/2014/main" id="{48543B1A-8BF5-4C63-8404-41B2EA70B33E}"/>
+                </a:ext>
+                <a:ext uri="{C183D7F6-B498-43B3-948B-1728B52AA6E4}">
+                  <adec:decorative xmlns:adec="http://schemas.microsoft.com/office/drawing/2017/decorative" val="1"/>
+                </a:ext>
+              </a:extLst>
+            </p:cNvPr>
+            <p:cNvSpPr>
+              <a:spLocks/>
+            </p:cNvSpPr>
+            <p:nvPr>
+              <p:extLst>
+                <p:ext uri="{386F3935-93C4-4BCD-93E2-E3B085C9AB24}">
+                  <p16:designElem xmlns:p16="http://schemas.microsoft.com/office/powerpoint/2015/main" val="1"/>
+                </p:ext>
+              </p:extLst>
+            </p:nvPr>
+          </p:nvSpPr>
+          <p:spPr bwMode="auto">
+            <a:xfrm>
+              <a:off x="644660" y="640894"/>
+              <a:ext cx="168275" cy="1713195"/>
+            </a:xfrm>
+            <a:custGeom>
+              <a:avLst/>
+              <a:gdLst>
+                <a:gd name="T0" fmla="*/ 106 w 106"/>
+                <a:gd name="T1" fmla="*/ 1114 h 1114"/>
+                <a:gd name="T2" fmla="*/ 0 w 106"/>
+                <a:gd name="T3" fmla="*/ 1005 h 1114"/>
+                <a:gd name="T4" fmla="*/ 0 w 106"/>
+                <a:gd name="T5" fmla="*/ 0 h 1114"/>
+                <a:gd name="T6" fmla="*/ 106 w 106"/>
+                <a:gd name="T7" fmla="*/ 110 h 1114"/>
+                <a:gd name="T8" fmla="*/ 106 w 106"/>
+                <a:gd name="T9" fmla="*/ 1114 h 1114"/>
+              </a:gdLst>
+              <a:ahLst/>
+              <a:cxnLst>
+                <a:cxn ang="0">
+                  <a:pos x="T0" y="T1"/>
+                </a:cxn>
+                <a:cxn ang="0">
+                  <a:pos x="T2" y="T3"/>
+                </a:cxn>
+                <a:cxn ang="0">
+                  <a:pos x="T4" y="T5"/>
+                </a:cxn>
+                <a:cxn ang="0">
+                  <a:pos x="T6" y="T7"/>
+                </a:cxn>
+                <a:cxn ang="0">
+                  <a:pos x="T8" y="T9"/>
+                </a:cxn>
+              </a:cxnLst>
+              <a:rect l="0" t="0" r="r" b="b"/>
+              <a:pathLst>
+                <a:path w="106" h="1114">
+                  <a:moveTo>
+                    <a:pt x="106" y="1114"/>
+                  </a:moveTo>
+                  <a:lnTo>
+                    <a:pt x="0" y="1005"/>
+                  </a:lnTo>
+                  <a:lnTo>
+                    <a:pt x="0" y="0"/>
+                  </a:lnTo>
+                  <a:lnTo>
+                    <a:pt x="106" y="110"/>
+                  </a:lnTo>
+                  <a:lnTo>
+                    <a:pt x="106" y="1114"/>
+                  </a:lnTo>
+                  <a:close/>
+                </a:path>
+              </a:pathLst>
+            </a:custGeom>
+            <a:solidFill>
+              <a:schemeClr val="accent1">
+                <a:lumMod val="50000"/>
+              </a:schemeClr>
+            </a:solidFill>
+            <a:ln>
+              <a:noFill/>
+            </a:ln>
+          </p:spPr>
+          <p:txBody>
+            <a:bodyPr vert="horz" wrap="square" lIns="91440" tIns="45720" rIns="91440" bIns="45720" numCol="1" anchor="t" anchorCtr="0" compatLnSpc="1">
+              <a:prstTxWarp prst="textNoShape">
+                <a:avLst/>
+              </a:prstTxWarp>
+            </a:bodyPr>
+            <a:lstStyle/>
+            <a:p>
+              <a:endParaRPr lang="en-US"/>
+            </a:p>
+          </p:txBody>
+        </p:sp>
+        <p:sp>
+          <p:nvSpPr>
+            <p:cNvPr id="146" name="Rectangle 145">
+              <a:extLst>
+                <a:ext uri="{FF2B5EF4-FFF2-40B4-BE49-F238E27FC236}">
+                  <a16:creationId xmlns:a16="http://schemas.microsoft.com/office/drawing/2014/main" id="{92DF5096-E051-498C-A3ED-CBA77A813AAC}"/>
+                </a:ext>
+                <a:ext uri="{C183D7F6-B498-43B3-948B-1728B52AA6E4}">
+                  <adec:decorative xmlns:adec="http://schemas.microsoft.com/office/drawing/2017/decorative" val="1"/>
+                </a:ext>
+              </a:extLst>
+            </p:cNvPr>
+            <p:cNvSpPr>
+              <a:spLocks noChangeArrowheads="1"/>
+            </p:cNvSpPr>
+            <p:nvPr>
+              <p:extLst>
+                <p:ext uri="{386F3935-93C4-4BCD-93E2-E3B085C9AB24}">
+                  <p16:designElem xmlns:p16="http://schemas.microsoft.com/office/powerpoint/2015/main" val="1"/>
+                </p:ext>
+              </p:extLst>
+            </p:nvPr>
+          </p:nvSpPr>
+          <p:spPr bwMode="auto">
+            <a:xfrm>
+              <a:off x="644055" y="635715"/>
+              <a:ext cx="10907863" cy="1541457"/>
+            </a:xfrm>
+            <a:prstGeom prst="rect">
+              <a:avLst/>
+            </a:prstGeom>
+            <a:solidFill>
+              <a:schemeClr val="accent1"/>
+            </a:solidFill>
+            <a:ln>
+              <a:noFill/>
+            </a:ln>
+          </p:spPr>
+          <p:txBody>
+            <a:bodyPr vert="horz" wrap="square" lIns="91440" tIns="45720" rIns="91440" bIns="45720" numCol="1" anchor="t" anchorCtr="0" compatLnSpc="1">
+              <a:prstTxWarp prst="textNoShape">
+                <a:avLst/>
+              </a:prstTxWarp>
+            </a:bodyPr>
+            <a:lstStyle/>
+            <a:p>
+              <a:endParaRPr lang="en-US"/>
+            </a:p>
+          </p:txBody>
+        </p:sp>
+      </p:grpSp>
       <p:sp>
         <p:nvSpPr>
           <p:cNvPr id="2" name="Title 1"/>
@@ -7010,248 +10988,917 @@
             <p:ph type="title"/>
           </p:nvPr>
         </p:nvSpPr>
-        <p:spPr/>
-        <p:txBody>
-          <a:bodyPr/>
+        <p:spPr>
+          <a:xfrm>
+            <a:off x="1047280" y="759805"/>
+            <a:ext cx="10306520" cy="1325563"/>
+          </a:xfrm>
+        </p:spPr>
+        <p:txBody>
+          <a:bodyPr>
+            <a:normAutofit/>
+          </a:bodyPr>
+          <a:lstStyle/>
+          <a:p>
+            <a:r>
+              <a:rPr lang="en-US" sz="4000" dirty="0">
+                <a:solidFill>
+                  <a:srgbClr val="FFFFFF"/>
+                </a:solidFill>
+              </a:rPr>
+              <a:t>Go – most challenging game for computers</a:t>
+            </a:r>
+            <a:endParaRPr lang="en-CA" sz="4000" dirty="0">
+              <a:solidFill>
+                <a:srgbClr val="FFFFFF"/>
+              </a:solidFill>
+            </a:endParaRPr>
+          </a:p>
+        </p:txBody>
+      </p:sp>
+      <p:sp>
+        <p:nvSpPr>
+          <p:cNvPr id="4" name="Content Placeholder 2"/>
+          <p:cNvSpPr>
+            <a:spLocks noGrp="1"/>
+          </p:cNvSpPr>
+          <p:nvPr>
+            <p:ph idx="1"/>
+          </p:nvPr>
+        </p:nvSpPr>
+        <p:spPr>
+          <a:xfrm>
+            <a:off x="1424904" y="2494450"/>
+            <a:ext cx="4053545" cy="3563159"/>
+          </a:xfrm>
+        </p:spPr>
+        <p:txBody>
+          <a:bodyPr>
+            <a:normAutofit/>
+          </a:bodyPr>
           <a:lstStyle/>
           <a:p>
             <a:pPr marL="0" indent="0">
               <a:buNone/>
             </a:pPr>
             <a:r>
-              <a:rPr lang="en-US" sz="3200" dirty="0"/>
-              <a:t>Difference between computer and human in playing chess:</a:t>
-            </a:r>
-          </a:p>
-        </p:txBody>
-      </p:sp>
-      <p:sp>
-        <p:nvSpPr>
-          <p:cNvPr id="4" name="Slide Number Placeholder 3"/>
-          <p:cNvSpPr>
-            <a:spLocks noGrp="1"/>
-          </p:cNvSpPr>
-          <p:nvPr>
-            <p:ph type="sldNum" sz="quarter" idx="12"/>
-          </p:nvPr>
-        </p:nvSpPr>
-        <p:spPr/>
-        <p:txBody>
-          <a:bodyPr/>
-          <a:lstStyle/>
-          <a:p>
-            <a:fld id="{4292D9D0-E695-4D04-8152-0C0E77A81AC1}" type="slidenum">
-              <a:rPr lang="en-CA" smtClean="0"/>
-              <a:t>8</a:t>
-            </a:fld>
-            <a:endParaRPr lang="en-CA" dirty="0"/>
-          </a:p>
-        </p:txBody>
-      </p:sp>
-      <p:graphicFrame>
-        <p:nvGraphicFramePr>
-          <p:cNvPr id="7" name="Table 6">
+              <a:rPr lang="en-US" sz="2400" b="0" i="0" dirty="0">
+                <a:effectLst/>
+                <a:latin typeface="Arial" panose="020B0604020202020204" pitchFamily="34" charset="0"/>
+              </a:rPr>
+              <a:t>19x19</a:t>
+            </a:r>
+          </a:p>
+        </p:txBody>
+      </p:sp>
+      <p:pic>
+        <p:nvPicPr>
+          <p:cNvPr id="3078" name="Picture 6">
             <a:extLst>
               <a:ext uri="{FF2B5EF4-FFF2-40B4-BE49-F238E27FC236}">
-                <a16:creationId xmlns:a16="http://schemas.microsoft.com/office/drawing/2014/main" id="{A7BEE997-C596-4469-9D44-269333733EBA}"/>
+                <a16:creationId xmlns:a16="http://schemas.microsoft.com/office/drawing/2014/main" id="{DE57B860-2F13-4B25-88DA-D9AB0CC7E0AA}"/>
               </a:ext>
             </a:extLst>
           </p:cNvPr>
-          <p:cNvGraphicFramePr>
-            <a:graphicFrameLocks noGrp="1"/>
-          </p:cNvGraphicFramePr>
-          <p:nvPr>
-            <p:extLst>
-              <p:ext uri="{D42A27DB-BD31-4B8C-83A1-F6EECF244321}">
-                <p14:modId xmlns:p14="http://schemas.microsoft.com/office/powerpoint/2010/main" val="165049502"/>
-              </p:ext>
-            </p:extLst>
-          </p:nvPr>
-        </p:nvGraphicFramePr>
-        <p:xfrm>
-          <a:off x="900860" y="1133771"/>
-          <a:ext cx="9344454" cy="1656080"/>
-        </p:xfrm>
-        <a:graphic>
-          <a:graphicData uri="http://schemas.openxmlformats.org/drawingml/2006/table">
-            <a:tbl>
-              <a:tblPr firstRow="1" bandRow="1">
-                <a:tableStyleId>{5C22544A-7EE6-4342-B048-85BDC9FD1C3A}</a:tableStyleId>
-              </a:tblPr>
-              <a:tblGrid>
-                <a:gridCol w="3114818">
-                  <a:extLst>
-                    <a:ext uri="{9D8B030D-6E8A-4147-A177-3AD203B41FA5}">
-                      <a16:colId xmlns:a16="http://schemas.microsoft.com/office/drawing/2014/main" val="2546204559"/>
-                    </a:ext>
-                  </a:extLst>
-                </a:gridCol>
-                <a:gridCol w="3114818">
-                  <a:extLst>
-                    <a:ext uri="{9D8B030D-6E8A-4147-A177-3AD203B41FA5}">
-                      <a16:colId xmlns:a16="http://schemas.microsoft.com/office/drawing/2014/main" val="2829470978"/>
-                    </a:ext>
-                  </a:extLst>
-                </a:gridCol>
-                <a:gridCol w="3114818">
-                  <a:extLst>
-                    <a:ext uri="{9D8B030D-6E8A-4147-A177-3AD203B41FA5}">
-                      <a16:colId xmlns:a16="http://schemas.microsoft.com/office/drawing/2014/main" val="1977695958"/>
-                    </a:ext>
-                  </a:extLst>
-                </a:gridCol>
-              </a:tblGrid>
-              <a:tr h="370840">
-                <a:tc>
-                  <a:txBody>
-                    <a:bodyPr/>
-                    <a:lstStyle/>
-                    <a:p>
-                      <a:endParaRPr lang="en-GB"/>
-                    </a:p>
-                  </a:txBody>
-                  <a:tcPr/>
-                </a:tc>
-                <a:tc>
-                  <a:txBody>
-                    <a:bodyPr/>
-                    <a:lstStyle/>
-                    <a:p>
-                      <a:r>
-                        <a:rPr lang="en-US" dirty="0"/>
-                        <a:t>Knowledge</a:t>
-                      </a:r>
-                      <a:endParaRPr lang="en-GB" dirty="0"/>
-                    </a:p>
-                  </a:txBody>
-                  <a:tcPr/>
-                </a:tc>
-                <a:tc>
-                  <a:txBody>
-                    <a:bodyPr/>
-                    <a:lstStyle/>
-                    <a:p>
-                      <a:r>
-                        <a:rPr lang="en-US" dirty="0"/>
-                        <a:t>calculation</a:t>
-                      </a:r>
-                      <a:endParaRPr lang="en-GB" dirty="0"/>
-                    </a:p>
-                  </a:txBody>
-                  <a:tcPr/>
-                </a:tc>
-                <a:extLst>
-                  <a:ext uri="{0D108BD9-81ED-4DB2-BD59-A6C34878D82A}">
-                    <a16:rowId xmlns:a16="http://schemas.microsoft.com/office/drawing/2014/main" val="3137784812"/>
-                  </a:ext>
-                </a:extLst>
-              </a:tr>
-              <a:tr h="370840">
-                <a:tc>
-                  <a:txBody>
-                    <a:bodyPr/>
-                    <a:lstStyle/>
-                    <a:p>
-                      <a:r>
-                        <a:rPr lang="en-US" dirty="0"/>
-                        <a:t>Human</a:t>
-                      </a:r>
-                      <a:endParaRPr lang="en-GB" dirty="0"/>
-                    </a:p>
-                  </a:txBody>
-                  <a:tcPr/>
-                </a:tc>
-                <a:tc>
-                  <a:txBody>
-                    <a:bodyPr/>
-                    <a:lstStyle/>
-                    <a:p>
-                      <a:r>
-                        <a:rPr lang="en-US" dirty="0"/>
-                        <a:t>Prodigious</a:t>
-                      </a:r>
-                      <a:endParaRPr lang="en-GB" dirty="0"/>
-                    </a:p>
-                  </a:txBody>
-                  <a:tcPr/>
-                </a:tc>
-                <a:tc>
-                  <a:txBody>
-                    <a:bodyPr/>
-                    <a:lstStyle/>
-                    <a:p>
-                      <a:r>
-                        <a:rPr lang="en-US" dirty="0"/>
-                        <a:t>Small amount</a:t>
-                      </a:r>
-                      <a:endParaRPr lang="en-GB" dirty="0"/>
-                    </a:p>
-                  </a:txBody>
-                  <a:tcPr/>
-                </a:tc>
-                <a:extLst>
-                  <a:ext uri="{0D108BD9-81ED-4DB2-BD59-A6C34878D82A}">
-                    <a16:rowId xmlns:a16="http://schemas.microsoft.com/office/drawing/2014/main" val="1325246407"/>
-                  </a:ext>
-                </a:extLst>
-              </a:tr>
-              <a:tr h="370840">
-                <a:tc>
-                  <a:txBody>
-                    <a:bodyPr/>
-                    <a:lstStyle/>
-                    <a:p>
-                      <a:r>
-                        <a:rPr lang="en-US" dirty="0"/>
-                        <a:t>Computer </a:t>
-                      </a:r>
-                      <a:endParaRPr lang="en-GB" dirty="0"/>
-                    </a:p>
-                  </a:txBody>
-                  <a:tcPr/>
-                </a:tc>
-                <a:tc>
-                  <a:txBody>
-                    <a:bodyPr/>
-                    <a:lstStyle/>
-                    <a:p>
-                      <a:r>
-                        <a:rPr lang="en-US" dirty="0"/>
-                        <a:t>None or little rules</a:t>
-                      </a:r>
-                      <a:endParaRPr lang="en-GB" dirty="0"/>
-                    </a:p>
-                  </a:txBody>
-                  <a:tcPr/>
-                </a:tc>
-                <a:tc>
-                  <a:txBody>
-                    <a:bodyPr/>
-                    <a:lstStyle/>
-                    <a:p>
-                      <a:r>
-                        <a:rPr lang="en-US" dirty="0"/>
-                        <a:t>Tremendous calculation in large search for optimal maneuver</a:t>
-                      </a:r>
-                      <a:endParaRPr lang="en-GB" dirty="0"/>
-                    </a:p>
-                  </a:txBody>
-                  <a:tcPr/>
-                </a:tc>
-                <a:extLst>
-                  <a:ext uri="{0D108BD9-81ED-4DB2-BD59-A6C34878D82A}">
-                    <a16:rowId xmlns:a16="http://schemas.microsoft.com/office/drawing/2014/main" val="932231008"/>
-                  </a:ext>
-                </a:extLst>
-              </a:tr>
-            </a:tbl>
-          </a:graphicData>
-        </a:graphic>
-      </p:graphicFrame>
+          <p:cNvPicPr>
+            <a:picLocks noChangeAspect="1" noChangeArrowheads="1"/>
+          </p:cNvPicPr>
+          <p:nvPr/>
+        </p:nvPicPr>
+        <p:blipFill rotWithShape="1">
+          <a:blip r:embed="rId3">
+            <a:extLst>
+              <a:ext uri="{28A0092B-C50C-407E-A947-70E740481C1C}">
+                <a14:useLocalDpi xmlns:a14="http://schemas.microsoft.com/office/drawing/2010/main" val="0"/>
+              </a:ext>
+            </a:extLst>
+          </a:blip>
+          <a:srcRect l="14154" r="10374" b="1"/>
+          <a:stretch/>
+        </p:blipFill>
+        <p:spPr bwMode="auto">
+          <a:xfrm>
+            <a:off x="5478449" y="2492376"/>
+            <a:ext cx="6073365" cy="3563372"/>
+          </a:xfrm>
+          <a:prstGeom prst="rect">
+            <a:avLst/>
+          </a:prstGeom>
+          <a:noFill/>
+          <a:extLst>
+            <a:ext uri="{909E8E84-426E-40DD-AFC4-6F175D3DCCD1}">
+              <a14:hiddenFill xmlns:a14="http://schemas.microsoft.com/office/drawing/2010/main">
+                <a:solidFill>
+                  <a:srgbClr val="FFFFFF"/>
+                </a:solidFill>
+              </a14:hiddenFill>
+            </a:ext>
+          </a:extLst>
+        </p:spPr>
+      </p:pic>
+      <p:sp>
+        <p:nvSpPr>
+          <p:cNvPr id="3" name="Slide Number Placeholder 2"/>
+          <p:cNvSpPr>
+            <a:spLocks noGrp="1"/>
+          </p:cNvSpPr>
+          <p:nvPr>
+            <p:ph type="sldNum" sz="quarter" idx="12"/>
+          </p:nvPr>
+        </p:nvSpPr>
+        <p:spPr>
+          <a:xfrm>
+            <a:off x="10707624" y="6382512"/>
+            <a:ext cx="685800" cy="320040"/>
+          </a:xfrm>
+        </p:spPr>
+        <p:txBody>
+          <a:bodyPr>
+            <a:normAutofit/>
+          </a:bodyPr>
+          <a:lstStyle/>
+          <a:p>
+            <a:pPr>
+              <a:spcAft>
+                <a:spcPts val="600"/>
+              </a:spcAft>
+            </a:pPr>
+            <a:fld id="{4292D9D0-E695-4D04-8152-0C0E77A81AC1}" type="slidenum">
+              <a:rPr lang="en-CA" sz="1000"/>
+              <a:pPr>
+                <a:spcAft>
+                  <a:spcPts val="600"/>
+                </a:spcAft>
+              </a:pPr>
+              <a:t>8</a:t>
+            </a:fld>
+            <a:endParaRPr lang="en-CA" sz="1000"/>
+          </a:p>
+        </p:txBody>
+      </p:sp>
     </p:spTree>
     <p:extLst>
       <p:ext uri="{BB962C8B-B14F-4D97-AF65-F5344CB8AC3E}">
-        <p14:creationId xmlns:p14="http://schemas.microsoft.com/office/powerpoint/2010/main" val="3918113203"/>
+        <p14:creationId xmlns:p14="http://schemas.microsoft.com/office/powerpoint/2010/main" val="3043240840"/>
+      </p:ext>
+    </p:extLst>
+  </p:cSld>
+  <p:clrMapOvr>
+    <a:masterClrMapping/>
+  </p:clrMapOvr>
+</p:sld>
+</file>
+
+<file path=ppt/slides/slide9.xml><?xml version="1.0" encoding="utf-8"?>
+<p:sld xmlns:a="http://schemas.openxmlformats.org/drawingml/2006/main" xmlns:r="http://schemas.openxmlformats.org/officeDocument/2006/relationships" xmlns:p="http://schemas.openxmlformats.org/presentationml/2006/main">
+  <p:cSld>
+    <p:bg>
+      <p:bgPr>
+        <a:solidFill>
+          <a:schemeClr val="bg1"/>
+        </a:solidFill>
+        <a:effectLst/>
+      </p:bgPr>
+    </p:bg>
+    <p:spTree>
+      <p:nvGrpSpPr>
+        <p:cNvPr id="1" name=""/>
+        <p:cNvGrpSpPr/>
+        <p:nvPr/>
+      </p:nvGrpSpPr>
+      <p:grpSpPr>
+        <a:xfrm>
+          <a:off x="0" y="0"/>
+          <a:ext cx="0" cy="0"/>
+          <a:chOff x="0" y="0"/>
+          <a:chExt cx="0" cy="0"/>
+        </a:xfrm>
+      </p:grpSpPr>
+      <p:sp useBgFill="1">
+        <p:nvSpPr>
+          <p:cNvPr id="139" name="Rectangle 138">
+            <a:extLst>
+              <a:ext uri="{FF2B5EF4-FFF2-40B4-BE49-F238E27FC236}">
+                <a16:creationId xmlns:a16="http://schemas.microsoft.com/office/drawing/2014/main" id="{F4C0B10B-D2C4-4A54-AFAD-3D27DF88BB37}"/>
+              </a:ext>
+              <a:ext uri="{C183D7F6-B498-43B3-948B-1728B52AA6E4}">
+                <adec:decorative xmlns:adec="http://schemas.microsoft.com/office/drawing/2017/decorative" val="1"/>
+              </a:ext>
+            </a:extLst>
+          </p:cNvPr>
+          <p:cNvSpPr>
+            <a:spLocks noGrp="1" noRot="1" noChangeAspect="1" noMove="1" noResize="1" noEditPoints="1" noAdjustHandles="1" noChangeArrowheads="1" noChangeShapeType="1" noTextEdit="1"/>
+          </p:cNvSpPr>
+          <p:nvPr>
+            <p:extLst>
+              <p:ext uri="{386F3935-93C4-4BCD-93E2-E3B085C9AB24}">
+                <p16:designElem xmlns:p16="http://schemas.microsoft.com/office/powerpoint/2015/main" val="1"/>
+              </p:ext>
+            </p:extLst>
+          </p:nvPr>
+        </p:nvSpPr>
+        <p:spPr>
+          <a:xfrm>
+            <a:off x="0" y="0"/>
+            <a:ext cx="12188952" cy="6858000"/>
+          </a:xfrm>
+          <a:prstGeom prst="rect">
+            <a:avLst/>
+          </a:prstGeom>
+          <a:ln>
+            <a:noFill/>
+          </a:ln>
+        </p:spPr>
+        <p:style>
+          <a:lnRef idx="2">
+            <a:schemeClr val="accent1">
+              <a:shade val="50000"/>
+            </a:schemeClr>
+          </a:lnRef>
+          <a:fillRef idx="1">
+            <a:schemeClr val="accent1"/>
+          </a:fillRef>
+          <a:effectRef idx="0">
+            <a:schemeClr val="accent1"/>
+          </a:effectRef>
+          <a:fontRef idx="minor">
+            <a:schemeClr val="lt1"/>
+          </a:fontRef>
+        </p:style>
+        <p:txBody>
+          <a:bodyPr rtlCol="0" anchor="ctr"/>
+          <a:lstStyle/>
+          <a:p>
+            <a:pPr algn="ctr"/>
+            <a:endParaRPr lang="en-US"/>
+          </a:p>
+        </p:txBody>
+      </p:sp>
+      <p:grpSp>
+        <p:nvGrpSpPr>
+          <p:cNvPr id="141" name="Group 140">
+            <a:extLst>
+              <a:ext uri="{FF2B5EF4-FFF2-40B4-BE49-F238E27FC236}">
+                <a16:creationId xmlns:a16="http://schemas.microsoft.com/office/drawing/2014/main" id="{B6BADB90-C74B-40D6-86DC-503F65FCE8DC}"/>
+              </a:ext>
+              <a:ext uri="{C183D7F6-B498-43B3-948B-1728B52AA6E4}">
+                <adec:decorative xmlns:adec="http://schemas.microsoft.com/office/drawing/2017/decorative" val="1"/>
+              </a:ext>
+            </a:extLst>
+          </p:cNvPr>
+          <p:cNvGrpSpPr>
+            <a:grpSpLocks noGrp="1" noUngrp="1" noRot="1" noChangeAspect="1" noMove="1" noResize="1"/>
+          </p:cNvGrpSpPr>
+          <p:nvPr>
+            <p:extLst>
+              <p:ext uri="{386F3935-93C4-4BCD-93E2-E3B085C9AB24}">
+                <p16:designElem xmlns:p16="http://schemas.microsoft.com/office/powerpoint/2015/main" val="1"/>
+              </p:ext>
+            </p:extLst>
+          </p:nvPr>
+        </p:nvGrpSpPr>
+        <p:grpSpPr>
+          <a:xfrm>
+            <a:off x="409710" y="635715"/>
+            <a:ext cx="11142208" cy="2482136"/>
+            <a:chOff x="409710" y="635715"/>
+            <a:chExt cx="11142208" cy="2482136"/>
+          </a:xfrm>
+        </p:grpSpPr>
+        <p:sp>
+          <p:nvSpPr>
+            <p:cNvPr id="142" name="Freeform 44">
+              <a:extLst>
+                <a:ext uri="{FF2B5EF4-FFF2-40B4-BE49-F238E27FC236}">
+                  <a16:creationId xmlns:a16="http://schemas.microsoft.com/office/drawing/2014/main" id="{6559431D-1886-4AE0-9B87-9AD2ECAB8439}"/>
+                </a:ext>
+                <a:ext uri="{C183D7F6-B498-43B3-948B-1728B52AA6E4}">
+                  <adec:decorative xmlns:adec="http://schemas.microsoft.com/office/drawing/2017/decorative" val="1"/>
+                </a:ext>
+              </a:extLst>
+            </p:cNvPr>
+            <p:cNvSpPr>
+              <a:spLocks/>
+            </p:cNvSpPr>
+            <p:nvPr>
+              <p:extLst>
+                <p:ext uri="{386F3935-93C4-4BCD-93E2-E3B085C9AB24}">
+                  <p16:designElem xmlns:p16="http://schemas.microsoft.com/office/powerpoint/2015/main" val="1"/>
+                </p:ext>
+              </p:extLst>
+            </p:nvPr>
+          </p:nvSpPr>
+          <p:spPr bwMode="auto">
+            <a:xfrm>
+              <a:off x="11223203" y="635716"/>
+              <a:ext cx="328612" cy="1742360"/>
+            </a:xfrm>
+            <a:custGeom>
+              <a:avLst/>
+              <a:gdLst>
+                <a:gd name="T0" fmla="*/ 207 w 207"/>
+                <a:gd name="T1" fmla="*/ 987 h 1114"/>
+                <a:gd name="T2" fmla="*/ 0 w 207"/>
+                <a:gd name="T3" fmla="*/ 1114 h 1114"/>
+                <a:gd name="T4" fmla="*/ 0 w 207"/>
+                <a:gd name="T5" fmla="*/ 127 h 1114"/>
+                <a:gd name="T6" fmla="*/ 207 w 207"/>
+                <a:gd name="T7" fmla="*/ 0 h 1114"/>
+                <a:gd name="T8" fmla="*/ 207 w 207"/>
+                <a:gd name="T9" fmla="*/ 987 h 1114"/>
+              </a:gdLst>
+              <a:ahLst/>
+              <a:cxnLst>
+                <a:cxn ang="0">
+                  <a:pos x="T0" y="T1"/>
+                </a:cxn>
+                <a:cxn ang="0">
+                  <a:pos x="T2" y="T3"/>
+                </a:cxn>
+                <a:cxn ang="0">
+                  <a:pos x="T4" y="T5"/>
+                </a:cxn>
+                <a:cxn ang="0">
+                  <a:pos x="T6" y="T7"/>
+                </a:cxn>
+                <a:cxn ang="0">
+                  <a:pos x="T8" y="T9"/>
+                </a:cxn>
+              </a:cxnLst>
+              <a:rect l="0" t="0" r="r" b="b"/>
+              <a:pathLst>
+                <a:path w="207" h="1114">
+                  <a:moveTo>
+                    <a:pt x="207" y="987"/>
+                  </a:moveTo>
+                  <a:lnTo>
+                    <a:pt x="0" y="1114"/>
+                  </a:lnTo>
+                  <a:lnTo>
+                    <a:pt x="0" y="127"/>
+                  </a:lnTo>
+                  <a:lnTo>
+                    <a:pt x="207" y="0"/>
+                  </a:lnTo>
+                  <a:lnTo>
+                    <a:pt x="207" y="987"/>
+                  </a:lnTo>
+                  <a:close/>
+                </a:path>
+              </a:pathLst>
+            </a:custGeom>
+            <a:solidFill>
+              <a:schemeClr val="accent1">
+                <a:lumMod val="50000"/>
+              </a:schemeClr>
+            </a:solidFill>
+            <a:ln>
+              <a:noFill/>
+            </a:ln>
+          </p:spPr>
+          <p:txBody>
+            <a:bodyPr vert="horz" wrap="square" lIns="91440" tIns="45720" rIns="91440" bIns="45720" numCol="1" anchor="t" anchorCtr="0" compatLnSpc="1">
+              <a:prstTxWarp prst="textNoShape">
+                <a:avLst/>
+              </a:prstTxWarp>
+            </a:bodyPr>
+            <a:lstStyle/>
+            <a:p>
+              <a:endParaRPr lang="en-US"/>
+            </a:p>
+          </p:txBody>
+        </p:sp>
+        <p:sp>
+          <p:nvSpPr>
+            <p:cNvPr id="143" name="Freeform 45">
+              <a:extLst>
+                <a:ext uri="{FF2B5EF4-FFF2-40B4-BE49-F238E27FC236}">
+                  <a16:creationId xmlns:a16="http://schemas.microsoft.com/office/drawing/2014/main" id="{373850A5-B04A-4FCD-9E73-EE322167FB31}"/>
+                </a:ext>
+                <a:ext uri="{C183D7F6-B498-43B3-948B-1728B52AA6E4}">
+                  <adec:decorative xmlns:adec="http://schemas.microsoft.com/office/drawing/2017/decorative" val="1"/>
+                </a:ext>
+              </a:extLst>
+            </p:cNvPr>
+            <p:cNvSpPr>
+              <a:spLocks/>
+            </p:cNvSpPr>
+            <p:nvPr>
+              <p:extLst>
+                <p:ext uri="{386F3935-93C4-4BCD-93E2-E3B085C9AB24}">
+                  <p16:designElem xmlns:p16="http://schemas.microsoft.com/office/powerpoint/2015/main" val="1"/>
+                </p:ext>
+              </p:extLst>
+            </p:nvPr>
+          </p:nvSpPr>
+          <p:spPr bwMode="auto">
+            <a:xfrm>
+              <a:off x="409710" y="1022350"/>
+              <a:ext cx="709612" cy="2095501"/>
+            </a:xfrm>
+            <a:custGeom>
+              <a:avLst/>
+              <a:gdLst>
+                <a:gd name="T0" fmla="*/ 447 w 447"/>
+                <a:gd name="T1" fmla="*/ 1363 h 1363"/>
+                <a:gd name="T2" fmla="*/ 0 w 447"/>
+                <a:gd name="T3" fmla="*/ 987 h 1363"/>
+                <a:gd name="T4" fmla="*/ 0 w 447"/>
+                <a:gd name="T5" fmla="*/ 0 h 1363"/>
+                <a:gd name="T6" fmla="*/ 447 w 447"/>
+                <a:gd name="T7" fmla="*/ 376 h 1363"/>
+                <a:gd name="T8" fmla="*/ 447 w 447"/>
+                <a:gd name="T9" fmla="*/ 1363 h 1363"/>
+              </a:gdLst>
+              <a:ahLst/>
+              <a:cxnLst>
+                <a:cxn ang="0">
+                  <a:pos x="T0" y="T1"/>
+                </a:cxn>
+                <a:cxn ang="0">
+                  <a:pos x="T2" y="T3"/>
+                </a:cxn>
+                <a:cxn ang="0">
+                  <a:pos x="T4" y="T5"/>
+                </a:cxn>
+                <a:cxn ang="0">
+                  <a:pos x="T6" y="T7"/>
+                </a:cxn>
+                <a:cxn ang="0">
+                  <a:pos x="T8" y="T9"/>
+                </a:cxn>
+              </a:cxnLst>
+              <a:rect l="0" t="0" r="r" b="b"/>
+              <a:pathLst>
+                <a:path w="447" h="1363">
+                  <a:moveTo>
+                    <a:pt x="447" y="1363"/>
+                  </a:moveTo>
+                  <a:lnTo>
+                    <a:pt x="0" y="987"/>
+                  </a:lnTo>
+                  <a:lnTo>
+                    <a:pt x="0" y="0"/>
+                  </a:lnTo>
+                  <a:lnTo>
+                    <a:pt x="447" y="376"/>
+                  </a:lnTo>
+                  <a:lnTo>
+                    <a:pt x="447" y="1363"/>
+                  </a:lnTo>
+                  <a:close/>
+                </a:path>
+              </a:pathLst>
+            </a:custGeom>
+            <a:solidFill>
+              <a:schemeClr val="accent1">
+                <a:lumMod val="50000"/>
+              </a:schemeClr>
+            </a:solidFill>
+            <a:ln>
+              <a:noFill/>
+            </a:ln>
+          </p:spPr>
+          <p:txBody>
+            <a:bodyPr vert="horz" wrap="square" lIns="91440" tIns="45720" rIns="91440" bIns="45720" numCol="1" anchor="t" anchorCtr="0" compatLnSpc="1">
+              <a:prstTxWarp prst="textNoShape">
+                <a:avLst/>
+              </a:prstTxWarp>
+            </a:bodyPr>
+            <a:lstStyle/>
+            <a:p>
+              <a:endParaRPr lang="en-US"/>
+            </a:p>
+          </p:txBody>
+        </p:sp>
+        <p:sp>
+          <p:nvSpPr>
+            <p:cNvPr id="144" name="Freeform 46">
+              <a:extLst>
+                <a:ext uri="{FF2B5EF4-FFF2-40B4-BE49-F238E27FC236}">
+                  <a16:creationId xmlns:a16="http://schemas.microsoft.com/office/drawing/2014/main" id="{82C18C67-80FA-4738-AA53-0AF2419F98E0}"/>
+                </a:ext>
+                <a:ext uri="{C183D7F6-B498-43B3-948B-1728B52AA6E4}">
+                  <adec:decorative xmlns:adec="http://schemas.microsoft.com/office/drawing/2017/decorative" val="1"/>
+                </a:ext>
+              </a:extLst>
+            </p:cNvPr>
+            <p:cNvSpPr>
+              <a:spLocks/>
+            </p:cNvSpPr>
+            <p:nvPr>
+              <p:extLst>
+                <p:ext uri="{386F3935-93C4-4BCD-93E2-E3B085C9AB24}">
+                  <p16:designElem xmlns:p16="http://schemas.microsoft.com/office/powerpoint/2015/main" val="1"/>
+                </p:ext>
+              </p:extLst>
+            </p:nvPr>
+          </p:nvSpPr>
+          <p:spPr bwMode="auto">
+            <a:xfrm>
+              <a:off x="409710" y="837744"/>
+              <a:ext cx="403225" cy="1705431"/>
+            </a:xfrm>
+            <a:custGeom>
+              <a:avLst/>
+              <a:gdLst>
+                <a:gd name="T0" fmla="*/ 254 w 254"/>
+                <a:gd name="T1" fmla="*/ 987 h 1109"/>
+                <a:gd name="T2" fmla="*/ 0 w 254"/>
+                <a:gd name="T3" fmla="*/ 1109 h 1109"/>
+                <a:gd name="T4" fmla="*/ 0 w 254"/>
+                <a:gd name="T5" fmla="*/ 119 h 1109"/>
+                <a:gd name="T6" fmla="*/ 254 w 254"/>
+                <a:gd name="T7" fmla="*/ 0 h 1109"/>
+                <a:gd name="T8" fmla="*/ 254 w 254"/>
+                <a:gd name="T9" fmla="*/ 987 h 1109"/>
+              </a:gdLst>
+              <a:ahLst/>
+              <a:cxnLst>
+                <a:cxn ang="0">
+                  <a:pos x="T0" y="T1"/>
+                </a:cxn>
+                <a:cxn ang="0">
+                  <a:pos x="T2" y="T3"/>
+                </a:cxn>
+                <a:cxn ang="0">
+                  <a:pos x="T4" y="T5"/>
+                </a:cxn>
+                <a:cxn ang="0">
+                  <a:pos x="T6" y="T7"/>
+                </a:cxn>
+                <a:cxn ang="0">
+                  <a:pos x="T8" y="T9"/>
+                </a:cxn>
+              </a:cxnLst>
+              <a:rect l="0" t="0" r="r" b="b"/>
+              <a:pathLst>
+                <a:path w="254" h="1109">
+                  <a:moveTo>
+                    <a:pt x="254" y="987"/>
+                  </a:moveTo>
+                  <a:lnTo>
+                    <a:pt x="0" y="1109"/>
+                  </a:lnTo>
+                  <a:lnTo>
+                    <a:pt x="0" y="119"/>
+                  </a:lnTo>
+                  <a:lnTo>
+                    <a:pt x="254" y="0"/>
+                  </a:lnTo>
+                  <a:lnTo>
+                    <a:pt x="254" y="987"/>
+                  </a:lnTo>
+                  <a:close/>
+                </a:path>
+              </a:pathLst>
+            </a:custGeom>
+            <a:solidFill>
+              <a:schemeClr val="accent1">
+                <a:lumMod val="75000"/>
+              </a:schemeClr>
+            </a:solidFill>
+            <a:ln>
+              <a:noFill/>
+            </a:ln>
+          </p:spPr>
+          <p:txBody>
+            <a:bodyPr vert="horz" wrap="square" lIns="91440" tIns="45720" rIns="91440" bIns="45720" numCol="1" anchor="t" anchorCtr="0" compatLnSpc="1">
+              <a:prstTxWarp prst="textNoShape">
+                <a:avLst/>
+              </a:prstTxWarp>
+            </a:bodyPr>
+            <a:lstStyle/>
+            <a:p>
+              <a:endParaRPr lang="en-US"/>
+            </a:p>
+          </p:txBody>
+        </p:sp>
+        <p:sp>
+          <p:nvSpPr>
+            <p:cNvPr id="145" name="Freeform 47">
+              <a:extLst>
+                <a:ext uri="{FF2B5EF4-FFF2-40B4-BE49-F238E27FC236}">
+                  <a16:creationId xmlns:a16="http://schemas.microsoft.com/office/drawing/2014/main" id="{48543B1A-8BF5-4C63-8404-41B2EA70B33E}"/>
+                </a:ext>
+                <a:ext uri="{C183D7F6-B498-43B3-948B-1728B52AA6E4}">
+                  <adec:decorative xmlns:adec="http://schemas.microsoft.com/office/drawing/2017/decorative" val="1"/>
+                </a:ext>
+              </a:extLst>
+            </p:cNvPr>
+            <p:cNvSpPr>
+              <a:spLocks/>
+            </p:cNvSpPr>
+            <p:nvPr>
+              <p:extLst>
+                <p:ext uri="{386F3935-93C4-4BCD-93E2-E3B085C9AB24}">
+                  <p16:designElem xmlns:p16="http://schemas.microsoft.com/office/powerpoint/2015/main" val="1"/>
+                </p:ext>
+              </p:extLst>
+            </p:nvPr>
+          </p:nvSpPr>
+          <p:spPr bwMode="auto">
+            <a:xfrm>
+              <a:off x="644660" y="640894"/>
+              <a:ext cx="168275" cy="1713195"/>
+            </a:xfrm>
+            <a:custGeom>
+              <a:avLst/>
+              <a:gdLst>
+                <a:gd name="T0" fmla="*/ 106 w 106"/>
+                <a:gd name="T1" fmla="*/ 1114 h 1114"/>
+                <a:gd name="T2" fmla="*/ 0 w 106"/>
+                <a:gd name="T3" fmla="*/ 1005 h 1114"/>
+                <a:gd name="T4" fmla="*/ 0 w 106"/>
+                <a:gd name="T5" fmla="*/ 0 h 1114"/>
+                <a:gd name="T6" fmla="*/ 106 w 106"/>
+                <a:gd name="T7" fmla="*/ 110 h 1114"/>
+                <a:gd name="T8" fmla="*/ 106 w 106"/>
+                <a:gd name="T9" fmla="*/ 1114 h 1114"/>
+              </a:gdLst>
+              <a:ahLst/>
+              <a:cxnLst>
+                <a:cxn ang="0">
+                  <a:pos x="T0" y="T1"/>
+                </a:cxn>
+                <a:cxn ang="0">
+                  <a:pos x="T2" y="T3"/>
+                </a:cxn>
+                <a:cxn ang="0">
+                  <a:pos x="T4" y="T5"/>
+                </a:cxn>
+                <a:cxn ang="0">
+                  <a:pos x="T6" y="T7"/>
+                </a:cxn>
+                <a:cxn ang="0">
+                  <a:pos x="T8" y="T9"/>
+                </a:cxn>
+              </a:cxnLst>
+              <a:rect l="0" t="0" r="r" b="b"/>
+              <a:pathLst>
+                <a:path w="106" h="1114">
+                  <a:moveTo>
+                    <a:pt x="106" y="1114"/>
+                  </a:moveTo>
+                  <a:lnTo>
+                    <a:pt x="0" y="1005"/>
+                  </a:lnTo>
+                  <a:lnTo>
+                    <a:pt x="0" y="0"/>
+                  </a:lnTo>
+                  <a:lnTo>
+                    <a:pt x="106" y="110"/>
+                  </a:lnTo>
+                  <a:lnTo>
+                    <a:pt x="106" y="1114"/>
+                  </a:lnTo>
+                  <a:close/>
+                </a:path>
+              </a:pathLst>
+            </a:custGeom>
+            <a:solidFill>
+              <a:schemeClr val="accent1">
+                <a:lumMod val="50000"/>
+              </a:schemeClr>
+            </a:solidFill>
+            <a:ln>
+              <a:noFill/>
+            </a:ln>
+          </p:spPr>
+          <p:txBody>
+            <a:bodyPr vert="horz" wrap="square" lIns="91440" tIns="45720" rIns="91440" bIns="45720" numCol="1" anchor="t" anchorCtr="0" compatLnSpc="1">
+              <a:prstTxWarp prst="textNoShape">
+                <a:avLst/>
+              </a:prstTxWarp>
+            </a:bodyPr>
+            <a:lstStyle/>
+            <a:p>
+              <a:endParaRPr lang="en-US"/>
+            </a:p>
+          </p:txBody>
+        </p:sp>
+        <p:sp>
+          <p:nvSpPr>
+            <p:cNvPr id="146" name="Rectangle 145">
+              <a:extLst>
+                <a:ext uri="{FF2B5EF4-FFF2-40B4-BE49-F238E27FC236}">
+                  <a16:creationId xmlns:a16="http://schemas.microsoft.com/office/drawing/2014/main" id="{92DF5096-E051-498C-A3ED-CBA77A813AAC}"/>
+                </a:ext>
+                <a:ext uri="{C183D7F6-B498-43B3-948B-1728B52AA6E4}">
+                  <adec:decorative xmlns:adec="http://schemas.microsoft.com/office/drawing/2017/decorative" val="1"/>
+                </a:ext>
+              </a:extLst>
+            </p:cNvPr>
+            <p:cNvSpPr>
+              <a:spLocks noChangeArrowheads="1"/>
+            </p:cNvSpPr>
+            <p:nvPr>
+              <p:extLst>
+                <p:ext uri="{386F3935-93C4-4BCD-93E2-E3B085C9AB24}">
+                  <p16:designElem xmlns:p16="http://schemas.microsoft.com/office/powerpoint/2015/main" val="1"/>
+                </p:ext>
+              </p:extLst>
+            </p:nvPr>
+          </p:nvSpPr>
+          <p:spPr bwMode="auto">
+            <a:xfrm>
+              <a:off x="644055" y="635715"/>
+              <a:ext cx="10907863" cy="1541457"/>
+            </a:xfrm>
+            <a:prstGeom prst="rect">
+              <a:avLst/>
+            </a:prstGeom>
+            <a:solidFill>
+              <a:schemeClr val="accent1"/>
+            </a:solidFill>
+            <a:ln>
+              <a:noFill/>
+            </a:ln>
+          </p:spPr>
+          <p:txBody>
+            <a:bodyPr vert="horz" wrap="square" lIns="91440" tIns="45720" rIns="91440" bIns="45720" numCol="1" anchor="t" anchorCtr="0" compatLnSpc="1">
+              <a:prstTxWarp prst="textNoShape">
+                <a:avLst/>
+              </a:prstTxWarp>
+            </a:bodyPr>
+            <a:lstStyle/>
+            <a:p>
+              <a:endParaRPr lang="en-US"/>
+            </a:p>
+          </p:txBody>
+        </p:sp>
+      </p:grpSp>
+      <p:sp>
+        <p:nvSpPr>
+          <p:cNvPr id="2" name="Title 1"/>
+          <p:cNvSpPr>
+            <a:spLocks noGrp="1"/>
+          </p:cNvSpPr>
+          <p:nvPr>
+            <p:ph type="title"/>
+          </p:nvPr>
+        </p:nvSpPr>
+        <p:spPr>
+          <a:xfrm>
+            <a:off x="1047280" y="759805"/>
+            <a:ext cx="10306520" cy="1325563"/>
+          </a:xfrm>
+        </p:spPr>
+        <p:txBody>
+          <a:bodyPr>
+            <a:normAutofit/>
+          </a:bodyPr>
+          <a:lstStyle/>
+          <a:p>
+            <a:r>
+              <a:rPr lang="en-US" sz="4000" dirty="0" err="1">
+                <a:solidFill>
+                  <a:srgbClr val="FFFFFF"/>
+                </a:solidFill>
+              </a:rPr>
+              <a:t>MoGo</a:t>
+            </a:r>
+            <a:r>
+              <a:rPr lang="en-US" sz="4000" dirty="0">
+                <a:solidFill>
+                  <a:srgbClr val="FFFFFF"/>
+                </a:solidFill>
+              </a:rPr>
+              <a:t> Titan 2008</a:t>
+            </a:r>
+            <a:endParaRPr lang="en-CA" sz="4000" dirty="0">
+              <a:solidFill>
+                <a:srgbClr val="FFFFFF"/>
+              </a:solidFill>
+            </a:endParaRPr>
+          </a:p>
+        </p:txBody>
+      </p:sp>
+      <p:sp>
+        <p:nvSpPr>
+          <p:cNvPr id="4" name="Content Placeholder 2"/>
+          <p:cNvSpPr>
+            <a:spLocks noGrp="1"/>
+          </p:cNvSpPr>
+          <p:nvPr>
+            <p:ph idx="1"/>
+          </p:nvPr>
+        </p:nvSpPr>
+        <p:spPr>
+          <a:xfrm>
+            <a:off x="1424904" y="2494450"/>
+            <a:ext cx="4053545" cy="3563159"/>
+          </a:xfrm>
+        </p:spPr>
+        <p:txBody>
+          <a:bodyPr>
+            <a:normAutofit/>
+          </a:bodyPr>
+          <a:lstStyle/>
+          <a:p>
+            <a:pPr marL="0" indent="0">
+              <a:buNone/>
+            </a:pPr>
+            <a:r>
+              <a:rPr lang="en-US" sz="2400" dirty="0" err="1"/>
+              <a:t>MoGo</a:t>
+            </a:r>
+            <a:r>
+              <a:rPr lang="en-US" sz="2400" dirty="0"/>
+              <a:t> Titan 2008, beat professional Go player with handicap of nine stones</a:t>
+            </a:r>
+          </a:p>
+        </p:txBody>
+      </p:sp>
+      <p:pic>
+        <p:nvPicPr>
+          <p:cNvPr id="3078" name="Picture 6">
+            <a:extLst>
+              <a:ext uri="{FF2B5EF4-FFF2-40B4-BE49-F238E27FC236}">
+                <a16:creationId xmlns:a16="http://schemas.microsoft.com/office/drawing/2014/main" id="{DE57B860-2F13-4B25-88DA-D9AB0CC7E0AA}"/>
+              </a:ext>
+            </a:extLst>
+          </p:cNvPr>
+          <p:cNvPicPr>
+            <a:picLocks noChangeAspect="1" noChangeArrowheads="1"/>
+          </p:cNvPicPr>
+          <p:nvPr/>
+        </p:nvPicPr>
+        <p:blipFill rotWithShape="1">
+          <a:blip r:embed="rId3">
+            <a:extLst>
+              <a:ext uri="{28A0092B-C50C-407E-A947-70E740481C1C}">
+                <a14:useLocalDpi xmlns:a14="http://schemas.microsoft.com/office/drawing/2010/main" val="0"/>
+              </a:ext>
+            </a:extLst>
+          </a:blip>
+          <a:srcRect l="14154" r="10374" b="1"/>
+          <a:stretch/>
+        </p:blipFill>
+        <p:spPr bwMode="auto">
+          <a:xfrm>
+            <a:off x="5478449" y="2492376"/>
+            <a:ext cx="6073365" cy="3563372"/>
+          </a:xfrm>
+          <a:prstGeom prst="rect">
+            <a:avLst/>
+          </a:prstGeom>
+          <a:noFill/>
+          <a:extLst>
+            <a:ext uri="{909E8E84-426E-40DD-AFC4-6F175D3DCCD1}">
+              <a14:hiddenFill xmlns:a14="http://schemas.microsoft.com/office/drawing/2010/main">
+                <a:solidFill>
+                  <a:srgbClr val="FFFFFF"/>
+                </a:solidFill>
+              </a14:hiddenFill>
+            </a:ext>
+          </a:extLst>
+        </p:spPr>
+      </p:pic>
+      <p:sp>
+        <p:nvSpPr>
+          <p:cNvPr id="3" name="Slide Number Placeholder 2"/>
+          <p:cNvSpPr>
+            <a:spLocks noGrp="1"/>
+          </p:cNvSpPr>
+          <p:nvPr>
+            <p:ph type="sldNum" sz="quarter" idx="12"/>
+          </p:nvPr>
+        </p:nvSpPr>
+        <p:spPr>
+          <a:xfrm>
+            <a:off x="10707624" y="6382512"/>
+            <a:ext cx="685800" cy="320040"/>
+          </a:xfrm>
+        </p:spPr>
+        <p:txBody>
+          <a:bodyPr>
+            <a:normAutofit/>
+          </a:bodyPr>
+          <a:lstStyle/>
+          <a:p>
+            <a:pPr>
+              <a:spcAft>
+                <a:spcPts val="600"/>
+              </a:spcAft>
+            </a:pPr>
+            <a:fld id="{4292D9D0-E695-4D04-8152-0C0E77A81AC1}" type="slidenum">
+              <a:rPr lang="en-CA" sz="1000"/>
+              <a:pPr>
+                <a:spcAft>
+                  <a:spcPts val="600"/>
+                </a:spcAft>
+              </a:pPr>
+              <a:t>9</a:t>
+            </a:fld>
+            <a:endParaRPr lang="en-CA" sz="1000"/>
+          </a:p>
+        </p:txBody>
+      </p:sp>
+    </p:spTree>
+    <p:extLst>
+      <p:ext uri="{BB962C8B-B14F-4D97-AF65-F5344CB8AC3E}">
+        <p14:creationId xmlns:p14="http://schemas.microsoft.com/office/powerpoint/2010/main" val="3118982533"/>
       </p:ext>
     </p:extLst>
   </p:cSld>

--- a/docs/8700AI/game in AI.pptx
+++ b/docs/8700AI/game in AI.pptx
@@ -5,7 +5,7 @@
     <p:sldMasterId id="2147483648" r:id="rId1"/>
   </p:sldMasterIdLst>
   <p:notesMasterIdLst>
-    <p:notesMasterId r:id="rId12"/>
+    <p:notesMasterId r:id="rId14"/>
   </p:notesMasterIdLst>
   <p:sldIdLst>
     <p:sldId id="271" r:id="rId2"/>
@@ -18,6 +18,8 @@
     <p:sldId id="278" r:id="rId9"/>
     <p:sldId id="283" r:id="rId10"/>
     <p:sldId id="284" r:id="rId11"/>
+    <p:sldId id="286" r:id="rId12"/>
+    <p:sldId id="287" r:id="rId13"/>
   </p:sldIdLst>
   <p:sldSz cx="12192000" cy="6858000"/>
   <p:notesSz cx="7315200" cy="9601200"/>
@@ -134,6 +136,8 @@
             <p14:sldId id="278"/>
             <p14:sldId id="283"/>
             <p14:sldId id="284"/>
+            <p14:sldId id="286"/>
+            <p14:sldId id="287"/>
           </p14:sldIdLst>
         </p14:section>
       </p14:sectionLst>
@@ -230,7 +234,7 @@
           <a:p>
             <a:fld id="{B2066369-AF0B-44AB-AE7B-8626CDC5EBE5}" type="datetimeFigureOut">
               <a:rPr lang="en-CA" smtClean="0"/>
-              <a:t>2020-10-11</a:t>
+              <a:t>2020-10-14</a:t>
             </a:fld>
             <a:endParaRPr lang="en-CA"/>
           </a:p>
@@ -1119,6 +1123,288 @@
 </p:notes>
 </file>
 
+<file path=ppt/notesSlides/notesSlide11.xml><?xml version="1.0" encoding="utf-8"?>
+<p:notes xmlns:a="http://schemas.openxmlformats.org/drawingml/2006/main" xmlns:r="http://schemas.openxmlformats.org/officeDocument/2006/relationships" xmlns:p="http://schemas.openxmlformats.org/presentationml/2006/main">
+  <p:cSld>
+    <p:spTree>
+      <p:nvGrpSpPr>
+        <p:cNvPr id="1" name=""/>
+        <p:cNvGrpSpPr/>
+        <p:nvPr/>
+      </p:nvGrpSpPr>
+      <p:grpSpPr>
+        <a:xfrm>
+          <a:off x="0" y="0"/>
+          <a:ext cx="0" cy="0"/>
+          <a:chOff x="0" y="0"/>
+          <a:chExt cx="0" cy="0"/>
+        </a:xfrm>
+      </p:grpSpPr>
+      <p:sp>
+        <p:nvSpPr>
+          <p:cNvPr id="2" name="Slide Image Placeholder 1"/>
+          <p:cNvSpPr>
+            <a:spLocks noGrp="1" noRot="1" noChangeAspect="1"/>
+          </p:cNvSpPr>
+          <p:nvPr>
+            <p:ph type="sldImg"/>
+          </p:nvPr>
+        </p:nvSpPr>
+        <p:spPr/>
+      </p:sp>
+      <p:sp>
+        <p:nvSpPr>
+          <p:cNvPr id="3" name="Notes Placeholder 2"/>
+          <p:cNvSpPr>
+            <a:spLocks noGrp="1"/>
+          </p:cNvSpPr>
+          <p:nvPr>
+            <p:ph type="body" idx="1"/>
+          </p:nvPr>
+        </p:nvSpPr>
+        <p:spPr/>
+        <p:txBody>
+          <a:bodyPr/>
+          <a:lstStyle/>
+          <a:p>
+            <a:pPr algn="l"/>
+            <a:r>
+              <a:rPr lang="en-US" sz="1800" b="0" i="0" u="none" strike="noStrike" baseline="0" dirty="0">
+                <a:latin typeface="CMR10"/>
+              </a:rPr>
+              <a:t>developed by Lionhead Studios</a:t>
+            </a:r>
+          </a:p>
+          <a:p>
+            <a:pPr algn="l"/>
+            <a:r>
+              <a:rPr lang="en-US" sz="1800" b="0" i="0" u="none" strike="noStrike" baseline="0" dirty="0">
+                <a:latin typeface="CMR10"/>
+              </a:rPr>
+              <a:t>uses a combination of neural nets and decision trees.</a:t>
+            </a:r>
+          </a:p>
+          <a:p>
+            <a:pPr algn="l"/>
+            <a:r>
+              <a:rPr lang="en-US" sz="1800" b="0" i="0" u="none" strike="noStrike" baseline="0" dirty="0">
+                <a:latin typeface="CMR10"/>
+              </a:rPr>
+              <a:t>human players interacts with and competes with artificial agents in the game (nonplayer characters)</a:t>
+            </a:r>
+          </a:p>
+          <a:p>
+            <a:pPr algn="l"/>
+            <a:r>
+              <a:rPr lang="en-US" sz="1800" b="0" i="0" u="none" strike="noStrike" baseline="0" dirty="0">
+                <a:latin typeface="CMR10"/>
+              </a:rPr>
+              <a:t>NPC can </a:t>
+            </a:r>
+            <a:r>
+              <a:rPr lang="en-US" sz="1800" b="1" i="0" u="none" strike="noStrike" baseline="0" dirty="0">
+                <a:latin typeface="CMR10"/>
+              </a:rPr>
+              <a:t>learn</a:t>
+            </a:r>
+            <a:r>
+              <a:rPr lang="en-US" sz="1800" b="0" i="0" u="none" strike="noStrike" baseline="0" dirty="0">
+                <a:latin typeface="CMR10"/>
+              </a:rPr>
+              <a:t> strategies, master new abilities and skills, [and] lead armies into battle.</a:t>
+            </a:r>
+          </a:p>
+        </p:txBody>
+      </p:sp>
+      <p:sp>
+        <p:nvSpPr>
+          <p:cNvPr id="4" name="Slide Number Placeholder 3"/>
+          <p:cNvSpPr>
+            <a:spLocks noGrp="1"/>
+          </p:cNvSpPr>
+          <p:nvPr>
+            <p:ph type="sldNum" sz="quarter" idx="10"/>
+          </p:nvPr>
+        </p:nvSpPr>
+        <p:spPr/>
+        <p:txBody>
+          <a:bodyPr/>
+          <a:lstStyle/>
+          <a:p>
+            <a:fld id="{E063622E-DBFC-47E3-8C6E-70E04B2C4C20}" type="slidenum">
+              <a:rPr lang="en-CA" smtClean="0"/>
+              <a:t>11</a:t>
+            </a:fld>
+            <a:endParaRPr lang="en-CA"/>
+          </a:p>
+        </p:txBody>
+      </p:sp>
+    </p:spTree>
+    <p:extLst>
+      <p:ext uri="{BB962C8B-B14F-4D97-AF65-F5344CB8AC3E}">
+        <p14:creationId xmlns:p14="http://schemas.microsoft.com/office/powerpoint/2010/main" val="4167733186"/>
+      </p:ext>
+    </p:extLst>
+  </p:cSld>
+  <p:clrMapOvr>
+    <a:masterClrMapping/>
+  </p:clrMapOvr>
+</p:notes>
+</file>
+
+<file path=ppt/notesSlides/notesSlide12.xml><?xml version="1.0" encoding="utf-8"?>
+<p:notes xmlns:a="http://schemas.openxmlformats.org/drawingml/2006/main" xmlns:r="http://schemas.openxmlformats.org/officeDocument/2006/relationships" xmlns:p="http://schemas.openxmlformats.org/presentationml/2006/main">
+  <p:cSld>
+    <p:spTree>
+      <p:nvGrpSpPr>
+        <p:cNvPr id="1" name=""/>
+        <p:cNvGrpSpPr/>
+        <p:nvPr/>
+      </p:nvGrpSpPr>
+      <p:grpSpPr>
+        <a:xfrm>
+          <a:off x="0" y="0"/>
+          <a:ext cx="0" cy="0"/>
+          <a:chOff x="0" y="0"/>
+          <a:chExt cx="0" cy="0"/>
+        </a:xfrm>
+      </p:grpSpPr>
+      <p:sp>
+        <p:nvSpPr>
+          <p:cNvPr id="2" name="Slide Image Placeholder 1"/>
+          <p:cNvSpPr>
+            <a:spLocks noGrp="1" noRot="1" noChangeAspect="1"/>
+          </p:cNvSpPr>
+          <p:nvPr>
+            <p:ph type="sldImg"/>
+          </p:nvPr>
+        </p:nvSpPr>
+        <p:spPr/>
+      </p:sp>
+      <p:sp>
+        <p:nvSpPr>
+          <p:cNvPr id="3" name="Notes Placeholder 2"/>
+          <p:cNvSpPr>
+            <a:spLocks noGrp="1"/>
+          </p:cNvSpPr>
+          <p:nvPr>
+            <p:ph type="body" idx="1"/>
+          </p:nvPr>
+        </p:nvSpPr>
+        <p:spPr/>
+        <p:txBody>
+          <a:bodyPr/>
+          <a:lstStyle/>
+          <a:p>
+            <a:pPr algn="l"/>
+            <a:r>
+              <a:rPr lang="en-US" sz="1800" b="0" i="0" u="none" strike="noStrike" baseline="0" dirty="0">
+                <a:latin typeface="CMR10"/>
+              </a:rPr>
+              <a:t>Some AI researchers have advocated using computer games as a</a:t>
+            </a:r>
+          </a:p>
+          <a:p>
+            <a:pPr algn="l"/>
+            <a:r>
+              <a:rPr lang="en-US" sz="1800" b="0" i="0" u="none" strike="noStrike" baseline="0" dirty="0">
+                <a:latin typeface="CMR10"/>
+              </a:rPr>
+              <a:t>convenient arena for developing new ideas for intelligent agents. For example,</a:t>
+            </a:r>
+          </a:p>
+          <a:p>
+            <a:pPr algn="l"/>
+            <a:r>
+              <a:rPr lang="en-US" sz="1800" b="0" i="0" u="none" strike="noStrike" baseline="0" dirty="0">
+                <a:latin typeface="CMR10"/>
+              </a:rPr>
+              <a:t>University of Michigan professor John Laird has written, because research in</a:t>
+            </a:r>
+          </a:p>
+          <a:p>
+            <a:pPr algn="l"/>
+            <a:r>
+              <a:rPr lang="en-US" sz="1800" b="0" i="0" u="none" strike="noStrike" baseline="0" dirty="0">
+                <a:latin typeface="CMR10"/>
+              </a:rPr>
+              <a:t>robotics requires solving many difficult problems related to low-level sensing</a:t>
+            </a:r>
+          </a:p>
+          <a:p>
+            <a:pPr algn="l"/>
+            <a:r>
+              <a:rPr lang="en-US" sz="1800" b="0" i="0" u="none" strike="noStrike" baseline="0" dirty="0">
+                <a:latin typeface="CMR10"/>
+              </a:rPr>
+              <a:t>and acting in the real world that are far removed from the cognitive aspects of</a:t>
+            </a:r>
+          </a:p>
+          <a:p>
+            <a:pPr algn="l"/>
+            <a:r>
+              <a:rPr lang="en-US" sz="1800" b="0" i="0" u="none" strike="noStrike" baseline="0" dirty="0">
+                <a:latin typeface="CMR10"/>
+              </a:rPr>
+              <a:t>intelligence, . . . computer games provide us with a source of cheap, reliable,</a:t>
+            </a:r>
+          </a:p>
+          <a:p>
+            <a:pPr algn="l"/>
+            <a:r>
+              <a:rPr lang="en-US" sz="1800" b="0" i="0" u="none" strike="noStrike" baseline="0" dirty="0">
+                <a:latin typeface="CMR10"/>
+              </a:rPr>
+              <a:t>and flexible technology for developing our own virtual environments for</a:t>
+            </a:r>
+          </a:p>
+          <a:p>
+            <a:pPr algn="l"/>
+            <a:r>
+              <a:rPr lang="en-US" sz="1800" b="0" i="0" u="none" strike="noStrike" baseline="0" dirty="0">
+                <a:latin typeface="CMR10"/>
+              </a:rPr>
+              <a:t>research."</a:t>
+            </a:r>
+          </a:p>
+        </p:txBody>
+      </p:sp>
+      <p:sp>
+        <p:nvSpPr>
+          <p:cNvPr id="4" name="Slide Number Placeholder 3"/>
+          <p:cNvSpPr>
+            <a:spLocks noGrp="1"/>
+          </p:cNvSpPr>
+          <p:nvPr>
+            <p:ph type="sldNum" sz="quarter" idx="10"/>
+          </p:nvPr>
+        </p:nvSpPr>
+        <p:spPr/>
+        <p:txBody>
+          <a:bodyPr/>
+          <a:lstStyle/>
+          <a:p>
+            <a:fld id="{E063622E-DBFC-47E3-8C6E-70E04B2C4C20}" type="slidenum">
+              <a:rPr lang="en-CA" smtClean="0"/>
+              <a:t>12</a:t>
+            </a:fld>
+            <a:endParaRPr lang="en-CA"/>
+          </a:p>
+        </p:txBody>
+      </p:sp>
+    </p:spTree>
+    <p:extLst>
+      <p:ext uri="{BB962C8B-B14F-4D97-AF65-F5344CB8AC3E}">
+        <p14:creationId xmlns:p14="http://schemas.microsoft.com/office/powerpoint/2010/main" val="136418167"/>
+      </p:ext>
+    </p:extLst>
+  </p:cSld>
+  <p:clrMapOvr>
+    <a:masterClrMapping/>
+  </p:clrMapOvr>
+</p:notes>
+</file>
+
 <file path=ppt/notesSlides/notesSlide2.xml><?xml version="1.0" encoding="utf-8"?>
 <p:notes xmlns:a="http://schemas.openxmlformats.org/drawingml/2006/main" xmlns:r="http://schemas.openxmlformats.org/officeDocument/2006/relationships" xmlns:p="http://schemas.openxmlformats.org/presentationml/2006/main">
   <p:cSld>
@@ -1249,19 +1535,37 @@
           <a:p>
             <a:r>
               <a:rPr lang="en-US" dirty="0"/>
-              <a:t>Changed the way the best human players paly the game, its innovated strategy or tactics to play certain opening positions differently than convention among the best human players,, then human began to play the same </a:t>
-            </a:r>
-            <a:r>
-              <a:rPr lang="en-US" dirty="0" err="1"/>
-              <a:t>postions</a:t>
-            </a:r>
-            <a:r>
-              <a:rPr lang="en-US" dirty="0"/>
-              <a:t>.</a:t>
-            </a:r>
-          </a:p>
-          <a:p>
-            <a:pPr marL="0" marR="0" lvl="0" indent="0" algn="l" defTabSz="914400" rtl="0" eaLnBrk="1" fontAlgn="auto" latinLnBrk="0" hangingPunct="1">
+              <a:t>Changed the way the best human players paly the game, its innovated strategy or tactics to play certain opening positions differently than convention among the best human players,, then human began to play the same positions.</a:t>
+            </a:r>
+          </a:p>
+          <a:p>
+            <a:pPr marL="171450" indent="-171450">
+              <a:buFont typeface="Arial" panose="020B0604020202020204" pitchFamily="34" charset="0"/>
+              <a:buChar char="•"/>
+            </a:pPr>
+            <a:r>
+              <a:rPr lang="en-US" sz="1200" dirty="0">
+                <a:latin typeface="Arial" panose="020B0604020202020204" pitchFamily="34" charset="0"/>
+              </a:rPr>
+              <a:t>Neural networking</a:t>
+            </a:r>
+          </a:p>
+          <a:p>
+            <a:pPr marL="171450" indent="-171450">
+              <a:buFont typeface="Arial" panose="020B0604020202020204" pitchFamily="34" charset="0"/>
+              <a:buChar char="•"/>
+            </a:pPr>
+            <a:r>
+              <a:rPr lang="en-US" sz="1200" b="0" i="0" dirty="0">
+                <a:effectLst/>
+                <a:latin typeface="Arial" panose="020B0604020202020204" pitchFamily="34" charset="0"/>
+              </a:rPr>
+              <a:t>Reinforcement learning</a:t>
+            </a:r>
+            <a:endParaRPr lang="en-US" dirty="0"/>
+          </a:p>
+          <a:p>
+            <a:pPr marL="171450" marR="0" lvl="0" indent="-171450" algn="l" defTabSz="914400" rtl="0" eaLnBrk="1" fontAlgn="auto" latinLnBrk="0" hangingPunct="1">
               <a:lnSpc>
                 <a:spcPct val="100000"/>
               </a:lnSpc>
@@ -1273,8 +1577,8 @@
               </a:spcAft>
               <a:buClrTx/>
               <a:buSzTx/>
-              <a:buFontTx/>
-              <a:buNone/>
+              <a:buFont typeface="Arial" panose="020B0604020202020204" pitchFamily="34" charset="0"/>
+              <a:buChar char="•"/>
               <a:tabLst/>
               <a:defRPr/>
             </a:pPr>
@@ -1586,6 +1890,77 @@
               <a:defRPr/>
             </a:pPr>
             <a:endParaRPr lang="en-US" sz="1200" b="0" i="0" dirty="0">
+              <a:solidFill>
+                <a:srgbClr val="333333"/>
+              </a:solidFill>
+              <a:effectLst/>
+              <a:latin typeface="Helvetica Neue"/>
+            </a:endParaRPr>
+          </a:p>
+          <a:p>
+            <a:pPr marL="0" marR="0" lvl="0" indent="0" algn="l" defTabSz="914400" rtl="0" eaLnBrk="1" fontAlgn="auto" latinLnBrk="0" hangingPunct="1">
+              <a:lnSpc>
+                <a:spcPct val="100000"/>
+              </a:lnSpc>
+              <a:spcBef>
+                <a:spcPts val="0"/>
+              </a:spcBef>
+              <a:spcAft>
+                <a:spcPts val="0"/>
+              </a:spcAft>
+              <a:buClrTx/>
+              <a:buSzTx/>
+              <a:buFontTx/>
+              <a:buNone/>
+              <a:tabLst/>
+              <a:defRPr/>
+            </a:pPr>
+            <a:r>
+              <a:rPr lang="en-US" sz="1200" dirty="0">
+                <a:solidFill>
+                  <a:srgbClr val="333333"/>
+                </a:solidFill>
+                <a:latin typeface="Helvetica Neue"/>
+              </a:rPr>
+              <a:t>5,000 hands</a:t>
+            </a:r>
+            <a:endParaRPr lang="en-US" sz="1200" b="0" i="0" dirty="0">
+              <a:solidFill>
+                <a:srgbClr val="333333"/>
+              </a:solidFill>
+              <a:effectLst/>
+              <a:latin typeface="Helvetica Neue"/>
+            </a:endParaRPr>
+          </a:p>
+          <a:p>
+            <a:pPr algn="l"/>
+            <a:endParaRPr lang="en-US" b="0" i="0" dirty="0">
+              <a:solidFill>
+                <a:srgbClr val="333333"/>
+              </a:solidFill>
+              <a:effectLst/>
+              <a:latin typeface="Helvetica Neue"/>
+            </a:endParaRPr>
+          </a:p>
+          <a:p>
+            <a:pPr marL="0" marR="0" lvl="0" indent="0" algn="l" defTabSz="914400" rtl="0" eaLnBrk="1" fontAlgn="auto" latinLnBrk="0" hangingPunct="1">
+              <a:lnSpc>
+                <a:spcPct val="100000"/>
+              </a:lnSpc>
+              <a:spcBef>
+                <a:spcPts val="0"/>
+              </a:spcBef>
+              <a:spcAft>
+                <a:spcPts val="0"/>
+              </a:spcAft>
+              <a:buClrTx/>
+              <a:buSzTx/>
+              <a:buFontTx/>
+              <a:buNone/>
+              <a:tabLst/>
+              <a:defRPr/>
+            </a:pPr>
+            <a:endParaRPr lang="en-US" sz="1200" b="0" i="0" dirty="0">
               <a:effectLst/>
               <a:latin typeface="Arial" panose="020B0604020202020204" pitchFamily="34" charset="0"/>
             </a:endParaRPr>
@@ -2169,7 +2544,7 @@
           <a:p>
             <a:fld id="{E8102FDE-1A56-400C-A2BE-AAED19C33990}" type="datetime1">
               <a:rPr lang="en-CA" smtClean="0"/>
-              <a:t>2020-10-11</a:t>
+              <a:t>2020-10-14</a:t>
             </a:fld>
             <a:endParaRPr lang="en-CA"/>
           </a:p>
@@ -2339,7 +2714,7 @@
           <a:p>
             <a:fld id="{D8C8F480-92F9-4E27-8D3C-8B7657ABD25D}" type="datetime1">
               <a:rPr lang="en-CA" smtClean="0"/>
-              <a:t>2020-10-11</a:t>
+              <a:t>2020-10-14</a:t>
             </a:fld>
             <a:endParaRPr lang="en-CA"/>
           </a:p>
@@ -2519,7 +2894,7 @@
           <a:p>
             <a:fld id="{AC57BF53-E7B6-451A-BCF4-9865C8B201F8}" type="datetime1">
               <a:rPr lang="en-CA" smtClean="0"/>
-              <a:t>2020-10-11</a:t>
+              <a:t>2020-10-14</a:t>
             </a:fld>
             <a:endParaRPr lang="en-CA"/>
           </a:p>
@@ -2711,7 +3086,7 @@
           <a:p>
             <a:fld id="{AFC62F67-C995-4869-BD9A-A72BCA4A9B9F}" type="datetime1">
               <a:rPr lang="en-CA" smtClean="0"/>
-              <a:t>2020-10-11</a:t>
+              <a:t>2020-10-14</a:t>
             </a:fld>
             <a:endParaRPr lang="en-CA"/>
           </a:p>
@@ -2957,7 +3332,7 @@
           <a:p>
             <a:fld id="{0EBE6AD9-2733-4299-90D2-5CE2186A32E6}" type="datetime1">
               <a:rPr lang="en-CA" smtClean="0"/>
-              <a:t>2020-10-11</a:t>
+              <a:t>2020-10-14</a:t>
             </a:fld>
             <a:endParaRPr lang="en-CA"/>
           </a:p>
@@ -3189,7 +3564,7 @@
           <a:p>
             <a:fld id="{BAA12C72-6FF7-473F-8DE5-7B29173F1708}" type="datetime1">
               <a:rPr lang="en-CA" smtClean="0"/>
-              <a:t>2020-10-11</a:t>
+              <a:t>2020-10-14</a:t>
             </a:fld>
             <a:endParaRPr lang="en-CA"/>
           </a:p>
@@ -3556,7 +3931,7 @@
           <a:p>
             <a:fld id="{DFD212A4-135B-45E8-9B56-1303FA90FEDF}" type="datetime1">
               <a:rPr lang="en-CA" smtClean="0"/>
-              <a:t>2020-10-11</a:t>
+              <a:t>2020-10-14</a:t>
             </a:fld>
             <a:endParaRPr lang="en-CA"/>
           </a:p>
@@ -3674,7 +4049,7 @@
           <a:p>
             <a:fld id="{DF63069B-7AD0-4C20-8455-4B78DE0BA252}" type="datetime1">
               <a:rPr lang="en-CA" smtClean="0"/>
-              <a:t>2020-10-11</a:t>
+              <a:t>2020-10-14</a:t>
             </a:fld>
             <a:endParaRPr lang="en-CA"/>
           </a:p>
@@ -3769,7 +4144,7 @@
           <a:p>
             <a:fld id="{1DFF3F2A-1AE0-496A-82D0-5E79ED60883E}" type="datetime1">
               <a:rPr lang="en-CA" smtClean="0"/>
-              <a:t>2020-10-11</a:t>
+              <a:t>2020-10-14</a:t>
             </a:fld>
             <a:endParaRPr lang="en-CA"/>
           </a:p>
@@ -4046,7 +4421,7 @@
           <a:p>
             <a:fld id="{20EF2A88-B4F2-4ADE-9D7C-227F6A32335E}" type="datetime1">
               <a:rPr lang="en-CA" smtClean="0"/>
-              <a:t>2020-10-11</a:t>
+              <a:t>2020-10-14</a:t>
             </a:fld>
             <a:endParaRPr lang="en-CA"/>
           </a:p>
@@ -4299,7 +4674,7 @@
           <a:p>
             <a:fld id="{086A9AD2-B877-470B-BD4B-31FDB11D9E4E}" type="datetime1">
               <a:rPr lang="en-CA" smtClean="0"/>
-              <a:t>2020-10-11</a:t>
+              <a:t>2020-10-14</a:t>
             </a:fld>
             <a:endParaRPr lang="en-CA"/>
           </a:p>
@@ -4512,7 +4887,7 @@
           <a:p>
             <a:fld id="{2AA5C639-8A8B-454A-87A9-F556343F0036}" type="datetime1">
               <a:rPr lang="en-CA" smtClean="0"/>
-              <a:t>2020-10-11</a:t>
+              <a:t>2020-10-14</a:t>
             </a:fld>
             <a:endParaRPr lang="en-CA"/>
           </a:p>
@@ -5378,18 +5753,6 @@
             <a:pPr marL="0" indent="0">
               <a:buNone/>
             </a:pPr>
-            <a:r>
-              <a:rPr lang="en-US" sz="1700" b="0" i="0" dirty="0">
-                <a:effectLst/>
-                <a:latin typeface="Arial" panose="020B0604020202020204" pitchFamily="34" charset="0"/>
-              </a:rPr>
-              <a:t>Take turn to dice and move</a:t>
-            </a:r>
-          </a:p>
-          <a:p>
-            <a:pPr marL="0" indent="0">
-              <a:buNone/>
-            </a:pPr>
             <a:endParaRPr lang="en-US" sz="1700" dirty="0"/>
           </a:p>
         </p:txBody>
@@ -6227,6 +6590,561 @@
 </p:sld>
 </file>
 
+<file path=ppt/slides/slide11.xml><?xml version="1.0" encoding="utf-8"?>
+<p:sld xmlns:a="http://schemas.openxmlformats.org/drawingml/2006/main" xmlns:r="http://schemas.openxmlformats.org/officeDocument/2006/relationships" xmlns:p="http://schemas.openxmlformats.org/presentationml/2006/main">
+  <p:cSld>
+    <p:bg>
+      <p:bgPr>
+        <a:solidFill>
+          <a:schemeClr val="bg1"/>
+        </a:solidFill>
+        <a:effectLst/>
+      </p:bgPr>
+    </p:bg>
+    <p:spTree>
+      <p:nvGrpSpPr>
+        <p:cNvPr id="1" name=""/>
+        <p:cNvGrpSpPr/>
+        <p:nvPr/>
+      </p:nvGrpSpPr>
+      <p:grpSpPr>
+        <a:xfrm>
+          <a:off x="0" y="0"/>
+          <a:ext cx="0" cy="0"/>
+          <a:chOff x="0" y="0"/>
+          <a:chExt cx="0" cy="0"/>
+        </a:xfrm>
+      </p:grpSpPr>
+      <p:sp useBgFill="1">
+        <p:nvSpPr>
+          <p:cNvPr id="192" name="Rectangle 191">
+            <a:extLst>
+              <a:ext uri="{FF2B5EF4-FFF2-40B4-BE49-F238E27FC236}">
+                <a16:creationId xmlns:a16="http://schemas.microsoft.com/office/drawing/2014/main" id="{53F29798-D584-4792-9B62-3F5F5C36D619}"/>
+              </a:ext>
+              <a:ext uri="{C183D7F6-B498-43B3-948B-1728B52AA6E4}">
+                <adec:decorative xmlns:adec="http://schemas.microsoft.com/office/drawing/2017/decorative" val="1"/>
+              </a:ext>
+            </a:extLst>
+          </p:cNvPr>
+          <p:cNvSpPr>
+            <a:spLocks noGrp="1" noRot="1" noChangeAspect="1" noMove="1" noResize="1" noEditPoints="1" noAdjustHandles="1" noChangeArrowheads="1" noChangeShapeType="1" noTextEdit="1"/>
+          </p:cNvSpPr>
+          <p:nvPr>
+            <p:extLst>
+              <p:ext uri="{386F3935-93C4-4BCD-93E2-E3B085C9AB24}">
+                <p16:designElem xmlns:p16="http://schemas.microsoft.com/office/powerpoint/2015/main" val="1"/>
+              </p:ext>
+            </p:extLst>
+          </p:nvPr>
+        </p:nvSpPr>
+        <p:spPr>
+          <a:xfrm>
+            <a:off x="0" y="0"/>
+            <a:ext cx="12188952" cy="6858000"/>
+          </a:xfrm>
+          <a:prstGeom prst="rect">
+            <a:avLst/>
+          </a:prstGeom>
+          <a:ln>
+            <a:noFill/>
+          </a:ln>
+        </p:spPr>
+        <p:style>
+          <a:lnRef idx="2">
+            <a:schemeClr val="accent1">
+              <a:shade val="50000"/>
+            </a:schemeClr>
+          </a:lnRef>
+          <a:fillRef idx="1">
+            <a:schemeClr val="accent1"/>
+          </a:fillRef>
+          <a:effectRef idx="0">
+            <a:schemeClr val="accent1"/>
+          </a:effectRef>
+          <a:fontRef idx="minor">
+            <a:schemeClr val="lt1"/>
+          </a:fontRef>
+        </p:style>
+        <p:txBody>
+          <a:bodyPr rtlCol="0" anchor="ctr"/>
+          <a:lstStyle/>
+          <a:p>
+            <a:pPr algn="ctr"/>
+            <a:endParaRPr lang="en-US"/>
+          </a:p>
+        </p:txBody>
+      </p:sp>
+      <p:pic>
+        <p:nvPicPr>
+          <p:cNvPr id="1026" name="Picture 2">
+            <a:extLst>
+              <a:ext uri="{FF2B5EF4-FFF2-40B4-BE49-F238E27FC236}">
+                <a16:creationId xmlns:a16="http://schemas.microsoft.com/office/drawing/2014/main" id="{DC996B3A-81D2-44CA-9E8E-8CA01142BC96}"/>
+              </a:ext>
+            </a:extLst>
+          </p:cNvPr>
+          <p:cNvPicPr>
+            <a:picLocks noGrp="1" noChangeAspect="1" noChangeArrowheads="1"/>
+          </p:cNvPicPr>
+          <p:nvPr>
+            <p:ph idx="1"/>
+          </p:nvPr>
+        </p:nvPicPr>
+        <p:blipFill>
+          <a:blip r:embed="rId3">
+            <a:extLst>
+              <a:ext uri="{28A0092B-C50C-407E-A947-70E740481C1C}">
+                <a14:useLocalDpi xmlns:a14="http://schemas.microsoft.com/office/drawing/2010/main" val="0"/>
+              </a:ext>
+            </a:extLst>
+          </a:blip>
+          <a:srcRect/>
+          <a:stretch>
+            <a:fillRect/>
+          </a:stretch>
+        </p:blipFill>
+        <p:spPr bwMode="auto">
+          <a:xfrm>
+            <a:off x="1714500" y="1841500"/>
+            <a:ext cx="3111500" cy="4445000"/>
+          </a:xfrm>
+          <a:prstGeom prst="rect">
+            <a:avLst/>
+          </a:prstGeom>
+          <a:extLst>
+            <a:ext uri="{909E8E84-426E-40DD-AFC4-6F175D3DCCD1}">
+              <a14:hiddenFill xmlns:a14="http://schemas.microsoft.com/office/drawing/2010/main">
+                <a:solidFill>
+                  <a:srgbClr val="FFFFFF"/>
+                </a:solidFill>
+              </a14:hiddenFill>
+            </a:ext>
+          </a:extLst>
+        </p:spPr>
+      </p:pic>
+      <p:pic>
+        <p:nvPicPr>
+          <p:cNvPr id="1028" name="Picture 4">
+            <a:extLst>
+              <a:ext uri="{FF2B5EF4-FFF2-40B4-BE49-F238E27FC236}">
+                <a16:creationId xmlns:a16="http://schemas.microsoft.com/office/drawing/2014/main" id="{A99B0362-89AD-439D-ACE2-64106BFB363B}"/>
+              </a:ext>
+            </a:extLst>
+          </p:cNvPr>
+          <p:cNvPicPr>
+            <a:picLocks noChangeAspect="1" noChangeArrowheads="1"/>
+          </p:cNvPicPr>
+          <p:nvPr/>
+        </p:nvPicPr>
+        <p:blipFill>
+          <a:blip r:embed="rId4">
+            <a:extLst>
+              <a:ext uri="{28A0092B-C50C-407E-A947-70E740481C1C}">
+                <a14:useLocalDpi xmlns:a14="http://schemas.microsoft.com/office/drawing/2010/main" val="0"/>
+              </a:ext>
+            </a:extLst>
+          </a:blip>
+          <a:srcRect/>
+          <a:stretch>
+            <a:fillRect/>
+          </a:stretch>
+        </p:blipFill>
+        <p:spPr bwMode="auto">
+          <a:xfrm>
+            <a:off x="4889500" y="1841500"/>
+            <a:ext cx="5549900" cy="4445000"/>
+          </a:xfrm>
+          <a:prstGeom prst="rect">
+            <a:avLst/>
+          </a:prstGeom>
+          <a:extLst>
+            <a:ext uri="{909E8E84-426E-40DD-AFC4-6F175D3DCCD1}">
+              <a14:hiddenFill xmlns:a14="http://schemas.microsoft.com/office/drawing/2010/main">
+                <a:solidFill>
+                  <a:srgbClr val="FFFFFF"/>
+                </a:solidFill>
+              </a14:hiddenFill>
+            </a:ext>
+          </a:extLst>
+        </p:spPr>
+      </p:pic>
+      <p:sp>
+        <p:nvSpPr>
+          <p:cNvPr id="2" name="Title 1"/>
+          <p:cNvSpPr>
+            <a:spLocks noGrp="1"/>
+          </p:cNvSpPr>
+          <p:nvPr>
+            <p:ph type="title"/>
+          </p:nvPr>
+        </p:nvSpPr>
+        <p:spPr>
+          <a:xfrm>
+            <a:off x="838200" y="562271"/>
+            <a:ext cx="10515600" cy="1128417"/>
+          </a:xfrm>
+        </p:spPr>
+        <p:txBody>
+          <a:bodyPr vert="horz" lIns="91440" tIns="45720" rIns="91440" bIns="45720" rtlCol="0" anchor="ctr">
+            <a:normAutofit/>
+          </a:bodyPr>
+          <a:lstStyle/>
+          <a:p>
+            <a:r>
+              <a:rPr lang="en-US" sz="5200"/>
+              <a:t>Computer Game - AI</a:t>
+            </a:r>
+          </a:p>
+        </p:txBody>
+      </p:sp>
+      <p:sp>
+        <p:nvSpPr>
+          <p:cNvPr id="3" name="Slide Number Placeholder 2"/>
+          <p:cNvSpPr>
+            <a:spLocks noGrp="1"/>
+          </p:cNvSpPr>
+          <p:nvPr>
+            <p:ph type="sldNum" sz="quarter" idx="12"/>
+          </p:nvPr>
+        </p:nvSpPr>
+        <p:spPr>
+          <a:xfrm>
+            <a:off x="8610600" y="6356350"/>
+            <a:ext cx="2743200" cy="365125"/>
+          </a:xfrm>
+        </p:spPr>
+        <p:txBody>
+          <a:bodyPr vert="horz" lIns="91440" tIns="45720" rIns="91440" bIns="45720" rtlCol="0" anchor="ctr">
+            <a:normAutofit/>
+          </a:bodyPr>
+          <a:lstStyle/>
+          <a:p>
+            <a:pPr defTabSz="457200">
+              <a:spcAft>
+                <a:spcPts val="600"/>
+              </a:spcAft>
+            </a:pPr>
+            <a:fld id="{4292D9D0-E695-4D04-8152-0C0E77A81AC1}" type="slidenum">
+              <a:rPr lang="en-US"/>
+              <a:pPr defTabSz="457200">
+                <a:spcAft>
+                  <a:spcPts val="600"/>
+                </a:spcAft>
+              </a:pPr>
+              <a:t>11</a:t>
+            </a:fld>
+            <a:endParaRPr lang="en-US"/>
+          </a:p>
+        </p:txBody>
+      </p:sp>
+    </p:spTree>
+    <p:extLst>
+      <p:ext uri="{BB962C8B-B14F-4D97-AF65-F5344CB8AC3E}">
+        <p14:creationId xmlns:p14="http://schemas.microsoft.com/office/powerpoint/2010/main" val="109172160"/>
+      </p:ext>
+    </p:extLst>
+  </p:cSld>
+  <p:clrMapOvr>
+    <a:masterClrMapping/>
+  </p:clrMapOvr>
+</p:sld>
+</file>
+
+<file path=ppt/slides/slide12.xml><?xml version="1.0" encoding="utf-8"?>
+<p:sld xmlns:a="http://schemas.openxmlformats.org/drawingml/2006/main" xmlns:r="http://schemas.openxmlformats.org/officeDocument/2006/relationships" xmlns:p="http://schemas.openxmlformats.org/presentationml/2006/main">
+  <p:cSld>
+    <p:bg>
+      <p:bgPr>
+        <a:solidFill>
+          <a:schemeClr val="bg1"/>
+        </a:solidFill>
+        <a:effectLst/>
+      </p:bgPr>
+    </p:bg>
+    <p:spTree>
+      <p:nvGrpSpPr>
+        <p:cNvPr id="1" name=""/>
+        <p:cNvGrpSpPr/>
+        <p:nvPr/>
+      </p:nvGrpSpPr>
+      <p:grpSpPr>
+        <a:xfrm>
+          <a:off x="0" y="0"/>
+          <a:ext cx="0" cy="0"/>
+          <a:chOff x="0" y="0"/>
+          <a:chExt cx="0" cy="0"/>
+        </a:xfrm>
+      </p:grpSpPr>
+      <p:sp useBgFill="1">
+        <p:nvSpPr>
+          <p:cNvPr id="192" name="Rectangle 191">
+            <a:extLst>
+              <a:ext uri="{FF2B5EF4-FFF2-40B4-BE49-F238E27FC236}">
+                <a16:creationId xmlns:a16="http://schemas.microsoft.com/office/drawing/2014/main" id="{53F29798-D584-4792-9B62-3F5F5C36D619}"/>
+              </a:ext>
+              <a:ext uri="{C183D7F6-B498-43B3-948B-1728B52AA6E4}">
+                <adec:decorative xmlns:adec="http://schemas.microsoft.com/office/drawing/2017/decorative" val="1"/>
+              </a:ext>
+            </a:extLst>
+          </p:cNvPr>
+          <p:cNvSpPr>
+            <a:spLocks noGrp="1" noRot="1" noChangeAspect="1" noMove="1" noResize="1" noEditPoints="1" noAdjustHandles="1" noChangeArrowheads="1" noChangeShapeType="1" noTextEdit="1"/>
+          </p:cNvSpPr>
+          <p:nvPr>
+            <p:extLst>
+              <p:ext uri="{386F3935-93C4-4BCD-93E2-E3B085C9AB24}">
+                <p16:designElem xmlns:p16="http://schemas.microsoft.com/office/powerpoint/2015/main" val="1"/>
+              </p:ext>
+            </p:extLst>
+          </p:nvPr>
+        </p:nvSpPr>
+        <p:spPr>
+          <a:xfrm>
+            <a:off x="0" y="0"/>
+            <a:ext cx="12188952" cy="6858000"/>
+          </a:xfrm>
+          <a:prstGeom prst="rect">
+            <a:avLst/>
+          </a:prstGeom>
+          <a:ln>
+            <a:noFill/>
+          </a:ln>
+        </p:spPr>
+        <p:style>
+          <a:lnRef idx="2">
+            <a:schemeClr val="accent1">
+              <a:shade val="50000"/>
+            </a:schemeClr>
+          </a:lnRef>
+          <a:fillRef idx="1">
+            <a:schemeClr val="accent1"/>
+          </a:fillRef>
+          <a:effectRef idx="0">
+            <a:schemeClr val="accent1"/>
+          </a:effectRef>
+          <a:fontRef idx="minor">
+            <a:schemeClr val="lt1"/>
+          </a:fontRef>
+        </p:style>
+        <p:txBody>
+          <a:bodyPr rtlCol="0" anchor="ctr"/>
+          <a:lstStyle/>
+          <a:p>
+            <a:pPr algn="ctr"/>
+            <a:endParaRPr lang="en-US"/>
+          </a:p>
+        </p:txBody>
+      </p:sp>
+      <p:pic>
+        <p:nvPicPr>
+          <p:cNvPr id="1026" name="Picture 2">
+            <a:extLst>
+              <a:ext uri="{FF2B5EF4-FFF2-40B4-BE49-F238E27FC236}">
+                <a16:creationId xmlns:a16="http://schemas.microsoft.com/office/drawing/2014/main" id="{DC996B3A-81D2-44CA-9E8E-8CA01142BC96}"/>
+              </a:ext>
+            </a:extLst>
+          </p:cNvPr>
+          <p:cNvPicPr>
+            <a:picLocks noGrp="1" noChangeAspect="1" noChangeArrowheads="1"/>
+          </p:cNvPicPr>
+          <p:nvPr>
+            <p:ph idx="1"/>
+          </p:nvPr>
+        </p:nvPicPr>
+        <p:blipFill>
+          <a:blip r:embed="rId3">
+            <a:extLst>
+              <a:ext uri="{28A0092B-C50C-407E-A947-70E740481C1C}">
+                <a14:useLocalDpi xmlns:a14="http://schemas.microsoft.com/office/drawing/2010/main" val="0"/>
+              </a:ext>
+            </a:extLst>
+          </a:blip>
+          <a:srcRect/>
+          <a:stretch>
+            <a:fillRect/>
+          </a:stretch>
+        </p:blipFill>
+        <p:spPr bwMode="auto">
+          <a:xfrm>
+            <a:off x="1714500" y="1841500"/>
+            <a:ext cx="3111500" cy="4445000"/>
+          </a:xfrm>
+          <a:prstGeom prst="rect">
+            <a:avLst/>
+          </a:prstGeom>
+          <a:extLst>
+            <a:ext uri="{909E8E84-426E-40DD-AFC4-6F175D3DCCD1}">
+              <a14:hiddenFill xmlns:a14="http://schemas.microsoft.com/office/drawing/2010/main">
+                <a:solidFill>
+                  <a:srgbClr val="FFFFFF"/>
+                </a:solidFill>
+              </a14:hiddenFill>
+            </a:ext>
+          </a:extLst>
+        </p:spPr>
+      </p:pic>
+      <p:sp>
+        <p:nvSpPr>
+          <p:cNvPr id="2" name="Title 1"/>
+          <p:cNvSpPr>
+            <a:spLocks noGrp="1"/>
+          </p:cNvSpPr>
+          <p:nvPr>
+            <p:ph type="title"/>
+          </p:nvPr>
+        </p:nvSpPr>
+        <p:spPr>
+          <a:xfrm>
+            <a:off x="838200" y="562271"/>
+            <a:ext cx="10515600" cy="1128417"/>
+          </a:xfrm>
+        </p:spPr>
+        <p:txBody>
+          <a:bodyPr vert="horz" lIns="91440" tIns="45720" rIns="91440" bIns="45720" rtlCol="0" anchor="ctr">
+            <a:normAutofit/>
+          </a:bodyPr>
+          <a:lstStyle/>
+          <a:p>
+            <a:r>
+              <a:rPr lang="en-US" sz="5200" dirty="0"/>
+              <a:t>Game in AI – Not frivolous</a:t>
+            </a:r>
+          </a:p>
+        </p:txBody>
+      </p:sp>
+      <p:sp>
+        <p:nvSpPr>
+          <p:cNvPr id="3" name="Slide Number Placeholder 2"/>
+          <p:cNvSpPr>
+            <a:spLocks noGrp="1"/>
+          </p:cNvSpPr>
+          <p:nvPr>
+            <p:ph type="sldNum" sz="quarter" idx="12"/>
+          </p:nvPr>
+        </p:nvSpPr>
+        <p:spPr>
+          <a:xfrm>
+            <a:off x="8610600" y="6356350"/>
+            <a:ext cx="2743200" cy="365125"/>
+          </a:xfrm>
+        </p:spPr>
+        <p:txBody>
+          <a:bodyPr vert="horz" lIns="91440" tIns="45720" rIns="91440" bIns="45720" rtlCol="0" anchor="ctr">
+            <a:normAutofit/>
+          </a:bodyPr>
+          <a:lstStyle/>
+          <a:p>
+            <a:pPr defTabSz="457200">
+              <a:spcAft>
+                <a:spcPts val="600"/>
+              </a:spcAft>
+            </a:pPr>
+            <a:fld id="{4292D9D0-E695-4D04-8152-0C0E77A81AC1}" type="slidenum">
+              <a:rPr lang="en-US"/>
+              <a:pPr defTabSz="457200">
+                <a:spcAft>
+                  <a:spcPts val="600"/>
+                </a:spcAft>
+              </a:pPr>
+              <a:t>12</a:t>
+            </a:fld>
+            <a:endParaRPr lang="en-US"/>
+          </a:p>
+        </p:txBody>
+      </p:sp>
+      <p:sp>
+        <p:nvSpPr>
+          <p:cNvPr id="4" name="TextBox 3">
+            <a:extLst>
+              <a:ext uri="{FF2B5EF4-FFF2-40B4-BE49-F238E27FC236}">
+                <a16:creationId xmlns:a16="http://schemas.microsoft.com/office/drawing/2014/main" id="{44662E8B-1690-4487-A5A8-834788E41BF0}"/>
+              </a:ext>
+            </a:extLst>
+          </p:cNvPr>
+          <p:cNvSpPr txBox="1"/>
+          <p:nvPr/>
+        </p:nvSpPr>
+        <p:spPr>
+          <a:xfrm>
+            <a:off x="5839968" y="2365248"/>
+            <a:ext cx="5513832" cy="2585323"/>
+          </a:xfrm>
+          <a:prstGeom prst="rect">
+            <a:avLst/>
+          </a:prstGeom>
+          <a:noFill/>
+        </p:spPr>
+        <p:txBody>
+          <a:bodyPr wrap="square" rtlCol="0">
+            <a:spAutoFit/>
+          </a:bodyPr>
+          <a:lstStyle/>
+          <a:p>
+            <a:r>
+              <a:rPr lang="en-US" dirty="0"/>
+              <a:t>Convenient Virtual Environment for research new ideas:</a:t>
+            </a:r>
+          </a:p>
+          <a:p>
+            <a:pPr marL="285750" indent="-285750">
+              <a:buFont typeface="Arial" panose="020B0604020202020204" pitchFamily="34" charset="0"/>
+              <a:buChar char="•"/>
+            </a:pPr>
+            <a:r>
+              <a:rPr lang="en-US" dirty="0"/>
+              <a:t>Cheap</a:t>
+            </a:r>
+          </a:p>
+          <a:p>
+            <a:pPr marL="285750" indent="-285750">
+              <a:buFont typeface="Arial" panose="020B0604020202020204" pitchFamily="34" charset="0"/>
+              <a:buChar char="•"/>
+            </a:pPr>
+            <a:r>
+              <a:rPr lang="en-US" dirty="0"/>
+              <a:t>Reliable</a:t>
+            </a:r>
+          </a:p>
+          <a:p>
+            <a:pPr marL="285750" indent="-285750">
+              <a:buFont typeface="Arial" panose="020B0604020202020204" pitchFamily="34" charset="0"/>
+              <a:buChar char="•"/>
+            </a:pPr>
+            <a:r>
+              <a:rPr lang="en-US" dirty="0"/>
+              <a:t>Flexible</a:t>
+            </a:r>
+          </a:p>
+          <a:p>
+            <a:pPr algn="l"/>
+            <a:r>
+              <a:rPr lang="en-US" dirty="0"/>
+              <a:t>“</a:t>
+            </a:r>
+            <a:r>
+              <a:rPr lang="en-US" sz="1800" b="0" i="0" u="none" strike="noStrike" baseline="0" dirty="0">
+                <a:latin typeface="CMR10"/>
+              </a:rPr>
+              <a:t>because research in robotics requires solving many difficult problems related to low-level sensing and acting in the real world that are far removed from the cognitive aspects of Intelligence”  -- John Laird professor of University of Michigan</a:t>
+            </a:r>
+            <a:endParaRPr lang="en-US" dirty="0"/>
+          </a:p>
+        </p:txBody>
+      </p:sp>
+    </p:spTree>
+    <p:extLst>
+      <p:ext uri="{BB962C8B-B14F-4D97-AF65-F5344CB8AC3E}">
+        <p14:creationId xmlns:p14="http://schemas.microsoft.com/office/powerpoint/2010/main" val="2605168138"/>
+      </p:ext>
+    </p:extLst>
+  </p:cSld>
+  <p:clrMapOvr>
+    <a:masterClrMapping/>
+  </p:clrMapOvr>
+</p:sld>
+</file>
+
 <file path=ppt/slides/slide2.xml><?xml version="1.0" encoding="utf-8"?>
 <p:sld xmlns:a="http://schemas.openxmlformats.org/drawingml/2006/main" xmlns:r="http://schemas.openxmlformats.org/officeDocument/2006/relationships" xmlns:p="http://schemas.openxmlformats.org/presentationml/2006/main">
   <p:cSld>
@@ -6881,6 +7799,33 @@
             <a:pPr marL="0" indent="0">
               <a:buNone/>
             </a:pPr>
+            <a:r>
+              <a:rPr lang="en-US" sz="2400" b="0" i="0" dirty="0">
+                <a:effectLst/>
+                <a:latin typeface="Arial" panose="020B0604020202020204" pitchFamily="34" charset="0"/>
+              </a:rPr>
+              <a:t>Take turn to dice and move</a:t>
+            </a:r>
+          </a:p>
+          <a:p>
+            <a:pPr marL="0" indent="0">
+              <a:buNone/>
+            </a:pPr>
+            <a:r>
+              <a:rPr lang="en-US" sz="2400" dirty="0">
+                <a:latin typeface="Arial" panose="020B0604020202020204" pitchFamily="34" charset="0"/>
+              </a:rPr>
+              <a:t>Towards home</a:t>
+            </a:r>
+            <a:endParaRPr lang="en-US" sz="2400" b="0" i="0" dirty="0">
+              <a:effectLst/>
+              <a:latin typeface="Arial" panose="020B0604020202020204" pitchFamily="34" charset="0"/>
+            </a:endParaRPr>
+          </a:p>
+          <a:p>
+            <a:pPr marL="0" indent="0">
+              <a:buNone/>
+            </a:pPr>
             <a:endParaRPr lang="en-US" sz="2400" dirty="0"/>
           </a:p>
         </p:txBody>
@@ -7664,29 +8609,6 @@
             <a:pPr marL="0" indent="0">
               <a:buNone/>
             </a:pPr>
-            <a:r>
-              <a:rPr lang="en-US" sz="2400" dirty="0">
-                <a:latin typeface="Arial" panose="020B0604020202020204" pitchFamily="34" charset="0"/>
-              </a:rPr>
-              <a:t>Neural networking</a:t>
-            </a:r>
-          </a:p>
-          <a:p>
-            <a:pPr marL="0" indent="0">
-              <a:buNone/>
-            </a:pPr>
-            <a:r>
-              <a:rPr lang="en-US" sz="2400" b="0" i="0" dirty="0">
-                <a:effectLst/>
-                <a:latin typeface="Arial" panose="020B0604020202020204" pitchFamily="34" charset="0"/>
-              </a:rPr>
-              <a:t>Reinforcement learning</a:t>
-            </a:r>
-          </a:p>
-          <a:p>
-            <a:pPr marL="0" indent="0">
-              <a:buNone/>
-            </a:pPr>
             <a:endParaRPr lang="en-US" sz="2400" dirty="0"/>
           </a:p>
         </p:txBody>
@@ -8634,7 +9556,7 @@
                 <a:effectLst/>
                 <a:latin typeface="Arial" panose="020B0604020202020204" pitchFamily="34" charset="0"/>
               </a:rPr>
-              <a:t>Have a try at University of Alberta’s poker-playing programs</a:t>
+              <a:t>Have a try at University of Alberta’s poker-playing programs (since 1995)</a:t>
             </a:r>
             <a:endParaRPr lang="en-US" sz="2400" b="0" i="0" dirty="0">
               <a:effectLst/>
@@ -9489,41 +10411,6 @@
               </a:rPr>
               <a:t>Chris "Jesus" Ferguson, winner of six World Series of Poker events</a:t>
             </a:r>
-          </a:p>
-          <a:p>
-            <a:pPr marL="0" marR="0" lvl="0" indent="0" algn="l" defTabSz="914400" rtl="0" eaLnBrk="1" fontAlgn="auto" latinLnBrk="0" hangingPunct="1">
-              <a:lnSpc>
-                <a:spcPct val="100000"/>
-              </a:lnSpc>
-              <a:spcBef>
-                <a:spcPts val="0"/>
-              </a:spcBef>
-              <a:spcAft>
-                <a:spcPts val="0"/>
-              </a:spcAft>
-              <a:buClrTx/>
-              <a:buSzTx/>
-              <a:buFontTx/>
-              <a:buNone/>
-              <a:tabLst/>
-              <a:defRPr/>
-            </a:pPr>
-            <a:r>
-              <a:rPr lang="en-US" sz="2400" dirty="0">
-                <a:solidFill>
-                  <a:srgbClr val="333333"/>
-                </a:solidFill>
-                <a:latin typeface="Helvetica Neue"/>
-              </a:rPr>
-              <a:t>5,000 hands</a:t>
-            </a:r>
-            <a:endParaRPr lang="en-US" sz="2400" b="0" i="0" dirty="0">
-              <a:solidFill>
-                <a:srgbClr val="333333"/>
-              </a:solidFill>
-              <a:effectLst/>
-              <a:latin typeface="Helvetica Neue"/>
-            </a:endParaRPr>
           </a:p>
         </p:txBody>
       </p:sp>

--- a/docs/8700AI/game in AI.pptx
+++ b/docs/8700AI/game in AI.pptx
@@ -5,7 +5,7 @@
     <p:sldMasterId id="2147483648" r:id="rId1"/>
   </p:sldMasterIdLst>
   <p:notesMasterIdLst>
-    <p:notesMasterId r:id="rId14"/>
+    <p:notesMasterId r:id="rId12"/>
   </p:notesMasterIdLst>
   <p:sldIdLst>
     <p:sldId id="271" r:id="rId2"/>
@@ -18,8 +18,6 @@
     <p:sldId id="278" r:id="rId9"/>
     <p:sldId id="283" r:id="rId10"/>
     <p:sldId id="284" r:id="rId11"/>
-    <p:sldId id="286" r:id="rId12"/>
-    <p:sldId id="287" r:id="rId13"/>
   </p:sldIdLst>
   <p:sldSz cx="12192000" cy="6858000"/>
   <p:notesSz cx="7315200" cy="9601200"/>
@@ -136,8 +134,6 @@
             <p14:sldId id="278"/>
             <p14:sldId id="283"/>
             <p14:sldId id="284"/>
-            <p14:sldId id="286"/>
-            <p14:sldId id="287"/>
           </p14:sldIdLst>
         </p14:section>
       </p14:sectionLst>
@@ -234,7 +230,7 @@
           <a:p>
             <a:fld id="{B2066369-AF0B-44AB-AE7B-8626CDC5EBE5}" type="datetimeFigureOut">
               <a:rPr lang="en-CA" smtClean="0"/>
-              <a:t>2020-10-14</a:t>
+              <a:t>2020-10-11</a:t>
             </a:fld>
             <a:endParaRPr lang="en-CA"/>
           </a:p>
@@ -1123,288 +1119,6 @@
 </p:notes>
 </file>
 
-<file path=ppt/notesSlides/notesSlide11.xml><?xml version="1.0" encoding="utf-8"?>
-<p:notes xmlns:a="http://schemas.openxmlformats.org/drawingml/2006/main" xmlns:r="http://schemas.openxmlformats.org/officeDocument/2006/relationships" xmlns:p="http://schemas.openxmlformats.org/presentationml/2006/main">
-  <p:cSld>
-    <p:spTree>
-      <p:nvGrpSpPr>
-        <p:cNvPr id="1" name=""/>
-        <p:cNvGrpSpPr/>
-        <p:nvPr/>
-      </p:nvGrpSpPr>
-      <p:grpSpPr>
-        <a:xfrm>
-          <a:off x="0" y="0"/>
-          <a:ext cx="0" cy="0"/>
-          <a:chOff x="0" y="0"/>
-          <a:chExt cx="0" cy="0"/>
-        </a:xfrm>
-      </p:grpSpPr>
-      <p:sp>
-        <p:nvSpPr>
-          <p:cNvPr id="2" name="Slide Image Placeholder 1"/>
-          <p:cNvSpPr>
-            <a:spLocks noGrp="1" noRot="1" noChangeAspect="1"/>
-          </p:cNvSpPr>
-          <p:nvPr>
-            <p:ph type="sldImg"/>
-          </p:nvPr>
-        </p:nvSpPr>
-        <p:spPr/>
-      </p:sp>
-      <p:sp>
-        <p:nvSpPr>
-          <p:cNvPr id="3" name="Notes Placeholder 2"/>
-          <p:cNvSpPr>
-            <a:spLocks noGrp="1"/>
-          </p:cNvSpPr>
-          <p:nvPr>
-            <p:ph type="body" idx="1"/>
-          </p:nvPr>
-        </p:nvSpPr>
-        <p:spPr/>
-        <p:txBody>
-          <a:bodyPr/>
-          <a:lstStyle/>
-          <a:p>
-            <a:pPr algn="l"/>
-            <a:r>
-              <a:rPr lang="en-US" sz="1800" b="0" i="0" u="none" strike="noStrike" baseline="0" dirty="0">
-                <a:latin typeface="CMR10"/>
-              </a:rPr>
-              <a:t>developed by Lionhead Studios</a:t>
-            </a:r>
-          </a:p>
-          <a:p>
-            <a:pPr algn="l"/>
-            <a:r>
-              <a:rPr lang="en-US" sz="1800" b="0" i="0" u="none" strike="noStrike" baseline="0" dirty="0">
-                <a:latin typeface="CMR10"/>
-              </a:rPr>
-              <a:t>uses a combination of neural nets and decision trees.</a:t>
-            </a:r>
-          </a:p>
-          <a:p>
-            <a:pPr algn="l"/>
-            <a:r>
-              <a:rPr lang="en-US" sz="1800" b="0" i="0" u="none" strike="noStrike" baseline="0" dirty="0">
-                <a:latin typeface="CMR10"/>
-              </a:rPr>
-              <a:t>human players interacts with and competes with artificial agents in the game (nonplayer characters)</a:t>
-            </a:r>
-          </a:p>
-          <a:p>
-            <a:pPr algn="l"/>
-            <a:r>
-              <a:rPr lang="en-US" sz="1800" b="0" i="0" u="none" strike="noStrike" baseline="0" dirty="0">
-                <a:latin typeface="CMR10"/>
-              </a:rPr>
-              <a:t>NPC can </a:t>
-            </a:r>
-            <a:r>
-              <a:rPr lang="en-US" sz="1800" b="1" i="0" u="none" strike="noStrike" baseline="0" dirty="0">
-                <a:latin typeface="CMR10"/>
-              </a:rPr>
-              <a:t>learn</a:t>
-            </a:r>
-            <a:r>
-              <a:rPr lang="en-US" sz="1800" b="0" i="0" u="none" strike="noStrike" baseline="0" dirty="0">
-                <a:latin typeface="CMR10"/>
-              </a:rPr>
-              <a:t> strategies, master new abilities and skills, [and] lead armies into battle.</a:t>
-            </a:r>
-          </a:p>
-        </p:txBody>
-      </p:sp>
-      <p:sp>
-        <p:nvSpPr>
-          <p:cNvPr id="4" name="Slide Number Placeholder 3"/>
-          <p:cNvSpPr>
-            <a:spLocks noGrp="1"/>
-          </p:cNvSpPr>
-          <p:nvPr>
-            <p:ph type="sldNum" sz="quarter" idx="10"/>
-          </p:nvPr>
-        </p:nvSpPr>
-        <p:spPr/>
-        <p:txBody>
-          <a:bodyPr/>
-          <a:lstStyle/>
-          <a:p>
-            <a:fld id="{E063622E-DBFC-47E3-8C6E-70E04B2C4C20}" type="slidenum">
-              <a:rPr lang="en-CA" smtClean="0"/>
-              <a:t>11</a:t>
-            </a:fld>
-            <a:endParaRPr lang="en-CA"/>
-          </a:p>
-        </p:txBody>
-      </p:sp>
-    </p:spTree>
-    <p:extLst>
-      <p:ext uri="{BB962C8B-B14F-4D97-AF65-F5344CB8AC3E}">
-        <p14:creationId xmlns:p14="http://schemas.microsoft.com/office/powerpoint/2010/main" val="4167733186"/>
-      </p:ext>
-    </p:extLst>
-  </p:cSld>
-  <p:clrMapOvr>
-    <a:masterClrMapping/>
-  </p:clrMapOvr>
-</p:notes>
-</file>
-
-<file path=ppt/notesSlides/notesSlide12.xml><?xml version="1.0" encoding="utf-8"?>
-<p:notes xmlns:a="http://schemas.openxmlformats.org/drawingml/2006/main" xmlns:r="http://schemas.openxmlformats.org/officeDocument/2006/relationships" xmlns:p="http://schemas.openxmlformats.org/presentationml/2006/main">
-  <p:cSld>
-    <p:spTree>
-      <p:nvGrpSpPr>
-        <p:cNvPr id="1" name=""/>
-        <p:cNvGrpSpPr/>
-        <p:nvPr/>
-      </p:nvGrpSpPr>
-      <p:grpSpPr>
-        <a:xfrm>
-          <a:off x="0" y="0"/>
-          <a:ext cx="0" cy="0"/>
-          <a:chOff x="0" y="0"/>
-          <a:chExt cx="0" cy="0"/>
-        </a:xfrm>
-      </p:grpSpPr>
-      <p:sp>
-        <p:nvSpPr>
-          <p:cNvPr id="2" name="Slide Image Placeholder 1"/>
-          <p:cNvSpPr>
-            <a:spLocks noGrp="1" noRot="1" noChangeAspect="1"/>
-          </p:cNvSpPr>
-          <p:nvPr>
-            <p:ph type="sldImg"/>
-          </p:nvPr>
-        </p:nvSpPr>
-        <p:spPr/>
-      </p:sp>
-      <p:sp>
-        <p:nvSpPr>
-          <p:cNvPr id="3" name="Notes Placeholder 2"/>
-          <p:cNvSpPr>
-            <a:spLocks noGrp="1"/>
-          </p:cNvSpPr>
-          <p:nvPr>
-            <p:ph type="body" idx="1"/>
-          </p:nvPr>
-        </p:nvSpPr>
-        <p:spPr/>
-        <p:txBody>
-          <a:bodyPr/>
-          <a:lstStyle/>
-          <a:p>
-            <a:pPr algn="l"/>
-            <a:r>
-              <a:rPr lang="en-US" sz="1800" b="0" i="0" u="none" strike="noStrike" baseline="0" dirty="0">
-                <a:latin typeface="CMR10"/>
-              </a:rPr>
-              <a:t>Some AI researchers have advocated using computer games as a</a:t>
-            </a:r>
-          </a:p>
-          <a:p>
-            <a:pPr algn="l"/>
-            <a:r>
-              <a:rPr lang="en-US" sz="1800" b="0" i="0" u="none" strike="noStrike" baseline="0" dirty="0">
-                <a:latin typeface="CMR10"/>
-              </a:rPr>
-              <a:t>convenient arena for developing new ideas for intelligent agents. For example,</a:t>
-            </a:r>
-          </a:p>
-          <a:p>
-            <a:pPr algn="l"/>
-            <a:r>
-              <a:rPr lang="en-US" sz="1800" b="0" i="0" u="none" strike="noStrike" baseline="0" dirty="0">
-                <a:latin typeface="CMR10"/>
-              </a:rPr>
-              <a:t>University of Michigan professor John Laird has written, because research in</a:t>
-            </a:r>
-          </a:p>
-          <a:p>
-            <a:pPr algn="l"/>
-            <a:r>
-              <a:rPr lang="en-US" sz="1800" b="0" i="0" u="none" strike="noStrike" baseline="0" dirty="0">
-                <a:latin typeface="CMR10"/>
-              </a:rPr>
-              <a:t>robotics requires solving many difficult problems related to low-level sensing</a:t>
-            </a:r>
-          </a:p>
-          <a:p>
-            <a:pPr algn="l"/>
-            <a:r>
-              <a:rPr lang="en-US" sz="1800" b="0" i="0" u="none" strike="noStrike" baseline="0" dirty="0">
-                <a:latin typeface="CMR10"/>
-              </a:rPr>
-              <a:t>and acting in the real world that are far removed from the cognitive aspects of</a:t>
-            </a:r>
-          </a:p>
-          <a:p>
-            <a:pPr algn="l"/>
-            <a:r>
-              <a:rPr lang="en-US" sz="1800" b="0" i="0" u="none" strike="noStrike" baseline="0" dirty="0">
-                <a:latin typeface="CMR10"/>
-              </a:rPr>
-              <a:t>intelligence, . . . computer games provide us with a source of cheap, reliable,</a:t>
-            </a:r>
-          </a:p>
-          <a:p>
-            <a:pPr algn="l"/>
-            <a:r>
-              <a:rPr lang="en-US" sz="1800" b="0" i="0" u="none" strike="noStrike" baseline="0" dirty="0">
-                <a:latin typeface="CMR10"/>
-              </a:rPr>
-              <a:t>and flexible technology for developing our own virtual environments for</a:t>
-            </a:r>
-          </a:p>
-          <a:p>
-            <a:pPr algn="l"/>
-            <a:r>
-              <a:rPr lang="en-US" sz="1800" b="0" i="0" u="none" strike="noStrike" baseline="0" dirty="0">
-                <a:latin typeface="CMR10"/>
-              </a:rPr>
-              <a:t>research."</a:t>
-            </a:r>
-          </a:p>
-        </p:txBody>
-      </p:sp>
-      <p:sp>
-        <p:nvSpPr>
-          <p:cNvPr id="4" name="Slide Number Placeholder 3"/>
-          <p:cNvSpPr>
-            <a:spLocks noGrp="1"/>
-          </p:cNvSpPr>
-          <p:nvPr>
-            <p:ph type="sldNum" sz="quarter" idx="10"/>
-          </p:nvPr>
-        </p:nvSpPr>
-        <p:spPr/>
-        <p:txBody>
-          <a:bodyPr/>
-          <a:lstStyle/>
-          <a:p>
-            <a:fld id="{E063622E-DBFC-47E3-8C6E-70E04B2C4C20}" type="slidenum">
-              <a:rPr lang="en-CA" smtClean="0"/>
-              <a:t>12</a:t>
-            </a:fld>
-            <a:endParaRPr lang="en-CA"/>
-          </a:p>
-        </p:txBody>
-      </p:sp>
-    </p:spTree>
-    <p:extLst>
-      <p:ext uri="{BB962C8B-B14F-4D97-AF65-F5344CB8AC3E}">
-        <p14:creationId xmlns:p14="http://schemas.microsoft.com/office/powerpoint/2010/main" val="136418167"/>
-      </p:ext>
-    </p:extLst>
-  </p:cSld>
-  <p:clrMapOvr>
-    <a:masterClrMapping/>
-  </p:clrMapOvr>
-</p:notes>
-</file>
-
 <file path=ppt/notesSlides/notesSlide2.xml><?xml version="1.0" encoding="utf-8"?>
 <p:notes xmlns:a="http://schemas.openxmlformats.org/drawingml/2006/main" xmlns:r="http://schemas.openxmlformats.org/officeDocument/2006/relationships" xmlns:p="http://schemas.openxmlformats.org/presentationml/2006/main">
   <p:cSld>
@@ -1535,37 +1249,19 @@
           <a:p>
             <a:r>
               <a:rPr lang="en-US" dirty="0"/>
-              <a:t>Changed the way the best human players paly the game, its innovated strategy or tactics to play certain opening positions differently than convention among the best human players,, then human began to play the same positions.</a:t>
-            </a:r>
-          </a:p>
-          <a:p>
-            <a:pPr marL="171450" indent="-171450">
-              <a:buFont typeface="Arial" panose="020B0604020202020204" pitchFamily="34" charset="0"/>
-              <a:buChar char="•"/>
-            </a:pPr>
-            <a:r>
-              <a:rPr lang="en-US" sz="1200" dirty="0">
-                <a:latin typeface="Arial" panose="020B0604020202020204" pitchFamily="34" charset="0"/>
-              </a:rPr>
-              <a:t>Neural networking</a:t>
-            </a:r>
-          </a:p>
-          <a:p>
-            <a:pPr marL="171450" indent="-171450">
-              <a:buFont typeface="Arial" panose="020B0604020202020204" pitchFamily="34" charset="0"/>
-              <a:buChar char="•"/>
-            </a:pPr>
-            <a:r>
-              <a:rPr lang="en-US" sz="1200" b="0" i="0" dirty="0">
-                <a:effectLst/>
-                <a:latin typeface="Arial" panose="020B0604020202020204" pitchFamily="34" charset="0"/>
-              </a:rPr>
-              <a:t>Reinforcement learning</a:t>
-            </a:r>
-            <a:endParaRPr lang="en-US" dirty="0"/>
-          </a:p>
-          <a:p>
-            <a:pPr marL="171450" marR="0" lvl="0" indent="-171450" algn="l" defTabSz="914400" rtl="0" eaLnBrk="1" fontAlgn="auto" latinLnBrk="0" hangingPunct="1">
+              <a:t>Changed the way the best human players paly the game, its innovated strategy or tactics to play certain opening positions differently than convention among the best human players,, then human began to play the same </a:t>
+            </a:r>
+            <a:r>
+              <a:rPr lang="en-US" dirty="0" err="1"/>
+              <a:t>postions</a:t>
+            </a:r>
+            <a:r>
+              <a:rPr lang="en-US" dirty="0"/>
+              <a:t>.</a:t>
+            </a:r>
+          </a:p>
+          <a:p>
+            <a:pPr marL="0" marR="0" lvl="0" indent="0" algn="l" defTabSz="914400" rtl="0" eaLnBrk="1" fontAlgn="auto" latinLnBrk="0" hangingPunct="1">
               <a:lnSpc>
                 <a:spcPct val="100000"/>
               </a:lnSpc>
@@ -1577,8 +1273,8 @@
               </a:spcAft>
               <a:buClrTx/>
               <a:buSzTx/>
-              <a:buFont typeface="Arial" panose="020B0604020202020204" pitchFamily="34" charset="0"/>
-              <a:buChar char="•"/>
+              <a:buFontTx/>
+              <a:buNone/>
               <a:tabLst/>
               <a:defRPr/>
             </a:pPr>
@@ -1890,77 +1586,6 @@
               <a:defRPr/>
             </a:pPr>
             <a:endParaRPr lang="en-US" sz="1200" b="0" i="0" dirty="0">
-              <a:solidFill>
-                <a:srgbClr val="333333"/>
-              </a:solidFill>
-              <a:effectLst/>
-              <a:latin typeface="Helvetica Neue"/>
-            </a:endParaRPr>
-          </a:p>
-          <a:p>
-            <a:pPr marL="0" marR="0" lvl="0" indent="0" algn="l" defTabSz="914400" rtl="0" eaLnBrk="1" fontAlgn="auto" latinLnBrk="0" hangingPunct="1">
-              <a:lnSpc>
-                <a:spcPct val="100000"/>
-              </a:lnSpc>
-              <a:spcBef>
-                <a:spcPts val="0"/>
-              </a:spcBef>
-              <a:spcAft>
-                <a:spcPts val="0"/>
-              </a:spcAft>
-              <a:buClrTx/>
-              <a:buSzTx/>
-              <a:buFontTx/>
-              <a:buNone/>
-              <a:tabLst/>
-              <a:defRPr/>
-            </a:pPr>
-            <a:r>
-              <a:rPr lang="en-US" sz="1200" dirty="0">
-                <a:solidFill>
-                  <a:srgbClr val="333333"/>
-                </a:solidFill>
-                <a:latin typeface="Helvetica Neue"/>
-              </a:rPr>
-              <a:t>5,000 hands</a:t>
-            </a:r>
-            <a:endParaRPr lang="en-US" sz="1200" b="0" i="0" dirty="0">
-              <a:solidFill>
-                <a:srgbClr val="333333"/>
-              </a:solidFill>
-              <a:effectLst/>
-              <a:latin typeface="Helvetica Neue"/>
-            </a:endParaRPr>
-          </a:p>
-          <a:p>
-            <a:pPr algn="l"/>
-            <a:endParaRPr lang="en-US" b="0" i="0" dirty="0">
-              <a:solidFill>
-                <a:srgbClr val="333333"/>
-              </a:solidFill>
-              <a:effectLst/>
-              <a:latin typeface="Helvetica Neue"/>
-            </a:endParaRPr>
-          </a:p>
-          <a:p>
-            <a:pPr marL="0" marR="0" lvl="0" indent="0" algn="l" defTabSz="914400" rtl="0" eaLnBrk="1" fontAlgn="auto" latinLnBrk="0" hangingPunct="1">
-              <a:lnSpc>
-                <a:spcPct val="100000"/>
-              </a:lnSpc>
-              <a:spcBef>
-                <a:spcPts val="0"/>
-              </a:spcBef>
-              <a:spcAft>
-                <a:spcPts val="0"/>
-              </a:spcAft>
-              <a:buClrTx/>
-              <a:buSzTx/>
-              <a:buFontTx/>
-              <a:buNone/>
-              <a:tabLst/>
-              <a:defRPr/>
-            </a:pPr>
-            <a:endParaRPr lang="en-US" sz="1200" b="0" i="0" dirty="0">
               <a:effectLst/>
               <a:latin typeface="Arial" panose="020B0604020202020204" pitchFamily="34" charset="0"/>
             </a:endParaRPr>
@@ -2544,7 +2169,7 @@
           <a:p>
             <a:fld id="{E8102FDE-1A56-400C-A2BE-AAED19C33990}" type="datetime1">
               <a:rPr lang="en-CA" smtClean="0"/>
-              <a:t>2020-10-14</a:t>
+              <a:t>2020-10-11</a:t>
             </a:fld>
             <a:endParaRPr lang="en-CA"/>
           </a:p>
@@ -2714,7 +2339,7 @@
           <a:p>
             <a:fld id="{D8C8F480-92F9-4E27-8D3C-8B7657ABD25D}" type="datetime1">
               <a:rPr lang="en-CA" smtClean="0"/>
-              <a:t>2020-10-14</a:t>
+              <a:t>2020-10-11</a:t>
             </a:fld>
             <a:endParaRPr lang="en-CA"/>
           </a:p>
@@ -2894,7 +2519,7 @@
           <a:p>
             <a:fld id="{AC57BF53-E7B6-451A-BCF4-9865C8B201F8}" type="datetime1">
               <a:rPr lang="en-CA" smtClean="0"/>
-              <a:t>2020-10-14</a:t>
+              <a:t>2020-10-11</a:t>
             </a:fld>
             <a:endParaRPr lang="en-CA"/>
           </a:p>
@@ -3086,7 +2711,7 @@
           <a:p>
             <a:fld id="{AFC62F67-C995-4869-BD9A-A72BCA4A9B9F}" type="datetime1">
               <a:rPr lang="en-CA" smtClean="0"/>
-              <a:t>2020-10-14</a:t>
+              <a:t>2020-10-11</a:t>
             </a:fld>
             <a:endParaRPr lang="en-CA"/>
           </a:p>
@@ -3332,7 +2957,7 @@
           <a:p>
             <a:fld id="{0EBE6AD9-2733-4299-90D2-5CE2186A32E6}" type="datetime1">
               <a:rPr lang="en-CA" smtClean="0"/>
-              <a:t>2020-10-14</a:t>
+              <a:t>2020-10-11</a:t>
             </a:fld>
             <a:endParaRPr lang="en-CA"/>
           </a:p>
@@ -3564,7 +3189,7 @@
           <a:p>
             <a:fld id="{BAA12C72-6FF7-473F-8DE5-7B29173F1708}" type="datetime1">
               <a:rPr lang="en-CA" smtClean="0"/>
-              <a:t>2020-10-14</a:t>
+              <a:t>2020-10-11</a:t>
             </a:fld>
             <a:endParaRPr lang="en-CA"/>
           </a:p>
@@ -3931,7 +3556,7 @@
           <a:p>
             <a:fld id="{DFD212A4-135B-45E8-9B56-1303FA90FEDF}" type="datetime1">
               <a:rPr lang="en-CA" smtClean="0"/>
-              <a:t>2020-10-14</a:t>
+              <a:t>2020-10-11</a:t>
             </a:fld>
             <a:endParaRPr lang="en-CA"/>
           </a:p>
@@ -4049,7 +3674,7 @@
           <a:p>
             <a:fld id="{DF63069B-7AD0-4C20-8455-4B78DE0BA252}" type="datetime1">
               <a:rPr lang="en-CA" smtClean="0"/>
-              <a:t>2020-10-14</a:t>
+              <a:t>2020-10-11</a:t>
             </a:fld>
             <a:endParaRPr lang="en-CA"/>
           </a:p>
@@ -4144,7 +3769,7 @@
           <a:p>
             <a:fld id="{1DFF3F2A-1AE0-496A-82D0-5E79ED60883E}" type="datetime1">
               <a:rPr lang="en-CA" smtClean="0"/>
-              <a:t>2020-10-14</a:t>
+              <a:t>2020-10-11</a:t>
             </a:fld>
             <a:endParaRPr lang="en-CA"/>
           </a:p>
@@ -4421,7 +4046,7 @@
           <a:p>
             <a:fld id="{20EF2A88-B4F2-4ADE-9D7C-227F6A32335E}" type="datetime1">
               <a:rPr lang="en-CA" smtClean="0"/>
-              <a:t>2020-10-14</a:t>
+              <a:t>2020-10-11</a:t>
             </a:fld>
             <a:endParaRPr lang="en-CA"/>
           </a:p>
@@ -4674,7 +4299,7 @@
           <a:p>
             <a:fld id="{086A9AD2-B877-470B-BD4B-31FDB11D9E4E}" type="datetime1">
               <a:rPr lang="en-CA" smtClean="0"/>
-              <a:t>2020-10-14</a:t>
+              <a:t>2020-10-11</a:t>
             </a:fld>
             <a:endParaRPr lang="en-CA"/>
           </a:p>
@@ -4887,7 +4512,7 @@
           <a:p>
             <a:fld id="{2AA5C639-8A8B-454A-87A9-F556343F0036}" type="datetime1">
               <a:rPr lang="en-CA" smtClean="0"/>
-              <a:t>2020-10-14</a:t>
+              <a:t>2020-10-11</a:t>
             </a:fld>
             <a:endParaRPr lang="en-CA"/>
           </a:p>
@@ -5753,6 +5378,18 @@
             <a:pPr marL="0" indent="0">
               <a:buNone/>
             </a:pPr>
+            <a:r>
+              <a:rPr lang="en-US" sz="1700" b="0" i="0" dirty="0">
+                <a:effectLst/>
+                <a:latin typeface="Arial" panose="020B0604020202020204" pitchFamily="34" charset="0"/>
+              </a:rPr>
+              <a:t>Take turn to dice and move</a:t>
+            </a:r>
+          </a:p>
+          <a:p>
+            <a:pPr marL="0" indent="0">
+              <a:buNone/>
+            </a:pPr>
             <a:endParaRPr lang="en-US" sz="1700" dirty="0"/>
           </a:p>
         </p:txBody>
@@ -6590,561 +6227,6 @@
 </p:sld>
 </file>
 
-<file path=ppt/slides/slide11.xml><?xml version="1.0" encoding="utf-8"?>
-<p:sld xmlns:a="http://schemas.openxmlformats.org/drawingml/2006/main" xmlns:r="http://schemas.openxmlformats.org/officeDocument/2006/relationships" xmlns:p="http://schemas.openxmlformats.org/presentationml/2006/main">
-  <p:cSld>
-    <p:bg>
-      <p:bgPr>
-        <a:solidFill>
-          <a:schemeClr val="bg1"/>
-        </a:solidFill>
-        <a:effectLst/>
-      </p:bgPr>
-    </p:bg>
-    <p:spTree>
-      <p:nvGrpSpPr>
-        <p:cNvPr id="1" name=""/>
-        <p:cNvGrpSpPr/>
-        <p:nvPr/>
-      </p:nvGrpSpPr>
-      <p:grpSpPr>
-        <a:xfrm>
-          <a:off x="0" y="0"/>
-          <a:ext cx="0" cy="0"/>
-          <a:chOff x="0" y="0"/>
-          <a:chExt cx="0" cy="0"/>
-        </a:xfrm>
-      </p:grpSpPr>
-      <p:sp useBgFill="1">
-        <p:nvSpPr>
-          <p:cNvPr id="192" name="Rectangle 191">
-            <a:extLst>
-              <a:ext uri="{FF2B5EF4-FFF2-40B4-BE49-F238E27FC236}">
-                <a16:creationId xmlns:a16="http://schemas.microsoft.com/office/drawing/2014/main" id="{53F29798-D584-4792-9B62-3F5F5C36D619}"/>
-              </a:ext>
-              <a:ext uri="{C183D7F6-B498-43B3-948B-1728B52AA6E4}">
-                <adec:decorative xmlns:adec="http://schemas.microsoft.com/office/drawing/2017/decorative" val="1"/>
-              </a:ext>
-            </a:extLst>
-          </p:cNvPr>
-          <p:cNvSpPr>
-            <a:spLocks noGrp="1" noRot="1" noChangeAspect="1" noMove="1" noResize="1" noEditPoints="1" noAdjustHandles="1" noChangeArrowheads="1" noChangeShapeType="1" noTextEdit="1"/>
-          </p:cNvSpPr>
-          <p:nvPr>
-            <p:extLst>
-              <p:ext uri="{386F3935-93C4-4BCD-93E2-E3B085C9AB24}">
-                <p16:designElem xmlns:p16="http://schemas.microsoft.com/office/powerpoint/2015/main" val="1"/>
-              </p:ext>
-            </p:extLst>
-          </p:nvPr>
-        </p:nvSpPr>
-        <p:spPr>
-          <a:xfrm>
-            <a:off x="0" y="0"/>
-            <a:ext cx="12188952" cy="6858000"/>
-          </a:xfrm>
-          <a:prstGeom prst="rect">
-            <a:avLst/>
-          </a:prstGeom>
-          <a:ln>
-            <a:noFill/>
-          </a:ln>
-        </p:spPr>
-        <p:style>
-          <a:lnRef idx="2">
-            <a:schemeClr val="accent1">
-              <a:shade val="50000"/>
-            </a:schemeClr>
-          </a:lnRef>
-          <a:fillRef idx="1">
-            <a:schemeClr val="accent1"/>
-          </a:fillRef>
-          <a:effectRef idx="0">
-            <a:schemeClr val="accent1"/>
-          </a:effectRef>
-          <a:fontRef idx="minor">
-            <a:schemeClr val="lt1"/>
-          </a:fontRef>
-        </p:style>
-        <p:txBody>
-          <a:bodyPr rtlCol="0" anchor="ctr"/>
-          <a:lstStyle/>
-          <a:p>
-            <a:pPr algn="ctr"/>
-            <a:endParaRPr lang="en-US"/>
-          </a:p>
-        </p:txBody>
-      </p:sp>
-      <p:pic>
-        <p:nvPicPr>
-          <p:cNvPr id="1026" name="Picture 2">
-            <a:extLst>
-              <a:ext uri="{FF2B5EF4-FFF2-40B4-BE49-F238E27FC236}">
-                <a16:creationId xmlns:a16="http://schemas.microsoft.com/office/drawing/2014/main" id="{DC996B3A-81D2-44CA-9E8E-8CA01142BC96}"/>
-              </a:ext>
-            </a:extLst>
-          </p:cNvPr>
-          <p:cNvPicPr>
-            <a:picLocks noGrp="1" noChangeAspect="1" noChangeArrowheads="1"/>
-          </p:cNvPicPr>
-          <p:nvPr>
-            <p:ph idx="1"/>
-          </p:nvPr>
-        </p:nvPicPr>
-        <p:blipFill>
-          <a:blip r:embed="rId3">
-            <a:extLst>
-              <a:ext uri="{28A0092B-C50C-407E-A947-70E740481C1C}">
-                <a14:useLocalDpi xmlns:a14="http://schemas.microsoft.com/office/drawing/2010/main" val="0"/>
-              </a:ext>
-            </a:extLst>
-          </a:blip>
-          <a:srcRect/>
-          <a:stretch>
-            <a:fillRect/>
-          </a:stretch>
-        </p:blipFill>
-        <p:spPr bwMode="auto">
-          <a:xfrm>
-            <a:off x="1714500" y="1841500"/>
-            <a:ext cx="3111500" cy="4445000"/>
-          </a:xfrm>
-          <a:prstGeom prst="rect">
-            <a:avLst/>
-          </a:prstGeom>
-          <a:extLst>
-            <a:ext uri="{909E8E84-426E-40DD-AFC4-6F175D3DCCD1}">
-              <a14:hiddenFill xmlns:a14="http://schemas.microsoft.com/office/drawing/2010/main">
-                <a:solidFill>
-                  <a:srgbClr val="FFFFFF"/>
-                </a:solidFill>
-              </a14:hiddenFill>
-            </a:ext>
-          </a:extLst>
-        </p:spPr>
-      </p:pic>
-      <p:pic>
-        <p:nvPicPr>
-          <p:cNvPr id="1028" name="Picture 4">
-            <a:extLst>
-              <a:ext uri="{FF2B5EF4-FFF2-40B4-BE49-F238E27FC236}">
-                <a16:creationId xmlns:a16="http://schemas.microsoft.com/office/drawing/2014/main" id="{A99B0362-89AD-439D-ACE2-64106BFB363B}"/>
-              </a:ext>
-            </a:extLst>
-          </p:cNvPr>
-          <p:cNvPicPr>
-            <a:picLocks noChangeAspect="1" noChangeArrowheads="1"/>
-          </p:cNvPicPr>
-          <p:nvPr/>
-        </p:nvPicPr>
-        <p:blipFill>
-          <a:blip r:embed="rId4">
-            <a:extLst>
-              <a:ext uri="{28A0092B-C50C-407E-A947-70E740481C1C}">
-                <a14:useLocalDpi xmlns:a14="http://schemas.microsoft.com/office/drawing/2010/main" val="0"/>
-              </a:ext>
-            </a:extLst>
-          </a:blip>
-          <a:srcRect/>
-          <a:stretch>
-            <a:fillRect/>
-          </a:stretch>
-        </p:blipFill>
-        <p:spPr bwMode="auto">
-          <a:xfrm>
-            <a:off x="4889500" y="1841500"/>
-            <a:ext cx="5549900" cy="4445000"/>
-          </a:xfrm>
-          <a:prstGeom prst="rect">
-            <a:avLst/>
-          </a:prstGeom>
-          <a:extLst>
-            <a:ext uri="{909E8E84-426E-40DD-AFC4-6F175D3DCCD1}">
-              <a14:hiddenFill xmlns:a14="http://schemas.microsoft.com/office/drawing/2010/main">
-                <a:solidFill>
-                  <a:srgbClr val="FFFFFF"/>
-                </a:solidFill>
-              </a14:hiddenFill>
-            </a:ext>
-          </a:extLst>
-        </p:spPr>
-      </p:pic>
-      <p:sp>
-        <p:nvSpPr>
-          <p:cNvPr id="2" name="Title 1"/>
-          <p:cNvSpPr>
-            <a:spLocks noGrp="1"/>
-          </p:cNvSpPr>
-          <p:nvPr>
-            <p:ph type="title"/>
-          </p:nvPr>
-        </p:nvSpPr>
-        <p:spPr>
-          <a:xfrm>
-            <a:off x="838200" y="562271"/>
-            <a:ext cx="10515600" cy="1128417"/>
-          </a:xfrm>
-        </p:spPr>
-        <p:txBody>
-          <a:bodyPr vert="horz" lIns="91440" tIns="45720" rIns="91440" bIns="45720" rtlCol="0" anchor="ctr">
-            <a:normAutofit/>
-          </a:bodyPr>
-          <a:lstStyle/>
-          <a:p>
-            <a:r>
-              <a:rPr lang="en-US" sz="5200"/>
-              <a:t>Computer Game - AI</a:t>
-            </a:r>
-          </a:p>
-        </p:txBody>
-      </p:sp>
-      <p:sp>
-        <p:nvSpPr>
-          <p:cNvPr id="3" name="Slide Number Placeholder 2"/>
-          <p:cNvSpPr>
-            <a:spLocks noGrp="1"/>
-          </p:cNvSpPr>
-          <p:nvPr>
-            <p:ph type="sldNum" sz="quarter" idx="12"/>
-          </p:nvPr>
-        </p:nvSpPr>
-        <p:spPr>
-          <a:xfrm>
-            <a:off x="8610600" y="6356350"/>
-            <a:ext cx="2743200" cy="365125"/>
-          </a:xfrm>
-        </p:spPr>
-        <p:txBody>
-          <a:bodyPr vert="horz" lIns="91440" tIns="45720" rIns="91440" bIns="45720" rtlCol="0" anchor="ctr">
-            <a:normAutofit/>
-          </a:bodyPr>
-          <a:lstStyle/>
-          <a:p>
-            <a:pPr defTabSz="457200">
-              <a:spcAft>
-                <a:spcPts val="600"/>
-              </a:spcAft>
-            </a:pPr>
-            <a:fld id="{4292D9D0-E695-4D04-8152-0C0E77A81AC1}" type="slidenum">
-              <a:rPr lang="en-US"/>
-              <a:pPr defTabSz="457200">
-                <a:spcAft>
-                  <a:spcPts val="600"/>
-                </a:spcAft>
-              </a:pPr>
-              <a:t>11</a:t>
-            </a:fld>
-            <a:endParaRPr lang="en-US"/>
-          </a:p>
-        </p:txBody>
-      </p:sp>
-    </p:spTree>
-    <p:extLst>
-      <p:ext uri="{BB962C8B-B14F-4D97-AF65-F5344CB8AC3E}">
-        <p14:creationId xmlns:p14="http://schemas.microsoft.com/office/powerpoint/2010/main" val="109172160"/>
-      </p:ext>
-    </p:extLst>
-  </p:cSld>
-  <p:clrMapOvr>
-    <a:masterClrMapping/>
-  </p:clrMapOvr>
-</p:sld>
-</file>
-
-<file path=ppt/slides/slide12.xml><?xml version="1.0" encoding="utf-8"?>
-<p:sld xmlns:a="http://schemas.openxmlformats.org/drawingml/2006/main" xmlns:r="http://schemas.openxmlformats.org/officeDocument/2006/relationships" xmlns:p="http://schemas.openxmlformats.org/presentationml/2006/main">
-  <p:cSld>
-    <p:bg>
-      <p:bgPr>
-        <a:solidFill>
-          <a:schemeClr val="bg1"/>
-        </a:solidFill>
-        <a:effectLst/>
-      </p:bgPr>
-    </p:bg>
-    <p:spTree>
-      <p:nvGrpSpPr>
-        <p:cNvPr id="1" name=""/>
-        <p:cNvGrpSpPr/>
-        <p:nvPr/>
-      </p:nvGrpSpPr>
-      <p:grpSpPr>
-        <a:xfrm>
-          <a:off x="0" y="0"/>
-          <a:ext cx="0" cy="0"/>
-          <a:chOff x="0" y="0"/>
-          <a:chExt cx="0" cy="0"/>
-        </a:xfrm>
-      </p:grpSpPr>
-      <p:sp useBgFill="1">
-        <p:nvSpPr>
-          <p:cNvPr id="192" name="Rectangle 191">
-            <a:extLst>
-              <a:ext uri="{FF2B5EF4-FFF2-40B4-BE49-F238E27FC236}">
-                <a16:creationId xmlns:a16="http://schemas.microsoft.com/office/drawing/2014/main" id="{53F29798-D584-4792-9B62-3F5F5C36D619}"/>
-              </a:ext>
-              <a:ext uri="{C183D7F6-B498-43B3-948B-1728B52AA6E4}">
-                <adec:decorative xmlns:adec="http://schemas.microsoft.com/office/drawing/2017/decorative" val="1"/>
-              </a:ext>
-            </a:extLst>
-          </p:cNvPr>
-          <p:cNvSpPr>
-            <a:spLocks noGrp="1" noRot="1" noChangeAspect="1" noMove="1" noResize="1" noEditPoints="1" noAdjustHandles="1" noChangeArrowheads="1" noChangeShapeType="1" noTextEdit="1"/>
-          </p:cNvSpPr>
-          <p:nvPr>
-            <p:extLst>
-              <p:ext uri="{386F3935-93C4-4BCD-93E2-E3B085C9AB24}">
-                <p16:designElem xmlns:p16="http://schemas.microsoft.com/office/powerpoint/2015/main" val="1"/>
-              </p:ext>
-            </p:extLst>
-          </p:nvPr>
-        </p:nvSpPr>
-        <p:spPr>
-          <a:xfrm>
-            <a:off x="0" y="0"/>
-            <a:ext cx="12188952" cy="6858000"/>
-          </a:xfrm>
-          <a:prstGeom prst="rect">
-            <a:avLst/>
-          </a:prstGeom>
-          <a:ln>
-            <a:noFill/>
-          </a:ln>
-        </p:spPr>
-        <p:style>
-          <a:lnRef idx="2">
-            <a:schemeClr val="accent1">
-              <a:shade val="50000"/>
-            </a:schemeClr>
-          </a:lnRef>
-          <a:fillRef idx="1">
-            <a:schemeClr val="accent1"/>
-          </a:fillRef>
-          <a:effectRef idx="0">
-            <a:schemeClr val="accent1"/>
-          </a:effectRef>
-          <a:fontRef idx="minor">
-            <a:schemeClr val="lt1"/>
-          </a:fontRef>
-        </p:style>
-        <p:txBody>
-          <a:bodyPr rtlCol="0" anchor="ctr"/>
-          <a:lstStyle/>
-          <a:p>
-            <a:pPr algn="ctr"/>
-            <a:endParaRPr lang="en-US"/>
-          </a:p>
-        </p:txBody>
-      </p:sp>
-      <p:pic>
-        <p:nvPicPr>
-          <p:cNvPr id="1026" name="Picture 2">
-            <a:extLst>
-              <a:ext uri="{FF2B5EF4-FFF2-40B4-BE49-F238E27FC236}">
-                <a16:creationId xmlns:a16="http://schemas.microsoft.com/office/drawing/2014/main" id="{DC996B3A-81D2-44CA-9E8E-8CA01142BC96}"/>
-              </a:ext>
-            </a:extLst>
-          </p:cNvPr>
-          <p:cNvPicPr>
-            <a:picLocks noGrp="1" noChangeAspect="1" noChangeArrowheads="1"/>
-          </p:cNvPicPr>
-          <p:nvPr>
-            <p:ph idx="1"/>
-          </p:nvPr>
-        </p:nvPicPr>
-        <p:blipFill>
-          <a:blip r:embed="rId3">
-            <a:extLst>
-              <a:ext uri="{28A0092B-C50C-407E-A947-70E740481C1C}">
-                <a14:useLocalDpi xmlns:a14="http://schemas.microsoft.com/office/drawing/2010/main" val="0"/>
-              </a:ext>
-            </a:extLst>
-          </a:blip>
-          <a:srcRect/>
-          <a:stretch>
-            <a:fillRect/>
-          </a:stretch>
-        </p:blipFill>
-        <p:spPr bwMode="auto">
-          <a:xfrm>
-            <a:off x="1714500" y="1841500"/>
-            <a:ext cx="3111500" cy="4445000"/>
-          </a:xfrm>
-          <a:prstGeom prst="rect">
-            <a:avLst/>
-          </a:prstGeom>
-          <a:extLst>
-            <a:ext uri="{909E8E84-426E-40DD-AFC4-6F175D3DCCD1}">
-              <a14:hiddenFill xmlns:a14="http://schemas.microsoft.com/office/drawing/2010/main">
-                <a:solidFill>
-                  <a:srgbClr val="FFFFFF"/>
-                </a:solidFill>
-              </a14:hiddenFill>
-            </a:ext>
-          </a:extLst>
-        </p:spPr>
-      </p:pic>
-      <p:sp>
-        <p:nvSpPr>
-          <p:cNvPr id="2" name="Title 1"/>
-          <p:cNvSpPr>
-            <a:spLocks noGrp="1"/>
-          </p:cNvSpPr>
-          <p:nvPr>
-            <p:ph type="title"/>
-          </p:nvPr>
-        </p:nvSpPr>
-        <p:spPr>
-          <a:xfrm>
-            <a:off x="838200" y="562271"/>
-            <a:ext cx="10515600" cy="1128417"/>
-          </a:xfrm>
-        </p:spPr>
-        <p:txBody>
-          <a:bodyPr vert="horz" lIns="91440" tIns="45720" rIns="91440" bIns="45720" rtlCol="0" anchor="ctr">
-            <a:normAutofit/>
-          </a:bodyPr>
-          <a:lstStyle/>
-          <a:p>
-            <a:r>
-              <a:rPr lang="en-US" sz="5200" dirty="0"/>
-              <a:t>Game in AI – Not frivolous</a:t>
-            </a:r>
-          </a:p>
-        </p:txBody>
-      </p:sp>
-      <p:sp>
-        <p:nvSpPr>
-          <p:cNvPr id="3" name="Slide Number Placeholder 2"/>
-          <p:cNvSpPr>
-            <a:spLocks noGrp="1"/>
-          </p:cNvSpPr>
-          <p:nvPr>
-            <p:ph type="sldNum" sz="quarter" idx="12"/>
-          </p:nvPr>
-        </p:nvSpPr>
-        <p:spPr>
-          <a:xfrm>
-            <a:off x="8610600" y="6356350"/>
-            <a:ext cx="2743200" cy="365125"/>
-          </a:xfrm>
-        </p:spPr>
-        <p:txBody>
-          <a:bodyPr vert="horz" lIns="91440" tIns="45720" rIns="91440" bIns="45720" rtlCol="0" anchor="ctr">
-            <a:normAutofit/>
-          </a:bodyPr>
-          <a:lstStyle/>
-          <a:p>
-            <a:pPr defTabSz="457200">
-              <a:spcAft>
-                <a:spcPts val="600"/>
-              </a:spcAft>
-            </a:pPr>
-            <a:fld id="{4292D9D0-E695-4D04-8152-0C0E77A81AC1}" type="slidenum">
-              <a:rPr lang="en-US"/>
-              <a:pPr defTabSz="457200">
-                <a:spcAft>
-                  <a:spcPts val="600"/>
-                </a:spcAft>
-              </a:pPr>
-              <a:t>12</a:t>
-            </a:fld>
-            <a:endParaRPr lang="en-US"/>
-          </a:p>
-        </p:txBody>
-      </p:sp>
-      <p:sp>
-        <p:nvSpPr>
-          <p:cNvPr id="4" name="TextBox 3">
-            <a:extLst>
-              <a:ext uri="{FF2B5EF4-FFF2-40B4-BE49-F238E27FC236}">
-                <a16:creationId xmlns:a16="http://schemas.microsoft.com/office/drawing/2014/main" id="{44662E8B-1690-4487-A5A8-834788E41BF0}"/>
-              </a:ext>
-            </a:extLst>
-          </p:cNvPr>
-          <p:cNvSpPr txBox="1"/>
-          <p:nvPr/>
-        </p:nvSpPr>
-        <p:spPr>
-          <a:xfrm>
-            <a:off x="5839968" y="2365248"/>
-            <a:ext cx="5513832" cy="2585323"/>
-          </a:xfrm>
-          <a:prstGeom prst="rect">
-            <a:avLst/>
-          </a:prstGeom>
-          <a:noFill/>
-        </p:spPr>
-        <p:txBody>
-          <a:bodyPr wrap="square" rtlCol="0">
-            <a:spAutoFit/>
-          </a:bodyPr>
-          <a:lstStyle/>
-          <a:p>
-            <a:r>
-              <a:rPr lang="en-US" dirty="0"/>
-              <a:t>Convenient Virtual Environment for research new ideas:</a:t>
-            </a:r>
-          </a:p>
-          <a:p>
-            <a:pPr marL="285750" indent="-285750">
-              <a:buFont typeface="Arial" panose="020B0604020202020204" pitchFamily="34" charset="0"/>
-              <a:buChar char="•"/>
-            </a:pPr>
-            <a:r>
-              <a:rPr lang="en-US" dirty="0"/>
-              <a:t>Cheap</a:t>
-            </a:r>
-          </a:p>
-          <a:p>
-            <a:pPr marL="285750" indent="-285750">
-              <a:buFont typeface="Arial" panose="020B0604020202020204" pitchFamily="34" charset="0"/>
-              <a:buChar char="•"/>
-            </a:pPr>
-            <a:r>
-              <a:rPr lang="en-US" dirty="0"/>
-              <a:t>Reliable</a:t>
-            </a:r>
-          </a:p>
-          <a:p>
-            <a:pPr marL="285750" indent="-285750">
-              <a:buFont typeface="Arial" panose="020B0604020202020204" pitchFamily="34" charset="0"/>
-              <a:buChar char="•"/>
-            </a:pPr>
-            <a:r>
-              <a:rPr lang="en-US" dirty="0"/>
-              <a:t>Flexible</a:t>
-            </a:r>
-          </a:p>
-          <a:p>
-            <a:pPr algn="l"/>
-            <a:r>
-              <a:rPr lang="en-US" dirty="0"/>
-              <a:t>“</a:t>
-            </a:r>
-            <a:r>
-              <a:rPr lang="en-US" sz="1800" b="0" i="0" u="none" strike="noStrike" baseline="0" dirty="0">
-                <a:latin typeface="CMR10"/>
-              </a:rPr>
-              <a:t>because research in robotics requires solving many difficult problems related to low-level sensing and acting in the real world that are far removed from the cognitive aspects of Intelligence”  -- John Laird professor of University of Michigan</a:t>
-            </a:r>
-            <a:endParaRPr lang="en-US" dirty="0"/>
-          </a:p>
-        </p:txBody>
-      </p:sp>
-    </p:spTree>
-    <p:extLst>
-      <p:ext uri="{BB962C8B-B14F-4D97-AF65-F5344CB8AC3E}">
-        <p14:creationId xmlns:p14="http://schemas.microsoft.com/office/powerpoint/2010/main" val="2605168138"/>
-      </p:ext>
-    </p:extLst>
-  </p:cSld>
-  <p:clrMapOvr>
-    <a:masterClrMapping/>
-  </p:clrMapOvr>
-</p:sld>
-</file>
-
 <file path=ppt/slides/slide2.xml><?xml version="1.0" encoding="utf-8"?>
 <p:sld xmlns:a="http://schemas.openxmlformats.org/drawingml/2006/main" xmlns:r="http://schemas.openxmlformats.org/officeDocument/2006/relationships" xmlns:p="http://schemas.openxmlformats.org/presentationml/2006/main">
   <p:cSld>
@@ -7799,33 +6881,6 @@
             <a:pPr marL="0" indent="0">
               <a:buNone/>
             </a:pPr>
-            <a:r>
-              <a:rPr lang="en-US" sz="2400" b="0" i="0" dirty="0">
-                <a:effectLst/>
-                <a:latin typeface="Arial" panose="020B0604020202020204" pitchFamily="34" charset="0"/>
-              </a:rPr>
-              <a:t>Take turn to dice and move</a:t>
-            </a:r>
-          </a:p>
-          <a:p>
-            <a:pPr marL="0" indent="0">
-              <a:buNone/>
-            </a:pPr>
-            <a:r>
-              <a:rPr lang="en-US" sz="2400" dirty="0">
-                <a:latin typeface="Arial" panose="020B0604020202020204" pitchFamily="34" charset="0"/>
-              </a:rPr>
-              <a:t>Towards home</a:t>
-            </a:r>
-            <a:endParaRPr lang="en-US" sz="2400" b="0" i="0" dirty="0">
-              <a:effectLst/>
-              <a:latin typeface="Arial" panose="020B0604020202020204" pitchFamily="34" charset="0"/>
-            </a:endParaRPr>
-          </a:p>
-          <a:p>
-            <a:pPr marL="0" indent="0">
-              <a:buNone/>
-            </a:pPr>
             <a:endParaRPr lang="en-US" sz="2400" dirty="0"/>
           </a:p>
         </p:txBody>
@@ -8609,6 +7664,29 @@
             <a:pPr marL="0" indent="0">
               <a:buNone/>
             </a:pPr>
+            <a:r>
+              <a:rPr lang="en-US" sz="2400" dirty="0">
+                <a:latin typeface="Arial" panose="020B0604020202020204" pitchFamily="34" charset="0"/>
+              </a:rPr>
+              <a:t>Neural networking</a:t>
+            </a:r>
+          </a:p>
+          <a:p>
+            <a:pPr marL="0" indent="0">
+              <a:buNone/>
+            </a:pPr>
+            <a:r>
+              <a:rPr lang="en-US" sz="2400" b="0" i="0" dirty="0">
+                <a:effectLst/>
+                <a:latin typeface="Arial" panose="020B0604020202020204" pitchFamily="34" charset="0"/>
+              </a:rPr>
+              <a:t>Reinforcement learning</a:t>
+            </a:r>
+          </a:p>
+          <a:p>
+            <a:pPr marL="0" indent="0">
+              <a:buNone/>
+            </a:pPr>
             <a:endParaRPr lang="en-US" sz="2400" dirty="0"/>
           </a:p>
         </p:txBody>
@@ -9556,7 +8634,7 @@
                 <a:effectLst/>
                 <a:latin typeface="Arial" panose="020B0604020202020204" pitchFamily="34" charset="0"/>
               </a:rPr>
-              <a:t>Have a try at University of Alberta’s poker-playing programs (since 1995)</a:t>
+              <a:t>Have a try at University of Alberta’s poker-playing programs</a:t>
             </a:r>
             <a:endParaRPr lang="en-US" sz="2400" b="0" i="0" dirty="0">
               <a:effectLst/>
@@ -10411,6 +9489,41 @@
               </a:rPr>
               <a:t>Chris "Jesus" Ferguson, winner of six World Series of Poker events</a:t>
             </a:r>
+          </a:p>
+          <a:p>
+            <a:pPr marL="0" marR="0" lvl="0" indent="0" algn="l" defTabSz="914400" rtl="0" eaLnBrk="1" fontAlgn="auto" latinLnBrk="0" hangingPunct="1">
+              <a:lnSpc>
+                <a:spcPct val="100000"/>
+              </a:lnSpc>
+              <a:spcBef>
+                <a:spcPts val="0"/>
+              </a:spcBef>
+              <a:spcAft>
+                <a:spcPts val="0"/>
+              </a:spcAft>
+              <a:buClrTx/>
+              <a:buSzTx/>
+              <a:buFontTx/>
+              <a:buNone/>
+              <a:tabLst/>
+              <a:defRPr/>
+            </a:pPr>
+            <a:r>
+              <a:rPr lang="en-US" sz="2400" dirty="0">
+                <a:solidFill>
+                  <a:srgbClr val="333333"/>
+                </a:solidFill>
+                <a:latin typeface="Helvetica Neue"/>
+              </a:rPr>
+              <a:t>5,000 hands</a:t>
+            </a:r>
+            <a:endParaRPr lang="en-US" sz="2400" b="0" i="0" dirty="0">
+              <a:solidFill>
+                <a:srgbClr val="333333"/>
+              </a:solidFill>
+              <a:effectLst/>
+              <a:latin typeface="Helvetica Neue"/>
+            </a:endParaRPr>
           </a:p>
         </p:txBody>
       </p:sp>
